--- a/Projet_5/p5.pptx
+++ b/Projet_5/p5.pptx
@@ -5,7 +5,7 @@
     <p:sldMasterId id="2147483660" r:id="rId1"/>
   </p:sldMasterIdLst>
   <p:notesMasterIdLst>
-    <p:notesMasterId r:id="rId48"/>
+    <p:notesMasterId r:id="rId50"/>
   </p:notesMasterIdLst>
   <p:sldIdLst>
     <p:sldId id="256" r:id="rId2"/>
@@ -16,44 +16,46 @@
     <p:sldId id="317" r:id="rId7"/>
     <p:sldId id="293" r:id="rId8"/>
     <p:sldId id="338" r:id="rId9"/>
-    <p:sldId id="350" r:id="rId10"/>
-    <p:sldId id="327" r:id="rId11"/>
-    <p:sldId id="349" r:id="rId12"/>
-    <p:sldId id="339" r:id="rId13"/>
-    <p:sldId id="340" r:id="rId14"/>
-    <p:sldId id="341" r:id="rId15"/>
-    <p:sldId id="345" r:id="rId16"/>
-    <p:sldId id="346" r:id="rId17"/>
-    <p:sldId id="347" r:id="rId18"/>
-    <p:sldId id="348" r:id="rId19"/>
-    <p:sldId id="318" r:id="rId20"/>
-    <p:sldId id="303" r:id="rId21"/>
-    <p:sldId id="342" r:id="rId22"/>
-    <p:sldId id="343" r:id="rId23"/>
-    <p:sldId id="344" r:id="rId24"/>
+    <p:sldId id="327" r:id="rId10"/>
+    <p:sldId id="349" r:id="rId11"/>
+    <p:sldId id="339" r:id="rId12"/>
+    <p:sldId id="340" r:id="rId13"/>
+    <p:sldId id="341" r:id="rId14"/>
+    <p:sldId id="345" r:id="rId15"/>
+    <p:sldId id="350" r:id="rId16"/>
+    <p:sldId id="360" r:id="rId17"/>
+    <p:sldId id="361" r:id="rId18"/>
+    <p:sldId id="346" r:id="rId19"/>
+    <p:sldId id="347" r:id="rId20"/>
+    <p:sldId id="348" r:id="rId21"/>
+    <p:sldId id="318" r:id="rId22"/>
+    <p:sldId id="303" r:id="rId23"/>
+    <p:sldId id="342" r:id="rId24"/>
     <p:sldId id="305" r:id="rId25"/>
-    <p:sldId id="308" r:id="rId26"/>
-    <p:sldId id="336" r:id="rId27"/>
-    <p:sldId id="353" r:id="rId28"/>
-    <p:sldId id="328" r:id="rId29"/>
-    <p:sldId id="322" r:id="rId30"/>
-    <p:sldId id="310" r:id="rId31"/>
-    <p:sldId id="320" r:id="rId32"/>
-    <p:sldId id="312" r:id="rId33"/>
-    <p:sldId id="335" r:id="rId34"/>
-    <p:sldId id="359" r:id="rId35"/>
-    <p:sldId id="356" r:id="rId36"/>
-    <p:sldId id="352" r:id="rId37"/>
-    <p:sldId id="354" r:id="rId38"/>
-    <p:sldId id="355" r:id="rId39"/>
-    <p:sldId id="358" r:id="rId40"/>
-    <p:sldId id="351" r:id="rId41"/>
-    <p:sldId id="319" r:id="rId42"/>
-    <p:sldId id="314" r:id="rId43"/>
-    <p:sldId id="329" r:id="rId44"/>
-    <p:sldId id="357" r:id="rId45"/>
-    <p:sldId id="315" r:id="rId46"/>
-    <p:sldId id="331" r:id="rId47"/>
+    <p:sldId id="343" r:id="rId26"/>
+    <p:sldId id="344" r:id="rId27"/>
+    <p:sldId id="308" r:id="rId28"/>
+    <p:sldId id="336" r:id="rId29"/>
+    <p:sldId id="353" r:id="rId30"/>
+    <p:sldId id="328" r:id="rId31"/>
+    <p:sldId id="322" r:id="rId32"/>
+    <p:sldId id="310" r:id="rId33"/>
+    <p:sldId id="320" r:id="rId34"/>
+    <p:sldId id="312" r:id="rId35"/>
+    <p:sldId id="358" r:id="rId36"/>
+    <p:sldId id="363" r:id="rId37"/>
+    <p:sldId id="335" r:id="rId38"/>
+    <p:sldId id="359" r:id="rId39"/>
+    <p:sldId id="356" r:id="rId40"/>
+    <p:sldId id="352" r:id="rId41"/>
+    <p:sldId id="364" r:id="rId42"/>
+    <p:sldId id="362" r:id="rId43"/>
+    <p:sldId id="319" r:id="rId44"/>
+    <p:sldId id="314" r:id="rId45"/>
+    <p:sldId id="329" r:id="rId46"/>
+    <p:sldId id="357" r:id="rId47"/>
+    <p:sldId id="315" r:id="rId48"/>
+    <p:sldId id="331" r:id="rId49"/>
   </p:sldIdLst>
   <p:sldSz cx="12192000" cy="6858000"/>
   <p:notesSz cx="6858000" cy="9144000"/>
@@ -4148,7 +4150,7 @@
         <p:spPr>
           <a:xfrm>
             <a:off x="40323" y="1340768"/>
-            <a:ext cx="1763071" cy="2646878"/>
+            <a:ext cx="1763071" cy="2862322"/>
           </a:xfrm>
           <a:prstGeom prst="rect">
             <a:avLst/>
@@ -4229,7 +4231,7 @@
                   <a:srgbClr val="0070C0"/>
                 </a:solidFill>
               </a:rPr>
-              <a:t>Modèle final, performances et améliorations</a:t>
+              <a:t>Contrainte : Rajout de biais</a:t>
             </a:r>
           </a:p>
           <a:p>
@@ -4247,7 +4249,7 @@
                   <a:srgbClr val="0070C0"/>
                 </a:solidFill>
               </a:rPr>
-              <a:t>API</a:t>
+              <a:t>Modèle final, performances et améliorations</a:t>
             </a:r>
           </a:p>
         </p:txBody>
@@ -4517,7 +4519,7 @@
         <p:spPr>
           <a:xfrm>
             <a:off x="40323" y="1340768"/>
-            <a:ext cx="1763071" cy="2646878"/>
+            <a:ext cx="1763071" cy="2862322"/>
           </a:xfrm>
           <a:prstGeom prst="rect">
             <a:avLst/>
@@ -4598,7 +4600,7 @@
                   <a:srgbClr val="0070C0"/>
                 </a:solidFill>
               </a:rPr>
-              <a:t>Modèle final, performances et améliorations</a:t>
+              <a:t>Contrainte : Rajout de biais</a:t>
             </a:r>
           </a:p>
           <a:p>
@@ -4616,7 +4618,7 @@
                   <a:srgbClr val="0070C0"/>
                 </a:solidFill>
               </a:rPr>
-              <a:t>API</a:t>
+              <a:t>Modèle final, performances et améliorations</a:t>
             </a:r>
           </a:p>
         </p:txBody>
@@ -4886,7 +4888,7 @@
         <p:spPr>
           <a:xfrm>
             <a:off x="40323" y="1340768"/>
-            <a:ext cx="1763071" cy="2646878"/>
+            <a:ext cx="1763071" cy="2862322"/>
           </a:xfrm>
           <a:prstGeom prst="rect">
             <a:avLst/>
@@ -4967,7 +4969,7 @@
                   <a:srgbClr val="0070C0"/>
                 </a:solidFill>
               </a:rPr>
-              <a:t>Modèle final, performances et améliorations</a:t>
+              <a:t>Contrainte : Rajout de biais</a:t>
             </a:r>
           </a:p>
           <a:p>
@@ -4985,7 +4987,7 @@
                   <a:srgbClr val="0070C0"/>
                 </a:solidFill>
               </a:rPr>
-              <a:t>API</a:t>
+              <a:t>Modèle final, performances et améliorations</a:t>
             </a:r>
           </a:p>
         </p:txBody>
@@ -5036,8 +5038,8 @@
         </p:nvSpPr>
         <p:spPr>
           <a:xfrm>
-            <a:off x="115349" y="2898989"/>
-            <a:ext cx="1560238" cy="683965"/>
+            <a:off x="115349" y="2898990"/>
+            <a:ext cx="1560238" cy="441370"/>
           </a:xfrm>
           <a:prstGeom prst="roundRect">
             <a:avLst/>
@@ -5255,7 +5257,7 @@
         <p:spPr>
           <a:xfrm>
             <a:off x="40323" y="1340768"/>
-            <a:ext cx="1763071" cy="2646878"/>
+            <a:ext cx="1763071" cy="2862322"/>
           </a:xfrm>
           <a:prstGeom prst="rect">
             <a:avLst/>
@@ -5336,7 +5338,7 @@
                   <a:srgbClr val="0070C0"/>
                 </a:solidFill>
               </a:rPr>
-              <a:t>Modèle final, performances et améliorations</a:t>
+              <a:t>Contrainte : Rajout de biais</a:t>
             </a:r>
           </a:p>
           <a:p>
@@ -5354,7 +5356,7 @@
                   <a:srgbClr val="0070C0"/>
                 </a:solidFill>
               </a:rPr>
-              <a:t>API</a:t>
+              <a:t>Modèle final, performances et améliorations</a:t>
             </a:r>
           </a:p>
         </p:txBody>
@@ -5405,8 +5407,8 @@
         </p:nvSpPr>
         <p:spPr>
           <a:xfrm>
-            <a:off x="115349" y="3682763"/>
-            <a:ext cx="1560238" cy="264096"/>
+            <a:off x="115349" y="3517640"/>
+            <a:ext cx="1560238" cy="597159"/>
           </a:xfrm>
           <a:prstGeom prst="roundRect">
             <a:avLst/>
@@ -5624,7 +5626,7 @@
         <p:spPr>
           <a:xfrm>
             <a:off x="40323" y="1340768"/>
-            <a:ext cx="1763071" cy="2646878"/>
+            <a:ext cx="1763071" cy="2862322"/>
           </a:xfrm>
           <a:prstGeom prst="rect">
             <a:avLst/>
@@ -5705,7 +5707,7 @@
                   <a:srgbClr val="0070C0"/>
                 </a:solidFill>
               </a:rPr>
-              <a:t>Modèle final, performances et améliorations</a:t>
+              <a:t>Contrainte : Rajout de biais</a:t>
             </a:r>
           </a:p>
           <a:p>
@@ -5723,7 +5725,7 @@
                   <a:srgbClr val="0070C0"/>
                 </a:solidFill>
               </a:rPr>
-              <a:t>API</a:t>
+              <a:t>Modèle final, performances et améliorations</a:t>
             </a:r>
           </a:p>
         </p:txBody>
@@ -7875,7 +7877,7 @@
           <p:cNvPr id="2" name="Titre 1">
             <a:extLst>
               <a:ext uri="{FF2B5EF4-FFF2-40B4-BE49-F238E27FC236}">
-                <a16:creationId xmlns:a16="http://schemas.microsoft.com/office/drawing/2014/main" id="{5E03FFF1-6CC0-4BF2-A958-63073FC08DE6}"/>
+                <a16:creationId xmlns:a16="http://schemas.microsoft.com/office/drawing/2014/main" id="{47D88A0E-B839-453D-9859-0B0D61FDF5AB}"/>
               </a:ext>
             </a:extLst>
           </p:cNvPr>
@@ -7892,10 +7894,9 @@
           <a:lstStyle/>
           <a:p>
             <a:r>
-              <a:rPr lang="fr-FR"/>
+              <a:rPr lang="fr-FR" dirty="0"/>
               <a:t>LES DONNEES</a:t>
             </a:r>
-            <a:endParaRPr lang="fr-FR" dirty="0"/>
           </a:p>
         </p:txBody>
       </p:sp>
@@ -7904,7 +7905,7 @@
           <p:cNvPr id="3" name="Espace réservé du contenu 2">
             <a:extLst>
               <a:ext uri="{FF2B5EF4-FFF2-40B4-BE49-F238E27FC236}">
-                <a16:creationId xmlns:a16="http://schemas.microsoft.com/office/drawing/2014/main" id="{B9350718-7323-45F1-9111-62B37491FA6E}"/>
+                <a16:creationId xmlns:a16="http://schemas.microsoft.com/office/drawing/2014/main" id="{D8E7EE7E-56EF-4B02-9DF8-C2DFA512E4F6}"/>
               </a:ext>
             </a:extLst>
           </p:cNvPr>
@@ -7915,181 +7916,24 @@
             <p:ph idx="1"/>
           </p:nvPr>
         </p:nvSpPr>
-        <p:spPr>
-          <a:xfrm>
-            <a:off x="2023539" y="2241709"/>
-            <a:ext cx="10025122" cy="4499659"/>
-          </a:xfrm>
-        </p:spPr>
+        <p:spPr/>
         <p:txBody>
-          <a:bodyPr numCol="3">
-            <a:normAutofit fontScale="85000" lnSpcReduction="10000"/>
-          </a:bodyPr>
+          <a:bodyPr/>
           <a:lstStyle/>
           <a:p>
             <a:r>
-              <a:rPr lang="fr-FR" u="sng" dirty="0">
-                <a:solidFill>
-                  <a:srgbClr val="FF0000"/>
-                </a:solidFill>
-              </a:rPr>
-              <a:t>Extraction de données</a:t>
-            </a:r>
-            <a:endParaRPr lang="fr-FR" dirty="0"/>
-          </a:p>
-          <a:p>
-            <a:r>
               <a:rPr lang="fr-FR" dirty="0"/>
-              <a:t>Somme totale par facture</a:t>
-            </a:r>
-          </a:p>
-          <a:p>
-            <a:r>
-              <a:rPr lang="fr-FR" dirty="0"/>
-              <a:t>Nombre d'articles par facture</a:t>
-            </a:r>
-          </a:p>
-          <a:p>
-            <a:r>
-              <a:rPr lang="fr-FR" dirty="0"/>
-              <a:t>Nombre d'articles différents par facture</a:t>
-            </a:r>
-          </a:p>
-          <a:p>
-            <a:r>
-              <a:rPr lang="fr-FR" dirty="0"/>
-              <a:t>Nombre de factures par client</a:t>
-            </a:r>
-          </a:p>
-          <a:p>
-            <a:r>
-              <a:rPr lang="fr-FR" u="sng" dirty="0">
-                <a:solidFill>
-                  <a:srgbClr val="FF0000"/>
-                </a:solidFill>
-              </a:rPr>
-              <a:t>Calculs de moyennes</a:t>
-            </a:r>
-          </a:p>
-          <a:p>
-            <a:r>
-              <a:rPr lang="fr-FR" dirty="0"/>
-              <a:t>Moyenne d'articles par facture</a:t>
-            </a:r>
-          </a:p>
-          <a:p>
-            <a:r>
-              <a:rPr lang="fr-FR" dirty="0"/>
-              <a:t>Moyenne de la somme par facture</a:t>
-            </a:r>
-          </a:p>
-          <a:p>
-            <a:r>
-              <a:rPr lang="fr-FR" dirty="0"/>
-              <a:t>Moyenne d'articles différents (catégorie) par facture</a:t>
-            </a:r>
-          </a:p>
-          <a:p>
-            <a:r>
-              <a:rPr lang="fr-FR" dirty="0"/>
-              <a:t>Moyenne de la somme par catégorie</a:t>
-            </a:r>
-          </a:p>
-          <a:p>
-            <a:r>
-              <a:rPr lang="fr-FR" u="sng" dirty="0">
-                <a:solidFill>
-                  <a:srgbClr val="FF0000"/>
-                </a:solidFill>
-              </a:rPr>
-              <a:t>Intervalles temporels</a:t>
-            </a:r>
-          </a:p>
-          <a:p>
-            <a:r>
-              <a:rPr lang="fr-FR" dirty="0"/>
-              <a:t>Heure d’achat</a:t>
-            </a:r>
-          </a:p>
-          <a:p>
-            <a:r>
-              <a:rPr lang="fr-FR" dirty="0"/>
-              <a:t>Jour d’achat (semaine)</a:t>
-            </a:r>
-          </a:p>
-          <a:p>
-            <a:r>
-              <a:rPr lang="fr-FR" dirty="0"/>
-              <a:t>Mois d’achat</a:t>
-            </a:r>
-          </a:p>
-          <a:p>
-            <a:pPr lvl="1"/>
-            <a:endParaRPr lang="fr-FR" sz="2400" dirty="0"/>
+              <a:t>Afin de se faire une idée plus précise de ces nouvelles données, nous allons observer via des graphiques leurs répartitions.</a:t>
+            </a:r>
           </a:p>
         </p:txBody>
       </p:sp>
       <p:sp>
         <p:nvSpPr>
-          <p:cNvPr id="4" name="ZoneTexte 3">
+          <p:cNvPr id="4" name="Flèche droite 4">
             <a:extLst>
               <a:ext uri="{FF2B5EF4-FFF2-40B4-BE49-F238E27FC236}">
-                <a16:creationId xmlns:a16="http://schemas.microsoft.com/office/drawing/2014/main" id="{7019583A-10CE-4332-B088-30C309EAD3E2}"/>
-              </a:ext>
-            </a:extLst>
-          </p:cNvPr>
-          <p:cNvSpPr txBox="1"/>
-          <p:nvPr/>
-        </p:nvSpPr>
-        <p:spPr>
-          <a:xfrm>
-            <a:off x="2023539" y="1335172"/>
-            <a:ext cx="9919645" cy="830997"/>
-          </a:xfrm>
-          <a:prstGeom prst="rect">
-            <a:avLst/>
-          </a:prstGeom>
-          <a:noFill/>
-        </p:spPr>
-        <p:txBody>
-          <a:bodyPr wrap="square" rtlCol="0">
-            <a:spAutoFit/>
-          </a:bodyPr>
-          <a:lstStyle/>
-          <a:p>
-            <a:pPr marL="228600" indent="-228600">
-              <a:spcBef>
-                <a:spcPts val="600"/>
-              </a:spcBef>
-              <a:spcAft>
-                <a:spcPts val="600"/>
-              </a:spcAft>
-              <a:buClr>
-                <a:schemeClr val="accent2"/>
-              </a:buClr>
-              <a:buFont typeface="Arial" panose="020B0604020202020204" pitchFamily="34" charset="0"/>
-              <a:buChar char="•"/>
-            </a:pPr>
-            <a:r>
-              <a:rPr lang="fr-FR" sz="2400" dirty="0">
-                <a:solidFill>
-                  <a:schemeClr val="tx1">
-                    <a:lumMod val="85000"/>
-                    <a:lumOff val="15000"/>
-                  </a:schemeClr>
-                </a:solidFill>
-              </a:rPr>
-              <a:t>De ces données complètes, nous allons « créer » celles qui nous apporterons plus d’informations que celles-ci qui sont à l’état brut.</a:t>
-            </a:r>
-          </a:p>
-        </p:txBody>
-      </p:sp>
-      <p:sp>
-        <p:nvSpPr>
-          <p:cNvPr id="6" name="Flèche droite 4">
-            <a:extLst>
-              <a:ext uri="{FF2B5EF4-FFF2-40B4-BE49-F238E27FC236}">
-                <a16:creationId xmlns:a16="http://schemas.microsoft.com/office/drawing/2014/main" id="{9B784CF0-AB7C-45FE-A8B9-B4B3D025BE97}"/>
+                <a16:creationId xmlns:a16="http://schemas.microsoft.com/office/drawing/2014/main" id="{2BEF9A7C-57D9-4C27-ABCD-360EE47AD9DB}"/>
               </a:ext>
             </a:extLst>
           </p:cNvPr>
@@ -8132,25 +7976,13 @@
     </p:spTree>
     <p:extLst>
       <p:ext uri="{BB962C8B-B14F-4D97-AF65-F5344CB8AC3E}">
-        <p14:creationId xmlns:p14="http://schemas.microsoft.com/office/powerpoint/2010/main" val="450634909"/>
+        <p14:creationId xmlns:p14="http://schemas.microsoft.com/office/powerpoint/2010/main" val="790932178"/>
       </p:ext>
     </p:extLst>
   </p:cSld>
   <p:clrMapOvr>
     <a:masterClrMapping/>
   </p:clrMapOvr>
-  <mc:AlternateContent xmlns:mc="http://schemas.openxmlformats.org/markup-compatibility/2006" xmlns:p14="http://schemas.microsoft.com/office/powerpoint/2010/main">
-    <mc:Choice Requires="p14">
-      <p:transition spd="med" p14:dur="700">
-        <p:fade/>
-      </p:transition>
-    </mc:Choice>
-    <mc:Fallback xmlns="">
-      <p:transition spd="med">
-        <p:fade/>
-      </p:transition>
-    </mc:Fallback>
-  </mc:AlternateContent>
   <p:timing>
     <p:tnLst>
       <p:par>
@@ -8163,6 +7995,9 @@
                     <p:cTn id="3" fill="hold">
                       <p:stCondLst>
                         <p:cond delay="indefinite"/>
+                        <p:cond evt="onBegin" delay="0">
+                          <p:tn val="2"/>
+                        </p:cond>
                       </p:stCondLst>
                       <p:childTnLst>
                         <p:par>
@@ -8172,7 +8007,7 @@
                             </p:stCondLst>
                             <p:childTnLst>
                               <p:par>
-                                <p:cTn id="5" presetID="1" presetClass="entr" presetSubtype="0" fill="hold" grpId="0" nodeType="clickEffect">
+                                <p:cTn id="5" presetID="1" presetClass="entr" presetSubtype="0" fill="hold" grpId="0" nodeType="afterEffect">
                                   <p:stCondLst>
                                     <p:cond delay="0"/>
                                   </p:stCondLst>
@@ -8186,728 +8021,6 @@
                                         </p:cTn>
                                         <p:tgtEl>
                                           <p:spTgt spid="4"/>
-                                        </p:tgtEl>
-                                        <p:attrNameLst>
-                                          <p:attrName>style.visibility</p:attrName>
-                                        </p:attrNameLst>
-                                      </p:cBhvr>
-                                      <p:to>
-                                        <p:strVal val="visible"/>
-                                      </p:to>
-                                    </p:set>
-                                  </p:childTnLst>
-                                </p:cTn>
-                              </p:par>
-                            </p:childTnLst>
-                          </p:cTn>
-                        </p:par>
-                      </p:childTnLst>
-                    </p:cTn>
-                  </p:par>
-                  <p:par>
-                    <p:cTn id="7" fill="hold">
-                      <p:stCondLst>
-                        <p:cond delay="indefinite"/>
-                      </p:stCondLst>
-                      <p:childTnLst>
-                        <p:par>
-                          <p:cTn id="8" fill="hold">
-                            <p:stCondLst>
-                              <p:cond delay="0"/>
-                            </p:stCondLst>
-                            <p:childTnLst>
-                              <p:par>
-                                <p:cTn id="9" presetID="1" presetClass="entr" presetSubtype="0" fill="hold" grpId="0" nodeType="clickEffect">
-                                  <p:stCondLst>
-                                    <p:cond delay="0"/>
-                                  </p:stCondLst>
-                                  <p:childTnLst>
-                                    <p:set>
-                                      <p:cBhvr>
-                                        <p:cTn id="10" dur="1" fill="hold">
-                                          <p:stCondLst>
-                                            <p:cond delay="0"/>
-                                          </p:stCondLst>
-                                        </p:cTn>
-                                        <p:tgtEl>
-                                          <p:spTgt spid="3">
-                                            <p:txEl>
-                                              <p:pRg st="0" end="0"/>
-                                            </p:txEl>
-                                          </p:spTgt>
-                                        </p:tgtEl>
-                                        <p:attrNameLst>
-                                          <p:attrName>style.visibility</p:attrName>
-                                        </p:attrNameLst>
-                                      </p:cBhvr>
-                                      <p:to>
-                                        <p:strVal val="visible"/>
-                                      </p:to>
-                                    </p:set>
-                                  </p:childTnLst>
-                                </p:cTn>
-                              </p:par>
-                            </p:childTnLst>
-                          </p:cTn>
-                        </p:par>
-                      </p:childTnLst>
-                    </p:cTn>
-                  </p:par>
-                  <p:par>
-                    <p:cTn id="11" fill="hold">
-                      <p:stCondLst>
-                        <p:cond delay="indefinite"/>
-                      </p:stCondLst>
-                      <p:childTnLst>
-                        <p:par>
-                          <p:cTn id="12" fill="hold">
-                            <p:stCondLst>
-                              <p:cond delay="0"/>
-                            </p:stCondLst>
-                            <p:childTnLst>
-                              <p:par>
-                                <p:cTn id="13" presetID="1" presetClass="entr" presetSubtype="0" fill="hold" grpId="0" nodeType="clickEffect">
-                                  <p:stCondLst>
-                                    <p:cond delay="0"/>
-                                  </p:stCondLst>
-                                  <p:childTnLst>
-                                    <p:set>
-                                      <p:cBhvr>
-                                        <p:cTn id="14" dur="1" fill="hold">
-                                          <p:stCondLst>
-                                            <p:cond delay="0"/>
-                                          </p:stCondLst>
-                                        </p:cTn>
-                                        <p:tgtEl>
-                                          <p:spTgt spid="3">
-                                            <p:txEl>
-                                              <p:pRg st="1" end="1"/>
-                                            </p:txEl>
-                                          </p:spTgt>
-                                        </p:tgtEl>
-                                        <p:attrNameLst>
-                                          <p:attrName>style.visibility</p:attrName>
-                                        </p:attrNameLst>
-                                      </p:cBhvr>
-                                      <p:to>
-                                        <p:strVal val="visible"/>
-                                      </p:to>
-                                    </p:set>
-                                  </p:childTnLst>
-                                </p:cTn>
-                              </p:par>
-                            </p:childTnLst>
-                          </p:cTn>
-                        </p:par>
-                      </p:childTnLst>
-                    </p:cTn>
-                  </p:par>
-                  <p:par>
-                    <p:cTn id="15" fill="hold">
-                      <p:stCondLst>
-                        <p:cond delay="indefinite"/>
-                      </p:stCondLst>
-                      <p:childTnLst>
-                        <p:par>
-                          <p:cTn id="16" fill="hold">
-                            <p:stCondLst>
-                              <p:cond delay="0"/>
-                            </p:stCondLst>
-                            <p:childTnLst>
-                              <p:par>
-                                <p:cTn id="17" presetID="1" presetClass="entr" presetSubtype="0" fill="hold" grpId="0" nodeType="clickEffect">
-                                  <p:stCondLst>
-                                    <p:cond delay="0"/>
-                                  </p:stCondLst>
-                                  <p:childTnLst>
-                                    <p:set>
-                                      <p:cBhvr>
-                                        <p:cTn id="18" dur="1" fill="hold">
-                                          <p:stCondLst>
-                                            <p:cond delay="0"/>
-                                          </p:stCondLst>
-                                        </p:cTn>
-                                        <p:tgtEl>
-                                          <p:spTgt spid="3">
-                                            <p:txEl>
-                                              <p:pRg st="2" end="2"/>
-                                            </p:txEl>
-                                          </p:spTgt>
-                                        </p:tgtEl>
-                                        <p:attrNameLst>
-                                          <p:attrName>style.visibility</p:attrName>
-                                        </p:attrNameLst>
-                                      </p:cBhvr>
-                                      <p:to>
-                                        <p:strVal val="visible"/>
-                                      </p:to>
-                                    </p:set>
-                                  </p:childTnLst>
-                                </p:cTn>
-                              </p:par>
-                            </p:childTnLst>
-                          </p:cTn>
-                        </p:par>
-                      </p:childTnLst>
-                    </p:cTn>
-                  </p:par>
-                  <p:par>
-                    <p:cTn id="19" fill="hold">
-                      <p:stCondLst>
-                        <p:cond delay="indefinite"/>
-                      </p:stCondLst>
-                      <p:childTnLst>
-                        <p:par>
-                          <p:cTn id="20" fill="hold">
-                            <p:stCondLst>
-                              <p:cond delay="0"/>
-                            </p:stCondLst>
-                            <p:childTnLst>
-                              <p:par>
-                                <p:cTn id="21" presetID="1" presetClass="entr" presetSubtype="0" fill="hold" grpId="0" nodeType="clickEffect">
-                                  <p:stCondLst>
-                                    <p:cond delay="0"/>
-                                  </p:stCondLst>
-                                  <p:childTnLst>
-                                    <p:set>
-                                      <p:cBhvr>
-                                        <p:cTn id="22" dur="1" fill="hold">
-                                          <p:stCondLst>
-                                            <p:cond delay="0"/>
-                                          </p:stCondLst>
-                                        </p:cTn>
-                                        <p:tgtEl>
-                                          <p:spTgt spid="3">
-                                            <p:txEl>
-                                              <p:pRg st="3" end="3"/>
-                                            </p:txEl>
-                                          </p:spTgt>
-                                        </p:tgtEl>
-                                        <p:attrNameLst>
-                                          <p:attrName>style.visibility</p:attrName>
-                                        </p:attrNameLst>
-                                      </p:cBhvr>
-                                      <p:to>
-                                        <p:strVal val="visible"/>
-                                      </p:to>
-                                    </p:set>
-                                  </p:childTnLst>
-                                </p:cTn>
-                              </p:par>
-                            </p:childTnLst>
-                          </p:cTn>
-                        </p:par>
-                      </p:childTnLst>
-                    </p:cTn>
-                  </p:par>
-                  <p:par>
-                    <p:cTn id="23" fill="hold">
-                      <p:stCondLst>
-                        <p:cond delay="indefinite"/>
-                      </p:stCondLst>
-                      <p:childTnLst>
-                        <p:par>
-                          <p:cTn id="24" fill="hold">
-                            <p:stCondLst>
-                              <p:cond delay="0"/>
-                            </p:stCondLst>
-                            <p:childTnLst>
-                              <p:par>
-                                <p:cTn id="25" presetID="1" presetClass="entr" presetSubtype="0" fill="hold" grpId="0" nodeType="clickEffect">
-                                  <p:stCondLst>
-                                    <p:cond delay="0"/>
-                                  </p:stCondLst>
-                                  <p:childTnLst>
-                                    <p:set>
-                                      <p:cBhvr>
-                                        <p:cTn id="26" dur="1" fill="hold">
-                                          <p:stCondLst>
-                                            <p:cond delay="0"/>
-                                          </p:stCondLst>
-                                        </p:cTn>
-                                        <p:tgtEl>
-                                          <p:spTgt spid="3">
-                                            <p:txEl>
-                                              <p:pRg st="4" end="4"/>
-                                            </p:txEl>
-                                          </p:spTgt>
-                                        </p:tgtEl>
-                                        <p:attrNameLst>
-                                          <p:attrName>style.visibility</p:attrName>
-                                        </p:attrNameLst>
-                                      </p:cBhvr>
-                                      <p:to>
-                                        <p:strVal val="visible"/>
-                                      </p:to>
-                                    </p:set>
-                                  </p:childTnLst>
-                                </p:cTn>
-                              </p:par>
-                            </p:childTnLst>
-                          </p:cTn>
-                        </p:par>
-                      </p:childTnLst>
-                    </p:cTn>
-                  </p:par>
-                  <p:par>
-                    <p:cTn id="27" fill="hold">
-                      <p:stCondLst>
-                        <p:cond delay="indefinite"/>
-                      </p:stCondLst>
-                      <p:childTnLst>
-                        <p:par>
-                          <p:cTn id="28" fill="hold">
-                            <p:stCondLst>
-                              <p:cond delay="0"/>
-                            </p:stCondLst>
-                            <p:childTnLst>
-                              <p:par>
-                                <p:cTn id="29" presetID="1" presetClass="entr" presetSubtype="0" fill="hold" grpId="0" nodeType="clickEffect">
-                                  <p:stCondLst>
-                                    <p:cond delay="0"/>
-                                  </p:stCondLst>
-                                  <p:childTnLst>
-                                    <p:set>
-                                      <p:cBhvr>
-                                        <p:cTn id="30" dur="1" fill="hold">
-                                          <p:stCondLst>
-                                            <p:cond delay="0"/>
-                                          </p:stCondLst>
-                                        </p:cTn>
-                                        <p:tgtEl>
-                                          <p:spTgt spid="3">
-                                            <p:txEl>
-                                              <p:pRg st="5" end="5"/>
-                                            </p:txEl>
-                                          </p:spTgt>
-                                        </p:tgtEl>
-                                        <p:attrNameLst>
-                                          <p:attrName>style.visibility</p:attrName>
-                                        </p:attrNameLst>
-                                      </p:cBhvr>
-                                      <p:to>
-                                        <p:strVal val="visible"/>
-                                      </p:to>
-                                    </p:set>
-                                  </p:childTnLst>
-                                </p:cTn>
-                              </p:par>
-                            </p:childTnLst>
-                          </p:cTn>
-                        </p:par>
-                      </p:childTnLst>
-                    </p:cTn>
-                  </p:par>
-                  <p:par>
-                    <p:cTn id="31" fill="hold">
-                      <p:stCondLst>
-                        <p:cond delay="indefinite"/>
-                      </p:stCondLst>
-                      <p:childTnLst>
-                        <p:par>
-                          <p:cTn id="32" fill="hold">
-                            <p:stCondLst>
-                              <p:cond delay="0"/>
-                            </p:stCondLst>
-                            <p:childTnLst>
-                              <p:par>
-                                <p:cTn id="33" presetID="1" presetClass="entr" presetSubtype="0" fill="hold" grpId="0" nodeType="clickEffect">
-                                  <p:stCondLst>
-                                    <p:cond delay="0"/>
-                                  </p:stCondLst>
-                                  <p:childTnLst>
-                                    <p:set>
-                                      <p:cBhvr>
-                                        <p:cTn id="34" dur="1" fill="hold">
-                                          <p:stCondLst>
-                                            <p:cond delay="0"/>
-                                          </p:stCondLst>
-                                        </p:cTn>
-                                        <p:tgtEl>
-                                          <p:spTgt spid="3">
-                                            <p:txEl>
-                                              <p:pRg st="6" end="6"/>
-                                            </p:txEl>
-                                          </p:spTgt>
-                                        </p:tgtEl>
-                                        <p:attrNameLst>
-                                          <p:attrName>style.visibility</p:attrName>
-                                        </p:attrNameLst>
-                                      </p:cBhvr>
-                                      <p:to>
-                                        <p:strVal val="visible"/>
-                                      </p:to>
-                                    </p:set>
-                                  </p:childTnLst>
-                                </p:cTn>
-                              </p:par>
-                            </p:childTnLst>
-                          </p:cTn>
-                        </p:par>
-                      </p:childTnLst>
-                    </p:cTn>
-                  </p:par>
-                  <p:par>
-                    <p:cTn id="35" fill="hold">
-                      <p:stCondLst>
-                        <p:cond delay="indefinite"/>
-                      </p:stCondLst>
-                      <p:childTnLst>
-                        <p:par>
-                          <p:cTn id="36" fill="hold">
-                            <p:stCondLst>
-                              <p:cond delay="0"/>
-                            </p:stCondLst>
-                            <p:childTnLst>
-                              <p:par>
-                                <p:cTn id="37" presetID="1" presetClass="entr" presetSubtype="0" fill="hold" grpId="0" nodeType="clickEffect">
-                                  <p:stCondLst>
-                                    <p:cond delay="0"/>
-                                  </p:stCondLst>
-                                  <p:childTnLst>
-                                    <p:set>
-                                      <p:cBhvr>
-                                        <p:cTn id="38" dur="1" fill="hold">
-                                          <p:stCondLst>
-                                            <p:cond delay="0"/>
-                                          </p:stCondLst>
-                                        </p:cTn>
-                                        <p:tgtEl>
-                                          <p:spTgt spid="3">
-                                            <p:txEl>
-                                              <p:pRg st="7" end="7"/>
-                                            </p:txEl>
-                                          </p:spTgt>
-                                        </p:tgtEl>
-                                        <p:attrNameLst>
-                                          <p:attrName>style.visibility</p:attrName>
-                                        </p:attrNameLst>
-                                      </p:cBhvr>
-                                      <p:to>
-                                        <p:strVal val="visible"/>
-                                      </p:to>
-                                    </p:set>
-                                  </p:childTnLst>
-                                </p:cTn>
-                              </p:par>
-                            </p:childTnLst>
-                          </p:cTn>
-                        </p:par>
-                      </p:childTnLst>
-                    </p:cTn>
-                  </p:par>
-                  <p:par>
-                    <p:cTn id="39" fill="hold">
-                      <p:stCondLst>
-                        <p:cond delay="indefinite"/>
-                      </p:stCondLst>
-                      <p:childTnLst>
-                        <p:par>
-                          <p:cTn id="40" fill="hold">
-                            <p:stCondLst>
-                              <p:cond delay="0"/>
-                            </p:stCondLst>
-                            <p:childTnLst>
-                              <p:par>
-                                <p:cTn id="41" presetID="1" presetClass="entr" presetSubtype="0" fill="hold" grpId="0" nodeType="clickEffect">
-                                  <p:stCondLst>
-                                    <p:cond delay="0"/>
-                                  </p:stCondLst>
-                                  <p:childTnLst>
-                                    <p:set>
-                                      <p:cBhvr>
-                                        <p:cTn id="42" dur="1" fill="hold">
-                                          <p:stCondLst>
-                                            <p:cond delay="0"/>
-                                          </p:stCondLst>
-                                        </p:cTn>
-                                        <p:tgtEl>
-                                          <p:spTgt spid="3">
-                                            <p:txEl>
-                                              <p:pRg st="8" end="8"/>
-                                            </p:txEl>
-                                          </p:spTgt>
-                                        </p:tgtEl>
-                                        <p:attrNameLst>
-                                          <p:attrName>style.visibility</p:attrName>
-                                        </p:attrNameLst>
-                                      </p:cBhvr>
-                                      <p:to>
-                                        <p:strVal val="visible"/>
-                                      </p:to>
-                                    </p:set>
-                                  </p:childTnLst>
-                                </p:cTn>
-                              </p:par>
-                            </p:childTnLst>
-                          </p:cTn>
-                        </p:par>
-                      </p:childTnLst>
-                    </p:cTn>
-                  </p:par>
-                  <p:par>
-                    <p:cTn id="43" fill="hold">
-                      <p:stCondLst>
-                        <p:cond delay="indefinite"/>
-                      </p:stCondLst>
-                      <p:childTnLst>
-                        <p:par>
-                          <p:cTn id="44" fill="hold">
-                            <p:stCondLst>
-                              <p:cond delay="0"/>
-                            </p:stCondLst>
-                            <p:childTnLst>
-                              <p:par>
-                                <p:cTn id="45" presetID="1" presetClass="entr" presetSubtype="0" fill="hold" grpId="0" nodeType="clickEffect">
-                                  <p:stCondLst>
-                                    <p:cond delay="0"/>
-                                  </p:stCondLst>
-                                  <p:childTnLst>
-                                    <p:set>
-                                      <p:cBhvr>
-                                        <p:cTn id="46" dur="1" fill="hold">
-                                          <p:stCondLst>
-                                            <p:cond delay="0"/>
-                                          </p:stCondLst>
-                                        </p:cTn>
-                                        <p:tgtEl>
-                                          <p:spTgt spid="3">
-                                            <p:txEl>
-                                              <p:pRg st="9" end="9"/>
-                                            </p:txEl>
-                                          </p:spTgt>
-                                        </p:tgtEl>
-                                        <p:attrNameLst>
-                                          <p:attrName>style.visibility</p:attrName>
-                                        </p:attrNameLst>
-                                      </p:cBhvr>
-                                      <p:to>
-                                        <p:strVal val="visible"/>
-                                      </p:to>
-                                    </p:set>
-                                  </p:childTnLst>
-                                </p:cTn>
-                              </p:par>
-                            </p:childTnLst>
-                          </p:cTn>
-                        </p:par>
-                      </p:childTnLst>
-                    </p:cTn>
-                  </p:par>
-                  <p:par>
-                    <p:cTn id="47" fill="hold">
-                      <p:stCondLst>
-                        <p:cond delay="indefinite"/>
-                      </p:stCondLst>
-                      <p:childTnLst>
-                        <p:par>
-                          <p:cTn id="48" fill="hold">
-                            <p:stCondLst>
-                              <p:cond delay="0"/>
-                            </p:stCondLst>
-                            <p:childTnLst>
-                              <p:par>
-                                <p:cTn id="49" presetID="1" presetClass="entr" presetSubtype="0" fill="hold" grpId="0" nodeType="clickEffect">
-                                  <p:stCondLst>
-                                    <p:cond delay="0"/>
-                                  </p:stCondLst>
-                                  <p:childTnLst>
-                                    <p:set>
-                                      <p:cBhvr>
-                                        <p:cTn id="50" dur="1" fill="hold">
-                                          <p:stCondLst>
-                                            <p:cond delay="0"/>
-                                          </p:stCondLst>
-                                        </p:cTn>
-                                        <p:tgtEl>
-                                          <p:spTgt spid="3">
-                                            <p:txEl>
-                                              <p:pRg st="10" end="10"/>
-                                            </p:txEl>
-                                          </p:spTgt>
-                                        </p:tgtEl>
-                                        <p:attrNameLst>
-                                          <p:attrName>style.visibility</p:attrName>
-                                        </p:attrNameLst>
-                                      </p:cBhvr>
-                                      <p:to>
-                                        <p:strVal val="visible"/>
-                                      </p:to>
-                                    </p:set>
-                                  </p:childTnLst>
-                                </p:cTn>
-                              </p:par>
-                            </p:childTnLst>
-                          </p:cTn>
-                        </p:par>
-                      </p:childTnLst>
-                    </p:cTn>
-                  </p:par>
-                  <p:par>
-                    <p:cTn id="51" fill="hold">
-                      <p:stCondLst>
-                        <p:cond delay="indefinite"/>
-                      </p:stCondLst>
-                      <p:childTnLst>
-                        <p:par>
-                          <p:cTn id="52" fill="hold">
-                            <p:stCondLst>
-                              <p:cond delay="0"/>
-                            </p:stCondLst>
-                            <p:childTnLst>
-                              <p:par>
-                                <p:cTn id="53" presetID="1" presetClass="entr" presetSubtype="0" fill="hold" grpId="0" nodeType="clickEffect">
-                                  <p:stCondLst>
-                                    <p:cond delay="0"/>
-                                  </p:stCondLst>
-                                  <p:childTnLst>
-                                    <p:set>
-                                      <p:cBhvr>
-                                        <p:cTn id="54" dur="1" fill="hold">
-                                          <p:stCondLst>
-                                            <p:cond delay="0"/>
-                                          </p:stCondLst>
-                                        </p:cTn>
-                                        <p:tgtEl>
-                                          <p:spTgt spid="3">
-                                            <p:txEl>
-                                              <p:pRg st="11" end="11"/>
-                                            </p:txEl>
-                                          </p:spTgt>
-                                        </p:tgtEl>
-                                        <p:attrNameLst>
-                                          <p:attrName>style.visibility</p:attrName>
-                                        </p:attrNameLst>
-                                      </p:cBhvr>
-                                      <p:to>
-                                        <p:strVal val="visible"/>
-                                      </p:to>
-                                    </p:set>
-                                  </p:childTnLst>
-                                </p:cTn>
-                              </p:par>
-                            </p:childTnLst>
-                          </p:cTn>
-                        </p:par>
-                      </p:childTnLst>
-                    </p:cTn>
-                  </p:par>
-                  <p:par>
-                    <p:cTn id="55" fill="hold">
-                      <p:stCondLst>
-                        <p:cond delay="indefinite"/>
-                      </p:stCondLst>
-                      <p:childTnLst>
-                        <p:par>
-                          <p:cTn id="56" fill="hold">
-                            <p:stCondLst>
-                              <p:cond delay="0"/>
-                            </p:stCondLst>
-                            <p:childTnLst>
-                              <p:par>
-                                <p:cTn id="57" presetID="1" presetClass="entr" presetSubtype="0" fill="hold" grpId="0" nodeType="clickEffect">
-                                  <p:stCondLst>
-                                    <p:cond delay="0"/>
-                                  </p:stCondLst>
-                                  <p:childTnLst>
-                                    <p:set>
-                                      <p:cBhvr>
-                                        <p:cTn id="58" dur="1" fill="hold">
-                                          <p:stCondLst>
-                                            <p:cond delay="0"/>
-                                          </p:stCondLst>
-                                        </p:cTn>
-                                        <p:tgtEl>
-                                          <p:spTgt spid="3">
-                                            <p:txEl>
-                                              <p:pRg st="12" end="12"/>
-                                            </p:txEl>
-                                          </p:spTgt>
-                                        </p:tgtEl>
-                                        <p:attrNameLst>
-                                          <p:attrName>style.visibility</p:attrName>
-                                        </p:attrNameLst>
-                                      </p:cBhvr>
-                                      <p:to>
-                                        <p:strVal val="visible"/>
-                                      </p:to>
-                                    </p:set>
-                                  </p:childTnLst>
-                                </p:cTn>
-                              </p:par>
-                            </p:childTnLst>
-                          </p:cTn>
-                        </p:par>
-                      </p:childTnLst>
-                    </p:cTn>
-                  </p:par>
-                  <p:par>
-                    <p:cTn id="59" fill="hold">
-                      <p:stCondLst>
-                        <p:cond delay="indefinite"/>
-                      </p:stCondLst>
-                      <p:childTnLst>
-                        <p:par>
-                          <p:cTn id="60" fill="hold">
-                            <p:stCondLst>
-                              <p:cond delay="0"/>
-                            </p:stCondLst>
-                            <p:childTnLst>
-                              <p:par>
-                                <p:cTn id="61" presetID="1" presetClass="entr" presetSubtype="0" fill="hold" grpId="0" nodeType="clickEffect">
-                                  <p:stCondLst>
-                                    <p:cond delay="0"/>
-                                  </p:stCondLst>
-                                  <p:childTnLst>
-                                    <p:set>
-                                      <p:cBhvr>
-                                        <p:cTn id="62" dur="1" fill="hold">
-                                          <p:stCondLst>
-                                            <p:cond delay="0"/>
-                                          </p:stCondLst>
-                                        </p:cTn>
-                                        <p:tgtEl>
-                                          <p:spTgt spid="3">
-                                            <p:txEl>
-                                              <p:pRg st="13" end="13"/>
-                                            </p:txEl>
-                                          </p:spTgt>
-                                        </p:tgtEl>
-                                        <p:attrNameLst>
-                                          <p:attrName>style.visibility</p:attrName>
-                                        </p:attrNameLst>
-                                      </p:cBhvr>
-                                      <p:to>
-                                        <p:strVal val="visible"/>
-                                      </p:to>
-                                    </p:set>
-                                  </p:childTnLst>
-                                </p:cTn>
-                              </p:par>
-                            </p:childTnLst>
-                          </p:cTn>
-                        </p:par>
-                        <p:par>
-                          <p:cTn id="63" fill="hold">
-                            <p:stCondLst>
-                              <p:cond delay="0"/>
-                            </p:stCondLst>
-                            <p:childTnLst>
-                              <p:par>
-                                <p:cTn id="64" presetID="1" presetClass="entr" presetSubtype="0" fill="hold" grpId="0" nodeType="afterEffect">
-                                  <p:stCondLst>
-                                    <p:cond delay="0"/>
-                                  </p:stCondLst>
-                                  <p:childTnLst>
-                                    <p:set>
-                                      <p:cBhvr>
-                                        <p:cTn id="65" dur="1" fill="hold">
-                                          <p:stCondLst>
-                                            <p:cond delay="0"/>
-                                          </p:stCondLst>
-                                        </p:cTn>
-                                        <p:tgtEl>
-                                          <p:spTgt spid="6"/>
                                         </p:tgtEl>
                                         <p:attrNameLst>
                                           <p:attrName>style.visibility</p:attrName>
@@ -8948,98 +8061,13 @@
       </p:par>
     </p:tnLst>
     <p:bldLst>
-      <p:bldP spid="3" grpId="0" uiExpand="1" build="p"/>
-      <p:bldP spid="4" grpId="0"/>
-      <p:bldP spid="6" grpId="0" animBg="1"/>
+      <p:bldP spid="4" grpId="0" animBg="1"/>
     </p:bldLst>
   </p:timing>
 </p:sld>
 </file>
 
 <file path=ppt/slides/slide11.xml><?xml version="1.0" encoding="utf-8"?>
-<p:sld xmlns:a="http://schemas.openxmlformats.org/drawingml/2006/main" xmlns:r="http://schemas.openxmlformats.org/officeDocument/2006/relationships" xmlns:p="http://schemas.openxmlformats.org/presentationml/2006/main">
-  <p:cSld>
-    <p:spTree>
-      <p:nvGrpSpPr>
-        <p:cNvPr id="1" name=""/>
-        <p:cNvGrpSpPr/>
-        <p:nvPr/>
-      </p:nvGrpSpPr>
-      <p:grpSpPr>
-        <a:xfrm>
-          <a:off x="0" y="0"/>
-          <a:ext cx="0" cy="0"/>
-          <a:chOff x="0" y="0"/>
-          <a:chExt cx="0" cy="0"/>
-        </a:xfrm>
-      </p:grpSpPr>
-      <p:sp>
-        <p:nvSpPr>
-          <p:cNvPr id="2" name="Titre 1">
-            <a:extLst>
-              <a:ext uri="{FF2B5EF4-FFF2-40B4-BE49-F238E27FC236}">
-                <a16:creationId xmlns:a16="http://schemas.microsoft.com/office/drawing/2014/main" id="{47D88A0E-B839-453D-9859-0B0D61FDF5AB}"/>
-              </a:ext>
-            </a:extLst>
-          </p:cNvPr>
-          <p:cNvSpPr>
-            <a:spLocks noGrp="1"/>
-          </p:cNvSpPr>
-          <p:nvPr>
-            <p:ph type="title"/>
-          </p:nvPr>
-        </p:nvSpPr>
-        <p:spPr/>
-        <p:txBody>
-          <a:bodyPr/>
-          <a:lstStyle/>
-          <a:p>
-            <a:endParaRPr lang="fr-FR"/>
-          </a:p>
-        </p:txBody>
-      </p:sp>
-      <p:sp>
-        <p:nvSpPr>
-          <p:cNvPr id="3" name="Espace réservé du contenu 2">
-            <a:extLst>
-              <a:ext uri="{FF2B5EF4-FFF2-40B4-BE49-F238E27FC236}">
-                <a16:creationId xmlns:a16="http://schemas.microsoft.com/office/drawing/2014/main" id="{D8E7EE7E-56EF-4B02-9DF8-C2DFA512E4F6}"/>
-              </a:ext>
-            </a:extLst>
-          </p:cNvPr>
-          <p:cNvSpPr>
-            <a:spLocks noGrp="1"/>
-          </p:cNvSpPr>
-          <p:nvPr>
-            <p:ph idx="1"/>
-          </p:nvPr>
-        </p:nvSpPr>
-        <p:spPr/>
-        <p:txBody>
-          <a:bodyPr/>
-          <a:lstStyle/>
-          <a:p>
-            <a:r>
-              <a:rPr lang="fr-FR" dirty="0"/>
-              <a:t>Afin de se faire une idée plus précise de ces nouvelles données, nous allons observer via des graphiques leurs répartitions.</a:t>
-            </a:r>
-          </a:p>
-        </p:txBody>
-      </p:sp>
-    </p:spTree>
-    <p:extLst>
-      <p:ext uri="{BB962C8B-B14F-4D97-AF65-F5344CB8AC3E}">
-        <p14:creationId xmlns:p14="http://schemas.microsoft.com/office/powerpoint/2010/main" val="790932178"/>
-      </p:ext>
-    </p:extLst>
-  </p:cSld>
-  <p:clrMapOvr>
-    <a:masterClrMapping/>
-  </p:clrMapOvr>
-</p:sld>
-</file>
-
-<file path=ppt/slides/slide12.xml><?xml version="1.0" encoding="utf-8"?>
 <p:sld xmlns:a="http://schemas.openxmlformats.org/drawingml/2006/main" xmlns:r="http://schemas.openxmlformats.org/officeDocument/2006/relationships" xmlns:p="http://schemas.openxmlformats.org/presentationml/2006/main">
   <p:cSld>
     <p:bg>
@@ -9233,11 +8261,14 @@
           </a:bodyPr>
           <a:lstStyle/>
           <a:p>
-            <a:endParaRPr lang="fr-FR">
-              <a:solidFill>
-                <a:srgbClr val="262626"/>
-              </a:solidFill>
-            </a:endParaRPr>
+            <a:r>
+              <a:rPr lang="fr-FR" dirty="0">
+                <a:solidFill>
+                  <a:schemeClr val="tx1"/>
+                </a:solidFill>
+              </a:rPr>
+              <a:t>LES DONNEES</a:t>
+            </a:r>
           </a:p>
         </p:txBody>
       </p:sp>
@@ -9277,6 +8308,51 @@
           </a:p>
         </p:txBody>
       </p:sp>
+      <p:sp>
+        <p:nvSpPr>
+          <p:cNvPr id="7" name="Flèche droite 4">
+            <a:extLst>
+              <a:ext uri="{FF2B5EF4-FFF2-40B4-BE49-F238E27FC236}">
+                <a16:creationId xmlns:a16="http://schemas.microsoft.com/office/drawing/2014/main" id="{BEF8A8CB-C0BD-413D-BD7A-7A871AAFCC2F}"/>
+              </a:ext>
+            </a:extLst>
+          </p:cNvPr>
+          <p:cNvSpPr/>
+          <p:nvPr/>
+        </p:nvSpPr>
+        <p:spPr>
+          <a:xfrm>
+            <a:off x="11736625" y="6488757"/>
+            <a:ext cx="432048" cy="360040"/>
+          </a:xfrm>
+          <a:prstGeom prst="rightArrow">
+            <a:avLst/>
+          </a:prstGeom>
+          <a:ln/>
+        </p:spPr>
+        <p:style>
+          <a:lnRef idx="0">
+            <a:schemeClr val="dk1"/>
+          </a:lnRef>
+          <a:fillRef idx="3">
+            <a:schemeClr val="dk1"/>
+          </a:fillRef>
+          <a:effectRef idx="3">
+            <a:schemeClr val="dk1"/>
+          </a:effectRef>
+          <a:fontRef idx="minor">
+            <a:schemeClr val="lt1"/>
+          </a:fontRef>
+        </p:style>
+        <p:txBody>
+          <a:bodyPr rtlCol="0" anchor="ctr"/>
+          <a:lstStyle/>
+          <a:p>
+            <a:pPr algn="ctr"/>
+            <a:endParaRPr lang="fr-FR"/>
+          </a:p>
+        </p:txBody>
+      </p:sp>
     </p:spTree>
     <p:extLst>
       <p:ext uri="{BB962C8B-B14F-4D97-AF65-F5344CB8AC3E}">
@@ -9287,10 +8363,91 @@
   <p:clrMapOvr>
     <a:masterClrMapping/>
   </p:clrMapOvr>
+  <p:timing>
+    <p:tnLst>
+      <p:par>
+        <p:cTn id="1" dur="indefinite" restart="never" nodeType="tmRoot">
+          <p:childTnLst>
+            <p:seq concurrent="1" nextAc="seek">
+              <p:cTn id="2" dur="indefinite" nodeType="mainSeq">
+                <p:childTnLst>
+                  <p:par>
+                    <p:cTn id="3" fill="hold">
+                      <p:stCondLst>
+                        <p:cond delay="indefinite"/>
+                        <p:cond evt="onBegin" delay="0">
+                          <p:tn val="2"/>
+                        </p:cond>
+                      </p:stCondLst>
+                      <p:childTnLst>
+                        <p:par>
+                          <p:cTn id="4" fill="hold">
+                            <p:stCondLst>
+                              <p:cond delay="0"/>
+                            </p:stCondLst>
+                            <p:childTnLst>
+                              <p:par>
+                                <p:cTn id="5" presetID="1" presetClass="entr" presetSubtype="0" fill="hold" grpId="0" nodeType="afterEffect">
+                                  <p:stCondLst>
+                                    <p:cond delay="0"/>
+                                  </p:stCondLst>
+                                  <p:childTnLst>
+                                    <p:set>
+                                      <p:cBhvr>
+                                        <p:cTn id="6" dur="1" fill="hold">
+                                          <p:stCondLst>
+                                            <p:cond delay="0"/>
+                                          </p:stCondLst>
+                                        </p:cTn>
+                                        <p:tgtEl>
+                                          <p:spTgt spid="7"/>
+                                        </p:tgtEl>
+                                        <p:attrNameLst>
+                                          <p:attrName>style.visibility</p:attrName>
+                                        </p:attrNameLst>
+                                      </p:cBhvr>
+                                      <p:to>
+                                        <p:strVal val="visible"/>
+                                      </p:to>
+                                    </p:set>
+                                  </p:childTnLst>
+                                </p:cTn>
+                              </p:par>
+                            </p:childTnLst>
+                          </p:cTn>
+                        </p:par>
+                      </p:childTnLst>
+                    </p:cTn>
+                  </p:par>
+                </p:childTnLst>
+              </p:cTn>
+              <p:prevCondLst>
+                <p:cond evt="onPrev" delay="0">
+                  <p:tgtEl>
+                    <p:sldTgt/>
+                  </p:tgtEl>
+                </p:cond>
+              </p:prevCondLst>
+              <p:nextCondLst>
+                <p:cond evt="onNext" delay="0">
+                  <p:tgtEl>
+                    <p:sldTgt/>
+                  </p:tgtEl>
+                </p:cond>
+              </p:nextCondLst>
+            </p:seq>
+          </p:childTnLst>
+        </p:cTn>
+      </p:par>
+    </p:tnLst>
+    <p:bldLst>
+      <p:bldP spid="7" grpId="0" animBg="1"/>
+    </p:bldLst>
+  </p:timing>
 </p:sld>
 </file>
 
-<file path=ppt/slides/slide13.xml><?xml version="1.0" encoding="utf-8"?>
+<file path=ppt/slides/slide12.xml><?xml version="1.0" encoding="utf-8"?>
 <p:sld xmlns:a="http://schemas.openxmlformats.org/drawingml/2006/main" xmlns:r="http://schemas.openxmlformats.org/officeDocument/2006/relationships" xmlns:p="http://schemas.openxmlformats.org/presentationml/2006/main">
   <p:cSld>
     <p:bg>
@@ -9484,7 +8641,15 @@
           </a:bodyPr>
           <a:lstStyle/>
           <a:p>
-            <a:endParaRPr lang="fr-FR">
+            <a:r>
+              <a:rPr lang="fr-FR" dirty="0">
+                <a:solidFill>
+                  <a:schemeClr val="tx1"/>
+                </a:solidFill>
+              </a:rPr>
+              <a:t>LES DONNEES</a:t>
+            </a:r>
+            <a:endParaRPr lang="fr-FR" dirty="0">
               <a:solidFill>
                 <a:srgbClr val="262626"/>
               </a:solidFill>
@@ -9528,6 +8693,51 @@
           </a:p>
         </p:txBody>
       </p:sp>
+      <p:sp>
+        <p:nvSpPr>
+          <p:cNvPr id="8" name="Flèche droite 4">
+            <a:extLst>
+              <a:ext uri="{FF2B5EF4-FFF2-40B4-BE49-F238E27FC236}">
+                <a16:creationId xmlns:a16="http://schemas.microsoft.com/office/drawing/2014/main" id="{6DD673F0-2478-4F56-B013-B03596A0758B}"/>
+              </a:ext>
+            </a:extLst>
+          </p:cNvPr>
+          <p:cNvSpPr/>
+          <p:nvPr/>
+        </p:nvSpPr>
+        <p:spPr>
+          <a:xfrm>
+            <a:off x="11736625" y="6488757"/>
+            <a:ext cx="432048" cy="360040"/>
+          </a:xfrm>
+          <a:prstGeom prst="rightArrow">
+            <a:avLst/>
+          </a:prstGeom>
+          <a:ln/>
+        </p:spPr>
+        <p:style>
+          <a:lnRef idx="0">
+            <a:schemeClr val="dk1"/>
+          </a:lnRef>
+          <a:fillRef idx="3">
+            <a:schemeClr val="dk1"/>
+          </a:fillRef>
+          <a:effectRef idx="3">
+            <a:schemeClr val="dk1"/>
+          </a:effectRef>
+          <a:fontRef idx="minor">
+            <a:schemeClr val="lt1"/>
+          </a:fontRef>
+        </p:style>
+        <p:txBody>
+          <a:bodyPr rtlCol="0" anchor="ctr"/>
+          <a:lstStyle/>
+          <a:p>
+            <a:pPr algn="ctr"/>
+            <a:endParaRPr lang="fr-FR"/>
+          </a:p>
+        </p:txBody>
+      </p:sp>
     </p:spTree>
     <p:extLst>
       <p:ext uri="{BB962C8B-B14F-4D97-AF65-F5344CB8AC3E}">
@@ -9538,10 +8748,91 @@
   <p:clrMapOvr>
     <a:masterClrMapping/>
   </p:clrMapOvr>
+  <p:timing>
+    <p:tnLst>
+      <p:par>
+        <p:cTn id="1" dur="indefinite" restart="never" nodeType="tmRoot">
+          <p:childTnLst>
+            <p:seq concurrent="1" nextAc="seek">
+              <p:cTn id="2" dur="indefinite" nodeType="mainSeq">
+                <p:childTnLst>
+                  <p:par>
+                    <p:cTn id="3" fill="hold">
+                      <p:stCondLst>
+                        <p:cond delay="indefinite"/>
+                        <p:cond evt="onBegin" delay="0">
+                          <p:tn val="2"/>
+                        </p:cond>
+                      </p:stCondLst>
+                      <p:childTnLst>
+                        <p:par>
+                          <p:cTn id="4" fill="hold">
+                            <p:stCondLst>
+                              <p:cond delay="0"/>
+                            </p:stCondLst>
+                            <p:childTnLst>
+                              <p:par>
+                                <p:cTn id="5" presetID="1" presetClass="entr" presetSubtype="0" fill="hold" grpId="0" nodeType="afterEffect">
+                                  <p:stCondLst>
+                                    <p:cond delay="0"/>
+                                  </p:stCondLst>
+                                  <p:childTnLst>
+                                    <p:set>
+                                      <p:cBhvr>
+                                        <p:cTn id="6" dur="1" fill="hold">
+                                          <p:stCondLst>
+                                            <p:cond delay="0"/>
+                                          </p:stCondLst>
+                                        </p:cTn>
+                                        <p:tgtEl>
+                                          <p:spTgt spid="8"/>
+                                        </p:tgtEl>
+                                        <p:attrNameLst>
+                                          <p:attrName>style.visibility</p:attrName>
+                                        </p:attrNameLst>
+                                      </p:cBhvr>
+                                      <p:to>
+                                        <p:strVal val="visible"/>
+                                      </p:to>
+                                    </p:set>
+                                  </p:childTnLst>
+                                </p:cTn>
+                              </p:par>
+                            </p:childTnLst>
+                          </p:cTn>
+                        </p:par>
+                      </p:childTnLst>
+                    </p:cTn>
+                  </p:par>
+                </p:childTnLst>
+              </p:cTn>
+              <p:prevCondLst>
+                <p:cond evt="onPrev" delay="0">
+                  <p:tgtEl>
+                    <p:sldTgt/>
+                  </p:tgtEl>
+                </p:cond>
+              </p:prevCondLst>
+              <p:nextCondLst>
+                <p:cond evt="onNext" delay="0">
+                  <p:tgtEl>
+                    <p:sldTgt/>
+                  </p:tgtEl>
+                </p:cond>
+              </p:nextCondLst>
+            </p:seq>
+          </p:childTnLst>
+        </p:cTn>
+      </p:par>
+    </p:tnLst>
+    <p:bldLst>
+      <p:bldP spid="8" grpId="0" animBg="1"/>
+    </p:bldLst>
+  </p:timing>
 </p:sld>
 </file>
 
-<file path=ppt/slides/slide14.xml><?xml version="1.0" encoding="utf-8"?>
+<file path=ppt/slides/slide13.xml><?xml version="1.0" encoding="utf-8"?>
 <p:sld xmlns:a="http://schemas.openxmlformats.org/drawingml/2006/main" xmlns:r="http://schemas.openxmlformats.org/officeDocument/2006/relationships" xmlns:p="http://schemas.openxmlformats.org/presentationml/2006/main">
   <p:cSld>
     <p:bg>
@@ -9735,7 +9026,15 @@
           </a:bodyPr>
           <a:lstStyle/>
           <a:p>
-            <a:endParaRPr lang="fr-FR">
+            <a:r>
+              <a:rPr lang="fr-FR" dirty="0">
+                <a:solidFill>
+                  <a:schemeClr val="tx1"/>
+                </a:solidFill>
+              </a:rPr>
+              <a:t>LES DONNEES</a:t>
+            </a:r>
+            <a:endParaRPr lang="fr-FR" dirty="0">
               <a:solidFill>
                 <a:srgbClr val="262626"/>
               </a:solidFill>
@@ -9779,6 +9078,51 @@
           </a:p>
         </p:txBody>
       </p:sp>
+      <p:sp>
+        <p:nvSpPr>
+          <p:cNvPr id="8" name="Flèche droite 4">
+            <a:extLst>
+              <a:ext uri="{FF2B5EF4-FFF2-40B4-BE49-F238E27FC236}">
+                <a16:creationId xmlns:a16="http://schemas.microsoft.com/office/drawing/2014/main" id="{9979C1F3-3905-44B0-8E31-3D2278E4A2A3}"/>
+              </a:ext>
+            </a:extLst>
+          </p:cNvPr>
+          <p:cNvSpPr/>
+          <p:nvPr/>
+        </p:nvSpPr>
+        <p:spPr>
+          <a:xfrm>
+            <a:off x="11736625" y="6488757"/>
+            <a:ext cx="432048" cy="360040"/>
+          </a:xfrm>
+          <a:prstGeom prst="rightArrow">
+            <a:avLst/>
+          </a:prstGeom>
+          <a:ln/>
+        </p:spPr>
+        <p:style>
+          <a:lnRef idx="0">
+            <a:schemeClr val="dk1"/>
+          </a:lnRef>
+          <a:fillRef idx="3">
+            <a:schemeClr val="dk1"/>
+          </a:fillRef>
+          <a:effectRef idx="3">
+            <a:schemeClr val="dk1"/>
+          </a:effectRef>
+          <a:fontRef idx="minor">
+            <a:schemeClr val="lt1"/>
+          </a:fontRef>
+        </p:style>
+        <p:txBody>
+          <a:bodyPr rtlCol="0" anchor="ctr"/>
+          <a:lstStyle/>
+          <a:p>
+            <a:pPr algn="ctr"/>
+            <a:endParaRPr lang="fr-FR"/>
+          </a:p>
+        </p:txBody>
+      </p:sp>
     </p:spTree>
     <p:extLst>
       <p:ext uri="{BB962C8B-B14F-4D97-AF65-F5344CB8AC3E}">
@@ -9789,10 +9133,91 @@
   <p:clrMapOvr>
     <a:masterClrMapping/>
   </p:clrMapOvr>
+  <p:timing>
+    <p:tnLst>
+      <p:par>
+        <p:cTn id="1" dur="indefinite" restart="never" nodeType="tmRoot">
+          <p:childTnLst>
+            <p:seq concurrent="1" nextAc="seek">
+              <p:cTn id="2" dur="indefinite" nodeType="mainSeq">
+                <p:childTnLst>
+                  <p:par>
+                    <p:cTn id="3" fill="hold">
+                      <p:stCondLst>
+                        <p:cond delay="indefinite"/>
+                        <p:cond evt="onBegin" delay="0">
+                          <p:tn val="2"/>
+                        </p:cond>
+                      </p:stCondLst>
+                      <p:childTnLst>
+                        <p:par>
+                          <p:cTn id="4" fill="hold">
+                            <p:stCondLst>
+                              <p:cond delay="0"/>
+                            </p:stCondLst>
+                            <p:childTnLst>
+                              <p:par>
+                                <p:cTn id="5" presetID="1" presetClass="entr" presetSubtype="0" fill="hold" grpId="0" nodeType="afterEffect">
+                                  <p:stCondLst>
+                                    <p:cond delay="0"/>
+                                  </p:stCondLst>
+                                  <p:childTnLst>
+                                    <p:set>
+                                      <p:cBhvr>
+                                        <p:cTn id="6" dur="1" fill="hold">
+                                          <p:stCondLst>
+                                            <p:cond delay="0"/>
+                                          </p:stCondLst>
+                                        </p:cTn>
+                                        <p:tgtEl>
+                                          <p:spTgt spid="8"/>
+                                        </p:tgtEl>
+                                        <p:attrNameLst>
+                                          <p:attrName>style.visibility</p:attrName>
+                                        </p:attrNameLst>
+                                      </p:cBhvr>
+                                      <p:to>
+                                        <p:strVal val="visible"/>
+                                      </p:to>
+                                    </p:set>
+                                  </p:childTnLst>
+                                </p:cTn>
+                              </p:par>
+                            </p:childTnLst>
+                          </p:cTn>
+                        </p:par>
+                      </p:childTnLst>
+                    </p:cTn>
+                  </p:par>
+                </p:childTnLst>
+              </p:cTn>
+              <p:prevCondLst>
+                <p:cond evt="onPrev" delay="0">
+                  <p:tgtEl>
+                    <p:sldTgt/>
+                  </p:tgtEl>
+                </p:cond>
+              </p:prevCondLst>
+              <p:nextCondLst>
+                <p:cond evt="onNext" delay="0">
+                  <p:tgtEl>
+                    <p:sldTgt/>
+                  </p:tgtEl>
+                </p:cond>
+              </p:nextCondLst>
+            </p:seq>
+          </p:childTnLst>
+        </p:cTn>
+      </p:par>
+    </p:tnLst>
+    <p:bldLst>
+      <p:bldP spid="8" grpId="0" animBg="1"/>
+    </p:bldLst>
+  </p:timing>
 </p:sld>
 </file>
 
-<file path=ppt/slides/slide15.xml><?xml version="1.0" encoding="utf-8"?>
+<file path=ppt/slides/slide14.xml><?xml version="1.0" encoding="utf-8"?>
 <p:sld xmlns:a="http://schemas.openxmlformats.org/drawingml/2006/main" xmlns:r="http://schemas.openxmlformats.org/officeDocument/2006/relationships" xmlns:p="http://schemas.openxmlformats.org/presentationml/2006/main">
   <p:cSld>
     <p:bg>
@@ -9986,7 +9411,15 @@
           </a:bodyPr>
           <a:lstStyle/>
           <a:p>
-            <a:endParaRPr lang="fr-FR">
+            <a:r>
+              <a:rPr lang="fr-FR" dirty="0">
+                <a:solidFill>
+                  <a:schemeClr val="tx1"/>
+                </a:solidFill>
+              </a:rPr>
+              <a:t>LES DONNEES</a:t>
+            </a:r>
+            <a:endParaRPr lang="fr-FR" dirty="0">
               <a:solidFill>
                 <a:srgbClr val="262626"/>
               </a:solidFill>
@@ -10030,6 +9463,51 @@
           </a:p>
         </p:txBody>
       </p:sp>
+      <p:sp>
+        <p:nvSpPr>
+          <p:cNvPr id="8" name="Flèche droite 4">
+            <a:extLst>
+              <a:ext uri="{FF2B5EF4-FFF2-40B4-BE49-F238E27FC236}">
+                <a16:creationId xmlns:a16="http://schemas.microsoft.com/office/drawing/2014/main" id="{2F9527B2-C5DE-4268-9B62-515A44AB0939}"/>
+              </a:ext>
+            </a:extLst>
+          </p:cNvPr>
+          <p:cNvSpPr/>
+          <p:nvPr/>
+        </p:nvSpPr>
+        <p:spPr>
+          <a:xfrm>
+            <a:off x="11736625" y="6488757"/>
+            <a:ext cx="432048" cy="360040"/>
+          </a:xfrm>
+          <a:prstGeom prst="rightArrow">
+            <a:avLst/>
+          </a:prstGeom>
+          <a:ln/>
+        </p:spPr>
+        <p:style>
+          <a:lnRef idx="0">
+            <a:schemeClr val="dk1"/>
+          </a:lnRef>
+          <a:fillRef idx="3">
+            <a:schemeClr val="dk1"/>
+          </a:fillRef>
+          <a:effectRef idx="3">
+            <a:schemeClr val="dk1"/>
+          </a:effectRef>
+          <a:fontRef idx="minor">
+            <a:schemeClr val="lt1"/>
+          </a:fontRef>
+        </p:style>
+        <p:txBody>
+          <a:bodyPr rtlCol="0" anchor="ctr"/>
+          <a:lstStyle/>
+          <a:p>
+            <a:pPr algn="ctr"/>
+            <a:endParaRPr lang="fr-FR"/>
+          </a:p>
+        </p:txBody>
+      </p:sp>
     </p:spTree>
     <p:extLst>
       <p:ext uri="{BB962C8B-B14F-4D97-AF65-F5344CB8AC3E}">
@@ -10040,10 +9518,988 @@
   <p:clrMapOvr>
     <a:masterClrMapping/>
   </p:clrMapOvr>
+  <p:timing>
+    <p:tnLst>
+      <p:par>
+        <p:cTn id="1" dur="indefinite" restart="never" nodeType="tmRoot">
+          <p:childTnLst>
+            <p:seq concurrent="1" nextAc="seek">
+              <p:cTn id="2" dur="indefinite" nodeType="mainSeq">
+                <p:childTnLst>
+                  <p:par>
+                    <p:cTn id="3" fill="hold">
+                      <p:stCondLst>
+                        <p:cond delay="indefinite"/>
+                        <p:cond evt="onBegin" delay="0">
+                          <p:tn val="2"/>
+                        </p:cond>
+                      </p:stCondLst>
+                      <p:childTnLst>
+                        <p:par>
+                          <p:cTn id="4" fill="hold">
+                            <p:stCondLst>
+                              <p:cond delay="0"/>
+                            </p:stCondLst>
+                            <p:childTnLst>
+                              <p:par>
+                                <p:cTn id="5" presetID="1" presetClass="entr" presetSubtype="0" fill="hold" grpId="0" nodeType="afterEffect">
+                                  <p:stCondLst>
+                                    <p:cond delay="0"/>
+                                  </p:stCondLst>
+                                  <p:childTnLst>
+                                    <p:set>
+                                      <p:cBhvr>
+                                        <p:cTn id="6" dur="1" fill="hold">
+                                          <p:stCondLst>
+                                            <p:cond delay="0"/>
+                                          </p:stCondLst>
+                                        </p:cTn>
+                                        <p:tgtEl>
+                                          <p:spTgt spid="8"/>
+                                        </p:tgtEl>
+                                        <p:attrNameLst>
+                                          <p:attrName>style.visibility</p:attrName>
+                                        </p:attrNameLst>
+                                      </p:cBhvr>
+                                      <p:to>
+                                        <p:strVal val="visible"/>
+                                      </p:to>
+                                    </p:set>
+                                  </p:childTnLst>
+                                </p:cTn>
+                              </p:par>
+                            </p:childTnLst>
+                          </p:cTn>
+                        </p:par>
+                      </p:childTnLst>
+                    </p:cTn>
+                  </p:par>
+                </p:childTnLst>
+              </p:cTn>
+              <p:prevCondLst>
+                <p:cond evt="onPrev" delay="0">
+                  <p:tgtEl>
+                    <p:sldTgt/>
+                  </p:tgtEl>
+                </p:cond>
+              </p:prevCondLst>
+              <p:nextCondLst>
+                <p:cond evt="onNext" delay="0">
+                  <p:tgtEl>
+                    <p:sldTgt/>
+                  </p:tgtEl>
+                </p:cond>
+              </p:nextCondLst>
+            </p:seq>
+          </p:childTnLst>
+        </p:cTn>
+      </p:par>
+    </p:tnLst>
+    <p:bldLst>
+      <p:bldP spid="8" grpId="0" animBg="1"/>
+    </p:bldLst>
+  </p:timing>
+</p:sld>
+</file>
+
+<file path=ppt/slides/slide15.xml><?xml version="1.0" encoding="utf-8"?>
+<p:sld xmlns:a="http://schemas.openxmlformats.org/drawingml/2006/main" xmlns:r="http://schemas.openxmlformats.org/officeDocument/2006/relationships" xmlns:p="http://schemas.openxmlformats.org/presentationml/2006/main">
+  <p:cSld>
+    <p:spTree>
+      <p:nvGrpSpPr>
+        <p:cNvPr id="1" name=""/>
+        <p:cNvGrpSpPr/>
+        <p:nvPr/>
+      </p:nvGrpSpPr>
+      <p:grpSpPr>
+        <a:xfrm>
+          <a:off x="0" y="0"/>
+          <a:ext cx="0" cy="0"/>
+          <a:chOff x="0" y="0"/>
+          <a:chExt cx="0" cy="0"/>
+        </a:xfrm>
+      </p:grpSpPr>
+      <p:sp>
+        <p:nvSpPr>
+          <p:cNvPr id="2" name="Titre 1">
+            <a:extLst>
+              <a:ext uri="{FF2B5EF4-FFF2-40B4-BE49-F238E27FC236}">
+                <a16:creationId xmlns:a16="http://schemas.microsoft.com/office/drawing/2014/main" id="{90FC5CBC-FA53-489D-86EF-1D4B9840C6DD}"/>
+              </a:ext>
+            </a:extLst>
+          </p:cNvPr>
+          <p:cNvSpPr>
+            <a:spLocks noGrp="1"/>
+          </p:cNvSpPr>
+          <p:nvPr>
+            <p:ph type="title"/>
+          </p:nvPr>
+        </p:nvSpPr>
+        <p:spPr/>
+        <p:txBody>
+          <a:bodyPr/>
+          <a:lstStyle/>
+          <a:p>
+            <a:r>
+              <a:rPr lang="fr-FR" dirty="0"/>
+              <a:t>Groupe de clients</a:t>
+            </a:r>
+          </a:p>
+        </p:txBody>
+      </p:sp>
+      <p:sp>
+        <p:nvSpPr>
+          <p:cNvPr id="3" name="Espace réservé du contenu 2">
+            <a:extLst>
+              <a:ext uri="{FF2B5EF4-FFF2-40B4-BE49-F238E27FC236}">
+                <a16:creationId xmlns:a16="http://schemas.microsoft.com/office/drawing/2014/main" id="{AC3C62CF-CE52-46F8-BF67-08833A2E4CE0}"/>
+              </a:ext>
+            </a:extLst>
+          </p:cNvPr>
+          <p:cNvSpPr>
+            <a:spLocks noGrp="1"/>
+          </p:cNvSpPr>
+          <p:nvPr>
+            <p:ph idx="1"/>
+          </p:nvPr>
+        </p:nvSpPr>
+        <p:spPr/>
+        <p:txBody>
+          <a:bodyPr/>
+          <a:lstStyle/>
+          <a:p>
+            <a:r>
+              <a:rPr lang="fr-FR" dirty="0"/>
+              <a:t>Afin d’avoir un modèle de référence pour les nouveaux clients, il a été nécessaire de travailler sur les données préexistantes.</a:t>
+            </a:r>
+          </a:p>
+          <a:p>
+            <a:r>
+              <a:rPr lang="fr-FR" dirty="0"/>
+              <a:t>Pour cela, une méthode de classification non-supervisée est utilisée.</a:t>
+            </a:r>
+          </a:p>
+          <a:p>
+            <a:r>
+              <a:rPr lang="fr-FR" dirty="0"/>
+              <a:t>Deux sont testées, </a:t>
+            </a:r>
+            <a:r>
+              <a:rPr lang="fr-FR" dirty="0" err="1"/>
+              <a:t>DBScan</a:t>
+            </a:r>
+            <a:r>
+              <a:rPr lang="fr-FR" dirty="0"/>
+              <a:t> et </a:t>
+            </a:r>
+            <a:r>
+              <a:rPr lang="fr-FR" dirty="0" err="1"/>
+              <a:t>KMeans</a:t>
+            </a:r>
+            <a:r>
+              <a:rPr lang="fr-FR" dirty="0"/>
+              <a:t>.</a:t>
+            </a:r>
+          </a:p>
+        </p:txBody>
+      </p:sp>
+      <p:sp>
+        <p:nvSpPr>
+          <p:cNvPr id="4" name="Flèche droite 4">
+            <a:extLst>
+              <a:ext uri="{FF2B5EF4-FFF2-40B4-BE49-F238E27FC236}">
+                <a16:creationId xmlns:a16="http://schemas.microsoft.com/office/drawing/2014/main" id="{56BF2849-1FE9-429F-8C93-4EC4FCB3F3D3}"/>
+              </a:ext>
+            </a:extLst>
+          </p:cNvPr>
+          <p:cNvSpPr/>
+          <p:nvPr/>
+        </p:nvSpPr>
+        <p:spPr>
+          <a:xfrm>
+            <a:off x="11736625" y="6488757"/>
+            <a:ext cx="432048" cy="360040"/>
+          </a:xfrm>
+          <a:prstGeom prst="rightArrow">
+            <a:avLst/>
+          </a:prstGeom>
+          <a:ln/>
+        </p:spPr>
+        <p:style>
+          <a:lnRef idx="0">
+            <a:schemeClr val="dk1"/>
+          </a:lnRef>
+          <a:fillRef idx="3">
+            <a:schemeClr val="dk1"/>
+          </a:fillRef>
+          <a:effectRef idx="3">
+            <a:schemeClr val="dk1"/>
+          </a:effectRef>
+          <a:fontRef idx="minor">
+            <a:schemeClr val="lt1"/>
+          </a:fontRef>
+        </p:style>
+        <p:txBody>
+          <a:bodyPr rtlCol="0" anchor="ctr"/>
+          <a:lstStyle/>
+          <a:p>
+            <a:pPr algn="ctr"/>
+            <a:endParaRPr lang="fr-FR"/>
+          </a:p>
+        </p:txBody>
+      </p:sp>
+    </p:spTree>
+    <p:extLst>
+      <p:ext uri="{BB962C8B-B14F-4D97-AF65-F5344CB8AC3E}">
+        <p14:creationId xmlns:p14="http://schemas.microsoft.com/office/powerpoint/2010/main" val="1434172307"/>
+      </p:ext>
+    </p:extLst>
+  </p:cSld>
+  <p:clrMapOvr>
+    <a:masterClrMapping/>
+  </p:clrMapOvr>
+  <p:timing>
+    <p:tnLst>
+      <p:par>
+        <p:cTn id="1" dur="indefinite" restart="never" nodeType="tmRoot">
+          <p:childTnLst>
+            <p:seq concurrent="1" nextAc="seek">
+              <p:cTn id="2" dur="indefinite" nodeType="mainSeq">
+                <p:childTnLst>
+                  <p:par>
+                    <p:cTn id="3" fill="hold">
+                      <p:stCondLst>
+                        <p:cond delay="indefinite"/>
+                        <p:cond evt="onBegin" delay="0">
+                          <p:tn val="2"/>
+                        </p:cond>
+                      </p:stCondLst>
+                      <p:childTnLst>
+                        <p:par>
+                          <p:cTn id="4" fill="hold">
+                            <p:stCondLst>
+                              <p:cond delay="0"/>
+                            </p:stCondLst>
+                            <p:childTnLst>
+                              <p:par>
+                                <p:cTn id="5" presetID="1" presetClass="entr" presetSubtype="0" fill="hold" grpId="0" nodeType="afterEffect">
+                                  <p:stCondLst>
+                                    <p:cond delay="0"/>
+                                  </p:stCondLst>
+                                  <p:childTnLst>
+                                    <p:set>
+                                      <p:cBhvr>
+                                        <p:cTn id="6" dur="1" fill="hold">
+                                          <p:stCondLst>
+                                            <p:cond delay="0"/>
+                                          </p:stCondLst>
+                                        </p:cTn>
+                                        <p:tgtEl>
+                                          <p:spTgt spid="4"/>
+                                        </p:tgtEl>
+                                        <p:attrNameLst>
+                                          <p:attrName>style.visibility</p:attrName>
+                                        </p:attrNameLst>
+                                      </p:cBhvr>
+                                      <p:to>
+                                        <p:strVal val="visible"/>
+                                      </p:to>
+                                    </p:set>
+                                  </p:childTnLst>
+                                </p:cTn>
+                              </p:par>
+                            </p:childTnLst>
+                          </p:cTn>
+                        </p:par>
+                      </p:childTnLst>
+                    </p:cTn>
+                  </p:par>
+                </p:childTnLst>
+              </p:cTn>
+              <p:prevCondLst>
+                <p:cond evt="onPrev" delay="0">
+                  <p:tgtEl>
+                    <p:sldTgt/>
+                  </p:tgtEl>
+                </p:cond>
+              </p:prevCondLst>
+              <p:nextCondLst>
+                <p:cond evt="onNext" delay="0">
+                  <p:tgtEl>
+                    <p:sldTgt/>
+                  </p:tgtEl>
+                </p:cond>
+              </p:nextCondLst>
+            </p:seq>
+          </p:childTnLst>
+        </p:cTn>
+      </p:par>
+    </p:tnLst>
+    <p:bldLst>
+      <p:bldP spid="4" grpId="0" animBg="1"/>
+    </p:bldLst>
+  </p:timing>
 </p:sld>
 </file>
 
 <file path=ppt/slides/slide16.xml><?xml version="1.0" encoding="utf-8"?>
+<p:sld xmlns:a="http://schemas.openxmlformats.org/drawingml/2006/main" xmlns:r="http://schemas.openxmlformats.org/officeDocument/2006/relationships" xmlns:p="http://schemas.openxmlformats.org/presentationml/2006/main">
+  <p:cSld>
+    <p:spTree>
+      <p:nvGrpSpPr>
+        <p:cNvPr id="1" name=""/>
+        <p:cNvGrpSpPr/>
+        <p:nvPr/>
+      </p:nvGrpSpPr>
+      <p:grpSpPr>
+        <a:xfrm>
+          <a:off x="0" y="0"/>
+          <a:ext cx="0" cy="0"/>
+          <a:chOff x="0" y="0"/>
+          <a:chExt cx="0" cy="0"/>
+        </a:xfrm>
+      </p:grpSpPr>
+      <p:sp>
+        <p:nvSpPr>
+          <p:cNvPr id="2" name="Titre 1">
+            <a:extLst>
+              <a:ext uri="{FF2B5EF4-FFF2-40B4-BE49-F238E27FC236}">
+                <a16:creationId xmlns:a16="http://schemas.microsoft.com/office/drawing/2014/main" id="{DBCA8BDE-43FC-4527-A972-8A181E36615F}"/>
+              </a:ext>
+            </a:extLst>
+          </p:cNvPr>
+          <p:cNvSpPr>
+            <a:spLocks noGrp="1"/>
+          </p:cNvSpPr>
+          <p:nvPr>
+            <p:ph type="title"/>
+          </p:nvPr>
+        </p:nvSpPr>
+        <p:spPr/>
+        <p:txBody>
+          <a:bodyPr/>
+          <a:lstStyle/>
+          <a:p>
+            <a:r>
+              <a:rPr lang="fr-FR" dirty="0"/>
+              <a:t>Groupe de clients</a:t>
+            </a:r>
+          </a:p>
+        </p:txBody>
+      </p:sp>
+      <p:sp>
+        <p:nvSpPr>
+          <p:cNvPr id="3" name="Espace réservé du contenu 2">
+            <a:extLst>
+              <a:ext uri="{FF2B5EF4-FFF2-40B4-BE49-F238E27FC236}">
+                <a16:creationId xmlns:a16="http://schemas.microsoft.com/office/drawing/2014/main" id="{89CEE58F-3E69-414E-A2E1-45D586F07800}"/>
+              </a:ext>
+            </a:extLst>
+          </p:cNvPr>
+          <p:cNvSpPr>
+            <a:spLocks noGrp="1"/>
+          </p:cNvSpPr>
+          <p:nvPr>
+            <p:ph idx="1"/>
+          </p:nvPr>
+        </p:nvSpPr>
+        <p:spPr/>
+        <p:txBody>
+          <a:bodyPr/>
+          <a:lstStyle/>
+          <a:p>
+            <a:endParaRPr lang="fr-FR"/>
+          </a:p>
+        </p:txBody>
+      </p:sp>
+      <p:pic>
+        <p:nvPicPr>
+          <p:cNvPr id="7" name="Image 6">
+            <a:extLst>
+              <a:ext uri="{FF2B5EF4-FFF2-40B4-BE49-F238E27FC236}">
+                <a16:creationId xmlns:a16="http://schemas.microsoft.com/office/drawing/2014/main" id="{B374CC25-AE84-44DE-AFE2-D14516D315F7}"/>
+              </a:ext>
+            </a:extLst>
+          </p:cNvPr>
+          <p:cNvPicPr>
+            <a:picLocks noChangeAspect="1"/>
+          </p:cNvPicPr>
+          <p:nvPr/>
+        </p:nvPicPr>
+        <p:blipFill>
+          <a:blip r:embed="rId2">
+            <a:extLst>
+              <a:ext uri="{28A0092B-C50C-407E-A947-70E740481C1C}">
+                <a14:useLocalDpi xmlns:a14="http://schemas.microsoft.com/office/drawing/2010/main" val="0"/>
+              </a:ext>
+            </a:extLst>
+          </a:blip>
+          <a:stretch>
+            <a:fillRect/>
+          </a:stretch>
+        </p:blipFill>
+        <p:spPr>
+          <a:xfrm>
+            <a:off x="2140514" y="1420597"/>
+            <a:ext cx="5629823" cy="5437403"/>
+          </a:xfrm>
+          <a:prstGeom prst="rect">
+            <a:avLst/>
+          </a:prstGeom>
+        </p:spPr>
+      </p:pic>
+      <p:sp>
+        <p:nvSpPr>
+          <p:cNvPr id="13" name="Rectangle : coins arrondis 12">
+            <a:extLst>
+              <a:ext uri="{FF2B5EF4-FFF2-40B4-BE49-F238E27FC236}">
+                <a16:creationId xmlns:a16="http://schemas.microsoft.com/office/drawing/2014/main" id="{60ADBFCB-31C6-4EE2-B131-A660F942BDBE}"/>
+              </a:ext>
+            </a:extLst>
+          </p:cNvPr>
+          <p:cNvSpPr/>
+          <p:nvPr/>
+        </p:nvSpPr>
+        <p:spPr>
+          <a:xfrm>
+            <a:off x="3973795" y="4563453"/>
+            <a:ext cx="683664" cy="2252177"/>
+          </a:xfrm>
+          <a:prstGeom prst="roundRect">
+            <a:avLst/>
+          </a:prstGeom>
+          <a:solidFill>
+            <a:schemeClr val="accent5">
+              <a:alpha val="50000"/>
+            </a:schemeClr>
+          </a:solidFill>
+          <a:ln>
+            <a:noFill/>
+          </a:ln>
+        </p:spPr>
+        <p:style>
+          <a:lnRef idx="0">
+            <a:scrgbClr r="0" g="0" b="0"/>
+          </a:lnRef>
+          <a:fillRef idx="0">
+            <a:scrgbClr r="0" g="0" b="0"/>
+          </a:fillRef>
+          <a:effectRef idx="0">
+            <a:scrgbClr r="0" g="0" b="0"/>
+          </a:effectRef>
+          <a:fontRef idx="minor">
+            <a:schemeClr val="lt1"/>
+          </a:fontRef>
+        </p:style>
+        <p:txBody>
+          <a:bodyPr rtlCol="0" anchor="ctr"/>
+          <a:lstStyle/>
+          <a:p>
+            <a:pPr algn="ctr"/>
+            <a:endParaRPr lang="fr-FR"/>
+          </a:p>
+        </p:txBody>
+      </p:sp>
+      <p:sp>
+        <p:nvSpPr>
+          <p:cNvPr id="8" name="ZoneTexte 7">
+            <a:extLst>
+              <a:ext uri="{FF2B5EF4-FFF2-40B4-BE49-F238E27FC236}">
+                <a16:creationId xmlns:a16="http://schemas.microsoft.com/office/drawing/2014/main" id="{7B13A78E-84DD-4AEF-9DE2-96D7A1DBB100}"/>
+              </a:ext>
+            </a:extLst>
+          </p:cNvPr>
+          <p:cNvSpPr txBox="1"/>
+          <p:nvPr/>
+        </p:nvSpPr>
+        <p:spPr>
+          <a:xfrm>
+            <a:off x="7834638" y="1512605"/>
+            <a:ext cx="3537959" cy="5139869"/>
+          </a:xfrm>
+          <a:prstGeom prst="rect">
+            <a:avLst/>
+          </a:prstGeom>
+          <a:noFill/>
+        </p:spPr>
+        <p:txBody>
+          <a:bodyPr wrap="square" rtlCol="0">
+            <a:spAutoFit/>
+          </a:bodyPr>
+          <a:lstStyle/>
+          <a:p>
+            <a:pPr marL="228600" indent="-228600">
+              <a:spcBef>
+                <a:spcPts val="600"/>
+              </a:spcBef>
+              <a:spcAft>
+                <a:spcPts val="600"/>
+              </a:spcAft>
+              <a:buClr>
+                <a:schemeClr val="accent2"/>
+              </a:buClr>
+              <a:buFont typeface="Arial" panose="020B0604020202020204" pitchFamily="34" charset="0"/>
+              <a:buChar char="•"/>
+            </a:pPr>
+            <a:r>
+              <a:rPr lang="fr-FR" sz="2800" dirty="0">
+                <a:solidFill>
+                  <a:schemeClr val="tx1">
+                    <a:lumMod val="85000"/>
+                    <a:lumOff val="15000"/>
+                  </a:schemeClr>
+                </a:solidFill>
+              </a:rPr>
+              <a:t>La méthode du coude va nous permettre d'obtenir un nombre de clusters optimal, ou du moins une approximation de ce nombre.</a:t>
+            </a:r>
+          </a:p>
+          <a:p>
+            <a:pPr marL="228600" indent="-228600">
+              <a:spcBef>
+                <a:spcPts val="600"/>
+              </a:spcBef>
+              <a:spcAft>
+                <a:spcPts val="600"/>
+              </a:spcAft>
+              <a:buClr>
+                <a:schemeClr val="accent2"/>
+              </a:buClr>
+              <a:buFont typeface="Arial" panose="020B0604020202020204" pitchFamily="34" charset="0"/>
+              <a:buChar char="•"/>
+            </a:pPr>
+            <a:endParaRPr lang="fr-FR" sz="2800" dirty="0">
+              <a:solidFill>
+                <a:schemeClr val="tx1">
+                  <a:lumMod val="85000"/>
+                  <a:lumOff val="15000"/>
+                </a:schemeClr>
+              </a:solidFill>
+            </a:endParaRPr>
+          </a:p>
+          <a:p>
+            <a:pPr marL="228600" indent="-228600">
+              <a:spcBef>
+                <a:spcPts val="600"/>
+              </a:spcBef>
+              <a:spcAft>
+                <a:spcPts val="600"/>
+              </a:spcAft>
+              <a:buClr>
+                <a:schemeClr val="accent2"/>
+              </a:buClr>
+              <a:buFont typeface="Arial" panose="020B0604020202020204" pitchFamily="34" charset="0"/>
+              <a:buChar char="•"/>
+            </a:pPr>
+            <a:r>
+              <a:rPr lang="fr-FR" sz="2800" dirty="0">
+                <a:solidFill>
+                  <a:schemeClr val="tx1">
+                    <a:lumMod val="85000"/>
+                    <a:lumOff val="15000"/>
+                  </a:schemeClr>
+                </a:solidFill>
+              </a:rPr>
+              <a:t>Le nombre choisi de cluster est de 20</a:t>
+            </a:r>
+          </a:p>
+        </p:txBody>
+      </p:sp>
+      <p:sp>
+        <p:nvSpPr>
+          <p:cNvPr id="9" name="Flèche droite 4">
+            <a:extLst>
+              <a:ext uri="{FF2B5EF4-FFF2-40B4-BE49-F238E27FC236}">
+                <a16:creationId xmlns:a16="http://schemas.microsoft.com/office/drawing/2014/main" id="{7C9DAB53-CD33-421D-9F47-69665228D8F4}"/>
+              </a:ext>
+            </a:extLst>
+          </p:cNvPr>
+          <p:cNvSpPr/>
+          <p:nvPr/>
+        </p:nvSpPr>
+        <p:spPr>
+          <a:xfrm>
+            <a:off x="11736625" y="6488757"/>
+            <a:ext cx="432048" cy="360040"/>
+          </a:xfrm>
+          <a:prstGeom prst="rightArrow">
+            <a:avLst/>
+          </a:prstGeom>
+          <a:ln/>
+        </p:spPr>
+        <p:style>
+          <a:lnRef idx="0">
+            <a:schemeClr val="dk1"/>
+          </a:lnRef>
+          <a:fillRef idx="3">
+            <a:schemeClr val="dk1"/>
+          </a:fillRef>
+          <a:effectRef idx="3">
+            <a:schemeClr val="dk1"/>
+          </a:effectRef>
+          <a:fontRef idx="minor">
+            <a:schemeClr val="lt1"/>
+          </a:fontRef>
+        </p:style>
+        <p:txBody>
+          <a:bodyPr rtlCol="0" anchor="ctr"/>
+          <a:lstStyle/>
+          <a:p>
+            <a:pPr algn="ctr"/>
+            <a:endParaRPr lang="fr-FR"/>
+          </a:p>
+        </p:txBody>
+      </p:sp>
+    </p:spTree>
+    <p:extLst>
+      <p:ext uri="{BB962C8B-B14F-4D97-AF65-F5344CB8AC3E}">
+        <p14:creationId xmlns:p14="http://schemas.microsoft.com/office/powerpoint/2010/main" val="3293022837"/>
+      </p:ext>
+    </p:extLst>
+  </p:cSld>
+  <p:clrMapOvr>
+    <a:masterClrMapping/>
+  </p:clrMapOvr>
+  <p:timing>
+    <p:tnLst>
+      <p:par>
+        <p:cTn id="1" dur="indefinite" restart="never" nodeType="tmRoot">
+          <p:childTnLst>
+            <p:seq concurrent="1" nextAc="seek">
+              <p:cTn id="2" dur="indefinite" nodeType="mainSeq">
+                <p:childTnLst>
+                  <p:par>
+                    <p:cTn id="3" fill="hold">
+                      <p:stCondLst>
+                        <p:cond delay="indefinite"/>
+                      </p:stCondLst>
+                      <p:childTnLst>
+                        <p:par>
+                          <p:cTn id="4" fill="hold">
+                            <p:stCondLst>
+                              <p:cond delay="0"/>
+                            </p:stCondLst>
+                            <p:childTnLst>
+                              <p:par>
+                                <p:cTn id="5" presetID="1" presetClass="entr" presetSubtype="0" fill="hold" grpId="0" nodeType="clickEffect">
+                                  <p:stCondLst>
+                                    <p:cond delay="0"/>
+                                  </p:stCondLst>
+                                  <p:childTnLst>
+                                    <p:set>
+                                      <p:cBhvr>
+                                        <p:cTn id="6" dur="1" fill="hold">
+                                          <p:stCondLst>
+                                            <p:cond delay="0"/>
+                                          </p:stCondLst>
+                                        </p:cTn>
+                                        <p:tgtEl>
+                                          <p:spTgt spid="13"/>
+                                        </p:tgtEl>
+                                        <p:attrNameLst>
+                                          <p:attrName>style.visibility</p:attrName>
+                                        </p:attrNameLst>
+                                      </p:cBhvr>
+                                      <p:to>
+                                        <p:strVal val="visible"/>
+                                      </p:to>
+                                    </p:set>
+                                  </p:childTnLst>
+                                </p:cTn>
+                              </p:par>
+                            </p:childTnLst>
+                          </p:cTn>
+                        </p:par>
+                        <p:par>
+                          <p:cTn id="7" fill="hold">
+                            <p:stCondLst>
+                              <p:cond delay="0"/>
+                            </p:stCondLst>
+                            <p:childTnLst>
+                              <p:par>
+                                <p:cTn id="8" presetID="1" presetClass="entr" presetSubtype="0" fill="hold" grpId="0" nodeType="afterEffect">
+                                  <p:stCondLst>
+                                    <p:cond delay="0"/>
+                                  </p:stCondLst>
+                                  <p:childTnLst>
+                                    <p:set>
+                                      <p:cBhvr>
+                                        <p:cTn id="9" dur="1" fill="hold">
+                                          <p:stCondLst>
+                                            <p:cond delay="0"/>
+                                          </p:stCondLst>
+                                        </p:cTn>
+                                        <p:tgtEl>
+                                          <p:spTgt spid="9"/>
+                                        </p:tgtEl>
+                                        <p:attrNameLst>
+                                          <p:attrName>style.visibility</p:attrName>
+                                        </p:attrNameLst>
+                                      </p:cBhvr>
+                                      <p:to>
+                                        <p:strVal val="visible"/>
+                                      </p:to>
+                                    </p:set>
+                                  </p:childTnLst>
+                                </p:cTn>
+                              </p:par>
+                            </p:childTnLst>
+                          </p:cTn>
+                        </p:par>
+                      </p:childTnLst>
+                    </p:cTn>
+                  </p:par>
+                </p:childTnLst>
+              </p:cTn>
+              <p:prevCondLst>
+                <p:cond evt="onPrev" delay="0">
+                  <p:tgtEl>
+                    <p:sldTgt/>
+                  </p:tgtEl>
+                </p:cond>
+              </p:prevCondLst>
+              <p:nextCondLst>
+                <p:cond evt="onNext" delay="0">
+                  <p:tgtEl>
+                    <p:sldTgt/>
+                  </p:tgtEl>
+                </p:cond>
+              </p:nextCondLst>
+            </p:seq>
+          </p:childTnLst>
+        </p:cTn>
+      </p:par>
+    </p:tnLst>
+    <p:bldLst>
+      <p:bldP spid="13" grpId="0" animBg="1"/>
+      <p:bldP spid="9" grpId="0" animBg="1"/>
+    </p:bldLst>
+  </p:timing>
+</p:sld>
+</file>
+
+<file path=ppt/slides/slide17.xml><?xml version="1.0" encoding="utf-8"?>
+<p:sld xmlns:a="http://schemas.openxmlformats.org/drawingml/2006/main" xmlns:r="http://schemas.openxmlformats.org/officeDocument/2006/relationships" xmlns:p="http://schemas.openxmlformats.org/presentationml/2006/main">
+  <p:cSld>
+    <p:spTree>
+      <p:nvGrpSpPr>
+        <p:cNvPr id="1" name=""/>
+        <p:cNvGrpSpPr/>
+        <p:nvPr/>
+      </p:nvGrpSpPr>
+      <p:grpSpPr>
+        <a:xfrm>
+          <a:off x="0" y="0"/>
+          <a:ext cx="0" cy="0"/>
+          <a:chOff x="0" y="0"/>
+          <a:chExt cx="0" cy="0"/>
+        </a:xfrm>
+      </p:grpSpPr>
+      <p:sp>
+        <p:nvSpPr>
+          <p:cNvPr id="3" name="Titre 2">
+            <a:extLst>
+              <a:ext uri="{FF2B5EF4-FFF2-40B4-BE49-F238E27FC236}">
+                <a16:creationId xmlns:a16="http://schemas.microsoft.com/office/drawing/2014/main" id="{52C5EBCC-AD22-4053-8657-BCBDF6735EAB}"/>
+              </a:ext>
+            </a:extLst>
+          </p:cNvPr>
+          <p:cNvSpPr>
+            <a:spLocks noGrp="1"/>
+          </p:cNvSpPr>
+          <p:nvPr>
+            <p:ph type="title"/>
+          </p:nvPr>
+        </p:nvSpPr>
+        <p:spPr/>
+        <p:txBody>
+          <a:bodyPr/>
+          <a:lstStyle/>
+          <a:p>
+            <a:r>
+              <a:rPr lang="fr-FR" dirty="0"/>
+              <a:t>Groupe de clients</a:t>
+            </a:r>
+          </a:p>
+        </p:txBody>
+      </p:sp>
+      <p:pic>
+        <p:nvPicPr>
+          <p:cNvPr id="5" name="Espace réservé du contenu 4">
+            <a:extLst>
+              <a:ext uri="{FF2B5EF4-FFF2-40B4-BE49-F238E27FC236}">
+                <a16:creationId xmlns:a16="http://schemas.microsoft.com/office/drawing/2014/main" id="{39FE8A02-BEBE-4441-ACC0-30149700904C}"/>
+              </a:ext>
+            </a:extLst>
+          </p:cNvPr>
+          <p:cNvPicPr>
+            <a:picLocks noGrp="1" noChangeAspect="1"/>
+          </p:cNvPicPr>
+          <p:nvPr>
+            <p:ph idx="1"/>
+          </p:nvPr>
+        </p:nvPicPr>
+        <p:blipFill>
+          <a:blip r:embed="rId2">
+            <a:extLst>
+              <a:ext uri="{28A0092B-C50C-407E-A947-70E740481C1C}">
+                <a14:useLocalDpi xmlns:a14="http://schemas.microsoft.com/office/drawing/2010/main" val="0"/>
+              </a:ext>
+            </a:extLst>
+          </a:blip>
+          <a:stretch>
+            <a:fillRect/>
+          </a:stretch>
+        </p:blipFill>
+        <p:spPr>
+          <a:xfrm>
+            <a:off x="2536032" y="1341438"/>
+            <a:ext cx="9001124" cy="5400675"/>
+          </a:xfrm>
+          <a:prstGeom prst="rect">
+            <a:avLst/>
+          </a:prstGeom>
+        </p:spPr>
+      </p:pic>
+      <p:sp>
+        <p:nvSpPr>
+          <p:cNvPr id="7" name="Flèche droite 4">
+            <a:extLst>
+              <a:ext uri="{FF2B5EF4-FFF2-40B4-BE49-F238E27FC236}">
+                <a16:creationId xmlns:a16="http://schemas.microsoft.com/office/drawing/2014/main" id="{2D7A767D-2406-40B3-A952-335C0A7FD70E}"/>
+              </a:ext>
+            </a:extLst>
+          </p:cNvPr>
+          <p:cNvSpPr/>
+          <p:nvPr/>
+        </p:nvSpPr>
+        <p:spPr>
+          <a:xfrm>
+            <a:off x="11736625" y="6488757"/>
+            <a:ext cx="432048" cy="360040"/>
+          </a:xfrm>
+          <a:prstGeom prst="rightArrow">
+            <a:avLst/>
+          </a:prstGeom>
+          <a:ln/>
+        </p:spPr>
+        <p:style>
+          <a:lnRef idx="0">
+            <a:schemeClr val="dk1"/>
+          </a:lnRef>
+          <a:fillRef idx="3">
+            <a:schemeClr val="dk1"/>
+          </a:fillRef>
+          <a:effectRef idx="3">
+            <a:schemeClr val="dk1"/>
+          </a:effectRef>
+          <a:fontRef idx="minor">
+            <a:schemeClr val="lt1"/>
+          </a:fontRef>
+        </p:style>
+        <p:txBody>
+          <a:bodyPr rtlCol="0" anchor="ctr"/>
+          <a:lstStyle/>
+          <a:p>
+            <a:pPr algn="ctr"/>
+            <a:endParaRPr lang="fr-FR"/>
+          </a:p>
+        </p:txBody>
+      </p:sp>
+    </p:spTree>
+    <p:extLst>
+      <p:ext uri="{BB962C8B-B14F-4D97-AF65-F5344CB8AC3E}">
+        <p14:creationId xmlns:p14="http://schemas.microsoft.com/office/powerpoint/2010/main" val="3625413991"/>
+      </p:ext>
+    </p:extLst>
+  </p:cSld>
+  <p:clrMapOvr>
+    <a:masterClrMapping/>
+  </p:clrMapOvr>
+  <p:timing>
+    <p:tnLst>
+      <p:par>
+        <p:cTn id="1" dur="indefinite" restart="never" nodeType="tmRoot">
+          <p:childTnLst>
+            <p:seq concurrent="1" nextAc="seek">
+              <p:cTn id="2" dur="indefinite" nodeType="mainSeq">
+                <p:childTnLst>
+                  <p:par>
+                    <p:cTn id="3" fill="hold">
+                      <p:stCondLst>
+                        <p:cond delay="indefinite"/>
+                        <p:cond evt="onBegin" delay="0">
+                          <p:tn val="2"/>
+                        </p:cond>
+                      </p:stCondLst>
+                      <p:childTnLst>
+                        <p:par>
+                          <p:cTn id="4" fill="hold">
+                            <p:stCondLst>
+                              <p:cond delay="0"/>
+                            </p:stCondLst>
+                            <p:childTnLst>
+                              <p:par>
+                                <p:cTn id="5" presetID="1" presetClass="entr" presetSubtype="0" fill="hold" grpId="0" nodeType="afterEffect">
+                                  <p:stCondLst>
+                                    <p:cond delay="0"/>
+                                  </p:stCondLst>
+                                  <p:childTnLst>
+                                    <p:set>
+                                      <p:cBhvr>
+                                        <p:cTn id="6" dur="1" fill="hold">
+                                          <p:stCondLst>
+                                            <p:cond delay="0"/>
+                                          </p:stCondLst>
+                                        </p:cTn>
+                                        <p:tgtEl>
+                                          <p:spTgt spid="7"/>
+                                        </p:tgtEl>
+                                        <p:attrNameLst>
+                                          <p:attrName>style.visibility</p:attrName>
+                                        </p:attrNameLst>
+                                      </p:cBhvr>
+                                      <p:to>
+                                        <p:strVal val="visible"/>
+                                      </p:to>
+                                    </p:set>
+                                  </p:childTnLst>
+                                </p:cTn>
+                              </p:par>
+                            </p:childTnLst>
+                          </p:cTn>
+                        </p:par>
+                      </p:childTnLst>
+                    </p:cTn>
+                  </p:par>
+                </p:childTnLst>
+              </p:cTn>
+              <p:prevCondLst>
+                <p:cond evt="onPrev" delay="0">
+                  <p:tgtEl>
+                    <p:sldTgt/>
+                  </p:tgtEl>
+                </p:cond>
+              </p:prevCondLst>
+              <p:nextCondLst>
+                <p:cond evt="onNext" delay="0">
+                  <p:tgtEl>
+                    <p:sldTgt/>
+                  </p:tgtEl>
+                </p:cond>
+              </p:nextCondLst>
+            </p:seq>
+          </p:childTnLst>
+        </p:cTn>
+      </p:par>
+    </p:tnLst>
+    <p:bldLst>
+      <p:bldP spid="7" grpId="0" animBg="1"/>
+    </p:bldLst>
+  </p:timing>
+</p:sld>
+</file>
+
+<file path=ppt/slides/slide18.xml><?xml version="1.0" encoding="utf-8"?>
 <p:sld xmlns:a="http://schemas.openxmlformats.org/drawingml/2006/main" xmlns:r="http://schemas.openxmlformats.org/officeDocument/2006/relationships" xmlns:p="http://schemas.openxmlformats.org/presentationml/2006/main">
   <p:cSld>
     <p:bg>
@@ -10365,7 +10821,23 @@
           </a:bodyPr>
           <a:lstStyle/>
           <a:p>
-            <a:endParaRPr lang="en-US" sz="3200">
+            <a:r>
+              <a:rPr lang="en-US" sz="3200" dirty="0" err="1"/>
+              <a:t>Exemple</a:t>
+            </a:r>
+            <a:r>
+              <a:rPr lang="en-US" sz="3200" dirty="0"/>
+              <a:t> de </a:t>
+            </a:r>
+            <a:r>
+              <a:rPr lang="en-US" sz="3200" dirty="0" err="1"/>
+              <a:t>groupe</a:t>
+            </a:r>
+            <a:r>
+              <a:rPr lang="en-US" sz="3200" dirty="0"/>
+              <a:t> de clients</a:t>
+            </a:r>
+            <a:endParaRPr lang="en-US" sz="3200" dirty="0">
               <a:solidFill>
                 <a:srgbClr val="262626"/>
               </a:solidFill>
@@ -10602,6 +11074,51 @@
           </p:txBody>
         </p:sp>
       </p:grpSp>
+      <p:sp>
+        <p:nvSpPr>
+          <p:cNvPr id="20" name="Flèche droite 4">
+            <a:extLst>
+              <a:ext uri="{FF2B5EF4-FFF2-40B4-BE49-F238E27FC236}">
+                <a16:creationId xmlns:a16="http://schemas.microsoft.com/office/drawing/2014/main" id="{CD82A2CD-F2FB-464E-B9D3-EE722E941079}"/>
+              </a:ext>
+            </a:extLst>
+          </p:cNvPr>
+          <p:cNvSpPr/>
+          <p:nvPr/>
+        </p:nvSpPr>
+        <p:spPr>
+          <a:xfrm>
+            <a:off x="11736625" y="6488757"/>
+            <a:ext cx="432048" cy="360040"/>
+          </a:xfrm>
+          <a:prstGeom prst="rightArrow">
+            <a:avLst/>
+          </a:prstGeom>
+          <a:ln/>
+        </p:spPr>
+        <p:style>
+          <a:lnRef idx="0">
+            <a:schemeClr val="dk1"/>
+          </a:lnRef>
+          <a:fillRef idx="3">
+            <a:schemeClr val="dk1"/>
+          </a:fillRef>
+          <a:effectRef idx="3">
+            <a:schemeClr val="dk1"/>
+          </a:effectRef>
+          <a:fontRef idx="minor">
+            <a:schemeClr val="lt1"/>
+          </a:fontRef>
+        </p:style>
+        <p:txBody>
+          <a:bodyPr rtlCol="0" anchor="ctr"/>
+          <a:lstStyle/>
+          <a:p>
+            <a:pPr algn="ctr"/>
+            <a:endParaRPr lang="fr-FR"/>
+          </a:p>
+        </p:txBody>
+      </p:sp>
     </p:spTree>
     <p:extLst>
       <p:ext uri="{BB962C8B-B14F-4D97-AF65-F5344CB8AC3E}">
@@ -10612,10 +11129,91 @@
   <p:clrMapOvr>
     <a:masterClrMapping/>
   </p:clrMapOvr>
+  <p:timing>
+    <p:tnLst>
+      <p:par>
+        <p:cTn id="1" dur="indefinite" restart="never" nodeType="tmRoot">
+          <p:childTnLst>
+            <p:seq concurrent="1" nextAc="seek">
+              <p:cTn id="2" dur="indefinite" nodeType="mainSeq">
+                <p:childTnLst>
+                  <p:par>
+                    <p:cTn id="3" fill="hold">
+                      <p:stCondLst>
+                        <p:cond delay="indefinite"/>
+                        <p:cond evt="onBegin" delay="0">
+                          <p:tn val="2"/>
+                        </p:cond>
+                      </p:stCondLst>
+                      <p:childTnLst>
+                        <p:par>
+                          <p:cTn id="4" fill="hold">
+                            <p:stCondLst>
+                              <p:cond delay="0"/>
+                            </p:stCondLst>
+                            <p:childTnLst>
+                              <p:par>
+                                <p:cTn id="5" presetID="1" presetClass="entr" presetSubtype="0" fill="hold" grpId="0" nodeType="afterEffect">
+                                  <p:stCondLst>
+                                    <p:cond delay="0"/>
+                                  </p:stCondLst>
+                                  <p:childTnLst>
+                                    <p:set>
+                                      <p:cBhvr>
+                                        <p:cTn id="6" dur="1" fill="hold">
+                                          <p:stCondLst>
+                                            <p:cond delay="0"/>
+                                          </p:stCondLst>
+                                        </p:cTn>
+                                        <p:tgtEl>
+                                          <p:spTgt spid="20"/>
+                                        </p:tgtEl>
+                                        <p:attrNameLst>
+                                          <p:attrName>style.visibility</p:attrName>
+                                        </p:attrNameLst>
+                                      </p:cBhvr>
+                                      <p:to>
+                                        <p:strVal val="visible"/>
+                                      </p:to>
+                                    </p:set>
+                                  </p:childTnLst>
+                                </p:cTn>
+                              </p:par>
+                            </p:childTnLst>
+                          </p:cTn>
+                        </p:par>
+                      </p:childTnLst>
+                    </p:cTn>
+                  </p:par>
+                </p:childTnLst>
+              </p:cTn>
+              <p:prevCondLst>
+                <p:cond evt="onPrev" delay="0">
+                  <p:tgtEl>
+                    <p:sldTgt/>
+                  </p:tgtEl>
+                </p:cond>
+              </p:prevCondLst>
+              <p:nextCondLst>
+                <p:cond evt="onNext" delay="0">
+                  <p:tgtEl>
+                    <p:sldTgt/>
+                  </p:tgtEl>
+                </p:cond>
+              </p:nextCondLst>
+            </p:seq>
+          </p:childTnLst>
+        </p:cTn>
+      </p:par>
+    </p:tnLst>
+    <p:bldLst>
+      <p:bldP spid="20" grpId="0" animBg="1"/>
+    </p:bldLst>
+  </p:timing>
 </p:sld>
 </file>
 
-<file path=ppt/slides/slide17.xml><?xml version="1.0" encoding="utf-8"?>
+<file path=ppt/slides/slide19.xml><?xml version="1.0" encoding="utf-8"?>
 <p:sld xmlns:a="http://schemas.openxmlformats.org/drawingml/2006/main" xmlns:r="http://schemas.openxmlformats.org/officeDocument/2006/relationships" xmlns:p="http://schemas.openxmlformats.org/presentationml/2006/main">
   <p:cSld>
     <p:bg>
@@ -10937,11 +11535,67 @@
           </a:bodyPr>
           <a:lstStyle/>
           <a:p>
-            <a:endParaRPr lang="en-US" sz="3200">
-              <a:solidFill>
-                <a:srgbClr val="262626"/>
-              </a:solidFill>
-            </a:endParaRPr>
+            <a:r>
+              <a:rPr lang="en-US" sz="3200" dirty="0" err="1"/>
+              <a:t>Exemple</a:t>
+            </a:r>
+            <a:r>
+              <a:rPr lang="en-US" sz="3200" dirty="0"/>
+              <a:t> de </a:t>
+            </a:r>
+            <a:r>
+              <a:rPr lang="en-US" sz="3200" dirty="0" err="1"/>
+              <a:t>groupe</a:t>
+            </a:r>
+            <a:r>
+              <a:rPr lang="en-US" sz="3200" dirty="0"/>
+              <a:t> de clients</a:t>
+            </a:r>
+          </a:p>
+        </p:txBody>
+      </p:sp>
+      <p:sp>
+        <p:nvSpPr>
+          <p:cNvPr id="10" name="Flèche droite 4">
+            <a:extLst>
+              <a:ext uri="{FF2B5EF4-FFF2-40B4-BE49-F238E27FC236}">
+                <a16:creationId xmlns:a16="http://schemas.microsoft.com/office/drawing/2014/main" id="{81DCE99B-CAD8-4170-AC63-EAD6A6F1890C}"/>
+              </a:ext>
+            </a:extLst>
+          </p:cNvPr>
+          <p:cNvSpPr/>
+          <p:nvPr/>
+        </p:nvSpPr>
+        <p:spPr>
+          <a:xfrm>
+            <a:off x="11736625" y="6488757"/>
+            <a:ext cx="432048" cy="360040"/>
+          </a:xfrm>
+          <a:prstGeom prst="rightArrow">
+            <a:avLst/>
+          </a:prstGeom>
+          <a:ln/>
+        </p:spPr>
+        <p:style>
+          <a:lnRef idx="0">
+            <a:schemeClr val="dk1"/>
+          </a:lnRef>
+          <a:fillRef idx="3">
+            <a:schemeClr val="dk1"/>
+          </a:fillRef>
+          <a:effectRef idx="3">
+            <a:schemeClr val="dk1"/>
+          </a:effectRef>
+          <a:fontRef idx="minor">
+            <a:schemeClr val="lt1"/>
+          </a:fontRef>
+        </p:style>
+        <p:txBody>
+          <a:bodyPr rtlCol="0" anchor="ctr"/>
+          <a:lstStyle/>
+          <a:p>
+            <a:pPr algn="ctr"/>
+            <a:endParaRPr lang="fr-FR"/>
           </a:p>
         </p:txBody>
       </p:sp>
@@ -10955,10 +11609,186 @@
   <p:clrMapOvr>
     <a:masterClrMapping/>
   </p:clrMapOvr>
+  <p:timing>
+    <p:tnLst>
+      <p:par>
+        <p:cTn id="1" dur="indefinite" restart="never" nodeType="tmRoot">
+          <p:childTnLst>
+            <p:seq concurrent="1" nextAc="seek">
+              <p:cTn id="2" dur="indefinite" nodeType="mainSeq">
+                <p:childTnLst>
+                  <p:par>
+                    <p:cTn id="3" fill="hold">
+                      <p:stCondLst>
+                        <p:cond delay="indefinite"/>
+                        <p:cond evt="onBegin" delay="0">
+                          <p:tn val="2"/>
+                        </p:cond>
+                      </p:stCondLst>
+                      <p:childTnLst>
+                        <p:par>
+                          <p:cTn id="4" fill="hold">
+                            <p:stCondLst>
+                              <p:cond delay="0"/>
+                            </p:stCondLst>
+                            <p:childTnLst>
+                              <p:par>
+                                <p:cTn id="5" presetID="1" presetClass="entr" presetSubtype="0" fill="hold" grpId="0" nodeType="afterEffect">
+                                  <p:stCondLst>
+                                    <p:cond delay="0"/>
+                                  </p:stCondLst>
+                                  <p:childTnLst>
+                                    <p:set>
+                                      <p:cBhvr>
+                                        <p:cTn id="6" dur="1" fill="hold">
+                                          <p:stCondLst>
+                                            <p:cond delay="0"/>
+                                          </p:stCondLst>
+                                        </p:cTn>
+                                        <p:tgtEl>
+                                          <p:spTgt spid="10"/>
+                                        </p:tgtEl>
+                                        <p:attrNameLst>
+                                          <p:attrName>style.visibility</p:attrName>
+                                        </p:attrNameLst>
+                                      </p:cBhvr>
+                                      <p:to>
+                                        <p:strVal val="visible"/>
+                                      </p:to>
+                                    </p:set>
+                                  </p:childTnLst>
+                                </p:cTn>
+                              </p:par>
+                            </p:childTnLst>
+                          </p:cTn>
+                        </p:par>
+                      </p:childTnLst>
+                    </p:cTn>
+                  </p:par>
+                </p:childTnLst>
+              </p:cTn>
+              <p:prevCondLst>
+                <p:cond evt="onPrev" delay="0">
+                  <p:tgtEl>
+                    <p:sldTgt/>
+                  </p:tgtEl>
+                </p:cond>
+              </p:prevCondLst>
+              <p:nextCondLst>
+                <p:cond evt="onNext" delay="0">
+                  <p:tgtEl>
+                    <p:sldTgt/>
+                  </p:tgtEl>
+                </p:cond>
+              </p:nextCondLst>
+            </p:seq>
+          </p:childTnLst>
+        </p:cTn>
+      </p:par>
+    </p:tnLst>
+    <p:bldLst>
+      <p:bldP spid="10" grpId="0" animBg="1"/>
+    </p:bldLst>
+  </p:timing>
 </p:sld>
 </file>
 
-<file path=ppt/slides/slide18.xml><?xml version="1.0" encoding="utf-8"?>
+<file path=ppt/slides/slide2.xml><?xml version="1.0" encoding="utf-8"?>
+<p:sld xmlns:a="http://schemas.openxmlformats.org/drawingml/2006/main" xmlns:r="http://schemas.openxmlformats.org/officeDocument/2006/relationships" xmlns:p="http://schemas.openxmlformats.org/presentationml/2006/main">
+  <p:cSld>
+    <p:spTree>
+      <p:nvGrpSpPr>
+        <p:cNvPr id="1" name=""/>
+        <p:cNvGrpSpPr/>
+        <p:nvPr/>
+      </p:nvGrpSpPr>
+      <p:grpSpPr>
+        <a:xfrm>
+          <a:off x="0" y="0"/>
+          <a:ext cx="0" cy="0"/>
+          <a:chOff x="0" y="0"/>
+          <a:chExt cx="0" cy="0"/>
+        </a:xfrm>
+      </p:grpSpPr>
+      <p:sp>
+        <p:nvSpPr>
+          <p:cNvPr id="2" name="Titre 1">
+            <a:extLst>
+              <a:ext uri="{FF2B5EF4-FFF2-40B4-BE49-F238E27FC236}">
+                <a16:creationId xmlns:a16="http://schemas.microsoft.com/office/drawing/2014/main" id="{0C34746D-0B55-4294-A47D-A1AEB63423EB}"/>
+              </a:ext>
+            </a:extLst>
+          </p:cNvPr>
+          <p:cNvSpPr>
+            <a:spLocks noGrp="1"/>
+          </p:cNvSpPr>
+          <p:nvPr>
+            <p:ph type="title"/>
+          </p:nvPr>
+        </p:nvSpPr>
+        <p:spPr/>
+        <p:txBody>
+          <a:bodyPr/>
+          <a:lstStyle/>
+          <a:p>
+            <a:r>
+              <a:rPr lang="fr-FR" dirty="0"/>
+              <a:t>Problématique</a:t>
+            </a:r>
+          </a:p>
+        </p:txBody>
+      </p:sp>
+      <p:sp>
+        <p:nvSpPr>
+          <p:cNvPr id="3" name="Espace réservé du texte 2">
+            <a:extLst>
+              <a:ext uri="{FF2B5EF4-FFF2-40B4-BE49-F238E27FC236}">
+                <a16:creationId xmlns:a16="http://schemas.microsoft.com/office/drawing/2014/main" id="{D96E2D69-6B1A-4097-AD04-8E3A384FE9BE}"/>
+              </a:ext>
+            </a:extLst>
+          </p:cNvPr>
+          <p:cNvSpPr>
+            <a:spLocks noGrp="1"/>
+          </p:cNvSpPr>
+          <p:nvPr>
+            <p:ph type="body" idx="1"/>
+          </p:nvPr>
+        </p:nvSpPr>
+        <p:spPr/>
+        <p:txBody>
+          <a:bodyPr/>
+          <a:lstStyle/>
+          <a:p>
+            <a:endParaRPr lang="fr-FR"/>
+          </a:p>
+        </p:txBody>
+      </p:sp>
+    </p:spTree>
+    <p:extLst>
+      <p:ext uri="{BB962C8B-B14F-4D97-AF65-F5344CB8AC3E}">
+        <p14:creationId xmlns:p14="http://schemas.microsoft.com/office/powerpoint/2010/main" val="2923568907"/>
+      </p:ext>
+    </p:extLst>
+  </p:cSld>
+  <p:clrMapOvr>
+    <a:masterClrMapping/>
+  </p:clrMapOvr>
+  <mc:AlternateContent xmlns:mc="http://schemas.openxmlformats.org/markup-compatibility/2006" xmlns:p14="http://schemas.microsoft.com/office/powerpoint/2010/main">
+    <mc:Choice Requires="p14">
+      <p:transition spd="med" p14:dur="700">
+        <p:fade/>
+      </p:transition>
+    </mc:Choice>
+    <mc:Fallback xmlns="">
+      <p:transition spd="med">
+        <p:fade/>
+      </p:transition>
+    </mc:Fallback>
+  </mc:AlternateContent>
+</p:sld>
+</file>
+
+<file path=ppt/slides/slide20.xml><?xml version="1.0" encoding="utf-8"?>
 <p:sld xmlns:a="http://schemas.openxmlformats.org/drawingml/2006/main" xmlns:r="http://schemas.openxmlformats.org/officeDocument/2006/relationships" xmlns:p="http://schemas.openxmlformats.org/presentationml/2006/main">
   <p:cSld>
     <p:bg>
@@ -11280,6 +12110,22 @@
           </a:bodyPr>
           <a:lstStyle/>
           <a:p>
+            <a:r>
+              <a:rPr lang="en-US" sz="3200" dirty="0" err="1"/>
+              <a:t>Exemple</a:t>
+            </a:r>
+            <a:r>
+              <a:rPr lang="en-US" sz="3200" dirty="0"/>
+              <a:t> de </a:t>
+            </a:r>
+            <a:r>
+              <a:rPr lang="en-US" sz="3200" dirty="0" err="1"/>
+              <a:t>groupe</a:t>
+            </a:r>
+            <a:r>
+              <a:rPr lang="en-US" sz="3200" dirty="0"/>
+              <a:t> de clients</a:t>
+            </a:r>
             <a:endParaRPr lang="en-US" sz="3200" dirty="0">
               <a:solidFill>
                 <a:srgbClr val="262626"/>
@@ -11430,6 +12276,51 @@
           </a:fillRef>
           <a:effectRef idx="0">
             <a:scrgbClr r="0" g="0" b="0"/>
+          </a:effectRef>
+          <a:fontRef idx="minor">
+            <a:schemeClr val="lt1"/>
+          </a:fontRef>
+        </p:style>
+        <p:txBody>
+          <a:bodyPr rtlCol="0" anchor="ctr"/>
+          <a:lstStyle/>
+          <a:p>
+            <a:pPr algn="ctr"/>
+            <a:endParaRPr lang="fr-FR"/>
+          </a:p>
+        </p:txBody>
+      </p:sp>
+      <p:sp>
+        <p:nvSpPr>
+          <p:cNvPr id="12" name="Flèche droite 4">
+            <a:extLst>
+              <a:ext uri="{FF2B5EF4-FFF2-40B4-BE49-F238E27FC236}">
+                <a16:creationId xmlns:a16="http://schemas.microsoft.com/office/drawing/2014/main" id="{1FFEA637-A57D-45DC-8A1D-EEC4FDA57868}"/>
+              </a:ext>
+            </a:extLst>
+          </p:cNvPr>
+          <p:cNvSpPr/>
+          <p:nvPr/>
+        </p:nvSpPr>
+        <p:spPr>
+          <a:xfrm>
+            <a:off x="11736625" y="6488757"/>
+            <a:ext cx="432048" cy="360040"/>
+          </a:xfrm>
+          <a:prstGeom prst="rightArrow">
+            <a:avLst/>
+          </a:prstGeom>
+          <a:ln/>
+        </p:spPr>
+        <p:style>
+          <a:lnRef idx="0">
+            <a:schemeClr val="dk1"/>
+          </a:lnRef>
+          <a:fillRef idx="3">
+            <a:schemeClr val="dk1"/>
+          </a:fillRef>
+          <a:effectRef idx="3">
+            <a:schemeClr val="dk1"/>
           </a:effectRef>
           <a:fontRef idx="minor">
             <a:schemeClr val="lt1"/>
@@ -11594,6 +12485,42 @@
                             </p:childTnLst>
                           </p:cTn>
                         </p:par>
+                        <p:par>
+                          <p:cTn id="15" fill="hold">
+                            <p:stCondLst>
+                              <p:cond delay="0"/>
+                            </p:stCondLst>
+                            <p:childTnLst>
+                              <p:par>
+                                <p:cTn id="16" presetID="1" presetClass="entr" presetSubtype="0" fill="hold" grpId="0" nodeType="afterEffect">
+                                  <p:stCondLst>
+                                    <p:cond delay="0"/>
+                                  </p:stCondLst>
+                                  <p:childTnLst>
+                                    <p:set>
+                                      <p:cBhvr>
+                                        <p:cTn id="17" dur="1" fill="hold">
+                                          <p:stCondLst>
+                                            <p:cond delay="0"/>
+                                          </p:stCondLst>
+                                        </p:cTn>
+                                        <p:tgtEl>
+                                          <p:spTgt spid="12"/>
+                                        </p:tgtEl>
+                                        <p:attrNameLst>
+                                          <p:attrName>style.visibility</p:attrName>
+                                        </p:attrNameLst>
+                                      </p:cBhvr>
+                                      <p:to>
+                                        <p:strVal val="visible"/>
+                                      </p:to>
+                                    </p:set>
+                                  </p:childTnLst>
+                                </p:cTn>
+                              </p:par>
+                            </p:childTnLst>
+                          </p:cTn>
+                        </p:par>
                       </p:childTnLst>
                     </p:cTn>
                   </p:par>
@@ -11622,12 +12549,13 @@
       <p:bldP spid="38" grpId="0" animBg="1"/>
       <p:bldP spid="40" grpId="0" animBg="1"/>
       <p:bldP spid="45" grpId="0" animBg="1"/>
+      <p:bldP spid="12" grpId="0" animBg="1"/>
     </p:bldLst>
   </p:timing>
 </p:sld>
 </file>
 
-<file path=ppt/slides/slide19.xml><?xml version="1.0" encoding="utf-8"?>
+<file path=ppt/slides/slide21.xml><?xml version="1.0" encoding="utf-8"?>
 <p:sld xmlns:a="http://schemas.openxmlformats.org/drawingml/2006/main" xmlns:r="http://schemas.openxmlformats.org/officeDocument/2006/relationships" xmlns:p="http://schemas.openxmlformats.org/presentationml/2006/main">
   <p:cSld>
     <p:spTree>
@@ -11724,102 +12652,7 @@
 </p:sld>
 </file>
 
-<file path=ppt/slides/slide2.xml><?xml version="1.0" encoding="utf-8"?>
-<p:sld xmlns:a="http://schemas.openxmlformats.org/drawingml/2006/main" xmlns:r="http://schemas.openxmlformats.org/officeDocument/2006/relationships" xmlns:p="http://schemas.openxmlformats.org/presentationml/2006/main">
-  <p:cSld>
-    <p:spTree>
-      <p:nvGrpSpPr>
-        <p:cNvPr id="1" name=""/>
-        <p:cNvGrpSpPr/>
-        <p:nvPr/>
-      </p:nvGrpSpPr>
-      <p:grpSpPr>
-        <a:xfrm>
-          <a:off x="0" y="0"/>
-          <a:ext cx="0" cy="0"/>
-          <a:chOff x="0" y="0"/>
-          <a:chExt cx="0" cy="0"/>
-        </a:xfrm>
-      </p:grpSpPr>
-      <p:sp>
-        <p:nvSpPr>
-          <p:cNvPr id="2" name="Titre 1">
-            <a:extLst>
-              <a:ext uri="{FF2B5EF4-FFF2-40B4-BE49-F238E27FC236}">
-                <a16:creationId xmlns:a16="http://schemas.microsoft.com/office/drawing/2014/main" id="{0C34746D-0B55-4294-A47D-A1AEB63423EB}"/>
-              </a:ext>
-            </a:extLst>
-          </p:cNvPr>
-          <p:cNvSpPr>
-            <a:spLocks noGrp="1"/>
-          </p:cNvSpPr>
-          <p:nvPr>
-            <p:ph type="title"/>
-          </p:nvPr>
-        </p:nvSpPr>
-        <p:spPr/>
-        <p:txBody>
-          <a:bodyPr/>
-          <a:lstStyle/>
-          <a:p>
-            <a:r>
-              <a:rPr lang="fr-FR" dirty="0"/>
-              <a:t>Problématique</a:t>
-            </a:r>
-          </a:p>
-        </p:txBody>
-      </p:sp>
-      <p:sp>
-        <p:nvSpPr>
-          <p:cNvPr id="3" name="Espace réservé du texte 2">
-            <a:extLst>
-              <a:ext uri="{FF2B5EF4-FFF2-40B4-BE49-F238E27FC236}">
-                <a16:creationId xmlns:a16="http://schemas.microsoft.com/office/drawing/2014/main" id="{D96E2D69-6B1A-4097-AD04-8E3A384FE9BE}"/>
-              </a:ext>
-            </a:extLst>
-          </p:cNvPr>
-          <p:cNvSpPr>
-            <a:spLocks noGrp="1"/>
-          </p:cNvSpPr>
-          <p:nvPr>
-            <p:ph type="body" idx="1"/>
-          </p:nvPr>
-        </p:nvSpPr>
-        <p:spPr/>
-        <p:txBody>
-          <a:bodyPr/>
-          <a:lstStyle/>
-          <a:p>
-            <a:endParaRPr lang="fr-FR"/>
-          </a:p>
-        </p:txBody>
-      </p:sp>
-    </p:spTree>
-    <p:extLst>
-      <p:ext uri="{BB962C8B-B14F-4D97-AF65-F5344CB8AC3E}">
-        <p14:creationId xmlns:p14="http://schemas.microsoft.com/office/powerpoint/2010/main" val="2923568907"/>
-      </p:ext>
-    </p:extLst>
-  </p:cSld>
-  <p:clrMapOvr>
-    <a:masterClrMapping/>
-  </p:clrMapOvr>
-  <mc:AlternateContent xmlns:mc="http://schemas.openxmlformats.org/markup-compatibility/2006" xmlns:p14="http://schemas.microsoft.com/office/powerpoint/2010/main">
-    <mc:Choice Requires="p14">
-      <p:transition spd="med" p14:dur="700">
-        <p:fade/>
-      </p:transition>
-    </mc:Choice>
-    <mc:Fallback xmlns="">
-      <p:transition spd="med">
-        <p:fade/>
-      </p:transition>
-    </mc:Fallback>
-  </mc:AlternateContent>
-</p:sld>
-</file>
-
-<file path=ppt/slides/slide20.xml><?xml version="1.0" encoding="utf-8"?>
+<file path=ppt/slides/slide22.xml><?xml version="1.0" encoding="utf-8"?>
 <p:sld xmlns:a="http://schemas.openxmlformats.org/drawingml/2006/main" xmlns:r="http://schemas.openxmlformats.org/officeDocument/2006/relationships" xmlns:p="http://schemas.openxmlformats.org/presentationml/2006/main">
   <p:cSld>
     <p:spTree>
@@ -12381,185 +13214,6 @@
 </p:sld>
 </file>
 
-<file path=ppt/slides/slide21.xml><?xml version="1.0" encoding="utf-8"?>
-<p:sld xmlns:a="http://schemas.openxmlformats.org/drawingml/2006/main" xmlns:r="http://schemas.openxmlformats.org/officeDocument/2006/relationships" xmlns:p="http://schemas.openxmlformats.org/presentationml/2006/main">
-  <p:cSld>
-    <p:spTree>
-      <p:nvGrpSpPr>
-        <p:cNvPr id="1" name=""/>
-        <p:cNvGrpSpPr/>
-        <p:nvPr/>
-      </p:nvGrpSpPr>
-      <p:grpSpPr>
-        <a:xfrm>
-          <a:off x="0" y="0"/>
-          <a:ext cx="0" cy="0"/>
-          <a:chOff x="0" y="0"/>
-          <a:chExt cx="0" cy="0"/>
-        </a:xfrm>
-      </p:grpSpPr>
-      <p:sp>
-        <p:nvSpPr>
-          <p:cNvPr id="2" name="Titre 1">
-            <a:extLst>
-              <a:ext uri="{FF2B5EF4-FFF2-40B4-BE49-F238E27FC236}">
-                <a16:creationId xmlns:a16="http://schemas.microsoft.com/office/drawing/2014/main" id="{588ACAD5-960D-4AC8-BECA-7196926678C2}"/>
-              </a:ext>
-            </a:extLst>
-          </p:cNvPr>
-          <p:cNvSpPr>
-            <a:spLocks noGrp="1"/>
-          </p:cNvSpPr>
-          <p:nvPr>
-            <p:ph type="title"/>
-          </p:nvPr>
-        </p:nvSpPr>
-        <p:spPr/>
-        <p:txBody>
-          <a:bodyPr/>
-          <a:lstStyle/>
-          <a:p>
-            <a:r>
-              <a:rPr lang="fr-FR" dirty="0" err="1"/>
-              <a:t>Kneighbors</a:t>
-            </a:r>
-            <a:r>
-              <a:rPr lang="fr-FR" dirty="0"/>
-              <a:t> Classifier</a:t>
-            </a:r>
-          </a:p>
-        </p:txBody>
-      </p:sp>
-      <p:sp>
-        <p:nvSpPr>
-          <p:cNvPr id="3" name="Espace réservé du contenu 2">
-            <a:extLst>
-              <a:ext uri="{FF2B5EF4-FFF2-40B4-BE49-F238E27FC236}">
-                <a16:creationId xmlns:a16="http://schemas.microsoft.com/office/drawing/2014/main" id="{E78BD01D-E9BF-4A48-A14A-486185DB09F1}"/>
-              </a:ext>
-            </a:extLst>
-          </p:cNvPr>
-          <p:cNvSpPr>
-            <a:spLocks noGrp="1"/>
-          </p:cNvSpPr>
-          <p:nvPr>
-            <p:ph idx="1"/>
-          </p:nvPr>
-        </p:nvSpPr>
-        <p:spPr/>
-        <p:txBody>
-          <a:bodyPr/>
-          <a:lstStyle/>
-          <a:p>
-            <a:r>
-              <a:rPr lang="fr-FR" dirty="0"/>
-              <a:t># Explications</a:t>
-            </a:r>
-          </a:p>
-        </p:txBody>
-      </p:sp>
-    </p:spTree>
-    <p:extLst>
-      <p:ext uri="{BB962C8B-B14F-4D97-AF65-F5344CB8AC3E}">
-        <p14:creationId xmlns:p14="http://schemas.microsoft.com/office/powerpoint/2010/main" val="2755616708"/>
-      </p:ext>
-    </p:extLst>
-  </p:cSld>
-  <p:clrMapOvr>
-    <a:masterClrMapping/>
-  </p:clrMapOvr>
-</p:sld>
-</file>
-
-<file path=ppt/slides/slide22.xml><?xml version="1.0" encoding="utf-8"?>
-<p:sld xmlns:a="http://schemas.openxmlformats.org/drawingml/2006/main" xmlns:r="http://schemas.openxmlformats.org/officeDocument/2006/relationships" xmlns:p="http://schemas.openxmlformats.org/presentationml/2006/main">
-  <p:cSld>
-    <p:spTree>
-      <p:nvGrpSpPr>
-        <p:cNvPr id="1" name=""/>
-        <p:cNvGrpSpPr/>
-        <p:nvPr/>
-      </p:nvGrpSpPr>
-      <p:grpSpPr>
-        <a:xfrm>
-          <a:off x="0" y="0"/>
-          <a:ext cx="0" cy="0"/>
-          <a:chOff x="0" y="0"/>
-          <a:chExt cx="0" cy="0"/>
-        </a:xfrm>
-      </p:grpSpPr>
-      <p:sp>
-        <p:nvSpPr>
-          <p:cNvPr id="2" name="Titre 1">
-            <a:extLst>
-              <a:ext uri="{FF2B5EF4-FFF2-40B4-BE49-F238E27FC236}">
-                <a16:creationId xmlns:a16="http://schemas.microsoft.com/office/drawing/2014/main" id="{588ACAD5-960D-4AC8-BECA-7196926678C2}"/>
-              </a:ext>
-            </a:extLst>
-          </p:cNvPr>
-          <p:cNvSpPr>
-            <a:spLocks noGrp="1"/>
-          </p:cNvSpPr>
-          <p:nvPr>
-            <p:ph type="title"/>
-          </p:nvPr>
-        </p:nvSpPr>
-        <p:spPr/>
-        <p:txBody>
-          <a:bodyPr/>
-          <a:lstStyle/>
-          <a:p>
-            <a:r>
-              <a:rPr lang="fr-FR" dirty="0"/>
-              <a:t>Ada Boost Classifier</a:t>
-            </a:r>
-          </a:p>
-        </p:txBody>
-      </p:sp>
-      <p:sp>
-        <p:nvSpPr>
-          <p:cNvPr id="3" name="Espace réservé du contenu 2">
-            <a:extLst>
-              <a:ext uri="{FF2B5EF4-FFF2-40B4-BE49-F238E27FC236}">
-                <a16:creationId xmlns:a16="http://schemas.microsoft.com/office/drawing/2014/main" id="{E78BD01D-E9BF-4A48-A14A-486185DB09F1}"/>
-              </a:ext>
-            </a:extLst>
-          </p:cNvPr>
-          <p:cNvSpPr>
-            <a:spLocks noGrp="1"/>
-          </p:cNvSpPr>
-          <p:nvPr>
-            <p:ph idx="1"/>
-          </p:nvPr>
-        </p:nvSpPr>
-        <p:spPr/>
-        <p:txBody>
-          <a:bodyPr/>
-          <a:lstStyle/>
-          <a:p>
-            <a:r>
-              <a:rPr lang="fr-FR" dirty="0"/>
-              <a:t># Explications</a:t>
-            </a:r>
-          </a:p>
-          <a:p>
-            <a:endParaRPr lang="fr-FR" dirty="0"/>
-          </a:p>
-        </p:txBody>
-      </p:sp>
-    </p:spTree>
-    <p:extLst>
-      <p:ext uri="{BB962C8B-B14F-4D97-AF65-F5344CB8AC3E}">
-        <p14:creationId xmlns:p14="http://schemas.microsoft.com/office/powerpoint/2010/main" val="1644129652"/>
-      </p:ext>
-    </p:extLst>
-  </p:cSld>
-  <p:clrMapOvr>
-    <a:masterClrMapping/>
-  </p:clrMapOvr>
-</p:sld>
-</file>
-
 <file path=ppt/slides/slide23.xml><?xml version="1.0" encoding="utf-8"?>
 <p:sld xmlns:a="http://schemas.openxmlformats.org/drawingml/2006/main" xmlns:r="http://schemas.openxmlformats.org/officeDocument/2006/relationships" xmlns:p="http://schemas.openxmlformats.org/presentationml/2006/main">
   <p:cSld>
@@ -12599,12 +13253,8 @@
           <a:lstStyle/>
           <a:p>
             <a:r>
-              <a:rPr lang="fr-FR" dirty="0"/>
-              <a:t>Gradient </a:t>
-            </a:r>
-            <a:r>
               <a:rPr lang="fr-FR" dirty="0" err="1"/>
-              <a:t>Boosting</a:t>
+              <a:t>Kneighbors</a:t>
             </a:r>
             <a:r>
               <a:rPr lang="fr-FR" dirty="0"/>
@@ -12631,29 +13281,172 @@
         </p:nvSpPr>
         <p:spPr/>
         <p:txBody>
-          <a:bodyPr/>
+          <a:bodyPr>
+            <a:normAutofit fontScale="92500" lnSpcReduction="20000"/>
+          </a:bodyPr>
           <a:lstStyle/>
           <a:p>
             <a:r>
               <a:rPr lang="fr-FR" dirty="0"/>
-              <a:t># Explications</a:t>
-            </a:r>
-          </a:p>
-          <a:p>
-            <a:endParaRPr lang="fr-FR" dirty="0"/>
+              <a:t>La méthode des k plus proches voisins est une méthode d’apprentissage supervisé. </a:t>
+            </a:r>
+          </a:p>
+          <a:p>
+            <a:r>
+              <a:rPr lang="fr-FR" dirty="0"/>
+              <a:t>On dispose d’une base de données d'apprentissage constituée de N couples « entrée-sortie ». </a:t>
+            </a:r>
+          </a:p>
+          <a:p>
+            <a:r>
+              <a:rPr lang="fr-FR" dirty="0"/>
+              <a:t>Pour estimer la sortie associée à une nouvelle entrée x, la méthode des k plus proches voisins consiste à prendre en compte (de façon identique) les k échantillons d'apprentissage dont l’entrée est la plus proche de la nouvelle entrée x, selon une distance à définir.</a:t>
+            </a:r>
+          </a:p>
+          <a:p>
+            <a:r>
+              <a:rPr lang="fr-FR" dirty="0"/>
+              <a:t>Dans un problème de classification, on retiendra la classe la plus représentée parmi les k sorties associées aux k entrées les plus proches de la nouvelle entrée x.</a:t>
+            </a:r>
+          </a:p>
+        </p:txBody>
+      </p:sp>
+      <p:sp>
+        <p:nvSpPr>
+          <p:cNvPr id="4" name="Flèche droite 4">
+            <a:extLst>
+              <a:ext uri="{FF2B5EF4-FFF2-40B4-BE49-F238E27FC236}">
+                <a16:creationId xmlns:a16="http://schemas.microsoft.com/office/drawing/2014/main" id="{C67E1060-6B84-403B-9DDE-1AACF68A534F}"/>
+              </a:ext>
+            </a:extLst>
+          </p:cNvPr>
+          <p:cNvSpPr/>
+          <p:nvPr/>
+        </p:nvSpPr>
+        <p:spPr>
+          <a:xfrm>
+            <a:off x="11736625" y="6488757"/>
+            <a:ext cx="432048" cy="360040"/>
+          </a:xfrm>
+          <a:prstGeom prst="rightArrow">
+            <a:avLst/>
+          </a:prstGeom>
+          <a:ln/>
+        </p:spPr>
+        <p:style>
+          <a:lnRef idx="0">
+            <a:schemeClr val="dk1"/>
+          </a:lnRef>
+          <a:fillRef idx="3">
+            <a:schemeClr val="dk1"/>
+          </a:fillRef>
+          <a:effectRef idx="3">
+            <a:schemeClr val="dk1"/>
+          </a:effectRef>
+          <a:fontRef idx="minor">
+            <a:schemeClr val="lt1"/>
+          </a:fontRef>
+        </p:style>
+        <p:txBody>
+          <a:bodyPr rtlCol="0" anchor="ctr"/>
+          <a:lstStyle/>
+          <a:p>
+            <a:pPr algn="ctr"/>
+            <a:endParaRPr lang="fr-FR"/>
           </a:p>
         </p:txBody>
       </p:sp>
     </p:spTree>
     <p:extLst>
       <p:ext uri="{BB962C8B-B14F-4D97-AF65-F5344CB8AC3E}">
-        <p14:creationId xmlns:p14="http://schemas.microsoft.com/office/powerpoint/2010/main" val="1186162769"/>
+        <p14:creationId xmlns:p14="http://schemas.microsoft.com/office/powerpoint/2010/main" val="2755616708"/>
       </p:ext>
     </p:extLst>
   </p:cSld>
   <p:clrMapOvr>
     <a:masterClrMapping/>
   </p:clrMapOvr>
+  <p:timing>
+    <p:tnLst>
+      <p:par>
+        <p:cTn id="1" dur="indefinite" restart="never" nodeType="tmRoot">
+          <p:childTnLst>
+            <p:seq concurrent="1" nextAc="seek">
+              <p:cTn id="2" dur="indefinite" nodeType="mainSeq">
+                <p:childTnLst>
+                  <p:par>
+                    <p:cTn id="3" fill="hold">
+                      <p:stCondLst>
+                        <p:cond delay="indefinite"/>
+                        <p:cond evt="onBegin" delay="0">
+                          <p:tn val="2"/>
+                        </p:cond>
+                      </p:stCondLst>
+                      <p:childTnLst>
+                        <p:par>
+                          <p:cTn id="4" fill="hold">
+                            <p:stCondLst>
+                              <p:cond delay="0"/>
+                            </p:stCondLst>
+                            <p:childTnLst>
+                              <p:par>
+                                <p:cTn id="5" presetID="1" presetClass="entr" presetSubtype="0" fill="hold" grpId="0" nodeType="afterEffect">
+                                  <p:stCondLst>
+                                    <p:cond delay="0"/>
+                                  </p:stCondLst>
+                                  <p:childTnLst>
+                                    <p:set>
+                                      <p:cBhvr>
+                                        <p:cTn id="6" dur="1" fill="hold">
+                                          <p:stCondLst>
+                                            <p:cond delay="0"/>
+                                          </p:stCondLst>
+                                        </p:cTn>
+                                        <p:tgtEl>
+                                          <p:spTgt spid="4"/>
+                                        </p:tgtEl>
+                                        <p:attrNameLst>
+                                          <p:attrName>style.visibility</p:attrName>
+                                        </p:attrNameLst>
+                                      </p:cBhvr>
+                                      <p:to>
+                                        <p:strVal val="visible"/>
+                                      </p:to>
+                                    </p:set>
+                                  </p:childTnLst>
+                                </p:cTn>
+                              </p:par>
+                            </p:childTnLst>
+                          </p:cTn>
+                        </p:par>
+                      </p:childTnLst>
+                    </p:cTn>
+                  </p:par>
+                </p:childTnLst>
+              </p:cTn>
+              <p:prevCondLst>
+                <p:cond evt="onPrev" delay="0">
+                  <p:tgtEl>
+                    <p:sldTgt/>
+                  </p:tgtEl>
+                </p:cond>
+              </p:prevCondLst>
+              <p:nextCondLst>
+                <p:cond evt="onNext" delay="0">
+                  <p:tgtEl>
+                    <p:sldTgt/>
+                  </p:tgtEl>
+                </p:cond>
+              </p:nextCondLst>
+            </p:seq>
+          </p:childTnLst>
+        </p:cTn>
+      </p:par>
+    </p:tnLst>
+    <p:bldLst>
+      <p:bldP spid="4" grpId="0" animBg="1"/>
+    </p:bldLst>
+  </p:timing>
 </p:sld>
 </file>
 
@@ -13287,6 +14080,574 @@
           <p:cNvPr id="2" name="Titre 1">
             <a:extLst>
               <a:ext uri="{FF2B5EF4-FFF2-40B4-BE49-F238E27FC236}">
+                <a16:creationId xmlns:a16="http://schemas.microsoft.com/office/drawing/2014/main" id="{588ACAD5-960D-4AC8-BECA-7196926678C2}"/>
+              </a:ext>
+            </a:extLst>
+          </p:cNvPr>
+          <p:cNvSpPr>
+            <a:spLocks noGrp="1"/>
+          </p:cNvSpPr>
+          <p:nvPr>
+            <p:ph type="title"/>
+          </p:nvPr>
+        </p:nvSpPr>
+        <p:spPr/>
+        <p:txBody>
+          <a:bodyPr/>
+          <a:lstStyle/>
+          <a:p>
+            <a:r>
+              <a:rPr lang="fr-FR" dirty="0"/>
+              <a:t>Ada Boost Classifier</a:t>
+            </a:r>
+          </a:p>
+        </p:txBody>
+      </p:sp>
+      <p:sp>
+        <p:nvSpPr>
+          <p:cNvPr id="3" name="Espace réservé du contenu 2">
+            <a:extLst>
+              <a:ext uri="{FF2B5EF4-FFF2-40B4-BE49-F238E27FC236}">
+                <a16:creationId xmlns:a16="http://schemas.microsoft.com/office/drawing/2014/main" id="{E78BD01D-E9BF-4A48-A14A-486185DB09F1}"/>
+              </a:ext>
+            </a:extLst>
+          </p:cNvPr>
+          <p:cNvSpPr>
+            <a:spLocks noGrp="1"/>
+          </p:cNvSpPr>
+          <p:nvPr>
+            <p:ph idx="1"/>
+          </p:nvPr>
+        </p:nvSpPr>
+        <p:spPr/>
+        <p:txBody>
+          <a:bodyPr>
+            <a:normAutofit lnSpcReduction="10000"/>
+          </a:bodyPr>
+          <a:lstStyle/>
+          <a:p>
+            <a:r>
+              <a:rPr lang="fr-FR" dirty="0"/>
+              <a:t>Par opposition au bagging, il existe le </a:t>
+            </a:r>
+            <a:r>
+              <a:rPr lang="fr-FR" dirty="0" err="1"/>
+              <a:t>boosting</a:t>
+            </a:r>
+            <a:r>
+              <a:rPr lang="fr-FR" dirty="0"/>
+              <a:t>.</a:t>
+            </a:r>
+          </a:p>
+          <a:p>
+            <a:r>
+              <a:rPr lang="fr-FR" dirty="0"/>
+              <a:t>Les différents classifieurs sont pondérés de manière à ce qu’à chaque prédiction, les classifieurs ayant prédit correctement auront un poids plus fort que ceux dont la prédiction est incorrecte.</a:t>
+            </a:r>
+          </a:p>
+          <a:p>
+            <a:r>
+              <a:rPr lang="fr-FR" dirty="0" err="1"/>
+              <a:t>Adaboost</a:t>
+            </a:r>
+            <a:r>
+              <a:rPr lang="fr-FR" dirty="0"/>
+              <a:t> est un algorithme de </a:t>
+            </a:r>
+            <a:r>
+              <a:rPr lang="fr-FR" dirty="0" err="1"/>
+              <a:t>boosting</a:t>
+            </a:r>
+            <a:r>
+              <a:rPr lang="fr-FR" dirty="0"/>
+              <a:t> qui s’appuie sur ce principe, avec un paramètre de mise à jour adaptatif permettant de donner plus d’importance aux valeurs difficiles à prédire.</a:t>
+            </a:r>
+          </a:p>
+          <a:p>
+            <a:r>
+              <a:rPr lang="fr-FR" dirty="0"/>
+              <a:t>Il « booste » donc les classifieurs qui réussissent.</a:t>
+            </a:r>
+          </a:p>
+        </p:txBody>
+      </p:sp>
+      <p:sp>
+        <p:nvSpPr>
+          <p:cNvPr id="4" name="Flèche droite 4">
+            <a:extLst>
+              <a:ext uri="{FF2B5EF4-FFF2-40B4-BE49-F238E27FC236}">
+                <a16:creationId xmlns:a16="http://schemas.microsoft.com/office/drawing/2014/main" id="{0C5FBBEE-0051-4543-A25C-B388E502A992}"/>
+              </a:ext>
+            </a:extLst>
+          </p:cNvPr>
+          <p:cNvSpPr/>
+          <p:nvPr/>
+        </p:nvSpPr>
+        <p:spPr>
+          <a:xfrm>
+            <a:off x="11736625" y="6488757"/>
+            <a:ext cx="432048" cy="360040"/>
+          </a:xfrm>
+          <a:prstGeom prst="rightArrow">
+            <a:avLst/>
+          </a:prstGeom>
+          <a:ln/>
+        </p:spPr>
+        <p:style>
+          <a:lnRef idx="0">
+            <a:schemeClr val="dk1"/>
+          </a:lnRef>
+          <a:fillRef idx="3">
+            <a:schemeClr val="dk1"/>
+          </a:fillRef>
+          <a:effectRef idx="3">
+            <a:schemeClr val="dk1"/>
+          </a:effectRef>
+          <a:fontRef idx="minor">
+            <a:schemeClr val="lt1"/>
+          </a:fontRef>
+        </p:style>
+        <p:txBody>
+          <a:bodyPr rtlCol="0" anchor="ctr"/>
+          <a:lstStyle/>
+          <a:p>
+            <a:pPr algn="ctr"/>
+            <a:endParaRPr lang="fr-FR"/>
+          </a:p>
+        </p:txBody>
+      </p:sp>
+    </p:spTree>
+    <p:extLst>
+      <p:ext uri="{BB962C8B-B14F-4D97-AF65-F5344CB8AC3E}">
+        <p14:creationId xmlns:p14="http://schemas.microsoft.com/office/powerpoint/2010/main" val="1644129652"/>
+      </p:ext>
+    </p:extLst>
+  </p:cSld>
+  <p:clrMapOvr>
+    <a:masterClrMapping/>
+  </p:clrMapOvr>
+  <p:timing>
+    <p:tnLst>
+      <p:par>
+        <p:cTn id="1" dur="indefinite" restart="never" nodeType="tmRoot">
+          <p:childTnLst>
+            <p:seq concurrent="1" nextAc="seek">
+              <p:cTn id="2" dur="indefinite" nodeType="mainSeq">
+                <p:childTnLst>
+                  <p:par>
+                    <p:cTn id="3" fill="hold">
+                      <p:stCondLst>
+                        <p:cond delay="indefinite"/>
+                        <p:cond evt="onBegin" delay="0">
+                          <p:tn val="2"/>
+                        </p:cond>
+                      </p:stCondLst>
+                      <p:childTnLst>
+                        <p:par>
+                          <p:cTn id="4" fill="hold">
+                            <p:stCondLst>
+                              <p:cond delay="0"/>
+                            </p:stCondLst>
+                            <p:childTnLst>
+                              <p:par>
+                                <p:cTn id="5" presetID="1" presetClass="entr" presetSubtype="0" fill="hold" grpId="0" nodeType="afterEffect">
+                                  <p:stCondLst>
+                                    <p:cond delay="0"/>
+                                  </p:stCondLst>
+                                  <p:childTnLst>
+                                    <p:set>
+                                      <p:cBhvr>
+                                        <p:cTn id="6" dur="1" fill="hold">
+                                          <p:stCondLst>
+                                            <p:cond delay="0"/>
+                                          </p:stCondLst>
+                                        </p:cTn>
+                                        <p:tgtEl>
+                                          <p:spTgt spid="4"/>
+                                        </p:tgtEl>
+                                        <p:attrNameLst>
+                                          <p:attrName>style.visibility</p:attrName>
+                                        </p:attrNameLst>
+                                      </p:cBhvr>
+                                      <p:to>
+                                        <p:strVal val="visible"/>
+                                      </p:to>
+                                    </p:set>
+                                  </p:childTnLst>
+                                </p:cTn>
+                              </p:par>
+                            </p:childTnLst>
+                          </p:cTn>
+                        </p:par>
+                      </p:childTnLst>
+                    </p:cTn>
+                  </p:par>
+                </p:childTnLst>
+              </p:cTn>
+              <p:prevCondLst>
+                <p:cond evt="onPrev" delay="0">
+                  <p:tgtEl>
+                    <p:sldTgt/>
+                  </p:tgtEl>
+                </p:cond>
+              </p:prevCondLst>
+              <p:nextCondLst>
+                <p:cond evt="onNext" delay="0">
+                  <p:tgtEl>
+                    <p:sldTgt/>
+                  </p:tgtEl>
+                </p:cond>
+              </p:nextCondLst>
+            </p:seq>
+          </p:childTnLst>
+        </p:cTn>
+      </p:par>
+    </p:tnLst>
+    <p:bldLst>
+      <p:bldP spid="4" grpId="0" animBg="1"/>
+    </p:bldLst>
+  </p:timing>
+</p:sld>
+</file>
+
+<file path=ppt/slides/slide26.xml><?xml version="1.0" encoding="utf-8"?>
+<p:sld xmlns:a="http://schemas.openxmlformats.org/drawingml/2006/main" xmlns:r="http://schemas.openxmlformats.org/officeDocument/2006/relationships" xmlns:p="http://schemas.openxmlformats.org/presentationml/2006/main">
+  <p:cSld>
+    <p:spTree>
+      <p:nvGrpSpPr>
+        <p:cNvPr id="1" name=""/>
+        <p:cNvGrpSpPr/>
+        <p:nvPr/>
+      </p:nvGrpSpPr>
+      <p:grpSpPr>
+        <a:xfrm>
+          <a:off x="0" y="0"/>
+          <a:ext cx="0" cy="0"/>
+          <a:chOff x="0" y="0"/>
+          <a:chExt cx="0" cy="0"/>
+        </a:xfrm>
+      </p:grpSpPr>
+      <p:sp>
+        <p:nvSpPr>
+          <p:cNvPr id="2" name="Titre 1">
+            <a:extLst>
+              <a:ext uri="{FF2B5EF4-FFF2-40B4-BE49-F238E27FC236}">
+                <a16:creationId xmlns:a16="http://schemas.microsoft.com/office/drawing/2014/main" id="{588ACAD5-960D-4AC8-BECA-7196926678C2}"/>
+              </a:ext>
+            </a:extLst>
+          </p:cNvPr>
+          <p:cNvSpPr>
+            <a:spLocks noGrp="1"/>
+          </p:cNvSpPr>
+          <p:nvPr>
+            <p:ph type="title"/>
+          </p:nvPr>
+        </p:nvSpPr>
+        <p:spPr/>
+        <p:txBody>
+          <a:bodyPr/>
+          <a:lstStyle/>
+          <a:p>
+            <a:r>
+              <a:rPr lang="fr-FR" dirty="0"/>
+              <a:t>Gradient </a:t>
+            </a:r>
+            <a:r>
+              <a:rPr lang="fr-FR" dirty="0" err="1"/>
+              <a:t>Boosting</a:t>
+            </a:r>
+            <a:r>
+              <a:rPr lang="fr-FR" dirty="0"/>
+              <a:t> Classifier</a:t>
+            </a:r>
+          </a:p>
+        </p:txBody>
+      </p:sp>
+      <p:sp>
+        <p:nvSpPr>
+          <p:cNvPr id="3" name="Espace réservé du contenu 2">
+            <a:extLst>
+              <a:ext uri="{FF2B5EF4-FFF2-40B4-BE49-F238E27FC236}">
+                <a16:creationId xmlns:a16="http://schemas.microsoft.com/office/drawing/2014/main" id="{E78BD01D-E9BF-4A48-A14A-486185DB09F1}"/>
+              </a:ext>
+            </a:extLst>
+          </p:cNvPr>
+          <p:cNvSpPr>
+            <a:spLocks noGrp="1"/>
+          </p:cNvSpPr>
+          <p:nvPr>
+            <p:ph idx="1"/>
+          </p:nvPr>
+        </p:nvSpPr>
+        <p:spPr/>
+        <p:txBody>
+          <a:bodyPr>
+            <a:normAutofit fontScale="62500" lnSpcReduction="20000"/>
+          </a:bodyPr>
+          <a:lstStyle/>
+          <a:p>
+            <a:r>
+              <a:rPr lang="fr-FR" dirty="0"/>
+              <a:t>C’est une technique de </a:t>
+            </a:r>
+            <a:r>
+              <a:rPr lang="fr-FR" dirty="0" err="1"/>
+              <a:t>boosting</a:t>
+            </a:r>
+            <a:r>
+              <a:rPr lang="fr-FR" dirty="0"/>
+              <a:t>.</a:t>
+            </a:r>
+          </a:p>
+          <a:p>
+            <a:r>
+              <a:rPr lang="fr-FR" dirty="0"/>
+              <a:t>L’idée principale est là encore d’agréger plusieurs classifieurs ensembles mais en les créant itérativement.</a:t>
+            </a:r>
+          </a:p>
+          <a:p>
+            <a:r>
+              <a:rPr lang="fr-FR" dirty="0"/>
+              <a:t>Ces « mini-classifieurs » sont généralement des fonctions simples et paramétrées. </a:t>
+            </a:r>
+          </a:p>
+          <a:p>
+            <a:r>
+              <a:rPr lang="fr-FR" dirty="0"/>
+              <a:t>Le super-classifieur final est une pondération (par un vecteur w) de ces mini-classifieurs.</a:t>
+            </a:r>
+          </a:p>
+          <a:p>
+            <a:r>
+              <a:rPr lang="fr-FR" dirty="0"/>
+              <a:t>Une approche pour construire ce super-classifieur est de :</a:t>
+            </a:r>
+          </a:p>
+          <a:p>
+            <a:pPr marL="514350" indent="-514350">
+              <a:buFont typeface="+mj-lt"/>
+              <a:buAutoNum type="arabicPeriod"/>
+            </a:pPr>
+            <a:r>
+              <a:rPr lang="fr-FR" dirty="0"/>
+              <a:t>Prendre une pondération quelconque (poids </a:t>
+            </a:r>
+            <a:r>
+              <a:rPr lang="fr-FR" dirty="0" err="1"/>
+              <a:t>wi</a:t>
+            </a:r>
+            <a:r>
+              <a:rPr lang="fr-FR" dirty="0"/>
+              <a:t>) de mini-classifieurs (paramètres ai) et former son super-classifieur.</a:t>
+            </a:r>
+          </a:p>
+          <a:p>
+            <a:pPr marL="514350" indent="-514350">
+              <a:buFont typeface="+mj-lt"/>
+              <a:buAutoNum type="arabicPeriod"/>
+            </a:pPr>
+            <a:r>
+              <a:rPr lang="fr-FR" dirty="0"/>
+              <a:t>Calculer l’erreur induite par ce super-classifieur, et chercher le mini-classifieur qui s’approche le plus de cette erreur.</a:t>
+            </a:r>
+          </a:p>
+          <a:p>
+            <a:pPr marL="514350" indent="-514350">
+              <a:buFont typeface="+mj-lt"/>
+              <a:buAutoNum type="arabicPeriod"/>
+            </a:pPr>
+            <a:r>
+              <a:rPr lang="fr-FR" dirty="0"/>
+              <a:t>Retrancher le mini-classifieur au super-classifieur tout en optimisant son poids par rapport à une fonction de perte.</a:t>
+            </a:r>
+          </a:p>
+          <a:p>
+            <a:pPr marL="514350" indent="-514350">
+              <a:buFont typeface="+mj-lt"/>
+              <a:buAutoNum type="arabicPeriod"/>
+            </a:pPr>
+            <a:r>
+              <a:rPr lang="fr-FR" dirty="0"/>
+              <a:t>Répéter le procédé itérativement</a:t>
+            </a:r>
+          </a:p>
+          <a:p>
+            <a:r>
+              <a:rPr lang="fr-FR" dirty="0"/>
+              <a:t>Le classifieur du gradient </a:t>
+            </a:r>
+            <a:r>
+              <a:rPr lang="fr-FR" dirty="0" err="1"/>
+              <a:t>boosting</a:t>
+            </a:r>
+            <a:r>
+              <a:rPr lang="fr-FR" dirty="0"/>
+              <a:t> est donc au final paramétré par les poids de pondération des différents mini-classifieurs, ainsi que par les paramètres des fonctions utilisées. Il s’agit donc d’explorer un espace de fonctions simples par une descente de gradient sur l’erreur.</a:t>
+            </a:r>
+          </a:p>
+        </p:txBody>
+      </p:sp>
+      <p:sp>
+        <p:nvSpPr>
+          <p:cNvPr id="4" name="Flèche droite 4">
+            <a:extLst>
+              <a:ext uri="{FF2B5EF4-FFF2-40B4-BE49-F238E27FC236}">
+                <a16:creationId xmlns:a16="http://schemas.microsoft.com/office/drawing/2014/main" id="{E6986C60-E745-405C-9898-5957F0C6C40E}"/>
+              </a:ext>
+            </a:extLst>
+          </p:cNvPr>
+          <p:cNvSpPr/>
+          <p:nvPr/>
+        </p:nvSpPr>
+        <p:spPr>
+          <a:xfrm>
+            <a:off x="11736625" y="6488757"/>
+            <a:ext cx="432048" cy="360040"/>
+          </a:xfrm>
+          <a:prstGeom prst="rightArrow">
+            <a:avLst/>
+          </a:prstGeom>
+          <a:ln/>
+        </p:spPr>
+        <p:style>
+          <a:lnRef idx="0">
+            <a:schemeClr val="dk1"/>
+          </a:lnRef>
+          <a:fillRef idx="3">
+            <a:schemeClr val="dk1"/>
+          </a:fillRef>
+          <a:effectRef idx="3">
+            <a:schemeClr val="dk1"/>
+          </a:effectRef>
+          <a:fontRef idx="minor">
+            <a:schemeClr val="lt1"/>
+          </a:fontRef>
+        </p:style>
+        <p:txBody>
+          <a:bodyPr rtlCol="0" anchor="ctr"/>
+          <a:lstStyle/>
+          <a:p>
+            <a:pPr algn="ctr"/>
+            <a:endParaRPr lang="fr-FR"/>
+          </a:p>
+        </p:txBody>
+      </p:sp>
+    </p:spTree>
+    <p:extLst>
+      <p:ext uri="{BB962C8B-B14F-4D97-AF65-F5344CB8AC3E}">
+        <p14:creationId xmlns:p14="http://schemas.microsoft.com/office/powerpoint/2010/main" val="1186162769"/>
+      </p:ext>
+    </p:extLst>
+  </p:cSld>
+  <p:clrMapOvr>
+    <a:masterClrMapping/>
+  </p:clrMapOvr>
+  <p:timing>
+    <p:tnLst>
+      <p:par>
+        <p:cTn id="1" dur="indefinite" restart="never" nodeType="tmRoot">
+          <p:childTnLst>
+            <p:seq concurrent="1" nextAc="seek">
+              <p:cTn id="2" dur="indefinite" nodeType="mainSeq">
+                <p:childTnLst>
+                  <p:par>
+                    <p:cTn id="3" fill="hold">
+                      <p:stCondLst>
+                        <p:cond delay="indefinite"/>
+                        <p:cond evt="onBegin" delay="0">
+                          <p:tn val="2"/>
+                        </p:cond>
+                      </p:stCondLst>
+                      <p:childTnLst>
+                        <p:par>
+                          <p:cTn id="4" fill="hold">
+                            <p:stCondLst>
+                              <p:cond delay="0"/>
+                            </p:stCondLst>
+                            <p:childTnLst>
+                              <p:par>
+                                <p:cTn id="5" presetID="1" presetClass="entr" presetSubtype="0" fill="hold" grpId="0" nodeType="afterEffect">
+                                  <p:stCondLst>
+                                    <p:cond delay="0"/>
+                                  </p:stCondLst>
+                                  <p:childTnLst>
+                                    <p:set>
+                                      <p:cBhvr>
+                                        <p:cTn id="6" dur="1" fill="hold">
+                                          <p:stCondLst>
+                                            <p:cond delay="0"/>
+                                          </p:stCondLst>
+                                        </p:cTn>
+                                        <p:tgtEl>
+                                          <p:spTgt spid="4"/>
+                                        </p:tgtEl>
+                                        <p:attrNameLst>
+                                          <p:attrName>style.visibility</p:attrName>
+                                        </p:attrNameLst>
+                                      </p:cBhvr>
+                                      <p:to>
+                                        <p:strVal val="visible"/>
+                                      </p:to>
+                                    </p:set>
+                                  </p:childTnLst>
+                                </p:cTn>
+                              </p:par>
+                            </p:childTnLst>
+                          </p:cTn>
+                        </p:par>
+                      </p:childTnLst>
+                    </p:cTn>
+                  </p:par>
+                </p:childTnLst>
+              </p:cTn>
+              <p:prevCondLst>
+                <p:cond evt="onPrev" delay="0">
+                  <p:tgtEl>
+                    <p:sldTgt/>
+                  </p:tgtEl>
+                </p:cond>
+              </p:prevCondLst>
+              <p:nextCondLst>
+                <p:cond evt="onNext" delay="0">
+                  <p:tgtEl>
+                    <p:sldTgt/>
+                  </p:tgtEl>
+                </p:cond>
+              </p:nextCondLst>
+            </p:seq>
+          </p:childTnLst>
+        </p:cTn>
+      </p:par>
+    </p:tnLst>
+    <p:bldLst>
+      <p:bldP spid="4" grpId="0" animBg="1"/>
+    </p:bldLst>
+  </p:timing>
+</p:sld>
+</file>
+
+<file path=ppt/slides/slide27.xml><?xml version="1.0" encoding="utf-8"?>
+<p:sld xmlns:a="http://schemas.openxmlformats.org/drawingml/2006/main" xmlns:r="http://schemas.openxmlformats.org/officeDocument/2006/relationships" xmlns:p="http://schemas.openxmlformats.org/presentationml/2006/main">
+  <p:cSld>
+    <p:spTree>
+      <p:nvGrpSpPr>
+        <p:cNvPr id="1" name=""/>
+        <p:cNvGrpSpPr/>
+        <p:nvPr/>
+      </p:nvGrpSpPr>
+      <p:grpSpPr>
+        <a:xfrm>
+          <a:off x="0" y="0"/>
+          <a:ext cx="0" cy="0"/>
+          <a:chOff x="0" y="0"/>
+          <a:chExt cx="0" cy="0"/>
+        </a:xfrm>
+      </p:grpSpPr>
+      <p:sp>
+        <p:nvSpPr>
+          <p:cNvPr id="2" name="Titre 1">
+            <a:extLst>
+              <a:ext uri="{FF2B5EF4-FFF2-40B4-BE49-F238E27FC236}">
                 <a16:creationId xmlns:a16="http://schemas.microsoft.com/office/drawing/2014/main" id="{094EA912-D22D-4C26-9545-6DBB16AD07A0}"/>
               </a:ext>
             </a:extLst>
@@ -13772,7 +15133,7 @@
 </p:sld>
 </file>
 
-<file path=ppt/slides/slide26.xml><?xml version="1.0" encoding="utf-8"?>
+<file path=ppt/slides/slide28.xml><?xml version="1.0" encoding="utf-8"?>
 <p:sld xmlns:a="http://schemas.openxmlformats.org/drawingml/2006/main" xmlns:r="http://schemas.openxmlformats.org/officeDocument/2006/relationships" xmlns:p="http://schemas.openxmlformats.org/presentationml/2006/main">
   <p:cSld>
     <p:spTree>
@@ -14183,7 +15544,7 @@
 </p:sld>
 </file>
 
-<file path=ppt/slides/slide27.xml><?xml version="1.0" encoding="utf-8"?>
+<file path=ppt/slides/slide29.xml><?xml version="1.0" encoding="utf-8"?>
 <p:sld xmlns:a="http://schemas.openxmlformats.org/drawingml/2006/main" xmlns:r="http://schemas.openxmlformats.org/officeDocument/2006/relationships" xmlns:p="http://schemas.openxmlformats.org/presentationml/2006/main">
   <p:cSld>
     <p:bg>
@@ -14690,6 +16051,51 @@
           </a:p>
         </p:txBody>
       </p:sp>
+      <p:sp>
+        <p:nvSpPr>
+          <p:cNvPr id="8" name="Flèche droite 4">
+            <a:extLst>
+              <a:ext uri="{FF2B5EF4-FFF2-40B4-BE49-F238E27FC236}">
+                <a16:creationId xmlns:a16="http://schemas.microsoft.com/office/drawing/2014/main" id="{9C8FDEDB-B050-4188-A841-7B120B144880}"/>
+              </a:ext>
+            </a:extLst>
+          </p:cNvPr>
+          <p:cNvSpPr/>
+          <p:nvPr/>
+        </p:nvSpPr>
+        <p:spPr>
+          <a:xfrm>
+            <a:off x="11736625" y="6488757"/>
+            <a:ext cx="432048" cy="360040"/>
+          </a:xfrm>
+          <a:prstGeom prst="rightArrow">
+            <a:avLst/>
+          </a:prstGeom>
+          <a:ln/>
+        </p:spPr>
+        <p:style>
+          <a:lnRef idx="0">
+            <a:schemeClr val="dk1"/>
+          </a:lnRef>
+          <a:fillRef idx="3">
+            <a:schemeClr val="dk1"/>
+          </a:fillRef>
+          <a:effectRef idx="3">
+            <a:schemeClr val="dk1"/>
+          </a:effectRef>
+          <a:fontRef idx="minor">
+            <a:schemeClr val="lt1"/>
+          </a:fontRef>
+        </p:style>
+        <p:txBody>
+          <a:bodyPr rtlCol="0" anchor="ctr"/>
+          <a:lstStyle/>
+          <a:p>
+            <a:pPr algn="ctr"/>
+            <a:endParaRPr lang="fr-FR"/>
+          </a:p>
+        </p:txBody>
+      </p:sp>
     </p:spTree>
     <p:extLst>
       <p:ext uri="{BB962C8B-B14F-4D97-AF65-F5344CB8AC3E}">
@@ -14700,10 +16106,543 @@
   <p:clrMapOvr>
     <a:masterClrMapping/>
   </p:clrMapOvr>
+  <p:timing>
+    <p:tnLst>
+      <p:par>
+        <p:cTn id="1" dur="indefinite" restart="never" nodeType="tmRoot">
+          <p:childTnLst>
+            <p:seq concurrent="1" nextAc="seek">
+              <p:cTn id="2" dur="indefinite" nodeType="mainSeq">
+                <p:childTnLst>
+                  <p:par>
+                    <p:cTn id="3" fill="hold">
+                      <p:stCondLst>
+                        <p:cond delay="indefinite"/>
+                        <p:cond evt="onBegin" delay="0">
+                          <p:tn val="2"/>
+                        </p:cond>
+                      </p:stCondLst>
+                      <p:childTnLst>
+                        <p:par>
+                          <p:cTn id="4" fill="hold">
+                            <p:stCondLst>
+                              <p:cond delay="0"/>
+                            </p:stCondLst>
+                            <p:childTnLst>
+                              <p:par>
+                                <p:cTn id="5" presetID="1" presetClass="entr" presetSubtype="0" fill="hold" grpId="0" nodeType="afterEffect">
+                                  <p:stCondLst>
+                                    <p:cond delay="0"/>
+                                  </p:stCondLst>
+                                  <p:childTnLst>
+                                    <p:set>
+                                      <p:cBhvr>
+                                        <p:cTn id="6" dur="1" fill="hold">
+                                          <p:stCondLst>
+                                            <p:cond delay="0"/>
+                                          </p:stCondLst>
+                                        </p:cTn>
+                                        <p:tgtEl>
+                                          <p:spTgt spid="8"/>
+                                        </p:tgtEl>
+                                        <p:attrNameLst>
+                                          <p:attrName>style.visibility</p:attrName>
+                                        </p:attrNameLst>
+                                      </p:cBhvr>
+                                      <p:to>
+                                        <p:strVal val="visible"/>
+                                      </p:to>
+                                    </p:set>
+                                  </p:childTnLst>
+                                </p:cTn>
+                              </p:par>
+                            </p:childTnLst>
+                          </p:cTn>
+                        </p:par>
+                      </p:childTnLst>
+                    </p:cTn>
+                  </p:par>
+                </p:childTnLst>
+              </p:cTn>
+              <p:prevCondLst>
+                <p:cond evt="onPrev" delay="0">
+                  <p:tgtEl>
+                    <p:sldTgt/>
+                  </p:tgtEl>
+                </p:cond>
+              </p:prevCondLst>
+              <p:nextCondLst>
+                <p:cond evt="onNext" delay="0">
+                  <p:tgtEl>
+                    <p:sldTgt/>
+                  </p:tgtEl>
+                </p:cond>
+              </p:nextCondLst>
+            </p:seq>
+          </p:childTnLst>
+        </p:cTn>
+      </p:par>
+    </p:tnLst>
+    <p:bldLst>
+      <p:bldP spid="8" grpId="0" animBg="1"/>
+    </p:bldLst>
+  </p:timing>
 </p:sld>
 </file>
 
-<file path=ppt/slides/slide28.xml><?xml version="1.0" encoding="utf-8"?>
+<file path=ppt/slides/slide3.xml><?xml version="1.0" encoding="utf-8"?>
+<p:sld xmlns:a="http://schemas.openxmlformats.org/drawingml/2006/main" xmlns:r="http://schemas.openxmlformats.org/officeDocument/2006/relationships" xmlns:p="http://schemas.openxmlformats.org/presentationml/2006/main">
+  <p:cSld>
+    <p:spTree>
+      <p:nvGrpSpPr>
+        <p:cNvPr id="1" name=""/>
+        <p:cNvGrpSpPr/>
+        <p:nvPr/>
+      </p:nvGrpSpPr>
+      <p:grpSpPr>
+        <a:xfrm>
+          <a:off x="0" y="0"/>
+          <a:ext cx="0" cy="0"/>
+          <a:chOff x="0" y="0"/>
+          <a:chExt cx="0" cy="0"/>
+        </a:xfrm>
+      </p:grpSpPr>
+      <p:sp>
+        <p:nvSpPr>
+          <p:cNvPr id="2" name="Titre 1">
+            <a:extLst>
+              <a:ext uri="{FF2B5EF4-FFF2-40B4-BE49-F238E27FC236}">
+                <a16:creationId xmlns:a16="http://schemas.microsoft.com/office/drawing/2014/main" id="{84AABC20-5132-4586-8B82-189825693BC6}"/>
+              </a:ext>
+            </a:extLst>
+          </p:cNvPr>
+          <p:cNvSpPr>
+            <a:spLocks noGrp="1"/>
+          </p:cNvSpPr>
+          <p:nvPr>
+            <p:ph type="title"/>
+          </p:nvPr>
+        </p:nvSpPr>
+        <p:spPr/>
+        <p:txBody>
+          <a:bodyPr/>
+          <a:lstStyle/>
+          <a:p>
+            <a:r>
+              <a:rPr lang="fr-FR" dirty="0"/>
+              <a:t>Introduction de la problématique</a:t>
+            </a:r>
+          </a:p>
+        </p:txBody>
+      </p:sp>
+      <p:sp>
+        <p:nvSpPr>
+          <p:cNvPr id="3" name="Espace réservé du contenu 2">
+            <a:extLst>
+              <a:ext uri="{FF2B5EF4-FFF2-40B4-BE49-F238E27FC236}">
+                <a16:creationId xmlns:a16="http://schemas.microsoft.com/office/drawing/2014/main" id="{E7A94BB3-7E08-42A3-BA21-56BAB1611BB4}"/>
+              </a:ext>
+            </a:extLst>
+          </p:cNvPr>
+          <p:cNvSpPr>
+            <a:spLocks noGrp="1"/>
+          </p:cNvSpPr>
+          <p:nvPr>
+            <p:ph idx="1"/>
+          </p:nvPr>
+        </p:nvSpPr>
+        <p:spPr/>
+        <p:txBody>
+          <a:bodyPr>
+            <a:normAutofit fontScale="92500" lnSpcReduction="20000"/>
+          </a:bodyPr>
+          <a:lstStyle/>
+          <a:p>
+            <a:r>
+              <a:rPr lang="fr-FR" dirty="0"/>
+              <a:t>L’entreprise </a:t>
+            </a:r>
+            <a:r>
+              <a:rPr lang="fr-FR" dirty="0" err="1"/>
+              <a:t>Datazon</a:t>
+            </a:r>
+            <a:r>
+              <a:rPr lang="fr-FR" dirty="0"/>
+              <a:t>, via son service marketing, cherche à segmenter le comportement de ses clients au plus tôt, dans le but d’augmenter la fréquence d’achat et la valeur moyenne du panier.</a:t>
+            </a:r>
+          </a:p>
+          <a:p>
+            <a:pPr lvl="1"/>
+            <a:r>
+              <a:rPr lang="fr-FR" dirty="0"/>
+              <a:t>Comprendre les différents types d’utilisateurs grâce à leur comportement dans la durée.</a:t>
+            </a:r>
+          </a:p>
+          <a:p>
+            <a:endParaRPr lang="fr-FR" dirty="0"/>
+          </a:p>
+          <a:p>
+            <a:r>
+              <a:rPr lang="fr-FR" dirty="0"/>
+              <a:t>La mission</a:t>
+            </a:r>
+          </a:p>
+          <a:p>
+            <a:pPr lvl="1"/>
+            <a:r>
+              <a:rPr lang="fr-FR" dirty="0"/>
+              <a:t>Pour comprendre les différents types d'utilisateurs, il faut trouver les données qui permettent de détecter les catégories dignes d'intérêt d’après le </a:t>
+            </a:r>
+            <a:r>
+              <a:rPr lang="fr-FR" dirty="0" err="1"/>
+              <a:t>dataset</a:t>
+            </a:r>
+            <a:r>
+              <a:rPr lang="fr-FR" dirty="0"/>
+              <a:t> initial.</a:t>
+            </a:r>
+          </a:p>
+          <a:p>
+            <a:pPr lvl="1"/>
+            <a:r>
+              <a:rPr lang="fr-FR" dirty="0"/>
+              <a:t>Classer automatiquement les utilisateurs après leur premier achat.</a:t>
+            </a:r>
+          </a:p>
+        </p:txBody>
+      </p:sp>
+      <p:sp>
+        <p:nvSpPr>
+          <p:cNvPr id="4" name="Flèche droite 4">
+            <a:extLst>
+              <a:ext uri="{FF2B5EF4-FFF2-40B4-BE49-F238E27FC236}">
+                <a16:creationId xmlns:a16="http://schemas.microsoft.com/office/drawing/2014/main" id="{91F4C41E-3933-4D83-BD43-F3AF42B8719C}"/>
+              </a:ext>
+            </a:extLst>
+          </p:cNvPr>
+          <p:cNvSpPr/>
+          <p:nvPr/>
+        </p:nvSpPr>
+        <p:spPr>
+          <a:xfrm>
+            <a:off x="11736625" y="6488757"/>
+            <a:ext cx="432048" cy="360040"/>
+          </a:xfrm>
+          <a:prstGeom prst="rightArrow">
+            <a:avLst/>
+          </a:prstGeom>
+          <a:ln/>
+        </p:spPr>
+        <p:style>
+          <a:lnRef idx="0">
+            <a:schemeClr val="dk1"/>
+          </a:lnRef>
+          <a:fillRef idx="3">
+            <a:schemeClr val="dk1"/>
+          </a:fillRef>
+          <a:effectRef idx="3">
+            <a:schemeClr val="dk1"/>
+          </a:effectRef>
+          <a:fontRef idx="minor">
+            <a:schemeClr val="lt1"/>
+          </a:fontRef>
+        </p:style>
+        <p:txBody>
+          <a:bodyPr rtlCol="0" anchor="ctr"/>
+          <a:lstStyle/>
+          <a:p>
+            <a:pPr algn="ctr"/>
+            <a:endParaRPr lang="fr-FR"/>
+          </a:p>
+        </p:txBody>
+      </p:sp>
+    </p:spTree>
+    <p:extLst>
+      <p:ext uri="{BB962C8B-B14F-4D97-AF65-F5344CB8AC3E}">
+        <p14:creationId xmlns:p14="http://schemas.microsoft.com/office/powerpoint/2010/main" val="800102586"/>
+      </p:ext>
+    </p:extLst>
+  </p:cSld>
+  <p:clrMapOvr>
+    <a:masterClrMapping/>
+  </p:clrMapOvr>
+  <mc:AlternateContent xmlns:mc="http://schemas.openxmlformats.org/markup-compatibility/2006" xmlns:p14="http://schemas.microsoft.com/office/powerpoint/2010/main">
+    <mc:Choice Requires="p14">
+      <p:transition spd="med" p14:dur="700">
+        <p:fade/>
+      </p:transition>
+    </mc:Choice>
+    <mc:Fallback xmlns="">
+      <p:transition spd="med">
+        <p:fade/>
+      </p:transition>
+    </mc:Fallback>
+  </mc:AlternateContent>
+  <p:timing>
+    <p:tnLst>
+      <p:par>
+        <p:cTn id="1" dur="indefinite" restart="never" nodeType="tmRoot">
+          <p:childTnLst>
+            <p:seq concurrent="1" nextAc="seek">
+              <p:cTn id="2" dur="indefinite" nodeType="mainSeq">
+                <p:childTnLst>
+                  <p:par>
+                    <p:cTn id="3" fill="hold">
+                      <p:stCondLst>
+                        <p:cond delay="indefinite"/>
+                      </p:stCondLst>
+                      <p:childTnLst>
+                        <p:par>
+                          <p:cTn id="4" fill="hold">
+                            <p:stCondLst>
+                              <p:cond delay="0"/>
+                            </p:stCondLst>
+                            <p:childTnLst>
+                              <p:par>
+                                <p:cTn id="5" presetID="1" presetClass="entr" presetSubtype="0" fill="hold" grpId="0" nodeType="clickEffect">
+                                  <p:stCondLst>
+                                    <p:cond delay="0"/>
+                                  </p:stCondLst>
+                                  <p:childTnLst>
+                                    <p:set>
+                                      <p:cBhvr>
+                                        <p:cTn id="6" dur="1" fill="hold">
+                                          <p:stCondLst>
+                                            <p:cond delay="0"/>
+                                          </p:stCondLst>
+                                        </p:cTn>
+                                        <p:tgtEl>
+                                          <p:spTgt spid="3">
+                                            <p:txEl>
+                                              <p:pRg st="0" end="0"/>
+                                            </p:txEl>
+                                          </p:spTgt>
+                                        </p:tgtEl>
+                                        <p:attrNameLst>
+                                          <p:attrName>style.visibility</p:attrName>
+                                        </p:attrNameLst>
+                                      </p:cBhvr>
+                                      <p:to>
+                                        <p:strVal val="visible"/>
+                                      </p:to>
+                                    </p:set>
+                                  </p:childTnLst>
+                                </p:cTn>
+                              </p:par>
+                              <p:par>
+                                <p:cTn id="7" presetID="1" presetClass="entr" presetSubtype="0" fill="hold" grpId="0" nodeType="withEffect">
+                                  <p:stCondLst>
+                                    <p:cond delay="0"/>
+                                  </p:stCondLst>
+                                  <p:childTnLst>
+                                    <p:set>
+                                      <p:cBhvr>
+                                        <p:cTn id="8" dur="1" fill="hold">
+                                          <p:stCondLst>
+                                            <p:cond delay="0"/>
+                                          </p:stCondLst>
+                                        </p:cTn>
+                                        <p:tgtEl>
+                                          <p:spTgt spid="3">
+                                            <p:txEl>
+                                              <p:pRg st="1" end="1"/>
+                                            </p:txEl>
+                                          </p:spTgt>
+                                        </p:tgtEl>
+                                        <p:attrNameLst>
+                                          <p:attrName>style.visibility</p:attrName>
+                                        </p:attrNameLst>
+                                      </p:cBhvr>
+                                      <p:to>
+                                        <p:strVal val="visible"/>
+                                      </p:to>
+                                    </p:set>
+                                  </p:childTnLst>
+                                </p:cTn>
+                              </p:par>
+                            </p:childTnLst>
+                          </p:cTn>
+                        </p:par>
+                      </p:childTnLst>
+                    </p:cTn>
+                  </p:par>
+                  <p:par>
+                    <p:cTn id="9" fill="hold">
+                      <p:stCondLst>
+                        <p:cond delay="indefinite"/>
+                      </p:stCondLst>
+                      <p:childTnLst>
+                        <p:par>
+                          <p:cTn id="10" fill="hold">
+                            <p:stCondLst>
+                              <p:cond delay="0"/>
+                            </p:stCondLst>
+                            <p:childTnLst>
+                              <p:par>
+                                <p:cTn id="11" presetID="1" presetClass="entr" presetSubtype="0" fill="hold" grpId="0" nodeType="clickEffect">
+                                  <p:stCondLst>
+                                    <p:cond delay="0"/>
+                                  </p:stCondLst>
+                                  <p:childTnLst>
+                                    <p:set>
+                                      <p:cBhvr>
+                                        <p:cTn id="12" dur="1" fill="hold">
+                                          <p:stCondLst>
+                                            <p:cond delay="0"/>
+                                          </p:stCondLst>
+                                        </p:cTn>
+                                        <p:tgtEl>
+                                          <p:spTgt spid="3">
+                                            <p:txEl>
+                                              <p:pRg st="3" end="3"/>
+                                            </p:txEl>
+                                          </p:spTgt>
+                                        </p:tgtEl>
+                                        <p:attrNameLst>
+                                          <p:attrName>style.visibility</p:attrName>
+                                        </p:attrNameLst>
+                                      </p:cBhvr>
+                                      <p:to>
+                                        <p:strVal val="visible"/>
+                                      </p:to>
+                                    </p:set>
+                                  </p:childTnLst>
+                                </p:cTn>
+                              </p:par>
+                              <p:par>
+                                <p:cTn id="13" presetID="1" presetClass="entr" presetSubtype="0" fill="hold" grpId="0" nodeType="withEffect">
+                                  <p:stCondLst>
+                                    <p:cond delay="0"/>
+                                  </p:stCondLst>
+                                  <p:childTnLst>
+                                    <p:set>
+                                      <p:cBhvr>
+                                        <p:cTn id="14" dur="1" fill="hold">
+                                          <p:stCondLst>
+                                            <p:cond delay="0"/>
+                                          </p:stCondLst>
+                                        </p:cTn>
+                                        <p:tgtEl>
+                                          <p:spTgt spid="3">
+                                            <p:txEl>
+                                              <p:pRg st="4" end="4"/>
+                                            </p:txEl>
+                                          </p:spTgt>
+                                        </p:tgtEl>
+                                        <p:attrNameLst>
+                                          <p:attrName>style.visibility</p:attrName>
+                                        </p:attrNameLst>
+                                      </p:cBhvr>
+                                      <p:to>
+                                        <p:strVal val="visible"/>
+                                      </p:to>
+                                    </p:set>
+                                  </p:childTnLst>
+                                </p:cTn>
+                              </p:par>
+                              <p:par>
+                                <p:cTn id="15" presetID="1" presetClass="entr" presetSubtype="0" fill="hold" grpId="0" nodeType="withEffect">
+                                  <p:stCondLst>
+                                    <p:cond delay="0"/>
+                                  </p:stCondLst>
+                                  <p:childTnLst>
+                                    <p:set>
+                                      <p:cBhvr>
+                                        <p:cTn id="16" dur="1" fill="hold">
+                                          <p:stCondLst>
+                                            <p:cond delay="0"/>
+                                          </p:stCondLst>
+                                        </p:cTn>
+                                        <p:tgtEl>
+                                          <p:spTgt spid="3">
+                                            <p:txEl>
+                                              <p:pRg st="5" end="5"/>
+                                            </p:txEl>
+                                          </p:spTgt>
+                                        </p:tgtEl>
+                                        <p:attrNameLst>
+                                          <p:attrName>style.visibility</p:attrName>
+                                        </p:attrNameLst>
+                                      </p:cBhvr>
+                                      <p:to>
+                                        <p:strVal val="visible"/>
+                                      </p:to>
+                                    </p:set>
+                                  </p:childTnLst>
+                                </p:cTn>
+                              </p:par>
+                            </p:childTnLst>
+                          </p:cTn>
+                        </p:par>
+                        <p:par>
+                          <p:cTn id="17" fill="hold">
+                            <p:stCondLst>
+                              <p:cond delay="0"/>
+                            </p:stCondLst>
+                            <p:childTnLst>
+                              <p:par>
+                                <p:cTn id="18" presetID="1" presetClass="entr" presetSubtype="0" fill="hold" grpId="0" nodeType="afterEffect">
+                                  <p:stCondLst>
+                                    <p:cond delay="0"/>
+                                  </p:stCondLst>
+                                  <p:childTnLst>
+                                    <p:set>
+                                      <p:cBhvr>
+                                        <p:cTn id="19" dur="1" fill="hold">
+                                          <p:stCondLst>
+                                            <p:cond delay="0"/>
+                                          </p:stCondLst>
+                                        </p:cTn>
+                                        <p:tgtEl>
+                                          <p:spTgt spid="4"/>
+                                        </p:tgtEl>
+                                        <p:attrNameLst>
+                                          <p:attrName>style.visibility</p:attrName>
+                                        </p:attrNameLst>
+                                      </p:cBhvr>
+                                      <p:to>
+                                        <p:strVal val="visible"/>
+                                      </p:to>
+                                    </p:set>
+                                  </p:childTnLst>
+                                </p:cTn>
+                              </p:par>
+                            </p:childTnLst>
+                          </p:cTn>
+                        </p:par>
+                      </p:childTnLst>
+                    </p:cTn>
+                  </p:par>
+                </p:childTnLst>
+              </p:cTn>
+              <p:prevCondLst>
+                <p:cond evt="onPrev" delay="0">
+                  <p:tgtEl>
+                    <p:sldTgt/>
+                  </p:tgtEl>
+                </p:cond>
+              </p:prevCondLst>
+              <p:nextCondLst>
+                <p:cond evt="onNext" delay="0">
+                  <p:tgtEl>
+                    <p:sldTgt/>
+                  </p:tgtEl>
+                </p:cond>
+              </p:nextCondLst>
+            </p:seq>
+          </p:childTnLst>
+        </p:cTn>
+      </p:par>
+    </p:tnLst>
+    <p:bldLst>
+      <p:bldP spid="3" grpId="0" uiExpand="1" build="p"/>
+      <p:bldP spid="4" grpId="0" animBg="1"/>
+    </p:bldLst>
+  </p:timing>
+</p:sld>
+</file>
+
+<file path=ppt/slides/slide30.xml><?xml version="1.0" encoding="utf-8"?>
 <p:sld xmlns:a="http://schemas.openxmlformats.org/drawingml/2006/main" xmlns:r="http://schemas.openxmlformats.org/officeDocument/2006/relationships" xmlns:p="http://schemas.openxmlformats.org/presentationml/2006/main">
   <p:cSld>
     <p:spTree>
@@ -15023,7 +16962,7 @@
 </p:sld>
 </file>
 
-<file path=ppt/slides/slide29.xml><?xml version="1.0" encoding="utf-8"?>
+<file path=ppt/slides/slide31.xml><?xml version="1.0" encoding="utf-8"?>
 <p:sld xmlns:a="http://schemas.openxmlformats.org/drawingml/2006/main" xmlns:r="http://schemas.openxmlformats.org/officeDocument/2006/relationships" xmlns:p="http://schemas.openxmlformats.org/presentationml/2006/main">
   <p:cSld>
     <p:spTree>
@@ -15516,459 +17455,7 @@
 </p:sld>
 </file>
 
-<file path=ppt/slides/slide3.xml><?xml version="1.0" encoding="utf-8"?>
-<p:sld xmlns:a="http://schemas.openxmlformats.org/drawingml/2006/main" xmlns:r="http://schemas.openxmlformats.org/officeDocument/2006/relationships" xmlns:p="http://schemas.openxmlformats.org/presentationml/2006/main">
-  <p:cSld>
-    <p:spTree>
-      <p:nvGrpSpPr>
-        <p:cNvPr id="1" name=""/>
-        <p:cNvGrpSpPr/>
-        <p:nvPr/>
-      </p:nvGrpSpPr>
-      <p:grpSpPr>
-        <a:xfrm>
-          <a:off x="0" y="0"/>
-          <a:ext cx="0" cy="0"/>
-          <a:chOff x="0" y="0"/>
-          <a:chExt cx="0" cy="0"/>
-        </a:xfrm>
-      </p:grpSpPr>
-      <p:sp>
-        <p:nvSpPr>
-          <p:cNvPr id="2" name="Titre 1">
-            <a:extLst>
-              <a:ext uri="{FF2B5EF4-FFF2-40B4-BE49-F238E27FC236}">
-                <a16:creationId xmlns:a16="http://schemas.microsoft.com/office/drawing/2014/main" id="{84AABC20-5132-4586-8B82-189825693BC6}"/>
-              </a:ext>
-            </a:extLst>
-          </p:cNvPr>
-          <p:cNvSpPr>
-            <a:spLocks noGrp="1"/>
-          </p:cNvSpPr>
-          <p:nvPr>
-            <p:ph type="title"/>
-          </p:nvPr>
-        </p:nvSpPr>
-        <p:spPr/>
-        <p:txBody>
-          <a:bodyPr/>
-          <a:lstStyle/>
-          <a:p>
-            <a:r>
-              <a:rPr lang="fr-FR" dirty="0"/>
-              <a:t>Introduction de la problématique</a:t>
-            </a:r>
-          </a:p>
-        </p:txBody>
-      </p:sp>
-      <p:sp>
-        <p:nvSpPr>
-          <p:cNvPr id="3" name="Espace réservé du contenu 2">
-            <a:extLst>
-              <a:ext uri="{FF2B5EF4-FFF2-40B4-BE49-F238E27FC236}">
-                <a16:creationId xmlns:a16="http://schemas.microsoft.com/office/drawing/2014/main" id="{E7A94BB3-7E08-42A3-BA21-56BAB1611BB4}"/>
-              </a:ext>
-            </a:extLst>
-          </p:cNvPr>
-          <p:cNvSpPr>
-            <a:spLocks noGrp="1"/>
-          </p:cNvSpPr>
-          <p:nvPr>
-            <p:ph idx="1"/>
-          </p:nvPr>
-        </p:nvSpPr>
-        <p:spPr/>
-        <p:txBody>
-          <a:bodyPr>
-            <a:normAutofit fontScale="92500" lnSpcReduction="20000"/>
-          </a:bodyPr>
-          <a:lstStyle/>
-          <a:p>
-            <a:r>
-              <a:rPr lang="fr-FR" dirty="0"/>
-              <a:t>L’entreprise </a:t>
-            </a:r>
-            <a:r>
-              <a:rPr lang="fr-FR" dirty="0" err="1"/>
-              <a:t>Datazon</a:t>
-            </a:r>
-            <a:r>
-              <a:rPr lang="fr-FR" dirty="0"/>
-              <a:t>, via son service marketing, cherche à segmenter le comportement de ses clients au plus tôt, dans le but d’augmenter la fréquence d’achat et la valeur moyenne du panier.</a:t>
-            </a:r>
-          </a:p>
-          <a:p>
-            <a:pPr lvl="1"/>
-            <a:r>
-              <a:rPr lang="fr-FR" dirty="0"/>
-              <a:t>Comprendre les différents types d’utilisateurs grâce à leur comportement dans la durée.</a:t>
-            </a:r>
-          </a:p>
-          <a:p>
-            <a:endParaRPr lang="fr-FR" dirty="0"/>
-          </a:p>
-          <a:p>
-            <a:r>
-              <a:rPr lang="fr-FR" dirty="0"/>
-              <a:t>La mission</a:t>
-            </a:r>
-          </a:p>
-          <a:p>
-            <a:pPr lvl="1"/>
-            <a:r>
-              <a:rPr lang="fr-FR" dirty="0"/>
-              <a:t>Pour comprendre les différents types d'utilisateurs, il faut trouver les données qui permettent de détecter les catégories dignes d'intérêt d’après le </a:t>
-            </a:r>
-            <a:r>
-              <a:rPr lang="fr-FR" dirty="0" err="1"/>
-              <a:t>dataset</a:t>
-            </a:r>
-            <a:r>
-              <a:rPr lang="fr-FR" dirty="0"/>
-              <a:t> initial.</a:t>
-            </a:r>
-          </a:p>
-          <a:p>
-            <a:pPr lvl="1"/>
-            <a:r>
-              <a:rPr lang="fr-FR" dirty="0"/>
-              <a:t>Classer automatiquement les utilisateurs après leur premier achat.</a:t>
-            </a:r>
-          </a:p>
-        </p:txBody>
-      </p:sp>
-      <p:sp>
-        <p:nvSpPr>
-          <p:cNvPr id="4" name="Flèche droite 4">
-            <a:extLst>
-              <a:ext uri="{FF2B5EF4-FFF2-40B4-BE49-F238E27FC236}">
-                <a16:creationId xmlns:a16="http://schemas.microsoft.com/office/drawing/2014/main" id="{91F4C41E-3933-4D83-BD43-F3AF42B8719C}"/>
-              </a:ext>
-            </a:extLst>
-          </p:cNvPr>
-          <p:cNvSpPr/>
-          <p:nvPr/>
-        </p:nvSpPr>
-        <p:spPr>
-          <a:xfrm>
-            <a:off x="11736625" y="6488757"/>
-            <a:ext cx="432048" cy="360040"/>
-          </a:xfrm>
-          <a:prstGeom prst="rightArrow">
-            <a:avLst/>
-          </a:prstGeom>
-          <a:ln/>
-        </p:spPr>
-        <p:style>
-          <a:lnRef idx="0">
-            <a:schemeClr val="dk1"/>
-          </a:lnRef>
-          <a:fillRef idx="3">
-            <a:schemeClr val="dk1"/>
-          </a:fillRef>
-          <a:effectRef idx="3">
-            <a:schemeClr val="dk1"/>
-          </a:effectRef>
-          <a:fontRef idx="minor">
-            <a:schemeClr val="lt1"/>
-          </a:fontRef>
-        </p:style>
-        <p:txBody>
-          <a:bodyPr rtlCol="0" anchor="ctr"/>
-          <a:lstStyle/>
-          <a:p>
-            <a:pPr algn="ctr"/>
-            <a:endParaRPr lang="fr-FR"/>
-          </a:p>
-        </p:txBody>
-      </p:sp>
-    </p:spTree>
-    <p:extLst>
-      <p:ext uri="{BB962C8B-B14F-4D97-AF65-F5344CB8AC3E}">
-        <p14:creationId xmlns:p14="http://schemas.microsoft.com/office/powerpoint/2010/main" val="800102586"/>
-      </p:ext>
-    </p:extLst>
-  </p:cSld>
-  <p:clrMapOvr>
-    <a:masterClrMapping/>
-  </p:clrMapOvr>
-  <mc:AlternateContent xmlns:mc="http://schemas.openxmlformats.org/markup-compatibility/2006" xmlns:p14="http://schemas.microsoft.com/office/powerpoint/2010/main">
-    <mc:Choice Requires="p14">
-      <p:transition spd="med" p14:dur="700">
-        <p:fade/>
-      </p:transition>
-    </mc:Choice>
-    <mc:Fallback xmlns="">
-      <p:transition spd="med">
-        <p:fade/>
-      </p:transition>
-    </mc:Fallback>
-  </mc:AlternateContent>
-  <p:timing>
-    <p:tnLst>
-      <p:par>
-        <p:cTn id="1" dur="indefinite" restart="never" nodeType="tmRoot">
-          <p:childTnLst>
-            <p:seq concurrent="1" nextAc="seek">
-              <p:cTn id="2" dur="indefinite" nodeType="mainSeq">
-                <p:childTnLst>
-                  <p:par>
-                    <p:cTn id="3" fill="hold">
-                      <p:stCondLst>
-                        <p:cond delay="indefinite"/>
-                      </p:stCondLst>
-                      <p:childTnLst>
-                        <p:par>
-                          <p:cTn id="4" fill="hold">
-                            <p:stCondLst>
-                              <p:cond delay="0"/>
-                            </p:stCondLst>
-                            <p:childTnLst>
-                              <p:par>
-                                <p:cTn id="5" presetID="1" presetClass="entr" presetSubtype="0" fill="hold" grpId="0" nodeType="clickEffect">
-                                  <p:stCondLst>
-                                    <p:cond delay="0"/>
-                                  </p:stCondLst>
-                                  <p:childTnLst>
-                                    <p:set>
-                                      <p:cBhvr>
-                                        <p:cTn id="6" dur="1" fill="hold">
-                                          <p:stCondLst>
-                                            <p:cond delay="0"/>
-                                          </p:stCondLst>
-                                        </p:cTn>
-                                        <p:tgtEl>
-                                          <p:spTgt spid="3">
-                                            <p:txEl>
-                                              <p:pRg st="0" end="0"/>
-                                            </p:txEl>
-                                          </p:spTgt>
-                                        </p:tgtEl>
-                                        <p:attrNameLst>
-                                          <p:attrName>style.visibility</p:attrName>
-                                        </p:attrNameLst>
-                                      </p:cBhvr>
-                                      <p:to>
-                                        <p:strVal val="visible"/>
-                                      </p:to>
-                                    </p:set>
-                                  </p:childTnLst>
-                                </p:cTn>
-                              </p:par>
-                              <p:par>
-                                <p:cTn id="7" presetID="1" presetClass="entr" presetSubtype="0" fill="hold" grpId="0" nodeType="withEffect">
-                                  <p:stCondLst>
-                                    <p:cond delay="0"/>
-                                  </p:stCondLst>
-                                  <p:childTnLst>
-                                    <p:set>
-                                      <p:cBhvr>
-                                        <p:cTn id="8" dur="1" fill="hold">
-                                          <p:stCondLst>
-                                            <p:cond delay="0"/>
-                                          </p:stCondLst>
-                                        </p:cTn>
-                                        <p:tgtEl>
-                                          <p:spTgt spid="3">
-                                            <p:txEl>
-                                              <p:pRg st="1" end="1"/>
-                                            </p:txEl>
-                                          </p:spTgt>
-                                        </p:tgtEl>
-                                        <p:attrNameLst>
-                                          <p:attrName>style.visibility</p:attrName>
-                                        </p:attrNameLst>
-                                      </p:cBhvr>
-                                      <p:to>
-                                        <p:strVal val="visible"/>
-                                      </p:to>
-                                    </p:set>
-                                  </p:childTnLst>
-                                </p:cTn>
-                              </p:par>
-                            </p:childTnLst>
-                          </p:cTn>
-                        </p:par>
-                      </p:childTnLst>
-                    </p:cTn>
-                  </p:par>
-                  <p:par>
-                    <p:cTn id="9" fill="hold">
-                      <p:stCondLst>
-                        <p:cond delay="indefinite"/>
-                      </p:stCondLst>
-                      <p:childTnLst>
-                        <p:par>
-                          <p:cTn id="10" fill="hold">
-                            <p:stCondLst>
-                              <p:cond delay="0"/>
-                            </p:stCondLst>
-                            <p:childTnLst>
-                              <p:par>
-                                <p:cTn id="11" presetID="1" presetClass="entr" presetSubtype="0" fill="hold" grpId="0" nodeType="clickEffect">
-                                  <p:stCondLst>
-                                    <p:cond delay="0"/>
-                                  </p:stCondLst>
-                                  <p:childTnLst>
-                                    <p:set>
-                                      <p:cBhvr>
-                                        <p:cTn id="12" dur="1" fill="hold">
-                                          <p:stCondLst>
-                                            <p:cond delay="0"/>
-                                          </p:stCondLst>
-                                        </p:cTn>
-                                        <p:tgtEl>
-                                          <p:spTgt spid="3">
-                                            <p:txEl>
-                                              <p:pRg st="3" end="3"/>
-                                            </p:txEl>
-                                          </p:spTgt>
-                                        </p:tgtEl>
-                                        <p:attrNameLst>
-                                          <p:attrName>style.visibility</p:attrName>
-                                        </p:attrNameLst>
-                                      </p:cBhvr>
-                                      <p:to>
-                                        <p:strVal val="visible"/>
-                                      </p:to>
-                                    </p:set>
-                                  </p:childTnLst>
-                                </p:cTn>
-                              </p:par>
-                              <p:par>
-                                <p:cTn id="13" presetID="1" presetClass="entr" presetSubtype="0" fill="hold" grpId="0" nodeType="withEffect">
-                                  <p:stCondLst>
-                                    <p:cond delay="0"/>
-                                  </p:stCondLst>
-                                  <p:childTnLst>
-                                    <p:set>
-                                      <p:cBhvr>
-                                        <p:cTn id="14" dur="1" fill="hold">
-                                          <p:stCondLst>
-                                            <p:cond delay="0"/>
-                                          </p:stCondLst>
-                                        </p:cTn>
-                                        <p:tgtEl>
-                                          <p:spTgt spid="3">
-                                            <p:txEl>
-                                              <p:pRg st="4" end="4"/>
-                                            </p:txEl>
-                                          </p:spTgt>
-                                        </p:tgtEl>
-                                        <p:attrNameLst>
-                                          <p:attrName>style.visibility</p:attrName>
-                                        </p:attrNameLst>
-                                      </p:cBhvr>
-                                      <p:to>
-                                        <p:strVal val="visible"/>
-                                      </p:to>
-                                    </p:set>
-                                  </p:childTnLst>
-                                </p:cTn>
-                              </p:par>
-                              <p:par>
-                                <p:cTn id="15" presetID="1" presetClass="entr" presetSubtype="0" fill="hold" grpId="0" nodeType="withEffect">
-                                  <p:stCondLst>
-                                    <p:cond delay="0"/>
-                                  </p:stCondLst>
-                                  <p:childTnLst>
-                                    <p:set>
-                                      <p:cBhvr>
-                                        <p:cTn id="16" dur="1" fill="hold">
-                                          <p:stCondLst>
-                                            <p:cond delay="0"/>
-                                          </p:stCondLst>
-                                        </p:cTn>
-                                        <p:tgtEl>
-                                          <p:spTgt spid="3">
-                                            <p:txEl>
-                                              <p:pRg st="5" end="5"/>
-                                            </p:txEl>
-                                          </p:spTgt>
-                                        </p:tgtEl>
-                                        <p:attrNameLst>
-                                          <p:attrName>style.visibility</p:attrName>
-                                        </p:attrNameLst>
-                                      </p:cBhvr>
-                                      <p:to>
-                                        <p:strVal val="visible"/>
-                                      </p:to>
-                                    </p:set>
-                                  </p:childTnLst>
-                                </p:cTn>
-                              </p:par>
-                            </p:childTnLst>
-                          </p:cTn>
-                        </p:par>
-                        <p:par>
-                          <p:cTn id="17" fill="hold">
-                            <p:stCondLst>
-                              <p:cond delay="0"/>
-                            </p:stCondLst>
-                            <p:childTnLst>
-                              <p:par>
-                                <p:cTn id="18" presetID="1" presetClass="entr" presetSubtype="0" fill="hold" grpId="0" nodeType="afterEffect">
-                                  <p:stCondLst>
-                                    <p:cond delay="0"/>
-                                  </p:stCondLst>
-                                  <p:childTnLst>
-                                    <p:set>
-                                      <p:cBhvr>
-                                        <p:cTn id="19" dur="1" fill="hold">
-                                          <p:stCondLst>
-                                            <p:cond delay="0"/>
-                                          </p:stCondLst>
-                                        </p:cTn>
-                                        <p:tgtEl>
-                                          <p:spTgt spid="4"/>
-                                        </p:tgtEl>
-                                        <p:attrNameLst>
-                                          <p:attrName>style.visibility</p:attrName>
-                                        </p:attrNameLst>
-                                      </p:cBhvr>
-                                      <p:to>
-                                        <p:strVal val="visible"/>
-                                      </p:to>
-                                    </p:set>
-                                  </p:childTnLst>
-                                </p:cTn>
-                              </p:par>
-                            </p:childTnLst>
-                          </p:cTn>
-                        </p:par>
-                      </p:childTnLst>
-                    </p:cTn>
-                  </p:par>
-                </p:childTnLst>
-              </p:cTn>
-              <p:prevCondLst>
-                <p:cond evt="onPrev" delay="0">
-                  <p:tgtEl>
-                    <p:sldTgt/>
-                  </p:tgtEl>
-                </p:cond>
-              </p:prevCondLst>
-              <p:nextCondLst>
-                <p:cond evt="onNext" delay="0">
-                  <p:tgtEl>
-                    <p:sldTgt/>
-                  </p:tgtEl>
-                </p:cond>
-              </p:nextCondLst>
-            </p:seq>
-          </p:childTnLst>
-        </p:cTn>
-      </p:par>
-    </p:tnLst>
-    <p:bldLst>
-      <p:bldP spid="3" grpId="0" uiExpand="1" build="p"/>
-      <p:bldP spid="4" grpId="0" animBg="1"/>
-    </p:bldLst>
-  </p:timing>
-</p:sld>
-</file>
-
-<file path=ppt/slides/slide30.xml><?xml version="1.0" encoding="utf-8"?>
+<file path=ppt/slides/slide32.xml><?xml version="1.0" encoding="utf-8"?>
 <p:sld xmlns:a="http://schemas.openxmlformats.org/drawingml/2006/main" xmlns:r="http://schemas.openxmlformats.org/officeDocument/2006/relationships" xmlns:p="http://schemas.openxmlformats.org/presentationml/2006/main">
   <p:cSld>
     <p:spTree>
@@ -16484,7 +17971,7 @@
 </p:sld>
 </file>
 
-<file path=ppt/slides/slide31.xml><?xml version="1.0" encoding="utf-8"?>
+<file path=ppt/slides/slide33.xml><?xml version="1.0" encoding="utf-8"?>
 <p:sld xmlns:a="http://schemas.openxmlformats.org/drawingml/2006/main" xmlns:r="http://schemas.openxmlformats.org/officeDocument/2006/relationships" xmlns:p="http://schemas.openxmlformats.org/presentationml/2006/main">
   <p:cSld>
     <p:spTree>
@@ -17098,7 +18585,7 @@
 </p:sld>
 </file>
 
-<file path=ppt/slides/slide32.xml><?xml version="1.0" encoding="utf-8"?>
+<file path=ppt/slides/slide34.xml><?xml version="1.0" encoding="utf-8"?>
 <p:sld xmlns:a="http://schemas.openxmlformats.org/drawingml/2006/main" xmlns:r="http://schemas.openxmlformats.org/officeDocument/2006/relationships" xmlns:p="http://schemas.openxmlformats.org/presentationml/2006/main">
   <p:cSld>
     <p:spTree>
@@ -17517,7 +19004,492 @@
 </p:sld>
 </file>
 
-<file path=ppt/slides/slide33.xml><?xml version="1.0" encoding="utf-8"?>
+<file path=ppt/slides/slide35.xml><?xml version="1.0" encoding="utf-8"?>
+<p:sld xmlns:a="http://schemas.openxmlformats.org/drawingml/2006/main" xmlns:r="http://schemas.openxmlformats.org/officeDocument/2006/relationships" xmlns:p="http://schemas.openxmlformats.org/presentationml/2006/main">
+  <p:cSld>
+    <p:spTree>
+      <p:nvGrpSpPr>
+        <p:cNvPr id="1" name=""/>
+        <p:cNvGrpSpPr/>
+        <p:nvPr/>
+      </p:nvGrpSpPr>
+      <p:grpSpPr>
+        <a:xfrm>
+          <a:off x="0" y="0"/>
+          <a:ext cx="0" cy="0"/>
+          <a:chOff x="0" y="0"/>
+          <a:chExt cx="0" cy="0"/>
+        </a:xfrm>
+      </p:grpSpPr>
+      <p:sp>
+        <p:nvSpPr>
+          <p:cNvPr id="2" name="Titre 1">
+            <a:extLst>
+              <a:ext uri="{FF2B5EF4-FFF2-40B4-BE49-F238E27FC236}">
+                <a16:creationId xmlns:a16="http://schemas.microsoft.com/office/drawing/2014/main" id="{BE5FBAF1-B876-406C-A149-EAD2D92DA55D}"/>
+              </a:ext>
+            </a:extLst>
+          </p:cNvPr>
+          <p:cNvSpPr>
+            <a:spLocks noGrp="1"/>
+          </p:cNvSpPr>
+          <p:nvPr>
+            <p:ph type="title"/>
+          </p:nvPr>
+        </p:nvSpPr>
+        <p:spPr/>
+        <p:txBody>
+          <a:bodyPr/>
+          <a:lstStyle/>
+          <a:p>
+            <a:r>
+              <a:rPr lang="fr-FR" dirty="0"/>
+              <a:t>Matrice de confusion</a:t>
+            </a:r>
+          </a:p>
+        </p:txBody>
+      </p:sp>
+      <p:sp>
+        <p:nvSpPr>
+          <p:cNvPr id="3" name="Espace réservé du contenu 2">
+            <a:extLst>
+              <a:ext uri="{FF2B5EF4-FFF2-40B4-BE49-F238E27FC236}">
+                <a16:creationId xmlns:a16="http://schemas.microsoft.com/office/drawing/2014/main" id="{26239ECE-D56D-42C4-A5EF-7903F56FA62A}"/>
+              </a:ext>
+            </a:extLst>
+          </p:cNvPr>
+          <p:cNvSpPr>
+            <a:spLocks noGrp="1"/>
+          </p:cNvSpPr>
+          <p:nvPr>
+            <p:ph idx="1"/>
+          </p:nvPr>
+        </p:nvSpPr>
+        <p:spPr/>
+        <p:txBody>
+          <a:bodyPr>
+            <a:normAutofit/>
+          </a:bodyPr>
+          <a:lstStyle/>
+          <a:p>
+            <a:pPr algn="just"/>
+            <a:r>
+              <a:rPr lang="fr-FR" dirty="0"/>
+              <a:t>La matrice de confusion est un outil servant à mesurer la qualité d'un système de classification.</a:t>
+            </a:r>
+          </a:p>
+          <a:p>
+            <a:pPr algn="just"/>
+            <a:r>
+              <a:rPr lang="fr-FR" dirty="0"/>
+              <a:t>Chaque colonne de la matrice représente le nombre d'occurrences d'une classe estimée, tandis que chaque ligne représente le nombre d'occurrences d'une classe réelle (ou de référence). </a:t>
+            </a:r>
+          </a:p>
+          <a:p>
+            <a:pPr algn="just"/>
+            <a:r>
+              <a:rPr lang="fr-FR" dirty="0"/>
+              <a:t>Un des intérêts de la matrice de confusion est qu'elle montre rapidement si le système parvient à classifier correctement.</a:t>
+            </a:r>
+          </a:p>
+        </p:txBody>
+      </p:sp>
+      <p:sp>
+        <p:nvSpPr>
+          <p:cNvPr id="4" name="Flèche droite 4">
+            <a:extLst>
+              <a:ext uri="{FF2B5EF4-FFF2-40B4-BE49-F238E27FC236}">
+                <a16:creationId xmlns:a16="http://schemas.microsoft.com/office/drawing/2014/main" id="{3C479D83-B88F-42DF-9979-6EC48568E617}"/>
+              </a:ext>
+            </a:extLst>
+          </p:cNvPr>
+          <p:cNvSpPr/>
+          <p:nvPr/>
+        </p:nvSpPr>
+        <p:spPr>
+          <a:xfrm>
+            <a:off x="11736625" y="6488757"/>
+            <a:ext cx="432048" cy="360040"/>
+          </a:xfrm>
+          <a:prstGeom prst="rightArrow">
+            <a:avLst/>
+          </a:prstGeom>
+          <a:ln/>
+        </p:spPr>
+        <p:style>
+          <a:lnRef idx="0">
+            <a:schemeClr val="dk1"/>
+          </a:lnRef>
+          <a:fillRef idx="3">
+            <a:schemeClr val="dk1"/>
+          </a:fillRef>
+          <a:effectRef idx="3">
+            <a:schemeClr val="dk1"/>
+          </a:effectRef>
+          <a:fontRef idx="minor">
+            <a:schemeClr val="lt1"/>
+          </a:fontRef>
+        </p:style>
+        <p:txBody>
+          <a:bodyPr rtlCol="0" anchor="ctr"/>
+          <a:lstStyle/>
+          <a:p>
+            <a:pPr algn="ctr"/>
+            <a:endParaRPr lang="fr-FR"/>
+          </a:p>
+        </p:txBody>
+      </p:sp>
+    </p:spTree>
+    <p:extLst>
+      <p:ext uri="{BB962C8B-B14F-4D97-AF65-F5344CB8AC3E}">
+        <p14:creationId xmlns:p14="http://schemas.microsoft.com/office/powerpoint/2010/main" val="2115542003"/>
+      </p:ext>
+    </p:extLst>
+  </p:cSld>
+  <p:clrMapOvr>
+    <a:masterClrMapping/>
+  </p:clrMapOvr>
+  <p:timing>
+    <p:tnLst>
+      <p:par>
+        <p:cTn id="1" dur="indefinite" restart="never" nodeType="tmRoot">
+          <p:childTnLst>
+            <p:seq concurrent="1" nextAc="seek">
+              <p:cTn id="2" dur="indefinite" nodeType="mainSeq">
+                <p:childTnLst>
+                  <p:par>
+                    <p:cTn id="3" fill="hold">
+                      <p:stCondLst>
+                        <p:cond delay="indefinite"/>
+                        <p:cond evt="onBegin" delay="0">
+                          <p:tn val="2"/>
+                        </p:cond>
+                      </p:stCondLst>
+                      <p:childTnLst>
+                        <p:par>
+                          <p:cTn id="4" fill="hold">
+                            <p:stCondLst>
+                              <p:cond delay="0"/>
+                            </p:stCondLst>
+                            <p:childTnLst>
+                              <p:par>
+                                <p:cTn id="5" presetID="1" presetClass="entr" presetSubtype="0" fill="hold" grpId="0" nodeType="afterEffect">
+                                  <p:stCondLst>
+                                    <p:cond delay="0"/>
+                                  </p:stCondLst>
+                                  <p:childTnLst>
+                                    <p:set>
+                                      <p:cBhvr>
+                                        <p:cTn id="6" dur="1" fill="hold">
+                                          <p:stCondLst>
+                                            <p:cond delay="0"/>
+                                          </p:stCondLst>
+                                        </p:cTn>
+                                        <p:tgtEl>
+                                          <p:spTgt spid="4"/>
+                                        </p:tgtEl>
+                                        <p:attrNameLst>
+                                          <p:attrName>style.visibility</p:attrName>
+                                        </p:attrNameLst>
+                                      </p:cBhvr>
+                                      <p:to>
+                                        <p:strVal val="visible"/>
+                                      </p:to>
+                                    </p:set>
+                                  </p:childTnLst>
+                                </p:cTn>
+                              </p:par>
+                            </p:childTnLst>
+                          </p:cTn>
+                        </p:par>
+                      </p:childTnLst>
+                    </p:cTn>
+                  </p:par>
+                </p:childTnLst>
+              </p:cTn>
+              <p:prevCondLst>
+                <p:cond evt="onPrev" delay="0">
+                  <p:tgtEl>
+                    <p:sldTgt/>
+                  </p:tgtEl>
+                </p:cond>
+              </p:prevCondLst>
+              <p:nextCondLst>
+                <p:cond evt="onNext" delay="0">
+                  <p:tgtEl>
+                    <p:sldTgt/>
+                  </p:tgtEl>
+                </p:cond>
+              </p:nextCondLst>
+            </p:seq>
+          </p:childTnLst>
+        </p:cTn>
+      </p:par>
+    </p:tnLst>
+    <p:bldLst>
+      <p:bldP spid="4" grpId="0" animBg="1"/>
+    </p:bldLst>
+  </p:timing>
+</p:sld>
+</file>
+
+<file path=ppt/slides/slide36.xml><?xml version="1.0" encoding="utf-8"?>
+<p:sld xmlns:a="http://schemas.openxmlformats.org/drawingml/2006/main" xmlns:r="http://schemas.openxmlformats.org/officeDocument/2006/relationships" xmlns:p="http://schemas.openxmlformats.org/presentationml/2006/main">
+  <p:cSld>
+    <p:spTree>
+      <p:nvGrpSpPr>
+        <p:cNvPr id="1" name=""/>
+        <p:cNvGrpSpPr/>
+        <p:nvPr/>
+      </p:nvGrpSpPr>
+      <p:grpSpPr>
+        <a:xfrm>
+          <a:off x="0" y="0"/>
+          <a:ext cx="0" cy="0"/>
+          <a:chOff x="0" y="0"/>
+          <a:chExt cx="0" cy="0"/>
+        </a:xfrm>
+      </p:grpSpPr>
+      <p:sp>
+        <p:nvSpPr>
+          <p:cNvPr id="2" name="Titre 1">
+            <a:extLst>
+              <a:ext uri="{FF2B5EF4-FFF2-40B4-BE49-F238E27FC236}">
+                <a16:creationId xmlns:a16="http://schemas.microsoft.com/office/drawing/2014/main" id="{92B4D0AE-A23B-4D24-B457-C6C58823D10B}"/>
+              </a:ext>
+            </a:extLst>
+          </p:cNvPr>
+          <p:cNvSpPr>
+            <a:spLocks noGrp="1"/>
+          </p:cNvSpPr>
+          <p:nvPr>
+            <p:ph type="title"/>
+          </p:nvPr>
+        </p:nvSpPr>
+        <p:spPr/>
+        <p:txBody>
+          <a:bodyPr/>
+          <a:lstStyle/>
+          <a:p>
+            <a:r>
+              <a:rPr lang="fr-FR"/>
+              <a:t>Matrice de confusion</a:t>
+            </a:r>
+            <a:endParaRPr lang="fr-FR" dirty="0"/>
+          </a:p>
+        </p:txBody>
+      </p:sp>
+      <p:pic>
+        <p:nvPicPr>
+          <p:cNvPr id="5" name="Espace réservé du contenu 4">
+            <a:extLst>
+              <a:ext uri="{FF2B5EF4-FFF2-40B4-BE49-F238E27FC236}">
+                <a16:creationId xmlns:a16="http://schemas.microsoft.com/office/drawing/2014/main" id="{294B3868-C1F1-42F5-BC33-97240DE83B26}"/>
+              </a:ext>
+            </a:extLst>
+          </p:cNvPr>
+          <p:cNvPicPr>
+            <a:picLocks noGrp="1" noChangeAspect="1"/>
+          </p:cNvPicPr>
+          <p:nvPr>
+            <p:ph idx="1"/>
+          </p:nvPr>
+        </p:nvPicPr>
+        <p:blipFill>
+          <a:blip r:embed="rId2">
+            <a:extLst>
+              <a:ext uri="{28A0092B-C50C-407E-A947-70E740481C1C}">
+                <a14:useLocalDpi xmlns:a14="http://schemas.microsoft.com/office/drawing/2010/main" val="0"/>
+              </a:ext>
+            </a:extLst>
+          </a:blip>
+          <a:stretch>
+            <a:fillRect/>
+          </a:stretch>
+        </p:blipFill>
+        <p:spPr>
+          <a:xfrm>
+            <a:off x="2073275" y="1457325"/>
+            <a:ext cx="5400675" cy="5400675"/>
+          </a:xfrm>
+        </p:spPr>
+      </p:pic>
+      <p:pic>
+        <p:nvPicPr>
+          <p:cNvPr id="7" name="Image 6">
+            <a:extLst>
+              <a:ext uri="{FF2B5EF4-FFF2-40B4-BE49-F238E27FC236}">
+                <a16:creationId xmlns:a16="http://schemas.microsoft.com/office/drawing/2014/main" id="{C3C5F74A-F699-42DF-98CA-F3436F2F3DBB}"/>
+              </a:ext>
+            </a:extLst>
+          </p:cNvPr>
+          <p:cNvPicPr>
+            <a:picLocks noChangeAspect="1"/>
+          </p:cNvPicPr>
+          <p:nvPr/>
+        </p:nvPicPr>
+        <p:blipFill>
+          <a:blip r:embed="rId3">
+            <a:extLst>
+              <a:ext uri="{28A0092B-C50C-407E-A947-70E740481C1C}">
+                <a14:useLocalDpi xmlns:a14="http://schemas.microsoft.com/office/drawing/2010/main" val="0"/>
+              </a:ext>
+            </a:extLst>
+          </a:blip>
+          <a:stretch>
+            <a:fillRect/>
+          </a:stretch>
+        </p:blipFill>
+        <p:spPr>
+          <a:xfrm>
+            <a:off x="7418388" y="2314575"/>
+            <a:ext cx="4077429" cy="4077429"/>
+          </a:xfrm>
+          <a:prstGeom prst="rect">
+            <a:avLst/>
+          </a:prstGeom>
+        </p:spPr>
+      </p:pic>
+      <p:sp>
+        <p:nvSpPr>
+          <p:cNvPr id="13" name="Flèche droite 4">
+            <a:extLst>
+              <a:ext uri="{FF2B5EF4-FFF2-40B4-BE49-F238E27FC236}">
+                <a16:creationId xmlns:a16="http://schemas.microsoft.com/office/drawing/2014/main" id="{4B373157-6BDC-4449-9D33-95F7F00E0142}"/>
+              </a:ext>
+            </a:extLst>
+          </p:cNvPr>
+          <p:cNvSpPr/>
+          <p:nvPr/>
+        </p:nvSpPr>
+        <p:spPr>
+          <a:xfrm>
+            <a:off x="11736625" y="6488757"/>
+            <a:ext cx="432048" cy="360040"/>
+          </a:xfrm>
+          <a:prstGeom prst="rightArrow">
+            <a:avLst/>
+          </a:prstGeom>
+          <a:ln/>
+        </p:spPr>
+        <p:style>
+          <a:lnRef idx="0">
+            <a:schemeClr val="dk1"/>
+          </a:lnRef>
+          <a:fillRef idx="3">
+            <a:schemeClr val="dk1"/>
+          </a:fillRef>
+          <a:effectRef idx="3">
+            <a:schemeClr val="dk1"/>
+          </a:effectRef>
+          <a:fontRef idx="minor">
+            <a:schemeClr val="lt1"/>
+          </a:fontRef>
+        </p:style>
+        <p:txBody>
+          <a:bodyPr rtlCol="0" anchor="ctr"/>
+          <a:lstStyle/>
+          <a:p>
+            <a:pPr algn="ctr"/>
+            <a:endParaRPr lang="fr-FR"/>
+          </a:p>
+        </p:txBody>
+      </p:sp>
+    </p:spTree>
+    <p:extLst>
+      <p:ext uri="{BB962C8B-B14F-4D97-AF65-F5344CB8AC3E}">
+        <p14:creationId xmlns:p14="http://schemas.microsoft.com/office/powerpoint/2010/main" val="1190065794"/>
+      </p:ext>
+    </p:extLst>
+  </p:cSld>
+  <p:clrMapOvr>
+    <a:masterClrMapping/>
+  </p:clrMapOvr>
+  <p:timing>
+    <p:tnLst>
+      <p:par>
+        <p:cTn id="1" dur="indefinite" restart="never" nodeType="tmRoot">
+          <p:childTnLst>
+            <p:seq concurrent="1" nextAc="seek">
+              <p:cTn id="2" dur="indefinite" nodeType="mainSeq">
+                <p:childTnLst>
+                  <p:par>
+                    <p:cTn id="3" fill="hold">
+                      <p:stCondLst>
+                        <p:cond delay="indefinite"/>
+                        <p:cond evt="onBegin" delay="0">
+                          <p:tn val="2"/>
+                        </p:cond>
+                      </p:stCondLst>
+                      <p:childTnLst>
+                        <p:par>
+                          <p:cTn id="4" fill="hold">
+                            <p:stCondLst>
+                              <p:cond delay="0"/>
+                            </p:stCondLst>
+                            <p:childTnLst>
+                              <p:par>
+                                <p:cTn id="5" presetID="1" presetClass="entr" presetSubtype="0" fill="hold" grpId="0" nodeType="afterEffect">
+                                  <p:stCondLst>
+                                    <p:cond delay="0"/>
+                                  </p:stCondLst>
+                                  <p:childTnLst>
+                                    <p:set>
+                                      <p:cBhvr>
+                                        <p:cTn id="6" dur="1" fill="hold">
+                                          <p:stCondLst>
+                                            <p:cond delay="0"/>
+                                          </p:stCondLst>
+                                        </p:cTn>
+                                        <p:tgtEl>
+                                          <p:spTgt spid="13"/>
+                                        </p:tgtEl>
+                                        <p:attrNameLst>
+                                          <p:attrName>style.visibility</p:attrName>
+                                        </p:attrNameLst>
+                                      </p:cBhvr>
+                                      <p:to>
+                                        <p:strVal val="visible"/>
+                                      </p:to>
+                                    </p:set>
+                                  </p:childTnLst>
+                                </p:cTn>
+                              </p:par>
+                            </p:childTnLst>
+                          </p:cTn>
+                        </p:par>
+                      </p:childTnLst>
+                    </p:cTn>
+                  </p:par>
+                </p:childTnLst>
+              </p:cTn>
+              <p:prevCondLst>
+                <p:cond evt="onPrev" delay="0">
+                  <p:tgtEl>
+                    <p:sldTgt/>
+                  </p:tgtEl>
+                </p:cond>
+              </p:prevCondLst>
+              <p:nextCondLst>
+                <p:cond evt="onNext" delay="0">
+                  <p:tgtEl>
+                    <p:sldTgt/>
+                  </p:tgtEl>
+                </p:cond>
+              </p:nextCondLst>
+            </p:seq>
+          </p:childTnLst>
+        </p:cTn>
+      </p:par>
+    </p:tnLst>
+    <p:bldLst>
+      <p:bldP spid="13" grpId="0" animBg="1"/>
+    </p:bldLst>
+  </p:timing>
+</p:sld>
+</file>
+
+<file path=ppt/slides/slide37.xml><?xml version="1.0" encoding="utf-8"?>
 <p:sld xmlns:a="http://schemas.openxmlformats.org/drawingml/2006/main" xmlns:r="http://schemas.openxmlformats.org/officeDocument/2006/relationships" xmlns:p="http://schemas.openxmlformats.org/presentationml/2006/main">
   <p:cSld>
     <p:spTree>
@@ -17588,7 +19560,29 @@
             <a:pPr algn="just"/>
             <a:r>
               <a:rPr lang="fr-FR" dirty="0"/>
-              <a:t># TBD</a:t>
+              <a:t>Une légère amélioration des résultats a été possible.</a:t>
+            </a:r>
+          </a:p>
+          <a:p>
+            <a:pPr algn="just"/>
+            <a:r>
+              <a:rPr lang="fr-FR" dirty="0"/>
+              <a:t>Un autre algorithme que celui choisi était plus performant, mais il était beaucoup plus lent.</a:t>
+            </a:r>
+          </a:p>
+          <a:p>
+            <a:pPr algn="just"/>
+            <a:r>
+              <a:rPr lang="fr-FR" dirty="0"/>
+              <a:t>Au rapport temps de calcul/résultats, le </a:t>
+            </a:r>
+            <a:r>
+              <a:rPr lang="fr-FR" dirty="0" err="1"/>
+              <a:t>Random</a:t>
+            </a:r>
+            <a:r>
+              <a:rPr lang="fr-FR" dirty="0"/>
+              <a:t> Forrest Classifier reste le meilleur choix.</a:t>
             </a:r>
           </a:p>
         </p:txBody>
@@ -17702,21 +19696,119 @@
                             </p:childTnLst>
                           </p:cTn>
                         </p:par>
+                      </p:childTnLst>
+                    </p:cTn>
+                  </p:par>
+                  <p:par>
+                    <p:cTn id="7" fill="hold">
+                      <p:stCondLst>
+                        <p:cond delay="indefinite"/>
+                      </p:stCondLst>
+                      <p:childTnLst>
                         <p:par>
-                          <p:cTn id="7" fill="hold">
+                          <p:cTn id="8" fill="hold">
                             <p:stCondLst>
                               <p:cond delay="0"/>
                             </p:stCondLst>
                             <p:childTnLst>
                               <p:par>
-                                <p:cTn id="8" presetID="1" presetClass="entr" presetSubtype="0" fill="hold" grpId="0" nodeType="afterEffect">
+                                <p:cTn id="9" presetID="1" presetClass="entr" presetSubtype="0" fill="hold" nodeType="clickEffect">
                                   <p:stCondLst>
                                     <p:cond delay="0"/>
                                   </p:stCondLst>
                                   <p:childTnLst>
                                     <p:set>
                                       <p:cBhvr>
-                                        <p:cTn id="9" dur="1" fill="hold">
+                                        <p:cTn id="10" dur="1" fill="hold">
+                                          <p:stCondLst>
+                                            <p:cond delay="0"/>
+                                          </p:stCondLst>
+                                        </p:cTn>
+                                        <p:tgtEl>
+                                          <p:spTgt spid="3">
+                                            <p:txEl>
+                                              <p:pRg st="1" end="1"/>
+                                            </p:txEl>
+                                          </p:spTgt>
+                                        </p:tgtEl>
+                                        <p:attrNameLst>
+                                          <p:attrName>style.visibility</p:attrName>
+                                        </p:attrNameLst>
+                                      </p:cBhvr>
+                                      <p:to>
+                                        <p:strVal val="visible"/>
+                                      </p:to>
+                                    </p:set>
+                                  </p:childTnLst>
+                                </p:cTn>
+                              </p:par>
+                            </p:childTnLst>
+                          </p:cTn>
+                        </p:par>
+                      </p:childTnLst>
+                    </p:cTn>
+                  </p:par>
+                  <p:par>
+                    <p:cTn id="11" fill="hold">
+                      <p:stCondLst>
+                        <p:cond delay="indefinite"/>
+                      </p:stCondLst>
+                      <p:childTnLst>
+                        <p:par>
+                          <p:cTn id="12" fill="hold">
+                            <p:stCondLst>
+                              <p:cond delay="0"/>
+                            </p:stCondLst>
+                            <p:childTnLst>
+                              <p:par>
+                                <p:cTn id="13" presetID="1" presetClass="entr" presetSubtype="0" fill="hold" nodeType="clickEffect">
+                                  <p:stCondLst>
+                                    <p:cond delay="0"/>
+                                  </p:stCondLst>
+                                  <p:childTnLst>
+                                    <p:set>
+                                      <p:cBhvr>
+                                        <p:cTn id="14" dur="1" fill="hold">
+                                          <p:stCondLst>
+                                            <p:cond delay="0"/>
+                                          </p:stCondLst>
+                                        </p:cTn>
+                                        <p:tgtEl>
+                                          <p:spTgt spid="3">
+                                            <p:txEl>
+                                              <p:pRg st="2" end="2"/>
+                                            </p:txEl>
+                                          </p:spTgt>
+                                        </p:tgtEl>
+                                        <p:attrNameLst>
+                                          <p:attrName>style.visibility</p:attrName>
+                                        </p:attrNameLst>
+                                      </p:cBhvr>
+                                      <p:to>
+                                        <p:strVal val="visible"/>
+                                      </p:to>
+                                    </p:set>
+                                  </p:childTnLst>
+                                </p:cTn>
+                              </p:par>
+                            </p:childTnLst>
+                          </p:cTn>
+                        </p:par>
+                        <p:par>
+                          <p:cTn id="15" fill="hold">
+                            <p:stCondLst>
+                              <p:cond delay="0"/>
+                            </p:stCondLst>
+                            <p:childTnLst>
+                              <p:par>
+                                <p:cTn id="16" presetID="1" presetClass="entr" presetSubtype="0" fill="hold" grpId="0" nodeType="afterEffect">
+                                  <p:stCondLst>
+                                    <p:cond delay="0"/>
+                                  </p:stCondLst>
+                                  <p:childTnLst>
+                                    <p:set>
+                                      <p:cBhvr>
+                                        <p:cTn id="17" dur="1" fill="hold">
                                           <p:stCondLst>
                                             <p:cond delay="0"/>
                                           </p:stCondLst>
@@ -17769,7 +19861,7 @@
 </p:sld>
 </file>
 
-<file path=ppt/slides/slide34.xml><?xml version="1.0" encoding="utf-8"?>
+<file path=ppt/slides/slide38.xml><?xml version="1.0" encoding="utf-8"?>
 <p:sld xmlns:a="http://schemas.openxmlformats.org/drawingml/2006/main" xmlns:r="http://schemas.openxmlformats.org/officeDocument/2006/relationships" xmlns:p="http://schemas.openxmlformats.org/presentationml/2006/main">
   <p:cSld>
     <p:spTree>
@@ -17866,7 +19958,7 @@
 </p:sld>
 </file>
 
-<file path=ppt/slides/slide35.xml><?xml version="1.0" encoding="utf-8"?>
+<file path=ppt/slides/slide39.xml><?xml version="1.0" encoding="utf-8"?>
 <p:sld xmlns:a="http://schemas.openxmlformats.org/drawingml/2006/main" xmlns:r="http://schemas.openxmlformats.org/officeDocument/2006/relationships" xmlns:p="http://schemas.openxmlformats.org/presentationml/2006/main">
   <p:cSld>
     <p:spTree>
@@ -17933,13 +20025,87 @@
           <a:lstStyle/>
           <a:p>
             <a:r>
-              <a:rPr lang="fr-FR" dirty="0">
-                <a:highlight>
-                  <a:srgbClr val="FFFF00"/>
-                </a:highlight>
-              </a:rPr>
-              <a:t># Explications des biais</a:t>
-            </a:r>
+              <a:rPr lang="fr-FR" dirty="0"/>
+              <a:t>Une des contraintes du projet était de voir l’impact qu’aurait l’introduction de biais dans les données d’entrainement et de test.</a:t>
+            </a:r>
+          </a:p>
+          <a:p>
+            <a:r>
+              <a:rPr lang="fr-FR" dirty="0"/>
+              <a:t>Ainsi, deux biais ont été testés en comparaison avec la </a:t>
+            </a:r>
+            <a:r>
+              <a:rPr lang="fr-FR" dirty="0" err="1"/>
+              <a:t>baseline</a:t>
+            </a:r>
+            <a:r>
+              <a:rPr lang="fr-FR" dirty="0"/>
+              <a:t>:</a:t>
+            </a:r>
+          </a:p>
+          <a:p>
+            <a:pPr lvl="1"/>
+            <a:r>
+              <a:rPr lang="fr-FR" dirty="0"/>
+              <a:t>Biais en fonction de la somme dépensé</a:t>
+            </a:r>
+          </a:p>
+          <a:p>
+            <a:pPr lvl="1"/>
+            <a:r>
+              <a:rPr lang="fr-FR" dirty="0"/>
+              <a:t>Biais de data-</a:t>
+            </a:r>
+            <a:r>
+              <a:rPr lang="fr-FR" dirty="0" err="1"/>
+              <a:t>leakage</a:t>
+            </a:r>
+            <a:endParaRPr lang="fr-FR" dirty="0"/>
+          </a:p>
+        </p:txBody>
+      </p:sp>
+      <p:sp>
+        <p:nvSpPr>
+          <p:cNvPr id="4" name="Flèche droite 4">
+            <a:extLst>
+              <a:ext uri="{FF2B5EF4-FFF2-40B4-BE49-F238E27FC236}">
+                <a16:creationId xmlns:a16="http://schemas.microsoft.com/office/drawing/2014/main" id="{C8E36066-1D63-46F5-A2D8-86CC6BCB8F06}"/>
+              </a:ext>
+            </a:extLst>
+          </p:cNvPr>
+          <p:cNvSpPr/>
+          <p:nvPr/>
+        </p:nvSpPr>
+        <p:spPr>
+          <a:xfrm>
+            <a:off x="11736625" y="6488757"/>
+            <a:ext cx="432048" cy="360040"/>
+          </a:xfrm>
+          <a:prstGeom prst="rightArrow">
+            <a:avLst/>
+          </a:prstGeom>
+          <a:ln/>
+        </p:spPr>
+        <p:style>
+          <a:lnRef idx="0">
+            <a:schemeClr val="dk1"/>
+          </a:lnRef>
+          <a:fillRef idx="3">
+            <a:schemeClr val="dk1"/>
+          </a:fillRef>
+          <a:effectRef idx="3">
+            <a:schemeClr val="dk1"/>
+          </a:effectRef>
+          <a:fontRef idx="minor">
+            <a:schemeClr val="lt1"/>
+          </a:fontRef>
+        </p:style>
+        <p:txBody>
+          <a:bodyPr rtlCol="0" anchor="ctr"/>
+          <a:lstStyle/>
+          <a:p>
+            <a:pPr algn="ctr"/>
+            <a:endParaRPr lang="fr-FR"/>
           </a:p>
         </p:txBody>
       </p:sp>
@@ -17953,406 +20119,87 @@
   <p:clrMapOvr>
     <a:masterClrMapping/>
   </p:clrMapOvr>
-</p:sld>
-</file>
-
-<file path=ppt/slides/slide36.xml><?xml version="1.0" encoding="utf-8"?>
-<p:sld xmlns:a="http://schemas.openxmlformats.org/drawingml/2006/main" xmlns:r="http://schemas.openxmlformats.org/officeDocument/2006/relationships" xmlns:p="http://schemas.openxmlformats.org/presentationml/2006/main">
-  <p:cSld>
-    <p:spTree>
-      <p:nvGrpSpPr>
-        <p:cNvPr id="1" name=""/>
-        <p:cNvGrpSpPr/>
-        <p:nvPr/>
-      </p:nvGrpSpPr>
-      <p:grpSpPr>
-        <a:xfrm>
-          <a:off x="0" y="0"/>
-          <a:ext cx="0" cy="0"/>
-          <a:chOff x="0" y="0"/>
-          <a:chExt cx="0" cy="0"/>
-        </a:xfrm>
-      </p:grpSpPr>
-      <p:sp>
-        <p:nvSpPr>
-          <p:cNvPr id="2" name="Titre 1">
-            <a:extLst>
-              <a:ext uri="{FF2B5EF4-FFF2-40B4-BE49-F238E27FC236}">
-                <a16:creationId xmlns:a16="http://schemas.microsoft.com/office/drawing/2014/main" id="{681E8E4E-0341-4632-8FE9-C173FB797FD6}"/>
-              </a:ext>
-            </a:extLst>
-          </p:cNvPr>
-          <p:cNvSpPr>
-            <a:spLocks noGrp="1"/>
-          </p:cNvSpPr>
-          <p:nvPr>
-            <p:ph type="title"/>
-          </p:nvPr>
-        </p:nvSpPr>
-        <p:spPr>
-          <a:xfrm>
-            <a:off x="2140514" y="188640"/>
-            <a:ext cx="7917007" cy="1188720"/>
-          </a:xfrm>
-        </p:spPr>
-        <p:txBody>
-          <a:bodyPr/>
-          <a:lstStyle/>
-          <a:p>
-            <a:r>
-              <a:rPr lang="fr-FR" dirty="0"/>
-              <a:t>Résultats des biais</a:t>
-            </a:r>
-          </a:p>
-        </p:txBody>
-      </p:sp>
-      <p:pic>
-        <p:nvPicPr>
-          <p:cNvPr id="25" name="Image 24">
-            <a:extLst>
-              <a:ext uri="{FF2B5EF4-FFF2-40B4-BE49-F238E27FC236}">
-                <a16:creationId xmlns:a16="http://schemas.microsoft.com/office/drawing/2014/main" id="{01FF2C83-7594-4C49-8F1D-C232D3E2A945}"/>
-              </a:ext>
-            </a:extLst>
-          </p:cNvPr>
-          <p:cNvPicPr>
-            <a:picLocks noChangeAspect="1"/>
-          </p:cNvPicPr>
-          <p:nvPr/>
-        </p:nvPicPr>
-        <p:blipFill>
-          <a:blip r:embed="rId2">
-            <a:extLst>
-              <a:ext uri="{28A0092B-C50C-407E-A947-70E740481C1C}">
-                <a14:useLocalDpi xmlns:a14="http://schemas.microsoft.com/office/drawing/2010/main" val="0"/>
-              </a:ext>
-            </a:extLst>
-          </a:blip>
-          <a:stretch>
-            <a:fillRect/>
-          </a:stretch>
-        </p:blipFill>
-        <p:spPr>
-          <a:xfrm>
-            <a:off x="0" y="1377360"/>
-            <a:ext cx="12192000" cy="5480640"/>
-          </a:xfrm>
-          <a:prstGeom prst="rect">
-            <a:avLst/>
-          </a:prstGeom>
-        </p:spPr>
-      </p:pic>
-    </p:spTree>
-    <p:extLst>
-      <p:ext uri="{BB962C8B-B14F-4D97-AF65-F5344CB8AC3E}">
-        <p14:creationId xmlns:p14="http://schemas.microsoft.com/office/powerpoint/2010/main" val="4072709136"/>
-      </p:ext>
-    </p:extLst>
-  </p:cSld>
-  <p:clrMapOvr>
-    <a:masterClrMapping/>
-  </p:clrMapOvr>
-</p:sld>
-</file>
-
-<file path=ppt/slides/slide37.xml><?xml version="1.0" encoding="utf-8"?>
-<p:sld xmlns:a="http://schemas.openxmlformats.org/drawingml/2006/main" xmlns:r="http://schemas.openxmlformats.org/officeDocument/2006/relationships" xmlns:p="http://schemas.openxmlformats.org/presentationml/2006/main">
-  <p:cSld>
-    <p:spTree>
-      <p:nvGrpSpPr>
-        <p:cNvPr id="1" name=""/>
-        <p:cNvGrpSpPr/>
-        <p:nvPr/>
-      </p:nvGrpSpPr>
-      <p:grpSpPr>
-        <a:xfrm>
-          <a:off x="0" y="0"/>
-          <a:ext cx="0" cy="0"/>
-          <a:chOff x="0" y="0"/>
-          <a:chExt cx="0" cy="0"/>
-        </a:xfrm>
-      </p:grpSpPr>
-      <p:sp>
-        <p:nvSpPr>
-          <p:cNvPr id="2" name="Titre 1">
-            <a:extLst>
-              <a:ext uri="{FF2B5EF4-FFF2-40B4-BE49-F238E27FC236}">
-                <a16:creationId xmlns:a16="http://schemas.microsoft.com/office/drawing/2014/main" id="{681E8E4E-0341-4632-8FE9-C173FB797FD6}"/>
-              </a:ext>
-            </a:extLst>
-          </p:cNvPr>
-          <p:cNvSpPr>
-            <a:spLocks noGrp="1"/>
-          </p:cNvSpPr>
-          <p:nvPr>
-            <p:ph type="title"/>
-          </p:nvPr>
-        </p:nvSpPr>
-        <p:spPr>
-          <a:xfrm>
-            <a:off x="2140514" y="188640"/>
-            <a:ext cx="7917007" cy="1188720"/>
-          </a:xfrm>
-        </p:spPr>
-        <p:txBody>
-          <a:bodyPr/>
-          <a:lstStyle/>
-          <a:p>
-            <a:r>
-              <a:rPr lang="fr-FR" dirty="0"/>
-              <a:t>Résultats des biais</a:t>
-            </a:r>
-          </a:p>
-        </p:txBody>
-      </p:sp>
-      <p:pic>
-        <p:nvPicPr>
-          <p:cNvPr id="4" name="Image 3">
-            <a:extLst>
-              <a:ext uri="{FF2B5EF4-FFF2-40B4-BE49-F238E27FC236}">
-                <a16:creationId xmlns:a16="http://schemas.microsoft.com/office/drawing/2014/main" id="{95C5A6D2-DEC2-49F3-BA79-DB09EBBE4462}"/>
-              </a:ext>
-            </a:extLst>
-          </p:cNvPr>
-          <p:cNvPicPr>
-            <a:picLocks noChangeAspect="1"/>
-          </p:cNvPicPr>
-          <p:nvPr/>
-        </p:nvPicPr>
-        <p:blipFill>
-          <a:blip r:embed="rId2">
-            <a:extLst>
-              <a:ext uri="{28A0092B-C50C-407E-A947-70E740481C1C}">
-                <a14:useLocalDpi xmlns:a14="http://schemas.microsoft.com/office/drawing/2010/main" val="0"/>
-              </a:ext>
-            </a:extLst>
-          </a:blip>
-          <a:stretch>
-            <a:fillRect/>
-          </a:stretch>
-        </p:blipFill>
-        <p:spPr>
-          <a:xfrm>
-            <a:off x="0" y="1377360"/>
-            <a:ext cx="12192000" cy="5480640"/>
-          </a:xfrm>
-          <a:prstGeom prst="rect">
-            <a:avLst/>
-          </a:prstGeom>
-        </p:spPr>
-      </p:pic>
-    </p:spTree>
-    <p:extLst>
-      <p:ext uri="{BB962C8B-B14F-4D97-AF65-F5344CB8AC3E}">
-        <p14:creationId xmlns:p14="http://schemas.microsoft.com/office/powerpoint/2010/main" val="2319735180"/>
-      </p:ext>
-    </p:extLst>
-  </p:cSld>
-  <p:clrMapOvr>
-    <a:masterClrMapping/>
-  </p:clrMapOvr>
-</p:sld>
-</file>
-
-<file path=ppt/slides/slide38.xml><?xml version="1.0" encoding="utf-8"?>
-<p:sld xmlns:a="http://schemas.openxmlformats.org/drawingml/2006/main" xmlns:r="http://schemas.openxmlformats.org/officeDocument/2006/relationships" xmlns:p="http://schemas.openxmlformats.org/presentationml/2006/main">
-  <p:cSld>
-    <p:spTree>
-      <p:nvGrpSpPr>
-        <p:cNvPr id="1" name=""/>
-        <p:cNvGrpSpPr/>
-        <p:nvPr/>
-      </p:nvGrpSpPr>
-      <p:grpSpPr>
-        <a:xfrm>
-          <a:off x="0" y="0"/>
-          <a:ext cx="0" cy="0"/>
-          <a:chOff x="0" y="0"/>
-          <a:chExt cx="0" cy="0"/>
-        </a:xfrm>
-      </p:grpSpPr>
-      <p:sp>
-        <p:nvSpPr>
-          <p:cNvPr id="2" name="Titre 1">
-            <a:extLst>
-              <a:ext uri="{FF2B5EF4-FFF2-40B4-BE49-F238E27FC236}">
-                <a16:creationId xmlns:a16="http://schemas.microsoft.com/office/drawing/2014/main" id="{681E8E4E-0341-4632-8FE9-C173FB797FD6}"/>
-              </a:ext>
-            </a:extLst>
-          </p:cNvPr>
-          <p:cNvSpPr>
-            <a:spLocks noGrp="1"/>
-          </p:cNvSpPr>
-          <p:nvPr>
-            <p:ph type="title"/>
-          </p:nvPr>
-        </p:nvSpPr>
-        <p:spPr>
-          <a:xfrm>
-            <a:off x="2140514" y="188640"/>
-            <a:ext cx="7917007" cy="1188720"/>
-          </a:xfrm>
-        </p:spPr>
-        <p:txBody>
-          <a:bodyPr/>
-          <a:lstStyle/>
-          <a:p>
-            <a:r>
-              <a:rPr lang="fr-FR" dirty="0"/>
-              <a:t>Résultats des biais</a:t>
-            </a:r>
-          </a:p>
-        </p:txBody>
-      </p:sp>
-      <p:pic>
-        <p:nvPicPr>
-          <p:cNvPr id="4" name="Image 3">
-            <a:extLst>
-              <a:ext uri="{FF2B5EF4-FFF2-40B4-BE49-F238E27FC236}">
-                <a16:creationId xmlns:a16="http://schemas.microsoft.com/office/drawing/2014/main" id="{B9F70CDA-8E4A-4092-84C8-15318BFCC8CB}"/>
-              </a:ext>
-            </a:extLst>
-          </p:cNvPr>
-          <p:cNvPicPr>
-            <a:picLocks noChangeAspect="1"/>
-          </p:cNvPicPr>
-          <p:nvPr/>
-        </p:nvPicPr>
-        <p:blipFill>
-          <a:blip r:embed="rId2">
-            <a:extLst>
-              <a:ext uri="{28A0092B-C50C-407E-A947-70E740481C1C}">
-                <a14:useLocalDpi xmlns:a14="http://schemas.microsoft.com/office/drawing/2010/main" val="0"/>
-              </a:ext>
-            </a:extLst>
-          </a:blip>
-          <a:stretch>
-            <a:fillRect/>
-          </a:stretch>
-        </p:blipFill>
-        <p:spPr>
-          <a:xfrm>
-            <a:off x="0" y="1402997"/>
-            <a:ext cx="12192000" cy="5480640"/>
-          </a:xfrm>
-          <a:prstGeom prst="rect">
-            <a:avLst/>
-          </a:prstGeom>
-        </p:spPr>
-      </p:pic>
-    </p:spTree>
-    <p:extLst>
-      <p:ext uri="{BB962C8B-B14F-4D97-AF65-F5344CB8AC3E}">
-        <p14:creationId xmlns:p14="http://schemas.microsoft.com/office/powerpoint/2010/main" val="4287123340"/>
-      </p:ext>
-    </p:extLst>
-  </p:cSld>
-  <p:clrMapOvr>
-    <a:masterClrMapping/>
-  </p:clrMapOvr>
-</p:sld>
-</file>
-
-<file path=ppt/slides/slide39.xml><?xml version="1.0" encoding="utf-8"?>
-<p:sld xmlns:a="http://schemas.openxmlformats.org/drawingml/2006/main" xmlns:r="http://schemas.openxmlformats.org/officeDocument/2006/relationships" xmlns:p="http://schemas.openxmlformats.org/presentationml/2006/main">
-  <p:cSld>
-    <p:spTree>
-      <p:nvGrpSpPr>
-        <p:cNvPr id="1" name=""/>
-        <p:cNvGrpSpPr/>
-        <p:nvPr/>
-      </p:nvGrpSpPr>
-      <p:grpSpPr>
-        <a:xfrm>
-          <a:off x="0" y="0"/>
-          <a:ext cx="0" cy="0"/>
-          <a:chOff x="0" y="0"/>
-          <a:chExt cx="0" cy="0"/>
-        </a:xfrm>
-      </p:grpSpPr>
-      <p:sp>
-        <p:nvSpPr>
-          <p:cNvPr id="2" name="Titre 1">
-            <a:extLst>
-              <a:ext uri="{FF2B5EF4-FFF2-40B4-BE49-F238E27FC236}">
-                <a16:creationId xmlns:a16="http://schemas.microsoft.com/office/drawing/2014/main" id="{BE5FBAF1-B876-406C-A149-EAD2D92DA55D}"/>
-              </a:ext>
-            </a:extLst>
-          </p:cNvPr>
-          <p:cNvSpPr>
-            <a:spLocks noGrp="1"/>
-          </p:cNvSpPr>
-          <p:nvPr>
-            <p:ph type="title"/>
-          </p:nvPr>
-        </p:nvSpPr>
-        <p:spPr/>
-        <p:txBody>
-          <a:bodyPr/>
-          <a:lstStyle/>
-          <a:p>
-            <a:r>
-              <a:rPr lang="fr-FR" dirty="0"/>
-              <a:t>Matrice de confusion</a:t>
-            </a:r>
-          </a:p>
-        </p:txBody>
-      </p:sp>
-      <p:sp>
-        <p:nvSpPr>
-          <p:cNvPr id="3" name="Espace réservé du contenu 2">
-            <a:extLst>
-              <a:ext uri="{FF2B5EF4-FFF2-40B4-BE49-F238E27FC236}">
-                <a16:creationId xmlns:a16="http://schemas.microsoft.com/office/drawing/2014/main" id="{26239ECE-D56D-42C4-A5EF-7903F56FA62A}"/>
-              </a:ext>
-            </a:extLst>
-          </p:cNvPr>
-          <p:cNvSpPr>
-            <a:spLocks noGrp="1"/>
-          </p:cNvSpPr>
-          <p:nvPr>
-            <p:ph idx="1"/>
-          </p:nvPr>
-        </p:nvSpPr>
-        <p:spPr/>
-        <p:txBody>
-          <a:bodyPr>
-            <a:normAutofit/>
-          </a:bodyPr>
-          <a:lstStyle/>
-          <a:p>
-            <a:pPr algn="just"/>
-            <a:r>
-              <a:rPr lang="fr-FR" dirty="0"/>
-              <a:t>La matrice de confusion, dans la terminologie de l'apprentissage supervisé, est un outil servant à mesurer la qualité d'un système de classification.</a:t>
-            </a:r>
-          </a:p>
-          <a:p>
-            <a:pPr algn="just"/>
-            <a:r>
-              <a:rPr lang="fr-FR" dirty="0"/>
-              <a:t>Chaque colonne de la matrice représente le nombre d'occurrences d'une classe estimée, tandis que chaque ligne représente le nombre d'occurrences d'une classe réelle (ou de référence). </a:t>
-            </a:r>
-          </a:p>
-          <a:p>
-            <a:pPr algn="just"/>
-            <a:r>
-              <a:rPr lang="fr-FR" dirty="0"/>
-              <a:t>Un des intérêts de la matrice de confusion est qu'elle montre rapidement si le système parvient à classifier correctement.</a:t>
-            </a:r>
-          </a:p>
-        </p:txBody>
-      </p:sp>
-    </p:spTree>
-    <p:extLst>
-      <p:ext uri="{BB962C8B-B14F-4D97-AF65-F5344CB8AC3E}">
-        <p14:creationId xmlns:p14="http://schemas.microsoft.com/office/powerpoint/2010/main" val="508026154"/>
-      </p:ext>
-    </p:extLst>
-  </p:cSld>
-  <p:clrMapOvr>
-    <a:masterClrMapping/>
-  </p:clrMapOvr>
+  <p:timing>
+    <p:tnLst>
+      <p:par>
+        <p:cTn id="1" dur="indefinite" restart="never" nodeType="tmRoot">
+          <p:childTnLst>
+            <p:seq concurrent="1" nextAc="seek">
+              <p:cTn id="2" dur="indefinite" nodeType="mainSeq">
+                <p:childTnLst>
+                  <p:par>
+                    <p:cTn id="3" fill="hold">
+                      <p:stCondLst>
+                        <p:cond delay="indefinite"/>
+                        <p:cond evt="onBegin" delay="0">
+                          <p:tn val="2"/>
+                        </p:cond>
+                      </p:stCondLst>
+                      <p:childTnLst>
+                        <p:par>
+                          <p:cTn id="4" fill="hold">
+                            <p:stCondLst>
+                              <p:cond delay="0"/>
+                            </p:stCondLst>
+                            <p:childTnLst>
+                              <p:par>
+                                <p:cTn id="5" presetID="1" presetClass="entr" presetSubtype="0" fill="hold" grpId="0" nodeType="afterEffect">
+                                  <p:stCondLst>
+                                    <p:cond delay="0"/>
+                                  </p:stCondLst>
+                                  <p:childTnLst>
+                                    <p:set>
+                                      <p:cBhvr>
+                                        <p:cTn id="6" dur="1" fill="hold">
+                                          <p:stCondLst>
+                                            <p:cond delay="0"/>
+                                          </p:stCondLst>
+                                        </p:cTn>
+                                        <p:tgtEl>
+                                          <p:spTgt spid="4"/>
+                                        </p:tgtEl>
+                                        <p:attrNameLst>
+                                          <p:attrName>style.visibility</p:attrName>
+                                        </p:attrNameLst>
+                                      </p:cBhvr>
+                                      <p:to>
+                                        <p:strVal val="visible"/>
+                                      </p:to>
+                                    </p:set>
+                                  </p:childTnLst>
+                                </p:cTn>
+                              </p:par>
+                            </p:childTnLst>
+                          </p:cTn>
+                        </p:par>
+                      </p:childTnLst>
+                    </p:cTn>
+                  </p:par>
+                </p:childTnLst>
+              </p:cTn>
+              <p:prevCondLst>
+                <p:cond evt="onPrev" delay="0">
+                  <p:tgtEl>
+                    <p:sldTgt/>
+                  </p:tgtEl>
+                </p:cond>
+              </p:prevCondLst>
+              <p:nextCondLst>
+                <p:cond evt="onNext" delay="0">
+                  <p:tgtEl>
+                    <p:sldTgt/>
+                  </p:tgtEl>
+                </p:cond>
+              </p:nextCondLst>
+            </p:seq>
+          </p:childTnLst>
+        </p:cTn>
+      </p:par>
+    </p:tnLst>
+    <p:bldLst>
+      <p:bldP spid="4" grpId="0" animBg="1"/>
+    </p:bldLst>
+  </p:timing>
 </p:sld>
 </file>
 
@@ -18979,14 +20826,6 @@
 <file path=ppt/slides/slide40.xml><?xml version="1.0" encoding="utf-8"?>
 <p:sld xmlns:a="http://schemas.openxmlformats.org/drawingml/2006/main" xmlns:r="http://schemas.openxmlformats.org/officeDocument/2006/relationships" xmlns:p="http://schemas.openxmlformats.org/presentationml/2006/main">
   <p:cSld>
-    <p:bg>
-      <p:bgPr>
-        <a:solidFill>
-          <a:schemeClr val="accent2"/>
-        </a:solidFill>
-        <a:effectLst/>
-      </p:bgPr>
-    </p:bg>
     <p:spTree>
       <p:nvGrpSpPr>
         <p:cNvPr id="1" name=""/>
@@ -19003,53 +20842,160 @@
       </p:grpSpPr>
       <p:sp>
         <p:nvSpPr>
-          <p:cNvPr id="14" name="Rectangle 13">
+          <p:cNvPr id="2" name="Titre 1">
             <a:extLst>
               <a:ext uri="{FF2B5EF4-FFF2-40B4-BE49-F238E27FC236}">
-                <a16:creationId xmlns:a16="http://schemas.microsoft.com/office/drawing/2014/main" id="{DF4F6ED1-0A91-4619-B649-9AFB59E9DE3D}"/>
-              </a:ext>
-              <a:ext uri="{C183D7F6-B498-43B3-948B-1728B52AA6E4}">
-                <adec:decorative xmlns:adec="http://schemas.microsoft.com/office/drawing/2017/decorative" val="1"/>
+                <a16:creationId xmlns:a16="http://schemas.microsoft.com/office/drawing/2014/main" id="{681E8E4E-0341-4632-8FE9-C173FB797FD6}"/>
               </a:ext>
             </a:extLst>
           </p:cNvPr>
           <p:cNvSpPr>
-            <a:spLocks noGrp="1" noRot="1" noChangeAspect="1" noMove="1" noResize="1" noEditPoints="1" noAdjustHandles="1" noChangeArrowheads="1" noChangeShapeType="1" noTextEdit="1"/>
+            <a:spLocks noGrp="1"/>
           </p:cNvSpPr>
           <p:nvPr>
-            <p:extLst>
-              <p:ext uri="{386F3935-93C4-4BCD-93E2-E3B085C9AB24}">
-                <p16:designElem xmlns:p16="http://schemas.microsoft.com/office/powerpoint/2015/main" val="1"/>
-              </p:ext>
-            </p:extLst>
+            <p:ph type="title"/>
           </p:nvPr>
+        </p:nvSpPr>
+        <p:spPr/>
+        <p:txBody>
+          <a:bodyPr/>
+          <a:lstStyle/>
+          <a:p>
+            <a:r>
+              <a:rPr lang="fr-FR" dirty="0"/>
+              <a:t>Résultats des biais</a:t>
+            </a:r>
+          </a:p>
+        </p:txBody>
+      </p:sp>
+      <p:sp>
+        <p:nvSpPr>
+          <p:cNvPr id="3" name="Espace réservé du contenu 2">
+            <a:extLst>
+              <a:ext uri="{FF2B5EF4-FFF2-40B4-BE49-F238E27FC236}">
+                <a16:creationId xmlns:a16="http://schemas.microsoft.com/office/drawing/2014/main" id="{FBACD5B2-245E-4261-82AB-A47B716F88A9}"/>
+              </a:ext>
+            </a:extLst>
+          </p:cNvPr>
+          <p:cNvSpPr>
+            <a:spLocks noGrp="1"/>
+          </p:cNvSpPr>
+          <p:nvPr>
+            <p:ph idx="1"/>
+          </p:nvPr>
+        </p:nvSpPr>
+        <p:spPr/>
+        <p:txBody>
+          <a:bodyPr>
+            <a:normAutofit fontScale="85000" lnSpcReduction="20000"/>
+          </a:bodyPr>
+          <a:lstStyle/>
+          <a:p>
+            <a:r>
+              <a:rPr lang="fr-FR" dirty="0"/>
+              <a:t>Sans biais</a:t>
+            </a:r>
+          </a:p>
+          <a:p>
+            <a:pPr lvl="1"/>
+            <a:r>
+              <a:rPr lang="fr-FR" dirty="0"/>
+              <a:t>94.9 %</a:t>
+            </a:r>
+          </a:p>
+          <a:p>
+            <a:r>
+              <a:rPr lang="fr-FR" dirty="0"/>
+              <a:t>Biais en fonction de la somme dépensée</a:t>
+            </a:r>
+          </a:p>
+          <a:p>
+            <a:pPr lvl="1"/>
+            <a:r>
+              <a:rPr lang="fr-FR" dirty="0"/>
+              <a:t>80.74 %</a:t>
+            </a:r>
+          </a:p>
+          <a:p>
+            <a:r>
+              <a:rPr lang="fr-FR" dirty="0"/>
+              <a:t>Data </a:t>
+            </a:r>
+            <a:r>
+              <a:rPr lang="fr-FR" dirty="0" err="1"/>
+              <a:t>leakage</a:t>
+            </a:r>
+            <a:endParaRPr lang="fr-FR" dirty="0"/>
+          </a:p>
+          <a:p>
+            <a:pPr lvl="1"/>
+            <a:r>
+              <a:rPr lang="fr-FR" dirty="0"/>
+              <a:t>98.65 %</a:t>
+            </a:r>
+          </a:p>
+          <a:p>
+            <a:endParaRPr lang="fr-FR" dirty="0"/>
+          </a:p>
+          <a:p>
+            <a:r>
+              <a:rPr lang="fr-FR" dirty="0"/>
+              <a:t>Résultats cohérents.</a:t>
+            </a:r>
+          </a:p>
+          <a:p>
+            <a:r>
+              <a:rPr lang="fr-FR" dirty="0"/>
+              <a:t>Le data </a:t>
+            </a:r>
+            <a:r>
+              <a:rPr lang="fr-FR" dirty="0" err="1"/>
+              <a:t>leakage</a:t>
+            </a:r>
+            <a:r>
+              <a:rPr lang="fr-FR" dirty="0"/>
+              <a:t> est une forme de triche, où l’on donne les « résultats avant l’examen ».</a:t>
+            </a:r>
+          </a:p>
+          <a:p>
+            <a:r>
+              <a:rPr lang="fr-FR" dirty="0"/>
+              <a:t>Le biais sur la somme dépensée empêche l’algorithme d’être performant sur certaines parties de ces sommes.</a:t>
+            </a:r>
+          </a:p>
+        </p:txBody>
+      </p:sp>
+      <p:sp>
+        <p:nvSpPr>
+          <p:cNvPr id="4" name="Flèche droite 4">
+            <a:extLst>
+              <a:ext uri="{FF2B5EF4-FFF2-40B4-BE49-F238E27FC236}">
+                <a16:creationId xmlns:a16="http://schemas.microsoft.com/office/drawing/2014/main" id="{097AE1A3-E551-4FFA-A201-E799242256C6}"/>
+              </a:ext>
+            </a:extLst>
+          </p:cNvPr>
+          <p:cNvSpPr/>
+          <p:nvPr/>
         </p:nvSpPr>
         <p:spPr>
           <a:xfrm>
-            <a:off x="0" y="-2"/>
-            <a:ext cx="12192000" cy="4918511"/>
+            <a:off x="11736625" y="6488757"/>
+            <a:ext cx="432048" cy="360040"/>
           </a:xfrm>
-          <a:prstGeom prst="rect">
+          <a:prstGeom prst="rightArrow">
             <a:avLst/>
           </a:prstGeom>
-          <a:solidFill>
-            <a:srgbClr val="FFFFFF"/>
-          </a:solidFill>
-          <a:ln>
-            <a:noFill/>
-          </a:ln>
+          <a:ln/>
         </p:spPr>
         <p:style>
-          <a:lnRef idx="2">
-            <a:schemeClr val="accent1">
-              <a:shade val="50000"/>
-            </a:schemeClr>
+          <a:lnRef idx="0">
+            <a:schemeClr val="dk1"/>
           </a:lnRef>
-          <a:fillRef idx="1">
-            <a:schemeClr val="accent1"/>
+          <a:fillRef idx="3">
+            <a:schemeClr val="dk1"/>
           </a:fillRef>
-          <a:effectRef idx="0">
-            <a:schemeClr val="accent1"/>
+          <a:effectRef idx="3">
+            <a:schemeClr val="dk1"/>
           </a:effectRef>
           <a:fontRef idx="minor">
             <a:schemeClr val="lt1"/>
@@ -19060,16 +21006,16 @@
           <a:lstStyle/>
           <a:p>
             <a:pPr algn="ctr"/>
-            <a:endParaRPr lang="en-US"/>
+            <a:endParaRPr lang="fr-FR"/>
           </a:p>
         </p:txBody>
       </p:sp>
       <p:pic>
         <p:nvPicPr>
-          <p:cNvPr id="7" name="Image 6">
+          <p:cNvPr id="5" name="Image 4">
             <a:extLst>
               <a:ext uri="{FF2B5EF4-FFF2-40B4-BE49-F238E27FC236}">
-                <a16:creationId xmlns:a16="http://schemas.microsoft.com/office/drawing/2014/main" id="{56E025C1-2D73-419D-A022-22D637F6358F}"/>
+                <a16:creationId xmlns:a16="http://schemas.microsoft.com/office/drawing/2014/main" id="{86E154DD-698D-4242-9B70-69E18475C1E0}"/>
               </a:ext>
             </a:extLst>
           </p:cNvPr>
@@ -19077,6 +21023,195 @@
             <a:picLocks noChangeAspect="1"/>
           </p:cNvPicPr>
           <p:nvPr/>
+        </p:nvPicPr>
+        <p:blipFill rotWithShape="1">
+          <a:blip r:embed="rId2"/>
+          <a:srcRect l="2372" t="64204" r="68431" b="4110"/>
+          <a:stretch/>
+        </p:blipFill>
+        <p:spPr>
+          <a:xfrm>
+            <a:off x="8294915" y="2372649"/>
+            <a:ext cx="3559710" cy="2112701"/>
+          </a:xfrm>
+          <a:prstGeom prst="rect">
+            <a:avLst/>
+          </a:prstGeom>
+          <a:ln w="38100" cap="sq">
+            <a:solidFill>
+              <a:srgbClr val="000000"/>
+            </a:solidFill>
+            <a:prstDash val="solid"/>
+            <a:miter lim="800000"/>
+          </a:ln>
+          <a:effectLst>
+            <a:outerShdw blurRad="50800" dist="38100" dir="2700000" algn="tl" rotWithShape="0">
+              <a:srgbClr val="000000">
+                <a:alpha val="43000"/>
+              </a:srgbClr>
+            </a:outerShdw>
+          </a:effectLst>
+        </p:spPr>
+      </p:pic>
+    </p:spTree>
+    <p:extLst>
+      <p:ext uri="{BB962C8B-B14F-4D97-AF65-F5344CB8AC3E}">
+        <p14:creationId xmlns:p14="http://schemas.microsoft.com/office/powerpoint/2010/main" val="4072709136"/>
+      </p:ext>
+    </p:extLst>
+  </p:cSld>
+  <p:clrMapOvr>
+    <a:masterClrMapping/>
+  </p:clrMapOvr>
+  <p:timing>
+    <p:tnLst>
+      <p:par>
+        <p:cTn id="1" dur="indefinite" restart="never" nodeType="tmRoot">
+          <p:childTnLst>
+            <p:seq concurrent="1" nextAc="seek">
+              <p:cTn id="2" dur="indefinite" nodeType="mainSeq">
+                <p:childTnLst>
+                  <p:par>
+                    <p:cTn id="3" fill="hold">
+                      <p:stCondLst>
+                        <p:cond delay="indefinite"/>
+                        <p:cond evt="onBegin" delay="0">
+                          <p:tn val="2"/>
+                        </p:cond>
+                      </p:stCondLst>
+                      <p:childTnLst>
+                        <p:par>
+                          <p:cTn id="4" fill="hold">
+                            <p:stCondLst>
+                              <p:cond delay="0"/>
+                            </p:stCondLst>
+                            <p:childTnLst>
+                              <p:par>
+                                <p:cTn id="5" presetID="1" presetClass="entr" presetSubtype="0" fill="hold" grpId="0" nodeType="afterEffect">
+                                  <p:stCondLst>
+                                    <p:cond delay="0"/>
+                                  </p:stCondLst>
+                                  <p:childTnLst>
+                                    <p:set>
+                                      <p:cBhvr>
+                                        <p:cTn id="6" dur="1" fill="hold">
+                                          <p:stCondLst>
+                                            <p:cond delay="0"/>
+                                          </p:stCondLst>
+                                        </p:cTn>
+                                        <p:tgtEl>
+                                          <p:spTgt spid="4"/>
+                                        </p:tgtEl>
+                                        <p:attrNameLst>
+                                          <p:attrName>style.visibility</p:attrName>
+                                        </p:attrNameLst>
+                                      </p:cBhvr>
+                                      <p:to>
+                                        <p:strVal val="visible"/>
+                                      </p:to>
+                                    </p:set>
+                                  </p:childTnLst>
+                                </p:cTn>
+                              </p:par>
+                            </p:childTnLst>
+                          </p:cTn>
+                        </p:par>
+                      </p:childTnLst>
+                    </p:cTn>
+                  </p:par>
+                </p:childTnLst>
+              </p:cTn>
+              <p:prevCondLst>
+                <p:cond evt="onPrev" delay="0">
+                  <p:tgtEl>
+                    <p:sldTgt/>
+                  </p:tgtEl>
+                </p:cond>
+              </p:prevCondLst>
+              <p:nextCondLst>
+                <p:cond evt="onNext" delay="0">
+                  <p:tgtEl>
+                    <p:sldTgt/>
+                  </p:tgtEl>
+                </p:cond>
+              </p:nextCondLst>
+            </p:seq>
+          </p:childTnLst>
+        </p:cTn>
+      </p:par>
+    </p:tnLst>
+    <p:bldLst>
+      <p:bldP spid="4" grpId="0" animBg="1"/>
+    </p:bldLst>
+  </p:timing>
+</p:sld>
+</file>
+
+<file path=ppt/slides/slide41.xml><?xml version="1.0" encoding="utf-8"?>
+<p:sld xmlns:a="http://schemas.openxmlformats.org/drawingml/2006/main" xmlns:r="http://schemas.openxmlformats.org/officeDocument/2006/relationships" xmlns:p="http://schemas.openxmlformats.org/presentationml/2006/main">
+  <p:cSld>
+    <p:spTree>
+      <p:nvGrpSpPr>
+        <p:cNvPr id="1" name=""/>
+        <p:cNvGrpSpPr/>
+        <p:nvPr/>
+      </p:nvGrpSpPr>
+      <p:grpSpPr>
+        <a:xfrm>
+          <a:off x="0" y="0"/>
+          <a:ext cx="0" cy="0"/>
+          <a:chOff x="0" y="0"/>
+          <a:chExt cx="0" cy="0"/>
+        </a:xfrm>
+      </p:grpSpPr>
+      <p:sp>
+        <p:nvSpPr>
+          <p:cNvPr id="2" name="Titre 1">
+            <a:extLst>
+              <a:ext uri="{FF2B5EF4-FFF2-40B4-BE49-F238E27FC236}">
+                <a16:creationId xmlns:a16="http://schemas.microsoft.com/office/drawing/2014/main" id="{A634F82B-6AF4-4CE9-833B-CC9ABA961A10}"/>
+              </a:ext>
+            </a:extLst>
+          </p:cNvPr>
+          <p:cNvSpPr>
+            <a:spLocks noGrp="1"/>
+          </p:cNvSpPr>
+          <p:nvPr>
+            <p:ph type="title"/>
+          </p:nvPr>
+        </p:nvSpPr>
+        <p:spPr>
+          <a:xfrm>
+            <a:off x="2023542" y="116632"/>
+            <a:ext cx="10025122" cy="1143000"/>
+          </a:xfrm>
+        </p:spPr>
+        <p:txBody>
+          <a:bodyPr/>
+          <a:lstStyle/>
+          <a:p>
+            <a:r>
+              <a:rPr lang="fr-FR" dirty="0"/>
+              <a:t>Résultats des biais</a:t>
+            </a:r>
+          </a:p>
+        </p:txBody>
+      </p:sp>
+      <p:pic>
+        <p:nvPicPr>
+          <p:cNvPr id="11" name="Espace réservé du contenu 10">
+            <a:extLst>
+              <a:ext uri="{FF2B5EF4-FFF2-40B4-BE49-F238E27FC236}">
+                <a16:creationId xmlns:a16="http://schemas.microsoft.com/office/drawing/2014/main" id="{4D093A8D-49DD-4B58-B4C5-692144743AFA}"/>
+              </a:ext>
+            </a:extLst>
+          </p:cNvPr>
+          <p:cNvPicPr>
+            <a:picLocks noGrp="1" noChangeAspect="1"/>
+          </p:cNvPicPr>
+          <p:nvPr>
+            <p:ph idx="1"/>
+          </p:nvPr>
         </p:nvPicPr>
         <p:blipFill>
           <a:blip r:embed="rId2">
@@ -19092,20 +21227,17 @@
         </p:blipFill>
         <p:spPr>
           <a:xfrm>
-            <a:off x="851839" y="587857"/>
-            <a:ext cx="3301307" cy="3301307"/>
+            <a:off x="1910654" y="2416169"/>
+            <a:ext cx="3413007" cy="3534137"/>
           </a:xfrm>
-          <a:prstGeom prst="rect">
-            <a:avLst/>
-          </a:prstGeom>
         </p:spPr>
       </p:pic>
       <p:pic>
         <p:nvPicPr>
-          <p:cNvPr id="9" name="Image 8">
+          <p:cNvPr id="15" name="Image 14">
             <a:extLst>
               <a:ext uri="{FF2B5EF4-FFF2-40B4-BE49-F238E27FC236}">
-                <a16:creationId xmlns:a16="http://schemas.microsoft.com/office/drawing/2014/main" id="{CA8186C3-2EC9-46C1-A608-F80489F3E3D4}"/>
+                <a16:creationId xmlns:a16="http://schemas.microsoft.com/office/drawing/2014/main" id="{8647ADE6-2ECC-4E3A-A37E-7671ECD730D0}"/>
               </a:ext>
             </a:extLst>
           </p:cNvPr>
@@ -19128,60 +21260,20 @@
         </p:blipFill>
         <p:spPr>
           <a:xfrm>
-            <a:off x="4456353" y="587858"/>
-            <a:ext cx="3301307" cy="3301307"/>
+            <a:off x="5330961" y="2418989"/>
+            <a:ext cx="3410284" cy="3531317"/>
           </a:xfrm>
           <a:prstGeom prst="rect">
             <a:avLst/>
           </a:prstGeom>
         </p:spPr>
       </p:pic>
-      <p:sp>
-        <p:nvSpPr>
-          <p:cNvPr id="2" name="Titre 1">
+      <p:pic>
+        <p:nvPicPr>
+          <p:cNvPr id="20" name="Image 19">
             <a:extLst>
               <a:ext uri="{FF2B5EF4-FFF2-40B4-BE49-F238E27FC236}">
-                <a16:creationId xmlns:a16="http://schemas.microsoft.com/office/drawing/2014/main" id="{684DA9FB-7007-44F4-945F-762E801D1642}"/>
-              </a:ext>
-            </a:extLst>
-          </p:cNvPr>
-          <p:cNvSpPr>
-            <a:spLocks noGrp="1"/>
-          </p:cNvSpPr>
-          <p:nvPr>
-            <p:ph type="title"/>
-          </p:nvPr>
-        </p:nvSpPr>
-        <p:spPr>
-          <a:xfrm>
-            <a:off x="1611206" y="5221782"/>
-            <a:ext cx="8991600" cy="1264762"/>
-          </a:xfrm>
-        </p:spPr>
-        <p:txBody>
-          <a:bodyPr vert="horz" lIns="274320" tIns="182880" rIns="274320" bIns="182880" rtlCol="0" anchor="ctr" anchorCtr="1">
-            <a:normAutofit/>
-          </a:bodyPr>
-          <a:lstStyle/>
-          <a:p>
-            <a:r>
-              <a:rPr lang="fr-FR" sz="3200"/>
-              <a:t>Résultats des biais</a:t>
-            </a:r>
-            <a:endParaRPr lang="en-US" sz="3200" dirty="0">
-              <a:solidFill>
-                <a:srgbClr val="262626"/>
-              </a:solidFill>
-            </a:endParaRPr>
-          </a:p>
-        </p:txBody>
-      </p:sp>
-      <p:pic>
-        <p:nvPicPr>
-          <p:cNvPr id="4" name="Image 3">
-            <a:extLst>
-              <a:ext uri="{FF2B5EF4-FFF2-40B4-BE49-F238E27FC236}">
-                <a16:creationId xmlns:a16="http://schemas.microsoft.com/office/drawing/2014/main" id="{8A6C5C52-1681-4D07-9162-09195F8B3473}"/>
+                <a16:creationId xmlns:a16="http://schemas.microsoft.com/office/drawing/2014/main" id="{A525969B-E0D8-4148-ADD4-C46A01ABC1D6}"/>
               </a:ext>
             </a:extLst>
           </p:cNvPr>
@@ -19204,28 +21296,423 @@
         </p:blipFill>
         <p:spPr>
           <a:xfrm>
-            <a:off x="8060867" y="587857"/>
-            <a:ext cx="3301307" cy="3301307"/>
+            <a:off x="8778992" y="2417581"/>
+            <a:ext cx="3413008" cy="3534138"/>
           </a:xfrm>
           <a:prstGeom prst="rect">
             <a:avLst/>
           </a:prstGeom>
         </p:spPr>
       </p:pic>
+      <p:sp>
+        <p:nvSpPr>
+          <p:cNvPr id="28" name="Flèche droite 4">
+            <a:extLst>
+              <a:ext uri="{FF2B5EF4-FFF2-40B4-BE49-F238E27FC236}">
+                <a16:creationId xmlns:a16="http://schemas.microsoft.com/office/drawing/2014/main" id="{4E2FC9C2-2E65-4CE2-83FE-4B679CB78506}"/>
+              </a:ext>
+            </a:extLst>
+          </p:cNvPr>
+          <p:cNvSpPr/>
+          <p:nvPr/>
+        </p:nvSpPr>
+        <p:spPr>
+          <a:xfrm>
+            <a:off x="11736625" y="6488757"/>
+            <a:ext cx="432048" cy="360040"/>
+          </a:xfrm>
+          <a:prstGeom prst="rightArrow">
+            <a:avLst/>
+          </a:prstGeom>
+          <a:ln/>
+        </p:spPr>
+        <p:style>
+          <a:lnRef idx="0">
+            <a:schemeClr val="dk1"/>
+          </a:lnRef>
+          <a:fillRef idx="3">
+            <a:schemeClr val="dk1"/>
+          </a:fillRef>
+          <a:effectRef idx="3">
+            <a:schemeClr val="dk1"/>
+          </a:effectRef>
+          <a:fontRef idx="minor">
+            <a:schemeClr val="lt1"/>
+          </a:fontRef>
+        </p:style>
+        <p:txBody>
+          <a:bodyPr rtlCol="0" anchor="ctr"/>
+          <a:lstStyle/>
+          <a:p>
+            <a:pPr algn="ctr"/>
+            <a:endParaRPr lang="fr-FR"/>
+          </a:p>
+        </p:txBody>
+      </p:sp>
     </p:spTree>
     <p:extLst>
       <p:ext uri="{BB962C8B-B14F-4D97-AF65-F5344CB8AC3E}">
-        <p14:creationId xmlns:p14="http://schemas.microsoft.com/office/powerpoint/2010/main" val="3177952604"/>
+        <p14:creationId xmlns:p14="http://schemas.microsoft.com/office/powerpoint/2010/main" val="1975401681"/>
       </p:ext>
     </p:extLst>
   </p:cSld>
   <p:clrMapOvr>
     <a:masterClrMapping/>
   </p:clrMapOvr>
+  <p:timing>
+    <p:tnLst>
+      <p:par>
+        <p:cTn id="1" dur="indefinite" restart="never" nodeType="tmRoot">
+          <p:childTnLst>
+            <p:seq concurrent="1" nextAc="seek">
+              <p:cTn id="2" dur="indefinite" nodeType="mainSeq">
+                <p:childTnLst>
+                  <p:par>
+                    <p:cTn id="3" fill="hold">
+                      <p:stCondLst>
+                        <p:cond delay="indefinite"/>
+                        <p:cond evt="onBegin" delay="0">
+                          <p:tn val="2"/>
+                        </p:cond>
+                      </p:stCondLst>
+                      <p:childTnLst>
+                        <p:par>
+                          <p:cTn id="4" fill="hold">
+                            <p:stCondLst>
+                              <p:cond delay="0"/>
+                            </p:stCondLst>
+                            <p:childTnLst>
+                              <p:par>
+                                <p:cTn id="5" presetID="1" presetClass="entr" presetSubtype="0" fill="hold" grpId="0" nodeType="afterEffect">
+                                  <p:stCondLst>
+                                    <p:cond delay="0"/>
+                                  </p:stCondLst>
+                                  <p:childTnLst>
+                                    <p:set>
+                                      <p:cBhvr>
+                                        <p:cTn id="6" dur="1" fill="hold">
+                                          <p:stCondLst>
+                                            <p:cond delay="0"/>
+                                          </p:stCondLst>
+                                        </p:cTn>
+                                        <p:tgtEl>
+                                          <p:spTgt spid="28"/>
+                                        </p:tgtEl>
+                                        <p:attrNameLst>
+                                          <p:attrName>style.visibility</p:attrName>
+                                        </p:attrNameLst>
+                                      </p:cBhvr>
+                                      <p:to>
+                                        <p:strVal val="visible"/>
+                                      </p:to>
+                                    </p:set>
+                                  </p:childTnLst>
+                                </p:cTn>
+                              </p:par>
+                            </p:childTnLst>
+                          </p:cTn>
+                        </p:par>
+                      </p:childTnLst>
+                    </p:cTn>
+                  </p:par>
+                </p:childTnLst>
+              </p:cTn>
+              <p:prevCondLst>
+                <p:cond evt="onPrev" delay="0">
+                  <p:tgtEl>
+                    <p:sldTgt/>
+                  </p:tgtEl>
+                </p:cond>
+              </p:prevCondLst>
+              <p:nextCondLst>
+                <p:cond evt="onNext" delay="0">
+                  <p:tgtEl>
+                    <p:sldTgt/>
+                  </p:tgtEl>
+                </p:cond>
+              </p:nextCondLst>
+            </p:seq>
+          </p:childTnLst>
+        </p:cTn>
+      </p:par>
+    </p:tnLst>
+    <p:bldLst>
+      <p:bldP spid="28" grpId="0" animBg="1"/>
+    </p:bldLst>
+  </p:timing>
 </p:sld>
 </file>
 
-<file path=ppt/slides/slide41.xml><?xml version="1.0" encoding="utf-8"?>
+<file path=ppt/slides/slide42.xml><?xml version="1.0" encoding="utf-8"?>
+<p:sld xmlns:a="http://schemas.openxmlformats.org/drawingml/2006/main" xmlns:r="http://schemas.openxmlformats.org/officeDocument/2006/relationships" xmlns:p="http://schemas.openxmlformats.org/presentationml/2006/main">
+  <p:cSld>
+    <p:spTree>
+      <p:nvGrpSpPr>
+        <p:cNvPr id="1" name=""/>
+        <p:cNvGrpSpPr/>
+        <p:nvPr/>
+      </p:nvGrpSpPr>
+      <p:grpSpPr>
+        <a:xfrm>
+          <a:off x="0" y="0"/>
+          <a:ext cx="0" cy="0"/>
+          <a:chOff x="0" y="0"/>
+          <a:chExt cx="0" cy="0"/>
+        </a:xfrm>
+      </p:grpSpPr>
+      <p:sp>
+        <p:nvSpPr>
+          <p:cNvPr id="2" name="Titre 1">
+            <a:extLst>
+              <a:ext uri="{FF2B5EF4-FFF2-40B4-BE49-F238E27FC236}">
+                <a16:creationId xmlns:a16="http://schemas.microsoft.com/office/drawing/2014/main" id="{1EC8270B-4848-41DC-81AE-CBE5F2EC613C}"/>
+              </a:ext>
+            </a:extLst>
+          </p:cNvPr>
+          <p:cNvSpPr>
+            <a:spLocks noGrp="1"/>
+          </p:cNvSpPr>
+          <p:nvPr>
+            <p:ph type="title"/>
+          </p:nvPr>
+        </p:nvSpPr>
+        <p:spPr/>
+        <p:txBody>
+          <a:bodyPr/>
+          <a:lstStyle/>
+          <a:p>
+            <a:r>
+              <a:rPr lang="fr-FR" dirty="0"/>
+              <a:t>Résultats des biais</a:t>
+            </a:r>
+          </a:p>
+        </p:txBody>
+      </p:sp>
+      <p:sp>
+        <p:nvSpPr>
+          <p:cNvPr id="3" name="Espace réservé du contenu 2">
+            <a:extLst>
+              <a:ext uri="{FF2B5EF4-FFF2-40B4-BE49-F238E27FC236}">
+                <a16:creationId xmlns:a16="http://schemas.microsoft.com/office/drawing/2014/main" id="{A6775B1F-2107-4A34-996C-14FCCBBCF4C1}"/>
+              </a:ext>
+            </a:extLst>
+          </p:cNvPr>
+          <p:cNvSpPr>
+            <a:spLocks noGrp="1"/>
+          </p:cNvSpPr>
+          <p:nvPr>
+            <p:ph idx="1"/>
+          </p:nvPr>
+        </p:nvSpPr>
+        <p:spPr/>
+        <p:txBody>
+          <a:bodyPr>
+            <a:normAutofit/>
+          </a:bodyPr>
+          <a:lstStyle/>
+          <a:p>
+            <a:r>
+              <a:rPr lang="fr-FR" dirty="0"/>
+              <a:t>La création du biais temporel augmente légèrement l'</a:t>
+            </a:r>
+            <a:r>
+              <a:rPr lang="fr-FR" dirty="0" err="1"/>
+              <a:t>accuracy</a:t>
+            </a:r>
+            <a:r>
+              <a:rPr lang="fr-FR" dirty="0"/>
+              <a:t> des résultats.</a:t>
+            </a:r>
+          </a:p>
+          <a:p>
+            <a:r>
+              <a:rPr lang="fr-FR" dirty="0"/>
+              <a:t>De même, la création du biais de data </a:t>
+            </a:r>
+            <a:r>
+              <a:rPr lang="fr-FR" dirty="0" err="1"/>
+              <a:t>leakage</a:t>
+            </a:r>
+            <a:r>
+              <a:rPr lang="fr-FR" dirty="0"/>
+              <a:t> augmente aussi légèrement l'</a:t>
+            </a:r>
+            <a:r>
+              <a:rPr lang="fr-FR" dirty="0" err="1"/>
+              <a:t>accuracy</a:t>
+            </a:r>
+            <a:r>
+              <a:rPr lang="fr-FR" dirty="0"/>
+              <a:t> des résultats.</a:t>
+            </a:r>
+          </a:p>
+          <a:p>
+            <a:endParaRPr lang="fr-FR" dirty="0"/>
+          </a:p>
+          <a:p>
+            <a:r>
+              <a:rPr lang="fr-FR" dirty="0"/>
+              <a:t>Néanmoins, on peut considérer que ce n'est pas une chose à faire car les résultats sont biaisés. Il vaut mieux avoir un vrai taux d'</a:t>
+            </a:r>
+            <a:r>
+              <a:rPr lang="fr-FR" dirty="0" err="1"/>
+              <a:t>accuracy</a:t>
+            </a:r>
+            <a:r>
+              <a:rPr lang="fr-FR" dirty="0"/>
+              <a:t> plus faible plutôt qu'un taux d'</a:t>
+            </a:r>
+            <a:r>
+              <a:rPr lang="fr-FR" dirty="0" err="1"/>
+              <a:t>accuracy</a:t>
+            </a:r>
+            <a:r>
+              <a:rPr lang="fr-FR" dirty="0"/>
+              <a:t> plus fort mais faussé.</a:t>
+            </a:r>
+          </a:p>
+        </p:txBody>
+      </p:sp>
+      <p:sp>
+        <p:nvSpPr>
+          <p:cNvPr id="4" name="Flèche droite 4">
+            <a:extLst>
+              <a:ext uri="{FF2B5EF4-FFF2-40B4-BE49-F238E27FC236}">
+                <a16:creationId xmlns:a16="http://schemas.microsoft.com/office/drawing/2014/main" id="{7F81BE98-8972-43E2-B329-B28098BEC69D}"/>
+              </a:ext>
+            </a:extLst>
+          </p:cNvPr>
+          <p:cNvSpPr/>
+          <p:nvPr/>
+        </p:nvSpPr>
+        <p:spPr>
+          <a:xfrm>
+            <a:off x="11736625" y="6488757"/>
+            <a:ext cx="432048" cy="360040"/>
+          </a:xfrm>
+          <a:prstGeom prst="rightArrow">
+            <a:avLst/>
+          </a:prstGeom>
+          <a:ln/>
+        </p:spPr>
+        <p:style>
+          <a:lnRef idx="0">
+            <a:schemeClr val="dk1"/>
+          </a:lnRef>
+          <a:fillRef idx="3">
+            <a:schemeClr val="dk1"/>
+          </a:fillRef>
+          <a:effectRef idx="3">
+            <a:schemeClr val="dk1"/>
+          </a:effectRef>
+          <a:fontRef idx="minor">
+            <a:schemeClr val="lt1"/>
+          </a:fontRef>
+        </p:style>
+        <p:txBody>
+          <a:bodyPr rtlCol="0" anchor="ctr"/>
+          <a:lstStyle/>
+          <a:p>
+            <a:pPr algn="ctr"/>
+            <a:endParaRPr lang="fr-FR"/>
+          </a:p>
+        </p:txBody>
+      </p:sp>
+    </p:spTree>
+    <p:extLst>
+      <p:ext uri="{BB962C8B-B14F-4D97-AF65-F5344CB8AC3E}">
+        <p14:creationId xmlns:p14="http://schemas.microsoft.com/office/powerpoint/2010/main" val="1119663274"/>
+      </p:ext>
+    </p:extLst>
+  </p:cSld>
+  <p:clrMapOvr>
+    <a:masterClrMapping/>
+  </p:clrMapOvr>
+  <p:timing>
+    <p:tnLst>
+      <p:par>
+        <p:cTn id="1" dur="indefinite" restart="never" nodeType="tmRoot">
+          <p:childTnLst>
+            <p:seq concurrent="1" nextAc="seek">
+              <p:cTn id="2" dur="indefinite" nodeType="mainSeq">
+                <p:childTnLst>
+                  <p:par>
+                    <p:cTn id="3" fill="hold">
+                      <p:stCondLst>
+                        <p:cond delay="indefinite"/>
+                        <p:cond evt="onBegin" delay="0">
+                          <p:tn val="2"/>
+                        </p:cond>
+                      </p:stCondLst>
+                      <p:childTnLst>
+                        <p:par>
+                          <p:cTn id="4" fill="hold">
+                            <p:stCondLst>
+                              <p:cond delay="0"/>
+                            </p:stCondLst>
+                            <p:childTnLst>
+                              <p:par>
+                                <p:cTn id="5" presetID="1" presetClass="entr" presetSubtype="0" fill="hold" grpId="0" nodeType="afterEffect">
+                                  <p:stCondLst>
+                                    <p:cond delay="0"/>
+                                  </p:stCondLst>
+                                  <p:childTnLst>
+                                    <p:set>
+                                      <p:cBhvr>
+                                        <p:cTn id="6" dur="1" fill="hold">
+                                          <p:stCondLst>
+                                            <p:cond delay="0"/>
+                                          </p:stCondLst>
+                                        </p:cTn>
+                                        <p:tgtEl>
+                                          <p:spTgt spid="4"/>
+                                        </p:tgtEl>
+                                        <p:attrNameLst>
+                                          <p:attrName>style.visibility</p:attrName>
+                                        </p:attrNameLst>
+                                      </p:cBhvr>
+                                      <p:to>
+                                        <p:strVal val="visible"/>
+                                      </p:to>
+                                    </p:set>
+                                  </p:childTnLst>
+                                </p:cTn>
+                              </p:par>
+                            </p:childTnLst>
+                          </p:cTn>
+                        </p:par>
+                      </p:childTnLst>
+                    </p:cTn>
+                  </p:par>
+                </p:childTnLst>
+              </p:cTn>
+              <p:prevCondLst>
+                <p:cond evt="onPrev" delay="0">
+                  <p:tgtEl>
+                    <p:sldTgt/>
+                  </p:tgtEl>
+                </p:cond>
+              </p:prevCondLst>
+              <p:nextCondLst>
+                <p:cond evt="onNext" delay="0">
+                  <p:tgtEl>
+                    <p:sldTgt/>
+                  </p:tgtEl>
+                </p:cond>
+              </p:nextCondLst>
+            </p:seq>
+          </p:childTnLst>
+        </p:cTn>
+      </p:par>
+    </p:tnLst>
+    <p:bldLst>
+      <p:bldP spid="4" grpId="0" animBg="1"/>
+    </p:bldLst>
+  </p:timing>
+</p:sld>
+</file>
+
+<file path=ppt/slides/slide43.xml><?xml version="1.0" encoding="utf-8"?>
 <p:sld xmlns:a="http://schemas.openxmlformats.org/drawingml/2006/main" xmlns:r="http://schemas.openxmlformats.org/officeDocument/2006/relationships" xmlns:p="http://schemas.openxmlformats.org/presentationml/2006/main">
   <p:cSld>
     <p:spTree>
@@ -19329,7 +21816,7 @@
 </p:sld>
 </file>
 
-<file path=ppt/slides/slide42.xml><?xml version="1.0" encoding="utf-8"?>
+<file path=ppt/slides/slide44.xml><?xml version="1.0" encoding="utf-8"?>
 <p:sld xmlns:a="http://schemas.openxmlformats.org/drawingml/2006/main" xmlns:r="http://schemas.openxmlformats.org/officeDocument/2006/relationships" xmlns:p="http://schemas.openxmlformats.org/presentationml/2006/main">
   <p:cSld>
     <p:bg>
@@ -19734,7 +22221,7 @@
 </p:sld>
 </file>
 
-<file path=ppt/slides/slide43.xml><?xml version="1.0" encoding="utf-8"?>
+<file path=ppt/slides/slide45.xml><?xml version="1.0" encoding="utf-8"?>
 <p:sld xmlns:a="http://schemas.openxmlformats.org/drawingml/2006/main" xmlns:r="http://schemas.openxmlformats.org/officeDocument/2006/relationships" xmlns:p="http://schemas.openxmlformats.org/presentationml/2006/main">
   <p:cSld>
     <p:spTree>
@@ -20050,7 +22537,7 @@
 </p:sld>
 </file>
 
-<file path=ppt/slides/slide44.xml><?xml version="1.0" encoding="utf-8"?>
+<file path=ppt/slides/slide46.xml><?xml version="1.0" encoding="utf-8"?>
 <p:sld xmlns:a="http://schemas.openxmlformats.org/drawingml/2006/main" xmlns:r="http://schemas.openxmlformats.org/officeDocument/2006/relationships" xmlns:p="http://schemas.openxmlformats.org/presentationml/2006/main">
   <p:cSld>
     <p:spTree>
@@ -20092,6 +22579,31 @@
               <a:rPr lang="fr-FR" dirty="0"/>
               <a:t>Modèle final sélectionné</a:t>
             </a:r>
+          </a:p>
+        </p:txBody>
+      </p:sp>
+      <p:sp>
+        <p:nvSpPr>
+          <p:cNvPr id="3" name="Espace réservé du contenu 2">
+            <a:extLst>
+              <a:ext uri="{FF2B5EF4-FFF2-40B4-BE49-F238E27FC236}">
+                <a16:creationId xmlns:a16="http://schemas.microsoft.com/office/drawing/2014/main" id="{23A1B106-2144-4284-87F0-7822D63BF881}"/>
+              </a:ext>
+            </a:extLst>
+          </p:cNvPr>
+          <p:cNvSpPr>
+            <a:spLocks noGrp="1"/>
+          </p:cNvSpPr>
+          <p:nvPr>
+            <p:ph idx="1"/>
+          </p:nvPr>
+        </p:nvSpPr>
+        <p:spPr/>
+        <p:txBody>
+          <a:bodyPr/>
+          <a:lstStyle/>
+          <a:p>
+            <a:endParaRPr lang="fr-FR"/>
           </a:p>
         </p:txBody>
       </p:sp>
@@ -20375,7 +22887,7 @@
 </p:sld>
 </file>
 
-<file path=ppt/slides/slide45.xml><?xml version="1.0" encoding="utf-8"?>
+<file path=ppt/slides/slide47.xml><?xml version="1.0" encoding="utf-8"?>
 <p:sld xmlns:a="http://schemas.openxmlformats.org/drawingml/2006/main" xmlns:r="http://schemas.openxmlformats.org/officeDocument/2006/relationships" xmlns:p="http://schemas.openxmlformats.org/presentationml/2006/main">
   <p:cSld>
     <p:spTree>
@@ -20691,7 +23203,7 @@
 </p:sld>
 </file>
 
-<file path=ppt/slides/slide46.xml><?xml version="1.0" encoding="utf-8"?>
+<file path=ppt/slides/slide48.xml><?xml version="1.0" encoding="utf-8"?>
 <p:sld xmlns:a="http://schemas.openxmlformats.org/drawingml/2006/main" xmlns:r="http://schemas.openxmlformats.org/officeDocument/2006/relationships" xmlns:p="http://schemas.openxmlformats.org/presentationml/2006/main">
   <p:cSld>
     <p:spTree>
@@ -22182,7 +24694,10 @@
           <a:bodyPr/>
           <a:lstStyle/>
           <a:p>
-            <a:endParaRPr lang="fr-FR"/>
+            <a:r>
+              <a:rPr lang="fr-FR" dirty="0"/>
+              <a:t>LES DONNEES</a:t>
+            </a:r>
           </a:p>
         </p:txBody>
       </p:sp>
@@ -22208,36 +24723,36 @@
           </p:nvPr>
         </p:nvGraphicFramePr>
         <p:xfrm>
-          <a:off x="4064000" y="2170647"/>
-          <a:ext cx="4064000" cy="1714500"/>
+          <a:off x="2024063" y="1341438"/>
+          <a:ext cx="10025062" cy="1714500"/>
         </p:xfrm>
         <a:graphic>
           <a:graphicData uri="http://schemas.openxmlformats.org/drawingml/2006/table">
             <a:tbl>
               <a:tblPr/>
               <a:tblGrid>
-                <a:gridCol w="774095">
+                <a:gridCol w="1909535">
                   <a:extLst>
                     <a:ext uri="{9D8B030D-6E8A-4147-A177-3AD203B41FA5}">
                       <a16:colId xmlns:a16="http://schemas.microsoft.com/office/drawing/2014/main" val="3291747859"/>
                     </a:ext>
                   </a:extLst>
                 </a:gridCol>
-                <a:gridCol w="1053277">
+                <a:gridCol w="2598220">
                   <a:extLst>
                     <a:ext uri="{9D8B030D-6E8A-4147-A177-3AD203B41FA5}">
                       <a16:colId xmlns:a16="http://schemas.microsoft.com/office/drawing/2014/main" val="1585612109"/>
                     </a:ext>
                   </a:extLst>
                 </a:gridCol>
-                <a:gridCol w="1056450">
+                <a:gridCol w="2606048">
                   <a:extLst>
                     <a:ext uri="{9D8B030D-6E8A-4147-A177-3AD203B41FA5}">
                       <a16:colId xmlns:a16="http://schemas.microsoft.com/office/drawing/2014/main" val="3578425799"/>
                     </a:ext>
                   </a:extLst>
                 </a:gridCol>
-                <a:gridCol w="1180178">
+                <a:gridCol w="2911259">
                   <a:extLst>
                     <a:ext uri="{9D8B030D-6E8A-4147-A177-3AD203B41FA5}">
                       <a16:colId xmlns:a16="http://schemas.microsoft.com/office/drawing/2014/main" val="1811090281"/>
@@ -22264,7 +24779,7 @@
                       </a:r>
                     </a:p>
                   </a:txBody>
-                  <a:tcPr marL="9525" marR="9525" marT="9525" marB="0" anchor="b">
+                  <a:tcPr marL="23496" marR="23496" marT="9525" marB="0" anchor="b">
                     <a:lnL w="6350" cap="flat" cmpd="sng" algn="ctr">
                       <a:solidFill>
                         <a:srgbClr val="8EA9DB"/>
@@ -22318,7 +24833,7 @@
                       </a:r>
                     </a:p>
                   </a:txBody>
-                  <a:tcPr marL="9525" marR="9525" marT="9525" marB="0" anchor="b">
+                  <a:tcPr marL="23496" marR="23496" marT="9525" marB="0" anchor="b">
                     <a:lnL>
                       <a:noFill/>
                     </a:lnL>
@@ -22366,7 +24881,7 @@
                       </a:r>
                     </a:p>
                   </a:txBody>
-                  <a:tcPr marL="9525" marR="9525" marT="9525" marB="0" anchor="b">
+                  <a:tcPr marL="23496" marR="23496" marT="9525" marB="0" anchor="b">
                     <a:lnL>
                       <a:noFill/>
                     </a:lnL>
@@ -22414,7 +24929,7 @@
                       </a:r>
                     </a:p>
                   </a:txBody>
-                  <a:tcPr marL="9525" marR="9525" marT="9525" marB="0" anchor="b">
+                  <a:tcPr marL="23496" marR="23496" marT="9525" marB="0" anchor="b">
                     <a:lnL>
                       <a:noFill/>
                     </a:lnL>
@@ -22475,7 +24990,7 @@
                       </a:r>
                     </a:p>
                   </a:txBody>
-                  <a:tcPr marL="9525" marR="9525" marT="9525" marB="0" anchor="b">
+                  <a:tcPr marL="23496" marR="23496" marT="9525" marB="0" anchor="b">
                     <a:lnL w="6350" cap="flat" cmpd="sng" algn="ctr">
                       <a:solidFill>
                         <a:srgbClr val="8EA9DB"/>
@@ -22529,7 +25044,7 @@
                       </a:r>
                     </a:p>
                   </a:txBody>
-                  <a:tcPr marL="9525" marR="9525" marT="9525" marB="0" anchor="b">
+                  <a:tcPr marL="23496" marR="23496" marT="9525" marB="0" anchor="b">
                     <a:lnL>
                       <a:noFill/>
                     </a:lnL>
@@ -22577,7 +25092,7 @@
                       </a:r>
                     </a:p>
                   </a:txBody>
-                  <a:tcPr marL="9525" marR="9525" marT="9525" marB="0" anchor="b">
+                  <a:tcPr marL="23496" marR="23496" marT="9525" marB="0" anchor="b">
                     <a:lnL>
                       <a:noFill/>
                     </a:lnL>
@@ -22625,7 +25140,7 @@
                       </a:r>
                     </a:p>
                   </a:txBody>
-                  <a:tcPr marL="9525" marR="9525" marT="9525" marB="0" anchor="b">
+                  <a:tcPr marL="23496" marR="23496" marT="9525" marB="0" anchor="b">
                     <a:lnL>
                       <a:noFill/>
                     </a:lnL>
@@ -22686,7 +25201,7 @@
                       </a:r>
                     </a:p>
                   </a:txBody>
-                  <a:tcPr marL="9525" marR="9525" marT="9525" marB="0" anchor="b">
+                  <a:tcPr marL="23496" marR="23496" marT="9525" marB="0" anchor="b">
                     <a:lnL w="6350" cap="flat" cmpd="sng" algn="ctr">
                       <a:solidFill>
                         <a:srgbClr val="8EA9DB"/>
@@ -22737,7 +25252,7 @@
                       </a:r>
                     </a:p>
                   </a:txBody>
-                  <a:tcPr marL="9525" marR="9525" marT="9525" marB="0" anchor="b">
+                  <a:tcPr marL="23496" marR="23496" marT="9525" marB="0" anchor="b">
                     <a:lnL>
                       <a:noFill/>
                     </a:lnL>
@@ -22782,7 +25297,7 @@
                       </a:r>
                     </a:p>
                   </a:txBody>
-                  <a:tcPr marL="9525" marR="9525" marT="9525" marB="0" anchor="b">
+                  <a:tcPr marL="23496" marR="23496" marT="9525" marB="0" anchor="b">
                     <a:lnL>
                       <a:noFill/>
                     </a:lnL>
@@ -22827,7 +25342,7 @@
                       </a:r>
                     </a:p>
                   </a:txBody>
-                  <a:tcPr marL="9525" marR="9525" marT="9525" marB="0" anchor="b">
+                  <a:tcPr marL="23496" marR="23496" marT="9525" marB="0" anchor="b">
                     <a:lnL>
                       <a:noFill/>
                     </a:lnL>
@@ -22885,7 +25400,7 @@
                       </a:r>
                     </a:p>
                   </a:txBody>
-                  <a:tcPr marL="9525" marR="9525" marT="9525" marB="0" anchor="b">
+                  <a:tcPr marL="23496" marR="23496" marT="9525" marB="0" anchor="b">
                     <a:lnL w="6350" cap="flat" cmpd="sng" algn="ctr">
                       <a:solidFill>
                         <a:srgbClr val="8EA9DB"/>
@@ -22939,7 +25454,7 @@
                       </a:r>
                     </a:p>
                   </a:txBody>
-                  <a:tcPr marL="9525" marR="9525" marT="9525" marB="0" anchor="b">
+                  <a:tcPr marL="23496" marR="23496" marT="9525" marB="0" anchor="b">
                     <a:lnL>
                       <a:noFill/>
                     </a:lnL>
@@ -22987,7 +25502,7 @@
                       </a:r>
                     </a:p>
                   </a:txBody>
-                  <a:tcPr marL="9525" marR="9525" marT="9525" marB="0" anchor="b">
+                  <a:tcPr marL="23496" marR="23496" marT="9525" marB="0" anchor="b">
                     <a:lnL>
                       <a:noFill/>
                     </a:lnL>
@@ -23035,7 +25550,7 @@
                       </a:r>
                     </a:p>
                   </a:txBody>
-                  <a:tcPr marL="9525" marR="9525" marT="9525" marB="0" anchor="b">
+                  <a:tcPr marL="23496" marR="23496" marT="9525" marB="0" anchor="b">
                     <a:lnL>
                       <a:noFill/>
                     </a:lnL>
@@ -23096,7 +25611,7 @@
                       </a:r>
                     </a:p>
                   </a:txBody>
-                  <a:tcPr marL="9525" marR="9525" marT="9525" marB="0" anchor="b">
+                  <a:tcPr marL="23496" marR="23496" marT="9525" marB="0" anchor="b">
                     <a:lnL w="6350" cap="flat" cmpd="sng" algn="ctr">
                       <a:solidFill>
                         <a:srgbClr val="8EA9DB"/>
@@ -23147,7 +25662,7 @@
                       </a:r>
                     </a:p>
                   </a:txBody>
-                  <a:tcPr marL="9525" marR="9525" marT="9525" marB="0" anchor="b">
+                  <a:tcPr marL="23496" marR="23496" marT="9525" marB="0" anchor="b">
                     <a:lnL>
                       <a:noFill/>
                     </a:lnL>
@@ -23192,7 +25707,7 @@
                       </a:r>
                     </a:p>
                   </a:txBody>
-                  <a:tcPr marL="9525" marR="9525" marT="9525" marB="0" anchor="b">
+                  <a:tcPr marL="23496" marR="23496" marT="9525" marB="0" anchor="b">
                     <a:lnL>
                       <a:noFill/>
                     </a:lnL>
@@ -23237,7 +25752,7 @@
                       </a:r>
                     </a:p>
                   </a:txBody>
-                  <a:tcPr marL="9525" marR="9525" marT="9525" marB="0" anchor="b">
+                  <a:tcPr marL="23496" marR="23496" marT="9525" marB="0" anchor="b">
                     <a:lnL>
                       <a:noFill/>
                     </a:lnL>
@@ -23295,7 +25810,7 @@
                       </a:r>
                     </a:p>
                   </a:txBody>
-                  <a:tcPr marL="9525" marR="9525" marT="9525" marB="0" anchor="b">
+                  <a:tcPr marL="23496" marR="23496" marT="9525" marB="0" anchor="b">
                     <a:lnL w="6350" cap="flat" cmpd="sng" algn="ctr">
                       <a:solidFill>
                         <a:srgbClr val="8EA9DB"/>
@@ -23349,7 +25864,7 @@
                       </a:r>
                     </a:p>
                   </a:txBody>
-                  <a:tcPr marL="9525" marR="9525" marT="9525" marB="0" anchor="b">
+                  <a:tcPr marL="23496" marR="23496" marT="9525" marB="0" anchor="b">
                     <a:lnL>
                       <a:noFill/>
                     </a:lnL>
@@ -23397,7 +25912,7 @@
                       </a:r>
                     </a:p>
                   </a:txBody>
-                  <a:tcPr marL="9525" marR="9525" marT="9525" marB="0" anchor="b">
+                  <a:tcPr marL="23496" marR="23496" marT="9525" marB="0" anchor="b">
                     <a:lnL>
                       <a:noFill/>
                     </a:lnL>
@@ -23445,7 +25960,7 @@
                       </a:r>
                     </a:p>
                   </a:txBody>
-                  <a:tcPr marL="9525" marR="9525" marT="9525" marB="0" anchor="b">
+                  <a:tcPr marL="23496" marR="23496" marT="9525" marB="0" anchor="b">
                     <a:lnL>
                       <a:noFill/>
                     </a:lnL>
@@ -23506,7 +26021,7 @@
                       </a:r>
                     </a:p>
                   </a:txBody>
-                  <a:tcPr marL="9525" marR="9525" marT="9525" marB="0" anchor="b">
+                  <a:tcPr marL="23496" marR="23496" marT="9525" marB="0" anchor="b">
                     <a:lnL w="6350" cap="flat" cmpd="sng" algn="ctr">
                       <a:solidFill>
                         <a:srgbClr val="8EA9DB"/>
@@ -23557,7 +26072,7 @@
                       </a:r>
                     </a:p>
                   </a:txBody>
-                  <a:tcPr marL="9525" marR="9525" marT="9525" marB="0" anchor="b">
+                  <a:tcPr marL="23496" marR="23496" marT="9525" marB="0" anchor="b">
                     <a:lnL>
                       <a:noFill/>
                     </a:lnL>
@@ -23602,7 +26117,7 @@
                       </a:r>
                     </a:p>
                   </a:txBody>
-                  <a:tcPr marL="9525" marR="9525" marT="9525" marB="0" anchor="b">
+                  <a:tcPr marL="23496" marR="23496" marT="9525" marB="0" anchor="b">
                     <a:lnL>
                       <a:noFill/>
                     </a:lnL>
@@ -23647,7 +26162,7 @@
                       </a:r>
                     </a:p>
                   </a:txBody>
-                  <a:tcPr marL="9525" marR="9525" marT="9525" marB="0" anchor="b">
+                  <a:tcPr marL="23496" marR="23496" marT="9525" marB="0" anchor="b">
                     <a:lnL>
                       <a:noFill/>
                     </a:lnL>
@@ -23705,7 +26220,7 @@
                       </a:r>
                     </a:p>
                   </a:txBody>
-                  <a:tcPr marL="9525" marR="9525" marT="9525" marB="0" anchor="b">
+                  <a:tcPr marL="23496" marR="23496" marT="9525" marB="0" anchor="b">
                     <a:lnL w="6350" cap="flat" cmpd="sng" algn="ctr">
                       <a:solidFill>
                         <a:srgbClr val="8EA9DB"/>
@@ -23759,7 +26274,7 @@
                       </a:r>
                     </a:p>
                   </a:txBody>
-                  <a:tcPr marL="9525" marR="9525" marT="9525" marB="0" anchor="b">
+                  <a:tcPr marL="23496" marR="23496" marT="9525" marB="0" anchor="b">
                     <a:lnL>
                       <a:noFill/>
                     </a:lnL>
@@ -23807,7 +26322,7 @@
                       </a:r>
                     </a:p>
                   </a:txBody>
-                  <a:tcPr marL="9525" marR="9525" marT="9525" marB="0" anchor="b">
+                  <a:tcPr marL="23496" marR="23496" marT="9525" marB="0" anchor="b">
                     <a:lnL>
                       <a:noFill/>
                     </a:lnL>
@@ -23855,7 +26370,7 @@
                       </a:r>
                     </a:p>
                   </a:txBody>
-                  <a:tcPr marL="9525" marR="9525" marT="9525" marB="0" anchor="b">
+                  <a:tcPr marL="23496" marR="23496" marT="9525" marB="0" anchor="b">
                     <a:lnL>
                       <a:noFill/>
                     </a:lnL>
@@ -23916,7 +26431,7 @@
                       </a:r>
                     </a:p>
                   </a:txBody>
-                  <a:tcPr marL="9525" marR="9525" marT="9525" marB="0" anchor="b">
+                  <a:tcPr marL="23496" marR="23496" marT="9525" marB="0" anchor="b">
                     <a:lnL w="6350" cap="flat" cmpd="sng" algn="ctr">
                       <a:solidFill>
                         <a:srgbClr val="8EA9DB"/>
@@ -23967,7 +26482,7 @@
                       </a:r>
                     </a:p>
                   </a:txBody>
-                  <a:tcPr marL="9525" marR="9525" marT="9525" marB="0" anchor="b">
+                  <a:tcPr marL="23496" marR="23496" marT="9525" marB="0" anchor="b">
                     <a:lnL>
                       <a:noFill/>
                     </a:lnL>
@@ -24012,7 +26527,7 @@
                       </a:r>
                     </a:p>
                   </a:txBody>
-                  <a:tcPr marL="9525" marR="9525" marT="9525" marB="0" anchor="b">
+                  <a:tcPr marL="23496" marR="23496" marT="9525" marB="0" anchor="b">
                     <a:lnL>
                       <a:noFill/>
                     </a:lnL>
@@ -24057,7 +26572,7 @@
                       </a:r>
                     </a:p>
                   </a:txBody>
-                  <a:tcPr marL="9525" marR="9525" marT="9525" marB="0" anchor="b">
+                  <a:tcPr marL="23496" marR="23496" marT="9525" marB="0" anchor="b">
                     <a:lnL>
                       <a:noFill/>
                     </a:lnL>
@@ -26398,6 +28913,51 @@
           </a:graphicData>
         </a:graphic>
       </p:graphicFrame>
+      <p:sp>
+        <p:nvSpPr>
+          <p:cNvPr id="6" name="Flèche droite 4">
+            <a:extLst>
+              <a:ext uri="{FF2B5EF4-FFF2-40B4-BE49-F238E27FC236}">
+                <a16:creationId xmlns:a16="http://schemas.microsoft.com/office/drawing/2014/main" id="{126B5950-55C1-4E45-9DC1-F5E580AD8B05}"/>
+              </a:ext>
+            </a:extLst>
+          </p:cNvPr>
+          <p:cNvSpPr/>
+          <p:nvPr/>
+        </p:nvSpPr>
+        <p:spPr>
+          <a:xfrm>
+            <a:off x="11736625" y="6488757"/>
+            <a:ext cx="432048" cy="360040"/>
+          </a:xfrm>
+          <a:prstGeom prst="rightArrow">
+            <a:avLst/>
+          </a:prstGeom>
+          <a:ln/>
+        </p:spPr>
+        <p:style>
+          <a:lnRef idx="0">
+            <a:schemeClr val="dk1"/>
+          </a:lnRef>
+          <a:fillRef idx="3">
+            <a:schemeClr val="dk1"/>
+          </a:fillRef>
+          <a:effectRef idx="3">
+            <a:schemeClr val="dk1"/>
+          </a:effectRef>
+          <a:fontRef idx="minor">
+            <a:schemeClr val="lt1"/>
+          </a:fontRef>
+        </p:style>
+        <p:txBody>
+          <a:bodyPr rtlCol="0" anchor="ctr"/>
+          <a:lstStyle/>
+          <a:p>
+            <a:pPr algn="ctr"/>
+            <a:endParaRPr lang="fr-FR"/>
+          </a:p>
+        </p:txBody>
+      </p:sp>
     </p:spTree>
     <p:extLst>
       <p:ext uri="{BB962C8B-B14F-4D97-AF65-F5344CB8AC3E}">
@@ -26408,6 +28968,87 @@
   <p:clrMapOvr>
     <a:masterClrMapping/>
   </p:clrMapOvr>
+  <p:timing>
+    <p:tnLst>
+      <p:par>
+        <p:cTn id="1" dur="indefinite" restart="never" nodeType="tmRoot">
+          <p:childTnLst>
+            <p:seq concurrent="1" nextAc="seek">
+              <p:cTn id="2" dur="indefinite" nodeType="mainSeq">
+                <p:childTnLst>
+                  <p:par>
+                    <p:cTn id="3" fill="hold">
+                      <p:stCondLst>
+                        <p:cond delay="indefinite"/>
+                        <p:cond evt="onBegin" delay="0">
+                          <p:tn val="2"/>
+                        </p:cond>
+                      </p:stCondLst>
+                      <p:childTnLst>
+                        <p:par>
+                          <p:cTn id="4" fill="hold">
+                            <p:stCondLst>
+                              <p:cond delay="0"/>
+                            </p:stCondLst>
+                            <p:childTnLst>
+                              <p:par>
+                                <p:cTn id="5" presetID="1" presetClass="entr" presetSubtype="0" fill="hold" grpId="0" nodeType="afterEffect">
+                                  <p:stCondLst>
+                                    <p:cond delay="0"/>
+                                  </p:stCondLst>
+                                  <p:childTnLst>
+                                    <p:set>
+                                      <p:cBhvr>
+                                        <p:cTn id="6" dur="1" fill="hold">
+                                          <p:stCondLst>
+                                            <p:cond delay="0"/>
+                                          </p:stCondLst>
+                                        </p:cTn>
+                                        <p:tgtEl>
+                                          <p:spTgt spid="6"/>
+                                        </p:tgtEl>
+                                        <p:attrNameLst>
+                                          <p:attrName>style.visibility</p:attrName>
+                                        </p:attrNameLst>
+                                      </p:cBhvr>
+                                      <p:to>
+                                        <p:strVal val="visible"/>
+                                      </p:to>
+                                    </p:set>
+                                  </p:childTnLst>
+                                </p:cTn>
+                              </p:par>
+                            </p:childTnLst>
+                          </p:cTn>
+                        </p:par>
+                      </p:childTnLst>
+                    </p:cTn>
+                  </p:par>
+                </p:childTnLst>
+              </p:cTn>
+              <p:prevCondLst>
+                <p:cond evt="onPrev" delay="0">
+                  <p:tgtEl>
+                    <p:sldTgt/>
+                  </p:tgtEl>
+                </p:cond>
+              </p:prevCondLst>
+              <p:nextCondLst>
+                <p:cond evt="onNext" delay="0">
+                  <p:tgtEl>
+                    <p:sldTgt/>
+                  </p:tgtEl>
+                </p:cond>
+              </p:nextCondLst>
+            </p:seq>
+          </p:childTnLst>
+        </p:cTn>
+      </p:par>
+    </p:tnLst>
+    <p:bldLst>
+      <p:bldP spid="6" grpId="0" animBg="1"/>
+    </p:bldLst>
+  </p:timing>
 </p:sld>
 </file>
 
@@ -26433,7 +29074,7 @@
           <p:cNvPr id="2" name="Titre 1">
             <a:extLst>
               <a:ext uri="{FF2B5EF4-FFF2-40B4-BE49-F238E27FC236}">
-                <a16:creationId xmlns:a16="http://schemas.microsoft.com/office/drawing/2014/main" id="{90FC5CBC-FA53-489D-86EF-1D4B9840C6DD}"/>
+                <a16:creationId xmlns:a16="http://schemas.microsoft.com/office/drawing/2014/main" id="{5E03FFF1-6CC0-4BF2-A958-63073FC08DE6}"/>
               </a:ext>
             </a:extLst>
           </p:cNvPr>
@@ -26449,7 +29090,11 @@
           <a:bodyPr/>
           <a:lstStyle/>
           <a:p>
-            <a:endParaRPr lang="fr-FR"/>
+            <a:r>
+              <a:rPr lang="fr-FR"/>
+              <a:t>LES DONNEES</a:t>
+            </a:r>
+            <a:endParaRPr lang="fr-FR" dirty="0"/>
           </a:p>
         </p:txBody>
       </p:sp>
@@ -26458,7 +29103,7 @@
           <p:cNvPr id="3" name="Espace réservé du contenu 2">
             <a:extLst>
               <a:ext uri="{FF2B5EF4-FFF2-40B4-BE49-F238E27FC236}">
-                <a16:creationId xmlns:a16="http://schemas.microsoft.com/office/drawing/2014/main" id="{AC3C62CF-CE52-46F8-BF67-08833A2E4CE0}"/>
+                <a16:creationId xmlns:a16="http://schemas.microsoft.com/office/drawing/2014/main" id="{B9350718-7323-45F1-9111-62B37491FA6E}"/>
               </a:ext>
             </a:extLst>
           </p:cNvPr>
@@ -26469,32 +29114,1044 @@
             <p:ph idx="1"/>
           </p:nvPr>
         </p:nvSpPr>
-        <p:spPr/>
+        <p:spPr>
+          <a:xfrm>
+            <a:off x="2023539" y="2241709"/>
+            <a:ext cx="10025122" cy="4499659"/>
+          </a:xfrm>
+        </p:spPr>
         <p:txBody>
-          <a:bodyPr/>
+          <a:bodyPr numCol="3">
+            <a:normAutofit fontScale="85000" lnSpcReduction="10000"/>
+          </a:bodyPr>
           <a:lstStyle/>
           <a:p>
             <a:r>
-              <a:rPr lang="fr-FR" dirty="0">
-                <a:highlight>
-                  <a:srgbClr val="FFFF00"/>
-                </a:highlight>
+              <a:rPr lang="fr-FR" u="sng" dirty="0">
+                <a:solidFill>
+                  <a:srgbClr val="FF0000"/>
+                </a:solidFill>
               </a:rPr>
-              <a:t># Classification non-supervisée</a:t>
-            </a:r>
+              <a:t>Extraction de données</a:t>
+            </a:r>
+            <a:endParaRPr lang="fr-FR" dirty="0"/>
+          </a:p>
+          <a:p>
+            <a:r>
+              <a:rPr lang="fr-FR" dirty="0"/>
+              <a:t>Somme totale par facture</a:t>
+            </a:r>
+          </a:p>
+          <a:p>
+            <a:r>
+              <a:rPr lang="fr-FR" dirty="0"/>
+              <a:t>Nombre d'articles par facture</a:t>
+            </a:r>
+          </a:p>
+          <a:p>
+            <a:r>
+              <a:rPr lang="fr-FR" dirty="0"/>
+              <a:t>Nombre d'articles différents par facture</a:t>
+            </a:r>
+          </a:p>
+          <a:p>
+            <a:r>
+              <a:rPr lang="fr-FR" dirty="0"/>
+              <a:t>Nombre de factures par client</a:t>
+            </a:r>
+          </a:p>
+          <a:p>
+            <a:r>
+              <a:rPr lang="fr-FR" u="sng" dirty="0">
+                <a:solidFill>
+                  <a:srgbClr val="FF0000"/>
+                </a:solidFill>
+              </a:rPr>
+              <a:t>Calculs de moyennes</a:t>
+            </a:r>
+          </a:p>
+          <a:p>
+            <a:r>
+              <a:rPr lang="fr-FR" dirty="0"/>
+              <a:t>Moyenne d'articles par facture</a:t>
+            </a:r>
+          </a:p>
+          <a:p>
+            <a:r>
+              <a:rPr lang="fr-FR" dirty="0"/>
+              <a:t>Moyenne de la somme par facture</a:t>
+            </a:r>
+          </a:p>
+          <a:p>
+            <a:r>
+              <a:rPr lang="fr-FR" dirty="0"/>
+              <a:t>Moyenne d'articles différents (catégorie) par facture</a:t>
+            </a:r>
+          </a:p>
+          <a:p>
+            <a:r>
+              <a:rPr lang="fr-FR" dirty="0"/>
+              <a:t>Moyenne de la somme par catégorie</a:t>
+            </a:r>
+          </a:p>
+          <a:p>
+            <a:r>
+              <a:rPr lang="fr-FR" u="sng" dirty="0">
+                <a:solidFill>
+                  <a:srgbClr val="FF0000"/>
+                </a:solidFill>
+              </a:rPr>
+              <a:t>Intervalles temporels</a:t>
+            </a:r>
+          </a:p>
+          <a:p>
+            <a:r>
+              <a:rPr lang="fr-FR" dirty="0"/>
+              <a:t>Heure d’achat</a:t>
+            </a:r>
+          </a:p>
+          <a:p>
+            <a:r>
+              <a:rPr lang="fr-FR" dirty="0"/>
+              <a:t>Jour d’achat (semaine)</a:t>
+            </a:r>
+          </a:p>
+          <a:p>
+            <a:r>
+              <a:rPr lang="fr-FR" dirty="0"/>
+              <a:t>Mois d’achat</a:t>
+            </a:r>
+          </a:p>
+          <a:p>
+            <a:pPr lvl="1"/>
+            <a:endParaRPr lang="fr-FR" sz="2400" dirty="0"/>
+          </a:p>
+        </p:txBody>
+      </p:sp>
+      <p:sp>
+        <p:nvSpPr>
+          <p:cNvPr id="4" name="ZoneTexte 3">
+            <a:extLst>
+              <a:ext uri="{FF2B5EF4-FFF2-40B4-BE49-F238E27FC236}">
+                <a16:creationId xmlns:a16="http://schemas.microsoft.com/office/drawing/2014/main" id="{7019583A-10CE-4332-B088-30C309EAD3E2}"/>
+              </a:ext>
+            </a:extLst>
+          </p:cNvPr>
+          <p:cNvSpPr txBox="1"/>
+          <p:nvPr/>
+        </p:nvSpPr>
+        <p:spPr>
+          <a:xfrm>
+            <a:off x="2023539" y="1335172"/>
+            <a:ext cx="9919645" cy="830997"/>
+          </a:xfrm>
+          <a:prstGeom prst="rect">
+            <a:avLst/>
+          </a:prstGeom>
+          <a:noFill/>
+        </p:spPr>
+        <p:txBody>
+          <a:bodyPr wrap="square" rtlCol="0">
+            <a:spAutoFit/>
+          </a:bodyPr>
+          <a:lstStyle/>
+          <a:p>
+            <a:pPr marL="228600" indent="-228600">
+              <a:spcBef>
+                <a:spcPts val="600"/>
+              </a:spcBef>
+              <a:spcAft>
+                <a:spcPts val="600"/>
+              </a:spcAft>
+              <a:buClr>
+                <a:schemeClr val="accent2"/>
+              </a:buClr>
+              <a:buFont typeface="Arial" panose="020B0604020202020204" pitchFamily="34" charset="0"/>
+              <a:buChar char="•"/>
+            </a:pPr>
+            <a:r>
+              <a:rPr lang="fr-FR" sz="2400" dirty="0">
+                <a:solidFill>
+                  <a:schemeClr val="tx1">
+                    <a:lumMod val="85000"/>
+                    <a:lumOff val="15000"/>
+                  </a:schemeClr>
+                </a:solidFill>
+              </a:rPr>
+              <a:t>De ces données complètes, nous allons « créer » celles qui nous apporterons plus d’informations que celles-ci qui sont à l’état brut.</a:t>
+            </a:r>
+          </a:p>
+        </p:txBody>
+      </p:sp>
+      <p:sp>
+        <p:nvSpPr>
+          <p:cNvPr id="6" name="Flèche droite 4">
+            <a:extLst>
+              <a:ext uri="{FF2B5EF4-FFF2-40B4-BE49-F238E27FC236}">
+                <a16:creationId xmlns:a16="http://schemas.microsoft.com/office/drawing/2014/main" id="{9B784CF0-AB7C-45FE-A8B9-B4B3D025BE97}"/>
+              </a:ext>
+            </a:extLst>
+          </p:cNvPr>
+          <p:cNvSpPr/>
+          <p:nvPr/>
+        </p:nvSpPr>
+        <p:spPr>
+          <a:xfrm>
+            <a:off x="11736625" y="6488757"/>
+            <a:ext cx="432048" cy="360040"/>
+          </a:xfrm>
+          <a:prstGeom prst="rightArrow">
+            <a:avLst/>
+          </a:prstGeom>
+          <a:ln/>
+        </p:spPr>
+        <p:style>
+          <a:lnRef idx="0">
+            <a:schemeClr val="dk1"/>
+          </a:lnRef>
+          <a:fillRef idx="3">
+            <a:schemeClr val="dk1"/>
+          </a:fillRef>
+          <a:effectRef idx="3">
+            <a:schemeClr val="dk1"/>
+          </a:effectRef>
+          <a:fontRef idx="minor">
+            <a:schemeClr val="lt1"/>
+          </a:fontRef>
+        </p:style>
+        <p:txBody>
+          <a:bodyPr rtlCol="0" anchor="ctr"/>
+          <a:lstStyle/>
+          <a:p>
+            <a:pPr algn="ctr"/>
+            <a:endParaRPr lang="fr-FR"/>
           </a:p>
         </p:txBody>
       </p:sp>
     </p:spTree>
     <p:extLst>
       <p:ext uri="{BB962C8B-B14F-4D97-AF65-F5344CB8AC3E}">
-        <p14:creationId xmlns:p14="http://schemas.microsoft.com/office/powerpoint/2010/main" val="1015516164"/>
+        <p14:creationId xmlns:p14="http://schemas.microsoft.com/office/powerpoint/2010/main" val="450634909"/>
       </p:ext>
     </p:extLst>
   </p:cSld>
   <p:clrMapOvr>
     <a:masterClrMapping/>
   </p:clrMapOvr>
+  <mc:AlternateContent xmlns:mc="http://schemas.openxmlformats.org/markup-compatibility/2006" xmlns:p14="http://schemas.microsoft.com/office/powerpoint/2010/main">
+    <mc:Choice Requires="p14">
+      <p:transition spd="med" p14:dur="700">
+        <p:fade/>
+      </p:transition>
+    </mc:Choice>
+    <mc:Fallback xmlns="">
+      <p:transition spd="med">
+        <p:fade/>
+      </p:transition>
+    </mc:Fallback>
+  </mc:AlternateContent>
+  <p:timing>
+    <p:tnLst>
+      <p:par>
+        <p:cTn id="1" dur="indefinite" restart="never" nodeType="tmRoot">
+          <p:childTnLst>
+            <p:seq concurrent="1" nextAc="seek">
+              <p:cTn id="2" dur="indefinite" nodeType="mainSeq">
+                <p:childTnLst>
+                  <p:par>
+                    <p:cTn id="3" fill="hold">
+                      <p:stCondLst>
+                        <p:cond delay="indefinite"/>
+                      </p:stCondLst>
+                      <p:childTnLst>
+                        <p:par>
+                          <p:cTn id="4" fill="hold">
+                            <p:stCondLst>
+                              <p:cond delay="0"/>
+                            </p:stCondLst>
+                            <p:childTnLst>
+                              <p:par>
+                                <p:cTn id="5" presetID="1" presetClass="entr" presetSubtype="0" fill="hold" grpId="0" nodeType="clickEffect">
+                                  <p:stCondLst>
+                                    <p:cond delay="0"/>
+                                  </p:stCondLst>
+                                  <p:childTnLst>
+                                    <p:set>
+                                      <p:cBhvr>
+                                        <p:cTn id="6" dur="1" fill="hold">
+                                          <p:stCondLst>
+                                            <p:cond delay="0"/>
+                                          </p:stCondLst>
+                                        </p:cTn>
+                                        <p:tgtEl>
+                                          <p:spTgt spid="4"/>
+                                        </p:tgtEl>
+                                        <p:attrNameLst>
+                                          <p:attrName>style.visibility</p:attrName>
+                                        </p:attrNameLst>
+                                      </p:cBhvr>
+                                      <p:to>
+                                        <p:strVal val="visible"/>
+                                      </p:to>
+                                    </p:set>
+                                  </p:childTnLst>
+                                </p:cTn>
+                              </p:par>
+                            </p:childTnLst>
+                          </p:cTn>
+                        </p:par>
+                      </p:childTnLst>
+                    </p:cTn>
+                  </p:par>
+                  <p:par>
+                    <p:cTn id="7" fill="hold">
+                      <p:stCondLst>
+                        <p:cond delay="indefinite"/>
+                      </p:stCondLst>
+                      <p:childTnLst>
+                        <p:par>
+                          <p:cTn id="8" fill="hold">
+                            <p:stCondLst>
+                              <p:cond delay="0"/>
+                            </p:stCondLst>
+                            <p:childTnLst>
+                              <p:par>
+                                <p:cTn id="9" presetID="1" presetClass="entr" presetSubtype="0" fill="hold" grpId="0" nodeType="clickEffect">
+                                  <p:stCondLst>
+                                    <p:cond delay="0"/>
+                                  </p:stCondLst>
+                                  <p:childTnLst>
+                                    <p:set>
+                                      <p:cBhvr>
+                                        <p:cTn id="10" dur="1" fill="hold">
+                                          <p:stCondLst>
+                                            <p:cond delay="0"/>
+                                          </p:stCondLst>
+                                        </p:cTn>
+                                        <p:tgtEl>
+                                          <p:spTgt spid="3">
+                                            <p:txEl>
+                                              <p:pRg st="0" end="0"/>
+                                            </p:txEl>
+                                          </p:spTgt>
+                                        </p:tgtEl>
+                                        <p:attrNameLst>
+                                          <p:attrName>style.visibility</p:attrName>
+                                        </p:attrNameLst>
+                                      </p:cBhvr>
+                                      <p:to>
+                                        <p:strVal val="visible"/>
+                                      </p:to>
+                                    </p:set>
+                                  </p:childTnLst>
+                                </p:cTn>
+                              </p:par>
+                            </p:childTnLst>
+                          </p:cTn>
+                        </p:par>
+                      </p:childTnLst>
+                    </p:cTn>
+                  </p:par>
+                  <p:par>
+                    <p:cTn id="11" fill="hold">
+                      <p:stCondLst>
+                        <p:cond delay="indefinite"/>
+                      </p:stCondLst>
+                      <p:childTnLst>
+                        <p:par>
+                          <p:cTn id="12" fill="hold">
+                            <p:stCondLst>
+                              <p:cond delay="0"/>
+                            </p:stCondLst>
+                            <p:childTnLst>
+                              <p:par>
+                                <p:cTn id="13" presetID="1" presetClass="entr" presetSubtype="0" fill="hold" grpId="0" nodeType="clickEffect">
+                                  <p:stCondLst>
+                                    <p:cond delay="0"/>
+                                  </p:stCondLst>
+                                  <p:childTnLst>
+                                    <p:set>
+                                      <p:cBhvr>
+                                        <p:cTn id="14" dur="1" fill="hold">
+                                          <p:stCondLst>
+                                            <p:cond delay="0"/>
+                                          </p:stCondLst>
+                                        </p:cTn>
+                                        <p:tgtEl>
+                                          <p:spTgt spid="3">
+                                            <p:txEl>
+                                              <p:pRg st="1" end="1"/>
+                                            </p:txEl>
+                                          </p:spTgt>
+                                        </p:tgtEl>
+                                        <p:attrNameLst>
+                                          <p:attrName>style.visibility</p:attrName>
+                                        </p:attrNameLst>
+                                      </p:cBhvr>
+                                      <p:to>
+                                        <p:strVal val="visible"/>
+                                      </p:to>
+                                    </p:set>
+                                  </p:childTnLst>
+                                </p:cTn>
+                              </p:par>
+                            </p:childTnLst>
+                          </p:cTn>
+                        </p:par>
+                      </p:childTnLst>
+                    </p:cTn>
+                  </p:par>
+                  <p:par>
+                    <p:cTn id="15" fill="hold">
+                      <p:stCondLst>
+                        <p:cond delay="indefinite"/>
+                      </p:stCondLst>
+                      <p:childTnLst>
+                        <p:par>
+                          <p:cTn id="16" fill="hold">
+                            <p:stCondLst>
+                              <p:cond delay="0"/>
+                            </p:stCondLst>
+                            <p:childTnLst>
+                              <p:par>
+                                <p:cTn id="17" presetID="1" presetClass="entr" presetSubtype="0" fill="hold" grpId="0" nodeType="clickEffect">
+                                  <p:stCondLst>
+                                    <p:cond delay="0"/>
+                                  </p:stCondLst>
+                                  <p:childTnLst>
+                                    <p:set>
+                                      <p:cBhvr>
+                                        <p:cTn id="18" dur="1" fill="hold">
+                                          <p:stCondLst>
+                                            <p:cond delay="0"/>
+                                          </p:stCondLst>
+                                        </p:cTn>
+                                        <p:tgtEl>
+                                          <p:spTgt spid="3">
+                                            <p:txEl>
+                                              <p:pRg st="2" end="2"/>
+                                            </p:txEl>
+                                          </p:spTgt>
+                                        </p:tgtEl>
+                                        <p:attrNameLst>
+                                          <p:attrName>style.visibility</p:attrName>
+                                        </p:attrNameLst>
+                                      </p:cBhvr>
+                                      <p:to>
+                                        <p:strVal val="visible"/>
+                                      </p:to>
+                                    </p:set>
+                                  </p:childTnLst>
+                                </p:cTn>
+                              </p:par>
+                            </p:childTnLst>
+                          </p:cTn>
+                        </p:par>
+                      </p:childTnLst>
+                    </p:cTn>
+                  </p:par>
+                  <p:par>
+                    <p:cTn id="19" fill="hold">
+                      <p:stCondLst>
+                        <p:cond delay="indefinite"/>
+                      </p:stCondLst>
+                      <p:childTnLst>
+                        <p:par>
+                          <p:cTn id="20" fill="hold">
+                            <p:stCondLst>
+                              <p:cond delay="0"/>
+                            </p:stCondLst>
+                            <p:childTnLst>
+                              <p:par>
+                                <p:cTn id="21" presetID="1" presetClass="entr" presetSubtype="0" fill="hold" grpId="0" nodeType="clickEffect">
+                                  <p:stCondLst>
+                                    <p:cond delay="0"/>
+                                  </p:stCondLst>
+                                  <p:childTnLst>
+                                    <p:set>
+                                      <p:cBhvr>
+                                        <p:cTn id="22" dur="1" fill="hold">
+                                          <p:stCondLst>
+                                            <p:cond delay="0"/>
+                                          </p:stCondLst>
+                                        </p:cTn>
+                                        <p:tgtEl>
+                                          <p:spTgt spid="3">
+                                            <p:txEl>
+                                              <p:pRg st="3" end="3"/>
+                                            </p:txEl>
+                                          </p:spTgt>
+                                        </p:tgtEl>
+                                        <p:attrNameLst>
+                                          <p:attrName>style.visibility</p:attrName>
+                                        </p:attrNameLst>
+                                      </p:cBhvr>
+                                      <p:to>
+                                        <p:strVal val="visible"/>
+                                      </p:to>
+                                    </p:set>
+                                  </p:childTnLst>
+                                </p:cTn>
+                              </p:par>
+                            </p:childTnLst>
+                          </p:cTn>
+                        </p:par>
+                      </p:childTnLst>
+                    </p:cTn>
+                  </p:par>
+                  <p:par>
+                    <p:cTn id="23" fill="hold">
+                      <p:stCondLst>
+                        <p:cond delay="indefinite"/>
+                      </p:stCondLst>
+                      <p:childTnLst>
+                        <p:par>
+                          <p:cTn id="24" fill="hold">
+                            <p:stCondLst>
+                              <p:cond delay="0"/>
+                            </p:stCondLst>
+                            <p:childTnLst>
+                              <p:par>
+                                <p:cTn id="25" presetID="1" presetClass="entr" presetSubtype="0" fill="hold" grpId="0" nodeType="clickEffect">
+                                  <p:stCondLst>
+                                    <p:cond delay="0"/>
+                                  </p:stCondLst>
+                                  <p:childTnLst>
+                                    <p:set>
+                                      <p:cBhvr>
+                                        <p:cTn id="26" dur="1" fill="hold">
+                                          <p:stCondLst>
+                                            <p:cond delay="0"/>
+                                          </p:stCondLst>
+                                        </p:cTn>
+                                        <p:tgtEl>
+                                          <p:spTgt spid="3">
+                                            <p:txEl>
+                                              <p:pRg st="4" end="4"/>
+                                            </p:txEl>
+                                          </p:spTgt>
+                                        </p:tgtEl>
+                                        <p:attrNameLst>
+                                          <p:attrName>style.visibility</p:attrName>
+                                        </p:attrNameLst>
+                                      </p:cBhvr>
+                                      <p:to>
+                                        <p:strVal val="visible"/>
+                                      </p:to>
+                                    </p:set>
+                                  </p:childTnLst>
+                                </p:cTn>
+                              </p:par>
+                            </p:childTnLst>
+                          </p:cTn>
+                        </p:par>
+                      </p:childTnLst>
+                    </p:cTn>
+                  </p:par>
+                  <p:par>
+                    <p:cTn id="27" fill="hold">
+                      <p:stCondLst>
+                        <p:cond delay="indefinite"/>
+                      </p:stCondLst>
+                      <p:childTnLst>
+                        <p:par>
+                          <p:cTn id="28" fill="hold">
+                            <p:stCondLst>
+                              <p:cond delay="0"/>
+                            </p:stCondLst>
+                            <p:childTnLst>
+                              <p:par>
+                                <p:cTn id="29" presetID="1" presetClass="entr" presetSubtype="0" fill="hold" grpId="0" nodeType="clickEffect">
+                                  <p:stCondLst>
+                                    <p:cond delay="0"/>
+                                  </p:stCondLst>
+                                  <p:childTnLst>
+                                    <p:set>
+                                      <p:cBhvr>
+                                        <p:cTn id="30" dur="1" fill="hold">
+                                          <p:stCondLst>
+                                            <p:cond delay="0"/>
+                                          </p:stCondLst>
+                                        </p:cTn>
+                                        <p:tgtEl>
+                                          <p:spTgt spid="3">
+                                            <p:txEl>
+                                              <p:pRg st="5" end="5"/>
+                                            </p:txEl>
+                                          </p:spTgt>
+                                        </p:tgtEl>
+                                        <p:attrNameLst>
+                                          <p:attrName>style.visibility</p:attrName>
+                                        </p:attrNameLst>
+                                      </p:cBhvr>
+                                      <p:to>
+                                        <p:strVal val="visible"/>
+                                      </p:to>
+                                    </p:set>
+                                  </p:childTnLst>
+                                </p:cTn>
+                              </p:par>
+                            </p:childTnLst>
+                          </p:cTn>
+                        </p:par>
+                      </p:childTnLst>
+                    </p:cTn>
+                  </p:par>
+                  <p:par>
+                    <p:cTn id="31" fill="hold">
+                      <p:stCondLst>
+                        <p:cond delay="indefinite"/>
+                      </p:stCondLst>
+                      <p:childTnLst>
+                        <p:par>
+                          <p:cTn id="32" fill="hold">
+                            <p:stCondLst>
+                              <p:cond delay="0"/>
+                            </p:stCondLst>
+                            <p:childTnLst>
+                              <p:par>
+                                <p:cTn id="33" presetID="1" presetClass="entr" presetSubtype="0" fill="hold" grpId="0" nodeType="clickEffect">
+                                  <p:stCondLst>
+                                    <p:cond delay="0"/>
+                                  </p:stCondLst>
+                                  <p:childTnLst>
+                                    <p:set>
+                                      <p:cBhvr>
+                                        <p:cTn id="34" dur="1" fill="hold">
+                                          <p:stCondLst>
+                                            <p:cond delay="0"/>
+                                          </p:stCondLst>
+                                        </p:cTn>
+                                        <p:tgtEl>
+                                          <p:spTgt spid="3">
+                                            <p:txEl>
+                                              <p:pRg st="6" end="6"/>
+                                            </p:txEl>
+                                          </p:spTgt>
+                                        </p:tgtEl>
+                                        <p:attrNameLst>
+                                          <p:attrName>style.visibility</p:attrName>
+                                        </p:attrNameLst>
+                                      </p:cBhvr>
+                                      <p:to>
+                                        <p:strVal val="visible"/>
+                                      </p:to>
+                                    </p:set>
+                                  </p:childTnLst>
+                                </p:cTn>
+                              </p:par>
+                            </p:childTnLst>
+                          </p:cTn>
+                        </p:par>
+                      </p:childTnLst>
+                    </p:cTn>
+                  </p:par>
+                  <p:par>
+                    <p:cTn id="35" fill="hold">
+                      <p:stCondLst>
+                        <p:cond delay="indefinite"/>
+                      </p:stCondLst>
+                      <p:childTnLst>
+                        <p:par>
+                          <p:cTn id="36" fill="hold">
+                            <p:stCondLst>
+                              <p:cond delay="0"/>
+                            </p:stCondLst>
+                            <p:childTnLst>
+                              <p:par>
+                                <p:cTn id="37" presetID="1" presetClass="entr" presetSubtype="0" fill="hold" grpId="0" nodeType="clickEffect">
+                                  <p:stCondLst>
+                                    <p:cond delay="0"/>
+                                  </p:stCondLst>
+                                  <p:childTnLst>
+                                    <p:set>
+                                      <p:cBhvr>
+                                        <p:cTn id="38" dur="1" fill="hold">
+                                          <p:stCondLst>
+                                            <p:cond delay="0"/>
+                                          </p:stCondLst>
+                                        </p:cTn>
+                                        <p:tgtEl>
+                                          <p:spTgt spid="3">
+                                            <p:txEl>
+                                              <p:pRg st="7" end="7"/>
+                                            </p:txEl>
+                                          </p:spTgt>
+                                        </p:tgtEl>
+                                        <p:attrNameLst>
+                                          <p:attrName>style.visibility</p:attrName>
+                                        </p:attrNameLst>
+                                      </p:cBhvr>
+                                      <p:to>
+                                        <p:strVal val="visible"/>
+                                      </p:to>
+                                    </p:set>
+                                  </p:childTnLst>
+                                </p:cTn>
+                              </p:par>
+                            </p:childTnLst>
+                          </p:cTn>
+                        </p:par>
+                      </p:childTnLst>
+                    </p:cTn>
+                  </p:par>
+                  <p:par>
+                    <p:cTn id="39" fill="hold">
+                      <p:stCondLst>
+                        <p:cond delay="indefinite"/>
+                      </p:stCondLst>
+                      <p:childTnLst>
+                        <p:par>
+                          <p:cTn id="40" fill="hold">
+                            <p:stCondLst>
+                              <p:cond delay="0"/>
+                            </p:stCondLst>
+                            <p:childTnLst>
+                              <p:par>
+                                <p:cTn id="41" presetID="1" presetClass="entr" presetSubtype="0" fill="hold" grpId="0" nodeType="clickEffect">
+                                  <p:stCondLst>
+                                    <p:cond delay="0"/>
+                                  </p:stCondLst>
+                                  <p:childTnLst>
+                                    <p:set>
+                                      <p:cBhvr>
+                                        <p:cTn id="42" dur="1" fill="hold">
+                                          <p:stCondLst>
+                                            <p:cond delay="0"/>
+                                          </p:stCondLst>
+                                        </p:cTn>
+                                        <p:tgtEl>
+                                          <p:spTgt spid="3">
+                                            <p:txEl>
+                                              <p:pRg st="8" end="8"/>
+                                            </p:txEl>
+                                          </p:spTgt>
+                                        </p:tgtEl>
+                                        <p:attrNameLst>
+                                          <p:attrName>style.visibility</p:attrName>
+                                        </p:attrNameLst>
+                                      </p:cBhvr>
+                                      <p:to>
+                                        <p:strVal val="visible"/>
+                                      </p:to>
+                                    </p:set>
+                                  </p:childTnLst>
+                                </p:cTn>
+                              </p:par>
+                            </p:childTnLst>
+                          </p:cTn>
+                        </p:par>
+                      </p:childTnLst>
+                    </p:cTn>
+                  </p:par>
+                  <p:par>
+                    <p:cTn id="43" fill="hold">
+                      <p:stCondLst>
+                        <p:cond delay="indefinite"/>
+                      </p:stCondLst>
+                      <p:childTnLst>
+                        <p:par>
+                          <p:cTn id="44" fill="hold">
+                            <p:stCondLst>
+                              <p:cond delay="0"/>
+                            </p:stCondLst>
+                            <p:childTnLst>
+                              <p:par>
+                                <p:cTn id="45" presetID="1" presetClass="entr" presetSubtype="0" fill="hold" grpId="0" nodeType="clickEffect">
+                                  <p:stCondLst>
+                                    <p:cond delay="0"/>
+                                  </p:stCondLst>
+                                  <p:childTnLst>
+                                    <p:set>
+                                      <p:cBhvr>
+                                        <p:cTn id="46" dur="1" fill="hold">
+                                          <p:stCondLst>
+                                            <p:cond delay="0"/>
+                                          </p:stCondLst>
+                                        </p:cTn>
+                                        <p:tgtEl>
+                                          <p:spTgt spid="3">
+                                            <p:txEl>
+                                              <p:pRg st="9" end="9"/>
+                                            </p:txEl>
+                                          </p:spTgt>
+                                        </p:tgtEl>
+                                        <p:attrNameLst>
+                                          <p:attrName>style.visibility</p:attrName>
+                                        </p:attrNameLst>
+                                      </p:cBhvr>
+                                      <p:to>
+                                        <p:strVal val="visible"/>
+                                      </p:to>
+                                    </p:set>
+                                  </p:childTnLst>
+                                </p:cTn>
+                              </p:par>
+                            </p:childTnLst>
+                          </p:cTn>
+                        </p:par>
+                      </p:childTnLst>
+                    </p:cTn>
+                  </p:par>
+                  <p:par>
+                    <p:cTn id="47" fill="hold">
+                      <p:stCondLst>
+                        <p:cond delay="indefinite"/>
+                      </p:stCondLst>
+                      <p:childTnLst>
+                        <p:par>
+                          <p:cTn id="48" fill="hold">
+                            <p:stCondLst>
+                              <p:cond delay="0"/>
+                            </p:stCondLst>
+                            <p:childTnLst>
+                              <p:par>
+                                <p:cTn id="49" presetID="1" presetClass="entr" presetSubtype="0" fill="hold" grpId="0" nodeType="clickEffect">
+                                  <p:stCondLst>
+                                    <p:cond delay="0"/>
+                                  </p:stCondLst>
+                                  <p:childTnLst>
+                                    <p:set>
+                                      <p:cBhvr>
+                                        <p:cTn id="50" dur="1" fill="hold">
+                                          <p:stCondLst>
+                                            <p:cond delay="0"/>
+                                          </p:stCondLst>
+                                        </p:cTn>
+                                        <p:tgtEl>
+                                          <p:spTgt spid="3">
+                                            <p:txEl>
+                                              <p:pRg st="10" end="10"/>
+                                            </p:txEl>
+                                          </p:spTgt>
+                                        </p:tgtEl>
+                                        <p:attrNameLst>
+                                          <p:attrName>style.visibility</p:attrName>
+                                        </p:attrNameLst>
+                                      </p:cBhvr>
+                                      <p:to>
+                                        <p:strVal val="visible"/>
+                                      </p:to>
+                                    </p:set>
+                                  </p:childTnLst>
+                                </p:cTn>
+                              </p:par>
+                            </p:childTnLst>
+                          </p:cTn>
+                        </p:par>
+                      </p:childTnLst>
+                    </p:cTn>
+                  </p:par>
+                  <p:par>
+                    <p:cTn id="51" fill="hold">
+                      <p:stCondLst>
+                        <p:cond delay="indefinite"/>
+                      </p:stCondLst>
+                      <p:childTnLst>
+                        <p:par>
+                          <p:cTn id="52" fill="hold">
+                            <p:stCondLst>
+                              <p:cond delay="0"/>
+                            </p:stCondLst>
+                            <p:childTnLst>
+                              <p:par>
+                                <p:cTn id="53" presetID="1" presetClass="entr" presetSubtype="0" fill="hold" grpId="0" nodeType="clickEffect">
+                                  <p:stCondLst>
+                                    <p:cond delay="0"/>
+                                  </p:stCondLst>
+                                  <p:childTnLst>
+                                    <p:set>
+                                      <p:cBhvr>
+                                        <p:cTn id="54" dur="1" fill="hold">
+                                          <p:stCondLst>
+                                            <p:cond delay="0"/>
+                                          </p:stCondLst>
+                                        </p:cTn>
+                                        <p:tgtEl>
+                                          <p:spTgt spid="3">
+                                            <p:txEl>
+                                              <p:pRg st="11" end="11"/>
+                                            </p:txEl>
+                                          </p:spTgt>
+                                        </p:tgtEl>
+                                        <p:attrNameLst>
+                                          <p:attrName>style.visibility</p:attrName>
+                                        </p:attrNameLst>
+                                      </p:cBhvr>
+                                      <p:to>
+                                        <p:strVal val="visible"/>
+                                      </p:to>
+                                    </p:set>
+                                  </p:childTnLst>
+                                </p:cTn>
+                              </p:par>
+                            </p:childTnLst>
+                          </p:cTn>
+                        </p:par>
+                      </p:childTnLst>
+                    </p:cTn>
+                  </p:par>
+                  <p:par>
+                    <p:cTn id="55" fill="hold">
+                      <p:stCondLst>
+                        <p:cond delay="indefinite"/>
+                      </p:stCondLst>
+                      <p:childTnLst>
+                        <p:par>
+                          <p:cTn id="56" fill="hold">
+                            <p:stCondLst>
+                              <p:cond delay="0"/>
+                            </p:stCondLst>
+                            <p:childTnLst>
+                              <p:par>
+                                <p:cTn id="57" presetID="1" presetClass="entr" presetSubtype="0" fill="hold" grpId="0" nodeType="clickEffect">
+                                  <p:stCondLst>
+                                    <p:cond delay="0"/>
+                                  </p:stCondLst>
+                                  <p:childTnLst>
+                                    <p:set>
+                                      <p:cBhvr>
+                                        <p:cTn id="58" dur="1" fill="hold">
+                                          <p:stCondLst>
+                                            <p:cond delay="0"/>
+                                          </p:stCondLst>
+                                        </p:cTn>
+                                        <p:tgtEl>
+                                          <p:spTgt spid="3">
+                                            <p:txEl>
+                                              <p:pRg st="12" end="12"/>
+                                            </p:txEl>
+                                          </p:spTgt>
+                                        </p:tgtEl>
+                                        <p:attrNameLst>
+                                          <p:attrName>style.visibility</p:attrName>
+                                        </p:attrNameLst>
+                                      </p:cBhvr>
+                                      <p:to>
+                                        <p:strVal val="visible"/>
+                                      </p:to>
+                                    </p:set>
+                                  </p:childTnLst>
+                                </p:cTn>
+                              </p:par>
+                            </p:childTnLst>
+                          </p:cTn>
+                        </p:par>
+                      </p:childTnLst>
+                    </p:cTn>
+                  </p:par>
+                  <p:par>
+                    <p:cTn id="59" fill="hold">
+                      <p:stCondLst>
+                        <p:cond delay="indefinite"/>
+                      </p:stCondLst>
+                      <p:childTnLst>
+                        <p:par>
+                          <p:cTn id="60" fill="hold">
+                            <p:stCondLst>
+                              <p:cond delay="0"/>
+                            </p:stCondLst>
+                            <p:childTnLst>
+                              <p:par>
+                                <p:cTn id="61" presetID="1" presetClass="entr" presetSubtype="0" fill="hold" grpId="0" nodeType="clickEffect">
+                                  <p:stCondLst>
+                                    <p:cond delay="0"/>
+                                  </p:stCondLst>
+                                  <p:childTnLst>
+                                    <p:set>
+                                      <p:cBhvr>
+                                        <p:cTn id="62" dur="1" fill="hold">
+                                          <p:stCondLst>
+                                            <p:cond delay="0"/>
+                                          </p:stCondLst>
+                                        </p:cTn>
+                                        <p:tgtEl>
+                                          <p:spTgt spid="3">
+                                            <p:txEl>
+                                              <p:pRg st="13" end="13"/>
+                                            </p:txEl>
+                                          </p:spTgt>
+                                        </p:tgtEl>
+                                        <p:attrNameLst>
+                                          <p:attrName>style.visibility</p:attrName>
+                                        </p:attrNameLst>
+                                      </p:cBhvr>
+                                      <p:to>
+                                        <p:strVal val="visible"/>
+                                      </p:to>
+                                    </p:set>
+                                  </p:childTnLst>
+                                </p:cTn>
+                              </p:par>
+                            </p:childTnLst>
+                          </p:cTn>
+                        </p:par>
+                        <p:par>
+                          <p:cTn id="63" fill="hold">
+                            <p:stCondLst>
+                              <p:cond delay="0"/>
+                            </p:stCondLst>
+                            <p:childTnLst>
+                              <p:par>
+                                <p:cTn id="64" presetID="1" presetClass="entr" presetSubtype="0" fill="hold" grpId="0" nodeType="afterEffect">
+                                  <p:stCondLst>
+                                    <p:cond delay="0"/>
+                                  </p:stCondLst>
+                                  <p:childTnLst>
+                                    <p:set>
+                                      <p:cBhvr>
+                                        <p:cTn id="65" dur="1" fill="hold">
+                                          <p:stCondLst>
+                                            <p:cond delay="0"/>
+                                          </p:stCondLst>
+                                        </p:cTn>
+                                        <p:tgtEl>
+                                          <p:spTgt spid="6"/>
+                                        </p:tgtEl>
+                                        <p:attrNameLst>
+                                          <p:attrName>style.visibility</p:attrName>
+                                        </p:attrNameLst>
+                                      </p:cBhvr>
+                                      <p:to>
+                                        <p:strVal val="visible"/>
+                                      </p:to>
+                                    </p:set>
+                                  </p:childTnLst>
+                                </p:cTn>
+                              </p:par>
+                            </p:childTnLst>
+                          </p:cTn>
+                        </p:par>
+                      </p:childTnLst>
+                    </p:cTn>
+                  </p:par>
+                </p:childTnLst>
+              </p:cTn>
+              <p:prevCondLst>
+                <p:cond evt="onPrev" delay="0">
+                  <p:tgtEl>
+                    <p:sldTgt/>
+                  </p:tgtEl>
+                </p:cond>
+              </p:prevCondLst>
+              <p:nextCondLst>
+                <p:cond evt="onNext" delay="0">
+                  <p:tgtEl>
+                    <p:sldTgt/>
+                  </p:tgtEl>
+                </p:cond>
+              </p:nextCondLst>
+            </p:seq>
+          </p:childTnLst>
+        </p:cTn>
+      </p:par>
+    </p:tnLst>
+    <p:bldLst>
+      <p:bldP spid="3" grpId="0" uiExpand="1" build="p"/>
+      <p:bldP spid="4" grpId="0"/>
+      <p:bldP spid="6" grpId="0" animBg="1"/>
+    </p:bldLst>
+  </p:timing>
 </p:sld>
 </file>
 

--- a/Projet_5/p5.pptx
+++ b/Projet_5/p5.pptx
@@ -33,7 +33,7 @@
     <p:sldId id="342" r:id="rId24"/>
     <p:sldId id="305" r:id="rId25"/>
     <p:sldId id="343" r:id="rId26"/>
-    <p:sldId id="344" r:id="rId27"/>
+    <p:sldId id="365" r:id="rId27"/>
     <p:sldId id="308" r:id="rId28"/>
     <p:sldId id="336" r:id="rId29"/>
     <p:sldId id="353" r:id="rId30"/>
@@ -3519,6 +3519,429 @@
 </p:notesMaster>
 </file>
 
+<file path=ppt/notesSlides/notesSlide1.xml><?xml version="1.0" encoding="utf-8"?>
+<p:notes xmlns:a="http://schemas.openxmlformats.org/drawingml/2006/main" xmlns:r="http://schemas.openxmlformats.org/officeDocument/2006/relationships" xmlns:p="http://schemas.openxmlformats.org/presentationml/2006/main">
+  <p:cSld>
+    <p:spTree>
+      <p:nvGrpSpPr>
+        <p:cNvPr id="1" name=""/>
+        <p:cNvGrpSpPr/>
+        <p:nvPr/>
+      </p:nvGrpSpPr>
+      <p:grpSpPr>
+        <a:xfrm>
+          <a:off x="0" y="0"/>
+          <a:ext cx="0" cy="0"/>
+          <a:chOff x="0" y="0"/>
+          <a:chExt cx="0" cy="0"/>
+        </a:xfrm>
+      </p:grpSpPr>
+      <p:sp>
+        <p:nvSpPr>
+          <p:cNvPr id="2" name="Espace réservé de l'image des diapositives 1"/>
+          <p:cNvSpPr>
+            <a:spLocks noGrp="1" noRot="1" noChangeAspect="1"/>
+          </p:cNvSpPr>
+          <p:nvPr>
+            <p:ph type="sldImg"/>
+          </p:nvPr>
+        </p:nvSpPr>
+        <p:spPr/>
+      </p:sp>
+      <p:sp>
+        <p:nvSpPr>
+          <p:cNvPr id="3" name="Espace réservé des notes 2"/>
+          <p:cNvSpPr>
+            <a:spLocks noGrp="1"/>
+          </p:cNvSpPr>
+          <p:nvPr>
+            <p:ph type="body" idx="1"/>
+          </p:nvPr>
+        </p:nvSpPr>
+        <p:spPr/>
+        <p:txBody>
+          <a:bodyPr/>
+          <a:lstStyle/>
+          <a:p>
+            <a:endParaRPr lang="fr-FR" dirty="0"/>
+          </a:p>
+        </p:txBody>
+      </p:sp>
+      <p:sp>
+        <p:nvSpPr>
+          <p:cNvPr id="4" name="Espace réservé du numéro de diapositive 3"/>
+          <p:cNvSpPr>
+            <a:spLocks noGrp="1"/>
+          </p:cNvSpPr>
+          <p:nvPr>
+            <p:ph type="sldNum" sz="quarter" idx="10"/>
+          </p:nvPr>
+        </p:nvSpPr>
+        <p:spPr/>
+        <p:txBody>
+          <a:bodyPr/>
+          <a:lstStyle/>
+          <a:p>
+            <a:fld id="{83B03462-FDCF-49B6-BCAF-5DA004C02C51}" type="slidenum">
+              <a:rPr lang="fr-FR" smtClean="0"/>
+              <a:t>17</a:t>
+            </a:fld>
+            <a:endParaRPr lang="fr-FR"/>
+          </a:p>
+        </p:txBody>
+      </p:sp>
+    </p:spTree>
+    <p:extLst>
+      <p:ext uri="{BB962C8B-B14F-4D97-AF65-F5344CB8AC3E}">
+        <p14:creationId xmlns:p14="http://schemas.microsoft.com/office/powerpoint/2010/main" val="3680088008"/>
+      </p:ext>
+    </p:extLst>
+  </p:cSld>
+  <p:clrMapOvr>
+    <a:masterClrMapping/>
+  </p:clrMapOvr>
+</p:notes>
+</file>
+
+<file path=ppt/notesSlides/notesSlide2.xml><?xml version="1.0" encoding="utf-8"?>
+<p:notes xmlns:a="http://schemas.openxmlformats.org/drawingml/2006/main" xmlns:r="http://schemas.openxmlformats.org/officeDocument/2006/relationships" xmlns:p="http://schemas.openxmlformats.org/presentationml/2006/main">
+  <p:cSld>
+    <p:spTree>
+      <p:nvGrpSpPr>
+        <p:cNvPr id="1" name=""/>
+        <p:cNvGrpSpPr/>
+        <p:nvPr/>
+      </p:nvGrpSpPr>
+      <p:grpSpPr>
+        <a:xfrm>
+          <a:off x="0" y="0"/>
+          <a:ext cx="0" cy="0"/>
+          <a:chOff x="0" y="0"/>
+          <a:chExt cx="0" cy="0"/>
+        </a:xfrm>
+      </p:grpSpPr>
+      <p:sp>
+        <p:nvSpPr>
+          <p:cNvPr id="2" name="Espace réservé de l'image des diapositives 1"/>
+          <p:cNvSpPr>
+            <a:spLocks noGrp="1" noRot="1" noChangeAspect="1"/>
+          </p:cNvSpPr>
+          <p:nvPr>
+            <p:ph type="sldImg"/>
+          </p:nvPr>
+        </p:nvSpPr>
+        <p:spPr/>
+      </p:sp>
+      <p:sp>
+        <p:nvSpPr>
+          <p:cNvPr id="3" name="Espace réservé des notes 2"/>
+          <p:cNvSpPr>
+            <a:spLocks noGrp="1"/>
+          </p:cNvSpPr>
+          <p:nvPr>
+            <p:ph type="body" idx="1"/>
+          </p:nvPr>
+        </p:nvSpPr>
+        <p:spPr/>
+        <p:txBody>
+          <a:bodyPr/>
+          <a:lstStyle/>
+          <a:p>
+            <a:endParaRPr lang="fr-FR" dirty="0"/>
+          </a:p>
+        </p:txBody>
+      </p:sp>
+      <p:sp>
+        <p:nvSpPr>
+          <p:cNvPr id="4" name="Espace réservé du numéro de diapositive 3"/>
+          <p:cNvSpPr>
+            <a:spLocks noGrp="1"/>
+          </p:cNvSpPr>
+          <p:nvPr>
+            <p:ph type="sldNum" sz="quarter" idx="10"/>
+          </p:nvPr>
+        </p:nvSpPr>
+        <p:spPr/>
+        <p:txBody>
+          <a:bodyPr/>
+          <a:lstStyle/>
+          <a:p>
+            <a:fld id="{83B03462-FDCF-49B6-BCAF-5DA004C02C51}" type="slidenum">
+              <a:rPr lang="fr-FR" smtClean="0"/>
+              <a:t>19</a:t>
+            </a:fld>
+            <a:endParaRPr lang="fr-FR"/>
+          </a:p>
+        </p:txBody>
+      </p:sp>
+    </p:spTree>
+    <p:extLst>
+      <p:ext uri="{BB962C8B-B14F-4D97-AF65-F5344CB8AC3E}">
+        <p14:creationId xmlns:p14="http://schemas.microsoft.com/office/powerpoint/2010/main" val="2772903949"/>
+      </p:ext>
+    </p:extLst>
+  </p:cSld>
+  <p:clrMapOvr>
+    <a:masterClrMapping/>
+  </p:clrMapOvr>
+</p:notes>
+</file>
+
+<file path=ppt/notesSlides/notesSlide3.xml><?xml version="1.0" encoding="utf-8"?>
+<p:notes xmlns:a="http://schemas.openxmlformats.org/drawingml/2006/main" xmlns:r="http://schemas.openxmlformats.org/officeDocument/2006/relationships" xmlns:p="http://schemas.openxmlformats.org/presentationml/2006/main">
+  <p:cSld>
+    <p:spTree>
+      <p:nvGrpSpPr>
+        <p:cNvPr id="1" name=""/>
+        <p:cNvGrpSpPr/>
+        <p:nvPr/>
+      </p:nvGrpSpPr>
+      <p:grpSpPr>
+        <a:xfrm>
+          <a:off x="0" y="0"/>
+          <a:ext cx="0" cy="0"/>
+          <a:chOff x="0" y="0"/>
+          <a:chExt cx="0" cy="0"/>
+        </a:xfrm>
+      </p:grpSpPr>
+      <p:sp>
+        <p:nvSpPr>
+          <p:cNvPr id="2" name="Espace réservé de l'image des diapositives 1"/>
+          <p:cNvSpPr>
+            <a:spLocks noGrp="1" noRot="1" noChangeAspect="1"/>
+          </p:cNvSpPr>
+          <p:nvPr>
+            <p:ph type="sldImg"/>
+          </p:nvPr>
+        </p:nvSpPr>
+        <p:spPr/>
+      </p:sp>
+      <p:sp>
+        <p:nvSpPr>
+          <p:cNvPr id="3" name="Espace réservé des notes 2"/>
+          <p:cNvSpPr>
+            <a:spLocks noGrp="1"/>
+          </p:cNvSpPr>
+          <p:nvPr>
+            <p:ph type="body" idx="1"/>
+          </p:nvPr>
+        </p:nvSpPr>
+        <p:spPr/>
+        <p:txBody>
+          <a:bodyPr/>
+          <a:lstStyle/>
+          <a:p>
+            <a:r>
+              <a:rPr lang="fr-FR" dirty="0"/>
+              <a:t>Normaliser = pourcentage</a:t>
+            </a:r>
+          </a:p>
+        </p:txBody>
+      </p:sp>
+      <p:sp>
+        <p:nvSpPr>
+          <p:cNvPr id="4" name="Espace réservé du numéro de diapositive 3"/>
+          <p:cNvSpPr>
+            <a:spLocks noGrp="1"/>
+          </p:cNvSpPr>
+          <p:nvPr>
+            <p:ph type="sldNum" sz="quarter" idx="10"/>
+          </p:nvPr>
+        </p:nvSpPr>
+        <p:spPr/>
+        <p:txBody>
+          <a:bodyPr/>
+          <a:lstStyle/>
+          <a:p>
+            <a:fld id="{83B03462-FDCF-49B6-BCAF-5DA004C02C51}" type="slidenum">
+              <a:rPr lang="fr-FR" smtClean="0"/>
+              <a:t>36</a:t>
+            </a:fld>
+            <a:endParaRPr lang="fr-FR"/>
+          </a:p>
+        </p:txBody>
+      </p:sp>
+    </p:spTree>
+    <p:extLst>
+      <p:ext uri="{BB962C8B-B14F-4D97-AF65-F5344CB8AC3E}">
+        <p14:creationId xmlns:p14="http://schemas.microsoft.com/office/powerpoint/2010/main" val="53594890"/>
+      </p:ext>
+    </p:extLst>
+  </p:cSld>
+  <p:clrMapOvr>
+    <a:masterClrMapping/>
+  </p:clrMapOvr>
+</p:notes>
+</file>
+
+<file path=ppt/notesSlides/notesSlide4.xml><?xml version="1.0" encoding="utf-8"?>
+<p:notes xmlns:a="http://schemas.openxmlformats.org/drawingml/2006/main" xmlns:r="http://schemas.openxmlformats.org/officeDocument/2006/relationships" xmlns:p="http://schemas.openxmlformats.org/presentationml/2006/main">
+  <p:cSld>
+    <p:spTree>
+      <p:nvGrpSpPr>
+        <p:cNvPr id="1" name=""/>
+        <p:cNvGrpSpPr/>
+        <p:nvPr/>
+      </p:nvGrpSpPr>
+      <p:grpSpPr>
+        <a:xfrm>
+          <a:off x="0" y="0"/>
+          <a:ext cx="0" cy="0"/>
+          <a:chOff x="0" y="0"/>
+          <a:chExt cx="0" cy="0"/>
+        </a:xfrm>
+      </p:grpSpPr>
+      <p:sp>
+        <p:nvSpPr>
+          <p:cNvPr id="2" name="Espace réservé de l'image des diapositives 1"/>
+          <p:cNvSpPr>
+            <a:spLocks noGrp="1" noRot="1" noChangeAspect="1"/>
+          </p:cNvSpPr>
+          <p:nvPr>
+            <p:ph type="sldImg"/>
+          </p:nvPr>
+        </p:nvSpPr>
+        <p:spPr/>
+      </p:sp>
+      <p:sp>
+        <p:nvSpPr>
+          <p:cNvPr id="3" name="Espace réservé des notes 2"/>
+          <p:cNvSpPr>
+            <a:spLocks noGrp="1"/>
+          </p:cNvSpPr>
+          <p:nvPr>
+            <p:ph type="body" idx="1"/>
+          </p:nvPr>
+        </p:nvSpPr>
+        <p:spPr/>
+        <p:txBody>
+          <a:bodyPr/>
+          <a:lstStyle/>
+          <a:p>
+            <a:endParaRPr lang="fr-FR" dirty="0"/>
+          </a:p>
+        </p:txBody>
+      </p:sp>
+      <p:sp>
+        <p:nvSpPr>
+          <p:cNvPr id="4" name="Espace réservé du numéro de diapositive 3"/>
+          <p:cNvSpPr>
+            <a:spLocks noGrp="1"/>
+          </p:cNvSpPr>
+          <p:nvPr>
+            <p:ph type="sldNum" sz="quarter" idx="10"/>
+          </p:nvPr>
+        </p:nvSpPr>
+        <p:spPr/>
+        <p:txBody>
+          <a:bodyPr/>
+          <a:lstStyle/>
+          <a:p>
+            <a:fld id="{83B03462-FDCF-49B6-BCAF-5DA004C02C51}" type="slidenum">
+              <a:rPr lang="fr-FR" smtClean="0"/>
+              <a:t>40</a:t>
+            </a:fld>
+            <a:endParaRPr lang="fr-FR"/>
+          </a:p>
+        </p:txBody>
+      </p:sp>
+    </p:spTree>
+    <p:extLst>
+      <p:ext uri="{BB962C8B-B14F-4D97-AF65-F5344CB8AC3E}">
+        <p14:creationId xmlns:p14="http://schemas.microsoft.com/office/powerpoint/2010/main" val="1677826201"/>
+      </p:ext>
+    </p:extLst>
+  </p:cSld>
+  <p:clrMapOvr>
+    <a:masterClrMapping/>
+  </p:clrMapOvr>
+</p:notes>
+</file>
+
+<file path=ppt/notesSlides/notesSlide5.xml><?xml version="1.0" encoding="utf-8"?>
+<p:notes xmlns:a="http://schemas.openxmlformats.org/drawingml/2006/main" xmlns:r="http://schemas.openxmlformats.org/officeDocument/2006/relationships" xmlns:p="http://schemas.openxmlformats.org/presentationml/2006/main">
+  <p:cSld>
+    <p:spTree>
+      <p:nvGrpSpPr>
+        <p:cNvPr id="1" name=""/>
+        <p:cNvGrpSpPr/>
+        <p:nvPr/>
+      </p:nvGrpSpPr>
+      <p:grpSpPr>
+        <a:xfrm>
+          <a:off x="0" y="0"/>
+          <a:ext cx="0" cy="0"/>
+          <a:chOff x="0" y="0"/>
+          <a:chExt cx="0" cy="0"/>
+        </a:xfrm>
+      </p:grpSpPr>
+      <p:sp>
+        <p:nvSpPr>
+          <p:cNvPr id="2" name="Espace réservé de l'image des diapositives 1"/>
+          <p:cNvSpPr>
+            <a:spLocks noGrp="1" noRot="1" noChangeAspect="1"/>
+          </p:cNvSpPr>
+          <p:nvPr>
+            <p:ph type="sldImg"/>
+          </p:nvPr>
+        </p:nvSpPr>
+        <p:spPr/>
+      </p:sp>
+      <p:sp>
+        <p:nvSpPr>
+          <p:cNvPr id="3" name="Espace réservé des notes 2"/>
+          <p:cNvSpPr>
+            <a:spLocks noGrp="1"/>
+          </p:cNvSpPr>
+          <p:nvPr>
+            <p:ph type="body" idx="1"/>
+          </p:nvPr>
+        </p:nvSpPr>
+        <p:spPr/>
+        <p:txBody>
+          <a:bodyPr/>
+          <a:lstStyle/>
+          <a:p>
+            <a:endParaRPr lang="fr-FR" dirty="0"/>
+          </a:p>
+        </p:txBody>
+      </p:sp>
+      <p:sp>
+        <p:nvSpPr>
+          <p:cNvPr id="4" name="Espace réservé du numéro de diapositive 3"/>
+          <p:cNvSpPr>
+            <a:spLocks noGrp="1"/>
+          </p:cNvSpPr>
+          <p:nvPr>
+            <p:ph type="sldNum" sz="quarter" idx="10"/>
+          </p:nvPr>
+        </p:nvSpPr>
+        <p:spPr/>
+        <p:txBody>
+          <a:bodyPr/>
+          <a:lstStyle/>
+          <a:p>
+            <a:fld id="{83B03462-FDCF-49B6-BCAF-5DA004C02C51}" type="slidenum">
+              <a:rPr lang="fr-FR" smtClean="0"/>
+              <a:t>41</a:t>
+            </a:fld>
+            <a:endParaRPr lang="fr-FR"/>
+          </a:p>
+        </p:txBody>
+      </p:sp>
+    </p:spTree>
+    <p:extLst>
+      <p:ext uri="{BB962C8B-B14F-4D97-AF65-F5344CB8AC3E}">
+        <p14:creationId xmlns:p14="http://schemas.microsoft.com/office/powerpoint/2010/main" val="1646795680"/>
+      </p:ext>
+    </p:extLst>
+  </p:cSld>
+  <p:clrMapOvr>
+    <a:masterClrMapping/>
+  </p:clrMapOvr>
+</p:notes>
+</file>
+
 <file path=ppt/slideLayouts/slideLayout1.xml><?xml version="1.0" encoding="utf-8"?>
 <p:sldLayout xmlns:a="http://schemas.openxmlformats.org/drawingml/2006/main" xmlns:r="http://schemas.openxmlformats.org/officeDocument/2006/relationships" xmlns:p="http://schemas.openxmlformats.org/presentationml/2006/main" type="title" preserve="1">
   <p:cSld name="Diapositive de titre">
@@ -8339,7 +8762,7 @@
           <a:lstStyle/>
           <a:p>
             <a:r>
-              <a:rPr lang="en-US" dirty="0">
+              <a:rPr lang="en-US" b="1" u="sng" dirty="0">
                 <a:solidFill>
                   <a:srgbClr val="FFFFFF"/>
                 </a:solidFill>
@@ -8347,7 +8770,7 @@
               <a:t>Somme </a:t>
             </a:r>
             <a:r>
-              <a:rPr lang="en-US" dirty="0" err="1">
+              <a:rPr lang="en-US" b="1" u="sng" dirty="0" err="1">
                 <a:solidFill>
                   <a:srgbClr val="FFFFFF"/>
                 </a:solidFill>
@@ -8355,13 +8778,37 @@
               <a:t>moyenne</a:t>
             </a:r>
             <a:r>
-              <a:rPr lang="en-US" dirty="0">
+              <a:rPr lang="en-US" b="1" u="sng" dirty="0">
                 <a:solidFill>
                   <a:srgbClr val="FFFFFF"/>
                 </a:solidFill>
               </a:rPr>
               <a:t> par facture</a:t>
             </a:r>
+          </a:p>
+          <a:p>
+            <a:endParaRPr lang="en-US" dirty="0">
+              <a:solidFill>
+                <a:srgbClr val="FFFFFF"/>
+              </a:solidFill>
+            </a:endParaRPr>
+          </a:p>
+          <a:p>
+            <a:r>
+              <a:rPr lang="fr-FR" dirty="0">
+                <a:solidFill>
+                  <a:srgbClr val="FFFFFF"/>
+                </a:solidFill>
+              </a:rPr>
+              <a:t>On devine une distribution selon une loi normale.</a:t>
+            </a:r>
+          </a:p>
+          <a:p>
+            <a:endParaRPr lang="en-US" dirty="0">
+              <a:solidFill>
+                <a:srgbClr val="FFFFFF"/>
+              </a:solidFill>
+            </a:endParaRPr>
           </a:p>
         </p:txBody>
       </p:sp>
@@ -8591,21 +9038,70 @@
                             </p:childTnLst>
                           </p:cTn>
                         </p:par>
+                      </p:childTnLst>
+                    </p:cTn>
+                  </p:par>
+                  <p:par>
+                    <p:cTn id="17" fill="hold">
+                      <p:stCondLst>
+                        <p:cond delay="indefinite"/>
+                      </p:stCondLst>
+                      <p:childTnLst>
                         <p:par>
-                          <p:cTn id="17" fill="hold">
+                          <p:cTn id="18" fill="hold">
                             <p:stCondLst>
                               <p:cond delay="0"/>
                             </p:stCondLst>
                             <p:childTnLst>
                               <p:par>
-                                <p:cTn id="18" presetID="1" presetClass="entr" presetSubtype="0" fill="hold" grpId="0" nodeType="afterEffect">
+                                <p:cTn id="19" presetID="1" presetClass="entr" presetSubtype="0" fill="hold" grpId="0" nodeType="clickEffect">
                                   <p:stCondLst>
                                     <p:cond delay="0"/>
                                   </p:stCondLst>
                                   <p:childTnLst>
                                     <p:set>
                                       <p:cBhvr>
-                                        <p:cTn id="19" dur="1" fill="hold">
+                                        <p:cTn id="20" dur="1" fill="hold">
+                                          <p:stCondLst>
+                                            <p:cond delay="0"/>
+                                          </p:stCondLst>
+                                        </p:cTn>
+                                        <p:tgtEl>
+                                          <p:spTgt spid="20">
+                                            <p:txEl>
+                                              <p:pRg st="2" end="2"/>
+                                            </p:txEl>
+                                          </p:spTgt>
+                                        </p:tgtEl>
+                                        <p:attrNameLst>
+                                          <p:attrName>style.visibility</p:attrName>
+                                        </p:attrNameLst>
+                                      </p:cBhvr>
+                                      <p:to>
+                                        <p:strVal val="visible"/>
+                                      </p:to>
+                                    </p:set>
+                                  </p:childTnLst>
+                                </p:cTn>
+                              </p:par>
+                            </p:childTnLst>
+                          </p:cTn>
+                        </p:par>
+                        <p:par>
+                          <p:cTn id="21" fill="hold">
+                            <p:stCondLst>
+                              <p:cond delay="0"/>
+                            </p:stCondLst>
+                            <p:childTnLst>
+                              <p:par>
+                                <p:cTn id="22" presetID="1" presetClass="entr" presetSubtype="0" fill="hold" grpId="0" nodeType="afterEffect">
+                                  <p:stCondLst>
+                                    <p:cond delay="0"/>
+                                  </p:stCondLst>
+                                  <p:childTnLst>
+                                    <p:set>
+                                      <p:cBhvr>
+                                        <p:cTn id="23" dur="1" fill="hold">
                                           <p:stCondLst>
                                             <p:cond delay="0"/>
                                           </p:stCondLst>
@@ -8653,7 +9149,7 @@
     </p:tnLst>
     <p:bldLst>
       <p:bldP spid="2" grpId="0" animBg="1"/>
-      <p:bldP spid="20" grpId="0" build="p"/>
+      <p:bldP spid="20" grpId="0" uiExpand="1" build="p"/>
       <p:bldP spid="7" grpId="0" animBg="1"/>
     </p:bldLst>
   </p:timing>
@@ -8899,7 +9395,7 @@
           <a:lstStyle/>
           <a:p>
             <a:r>
-              <a:rPr lang="en-US" dirty="0">
+              <a:rPr lang="en-US" b="1" u="sng" dirty="0">
                 <a:solidFill>
                   <a:srgbClr val="FFFFFF"/>
                 </a:solidFill>
@@ -8907,7 +9403,7 @@
               <a:t>Somme </a:t>
             </a:r>
             <a:r>
-              <a:rPr lang="en-US" dirty="0" err="1">
+              <a:rPr lang="en-US" b="1" u="sng" dirty="0" err="1">
                 <a:solidFill>
                   <a:srgbClr val="FFFFFF"/>
                 </a:solidFill>
@@ -8915,13 +9411,37 @@
               <a:t>moyenne</a:t>
             </a:r>
             <a:r>
-              <a:rPr lang="en-US" dirty="0">
+              <a:rPr lang="en-US" b="1" u="sng" dirty="0">
                 <a:solidFill>
                   <a:srgbClr val="FFFFFF"/>
                 </a:solidFill>
               </a:rPr>
               <a:t> par article</a:t>
             </a:r>
+          </a:p>
+          <a:p>
+            <a:endParaRPr lang="fr-FR" dirty="0">
+              <a:solidFill>
+                <a:srgbClr val="FFFFFF"/>
+              </a:solidFill>
+            </a:endParaRPr>
+          </a:p>
+          <a:p>
+            <a:r>
+              <a:rPr lang="fr-FR" dirty="0">
+                <a:solidFill>
+                  <a:srgbClr val="FFFFFF"/>
+                </a:solidFill>
+              </a:rPr>
+              <a:t>C’est une distribution selon une loi normale.</a:t>
+            </a:r>
+          </a:p>
+          <a:p>
+            <a:endParaRPr lang="en-US" dirty="0">
+              <a:solidFill>
+                <a:srgbClr val="FFFFFF"/>
+              </a:solidFill>
+            </a:endParaRPr>
           </a:p>
         </p:txBody>
       </p:sp>
@@ -9027,15 +9547,33 @@
                                   </p:childTnLst>
                                 </p:cTn>
                               </p:par>
+                            </p:childTnLst>
+                          </p:cTn>
+                        </p:par>
+                      </p:childTnLst>
+                    </p:cTn>
+                  </p:par>
+                  <p:par>
+                    <p:cTn id="7" fill="hold">
+                      <p:stCondLst>
+                        <p:cond delay="indefinite"/>
+                      </p:stCondLst>
+                      <p:childTnLst>
+                        <p:par>
+                          <p:cTn id="8" fill="hold">
+                            <p:stCondLst>
+                              <p:cond delay="0"/>
+                            </p:stCondLst>
+                            <p:childTnLst>
                               <p:par>
-                                <p:cTn id="7" presetID="1" presetClass="entr" presetSubtype="0" fill="hold" grpId="0" nodeType="withEffect">
+                                <p:cTn id="9" presetID="1" presetClass="entr" presetSubtype="0" fill="hold" grpId="0" nodeType="clickEffect">
                                   <p:stCondLst>
                                     <p:cond delay="0"/>
                                   </p:stCondLst>
                                   <p:childTnLst>
                                     <p:set>
                                       <p:cBhvr>
-                                        <p:cTn id="8" dur="1" fill="hold">
+                                        <p:cTn id="10" dur="1" fill="hold">
                                           <p:stCondLst>
                                             <p:cond delay="0"/>
                                           </p:stCondLst>
@@ -9065,26 +9603,26 @@
                     </p:cTn>
                   </p:par>
                   <p:par>
-                    <p:cTn id="9" fill="hold">
+                    <p:cTn id="11" fill="hold">
                       <p:stCondLst>
                         <p:cond delay="indefinite"/>
                       </p:stCondLst>
                       <p:childTnLst>
                         <p:par>
-                          <p:cTn id="10" fill="hold">
+                          <p:cTn id="12" fill="hold">
                             <p:stCondLst>
                               <p:cond delay="0"/>
                             </p:stCondLst>
                             <p:childTnLst>
                               <p:par>
-                                <p:cTn id="11" presetID="1" presetClass="entr" presetSubtype="0" fill="hold" nodeType="clickEffect">
+                                <p:cTn id="13" presetID="1" presetClass="entr" presetSubtype="0" fill="hold" nodeType="clickEffect">
                                   <p:stCondLst>
                                     <p:cond delay="0"/>
                                   </p:stCondLst>
                                   <p:childTnLst>
                                     <p:set>
                                       <p:cBhvr>
-                                        <p:cTn id="12" dur="1" fill="hold">
+                                        <p:cTn id="14" dur="1" fill="hold">
                                           <p:stCondLst>
                                             <p:cond delay="0"/>
                                           </p:stCondLst>
@@ -9110,26 +9648,26 @@
                     </p:cTn>
                   </p:par>
                   <p:par>
-                    <p:cTn id="13" fill="hold">
+                    <p:cTn id="15" fill="hold">
                       <p:stCondLst>
                         <p:cond delay="indefinite"/>
                       </p:stCondLst>
                       <p:childTnLst>
                         <p:par>
-                          <p:cTn id="14" fill="hold">
+                          <p:cTn id="16" fill="hold">
                             <p:stCondLst>
                               <p:cond delay="0"/>
                             </p:stCondLst>
                             <p:childTnLst>
                               <p:par>
-                                <p:cTn id="15" presetID="1" presetClass="entr" presetSubtype="0" fill="hold" nodeType="clickEffect">
+                                <p:cTn id="17" presetID="1" presetClass="entr" presetSubtype="0" fill="hold" nodeType="clickEffect">
                                   <p:stCondLst>
                                     <p:cond delay="0"/>
                                   </p:stCondLst>
                                   <p:childTnLst>
                                     <p:set>
                                       <p:cBhvr>
-                                        <p:cTn id="16" dur="1" fill="hold">
+                                        <p:cTn id="18" dur="1" fill="hold">
                                           <p:stCondLst>
                                             <p:cond delay="0"/>
                                           </p:stCondLst>
@@ -9151,21 +9689,70 @@
                             </p:childTnLst>
                           </p:cTn>
                         </p:par>
+                      </p:childTnLst>
+                    </p:cTn>
+                  </p:par>
+                  <p:par>
+                    <p:cTn id="19" fill="hold">
+                      <p:stCondLst>
+                        <p:cond delay="indefinite"/>
+                      </p:stCondLst>
+                      <p:childTnLst>
                         <p:par>
-                          <p:cTn id="17" fill="hold">
+                          <p:cTn id="20" fill="hold">
                             <p:stCondLst>
                               <p:cond delay="0"/>
                             </p:stCondLst>
                             <p:childTnLst>
                               <p:par>
-                                <p:cTn id="18" presetID="1" presetClass="entr" presetSubtype="0" fill="hold" grpId="0" nodeType="afterEffect">
+                                <p:cTn id="21" presetID="1" presetClass="entr" presetSubtype="0" fill="hold" grpId="0" nodeType="clickEffect">
                                   <p:stCondLst>
                                     <p:cond delay="0"/>
                                   </p:stCondLst>
                                   <p:childTnLst>
                                     <p:set>
                                       <p:cBhvr>
-                                        <p:cTn id="19" dur="1" fill="hold">
+                                        <p:cTn id="22" dur="1" fill="hold">
+                                          <p:stCondLst>
+                                            <p:cond delay="0"/>
+                                          </p:stCondLst>
+                                        </p:cTn>
+                                        <p:tgtEl>
+                                          <p:spTgt spid="12">
+                                            <p:txEl>
+                                              <p:pRg st="2" end="2"/>
+                                            </p:txEl>
+                                          </p:spTgt>
+                                        </p:tgtEl>
+                                        <p:attrNameLst>
+                                          <p:attrName>style.visibility</p:attrName>
+                                        </p:attrNameLst>
+                                      </p:cBhvr>
+                                      <p:to>
+                                        <p:strVal val="visible"/>
+                                      </p:to>
+                                    </p:set>
+                                  </p:childTnLst>
+                                </p:cTn>
+                              </p:par>
+                            </p:childTnLst>
+                          </p:cTn>
+                        </p:par>
+                        <p:par>
+                          <p:cTn id="23" fill="hold">
+                            <p:stCondLst>
+                              <p:cond delay="0"/>
+                            </p:stCondLst>
+                            <p:childTnLst>
+                              <p:par>
+                                <p:cTn id="24" presetID="1" presetClass="entr" presetSubtype="0" fill="hold" grpId="0" nodeType="afterEffect">
+                                  <p:stCondLst>
+                                    <p:cond delay="0"/>
+                                  </p:stCondLst>
+                                  <p:childTnLst>
+                                    <p:set>
+                                      <p:cBhvr>
+                                        <p:cTn id="25" dur="1" fill="hold">
                                           <p:stCondLst>
                                             <p:cond delay="0"/>
                                           </p:stCondLst>
@@ -9213,7 +9800,7 @@
     </p:tnLst>
     <p:bldLst>
       <p:bldP spid="2" grpId="0" animBg="1"/>
-      <p:bldP spid="12" grpId="0" build="p"/>
+      <p:bldP spid="12" grpId="0" uiExpand="1" build="p"/>
       <p:bldP spid="8" grpId="0" animBg="1"/>
     </p:bldLst>
   </p:timing>
@@ -9459,7 +10046,7 @@
           <a:lstStyle/>
           <a:p>
             <a:r>
-              <a:rPr lang="en-US" dirty="0" err="1">
+              <a:rPr lang="en-US" b="1" u="sng" dirty="0" err="1">
                 <a:solidFill>
                   <a:srgbClr val="FFFFFF"/>
                 </a:solidFill>
@@ -9467,7 +10054,7 @@
               <a:t>Nombre</a:t>
             </a:r>
             <a:r>
-              <a:rPr lang="en-US" dirty="0">
+              <a:rPr lang="en-US" b="1" u="sng" dirty="0">
                 <a:solidFill>
                   <a:srgbClr val="FFFFFF"/>
                 </a:solidFill>
@@ -9475,7 +10062,7 @@
               <a:t> </a:t>
             </a:r>
             <a:r>
-              <a:rPr lang="en-US" dirty="0" err="1">
+              <a:rPr lang="en-US" b="1" u="sng" dirty="0" err="1">
                 <a:solidFill>
                   <a:srgbClr val="FFFFFF"/>
                 </a:solidFill>
@@ -9483,13 +10070,37 @@
               <a:t>d’articles</a:t>
             </a:r>
             <a:r>
-              <a:rPr lang="en-US" dirty="0">
+              <a:rPr lang="en-US" b="1" u="sng" dirty="0">
                 <a:solidFill>
                   <a:srgbClr val="FFFFFF"/>
                 </a:solidFill>
               </a:rPr>
               <a:t> par facture</a:t>
             </a:r>
+          </a:p>
+          <a:p>
+            <a:endParaRPr lang="fr-FR" dirty="0">
+              <a:solidFill>
+                <a:srgbClr val="FFFFFF"/>
+              </a:solidFill>
+            </a:endParaRPr>
+          </a:p>
+          <a:p>
+            <a:r>
+              <a:rPr lang="fr-FR" dirty="0">
+                <a:solidFill>
+                  <a:srgbClr val="FFFFFF"/>
+                </a:solidFill>
+              </a:rPr>
+              <a:t>On devine une distribution selon une loi normale.</a:t>
+            </a:r>
+          </a:p>
+          <a:p>
+            <a:endParaRPr lang="en-US" dirty="0">
+              <a:solidFill>
+                <a:srgbClr val="FFFFFF"/>
+              </a:solidFill>
+            </a:endParaRPr>
           </a:p>
         </p:txBody>
       </p:sp>
@@ -9719,21 +10330,70 @@
                             </p:childTnLst>
                           </p:cTn>
                         </p:par>
+                      </p:childTnLst>
+                    </p:cTn>
+                  </p:par>
+                  <p:par>
+                    <p:cTn id="17" fill="hold">
+                      <p:stCondLst>
+                        <p:cond delay="indefinite"/>
+                      </p:stCondLst>
+                      <p:childTnLst>
                         <p:par>
-                          <p:cTn id="17" fill="hold">
+                          <p:cTn id="18" fill="hold">
                             <p:stCondLst>
                               <p:cond delay="0"/>
                             </p:stCondLst>
                             <p:childTnLst>
                               <p:par>
-                                <p:cTn id="18" presetID="1" presetClass="entr" presetSubtype="0" fill="hold" grpId="0" nodeType="afterEffect">
+                                <p:cTn id="19" presetID="1" presetClass="entr" presetSubtype="0" fill="hold" grpId="0" nodeType="clickEffect">
                                   <p:stCondLst>
                                     <p:cond delay="0"/>
                                   </p:stCondLst>
                                   <p:childTnLst>
                                     <p:set>
                                       <p:cBhvr>
-                                        <p:cTn id="19" dur="1" fill="hold">
+                                        <p:cTn id="20" dur="1" fill="hold">
+                                          <p:stCondLst>
+                                            <p:cond delay="0"/>
+                                          </p:stCondLst>
+                                        </p:cTn>
+                                        <p:tgtEl>
+                                          <p:spTgt spid="12">
+                                            <p:txEl>
+                                              <p:pRg st="2" end="2"/>
+                                            </p:txEl>
+                                          </p:spTgt>
+                                        </p:tgtEl>
+                                        <p:attrNameLst>
+                                          <p:attrName>style.visibility</p:attrName>
+                                        </p:attrNameLst>
+                                      </p:cBhvr>
+                                      <p:to>
+                                        <p:strVal val="visible"/>
+                                      </p:to>
+                                    </p:set>
+                                  </p:childTnLst>
+                                </p:cTn>
+                              </p:par>
+                            </p:childTnLst>
+                          </p:cTn>
+                        </p:par>
+                        <p:par>
+                          <p:cTn id="21" fill="hold">
+                            <p:stCondLst>
+                              <p:cond delay="0"/>
+                            </p:stCondLst>
+                            <p:childTnLst>
+                              <p:par>
+                                <p:cTn id="22" presetID="1" presetClass="entr" presetSubtype="0" fill="hold" grpId="0" nodeType="afterEffect">
+                                  <p:stCondLst>
+                                    <p:cond delay="0"/>
+                                  </p:stCondLst>
+                                  <p:childTnLst>
+                                    <p:set>
+                                      <p:cBhvr>
+                                        <p:cTn id="23" dur="1" fill="hold">
                                           <p:stCondLst>
                                             <p:cond delay="0"/>
                                           </p:stCondLst>
@@ -9781,7 +10441,7 @@
     </p:tnLst>
     <p:bldLst>
       <p:bldP spid="2" grpId="0" animBg="1"/>
-      <p:bldP spid="12" grpId="0" build="p"/>
+      <p:bldP spid="12" grpId="0" uiExpand="1" build="p"/>
       <p:bldP spid="8" grpId="0" animBg="1"/>
     </p:bldLst>
   </p:timing>
@@ -10027,12 +10687,69 @@
           <a:lstStyle/>
           <a:p>
             <a:r>
+              <a:rPr lang="en-US" b="1" u="sng" dirty="0" err="1">
+                <a:solidFill>
+                  <a:srgbClr val="FFFFFF"/>
+                </a:solidFill>
+              </a:rPr>
+              <a:t>Nombre</a:t>
+            </a:r>
+            <a:r>
+              <a:rPr lang="en-US" b="1" u="sng" dirty="0">
+                <a:solidFill>
+                  <a:srgbClr val="FFFFFF"/>
+                </a:solidFill>
+              </a:rPr>
+              <a:t> </a:t>
+            </a:r>
+            <a:r>
+              <a:rPr lang="en-US" b="1" u="sng" dirty="0" err="1">
+                <a:solidFill>
+                  <a:srgbClr val="FFFFFF"/>
+                </a:solidFill>
+              </a:rPr>
+              <a:t>d’articles</a:t>
+            </a:r>
+            <a:r>
+              <a:rPr lang="en-US" b="1" u="sng" dirty="0">
+                <a:solidFill>
+                  <a:srgbClr val="FFFFFF"/>
+                </a:solidFill>
+              </a:rPr>
+              <a:t> </a:t>
+            </a:r>
+            <a:r>
+              <a:rPr lang="en-US" b="1" u="sng" dirty="0" err="1">
+                <a:solidFill>
+                  <a:srgbClr val="FFFFFF"/>
+                </a:solidFill>
+              </a:rPr>
+              <a:t>différents</a:t>
+            </a:r>
+            <a:r>
+              <a:rPr lang="en-US" b="1" u="sng" dirty="0">
+                <a:solidFill>
+                  <a:srgbClr val="FFFFFF"/>
+                </a:solidFill>
+              </a:rPr>
+              <a:t> par facture</a:t>
+            </a:r>
+          </a:p>
+          <a:p>
+            <a:endParaRPr lang="en-US" dirty="0">
+              <a:solidFill>
+                <a:srgbClr val="FFFFFF"/>
+              </a:solidFill>
+            </a:endParaRPr>
+          </a:p>
+          <a:p>
+            <a:r>
               <a:rPr lang="en-US" dirty="0" err="1">
                 <a:solidFill>
                   <a:srgbClr val="FFFFFF"/>
                 </a:solidFill>
               </a:rPr>
-              <a:t>Nombre</a:t>
+              <a:t>Cette</a:t>
             </a:r>
             <a:r>
               <a:rPr lang="en-US" dirty="0">
@@ -10040,7 +10757,7 @@
                   <a:srgbClr val="FFFFFF"/>
                 </a:solidFill>
               </a:rPr>
-              <a:t> </a:t>
+              <a:t> distribution </a:t>
             </a:r>
             <a:r>
               <a:rPr lang="en-US" dirty="0" err="1">
@@ -10048,7 +10765,7 @@
                   <a:srgbClr val="FFFFFF"/>
                 </a:solidFill>
               </a:rPr>
-              <a:t>d’articles</a:t>
+              <a:t>est</a:t>
             </a:r>
             <a:r>
               <a:rPr lang="en-US" dirty="0">
@@ -10056,7 +10773,7 @@
                   <a:srgbClr val="FFFFFF"/>
                 </a:solidFill>
               </a:rPr>
-              <a:t> </a:t>
+              <a:t> un </a:t>
             </a:r>
             <a:r>
               <a:rPr lang="en-US" dirty="0" err="1">
@@ -10064,7 +10781,7 @@
                   <a:srgbClr val="FFFFFF"/>
                 </a:solidFill>
               </a:rPr>
-              <a:t>différents</a:t>
+              <a:t>peu</a:t>
             </a:r>
             <a:r>
               <a:rPr lang="en-US" dirty="0">
@@ -10072,7 +10789,23 @@
                   <a:srgbClr val="FFFFFF"/>
                 </a:solidFill>
               </a:rPr>
-              <a:t> par facture</a:t>
+              <a:t> plus </a:t>
+            </a:r>
+            <a:r>
+              <a:rPr lang="en-US" dirty="0" err="1">
+                <a:solidFill>
+                  <a:srgbClr val="FFFFFF"/>
+                </a:solidFill>
+              </a:rPr>
+              <a:t>irrégulière</a:t>
+            </a:r>
+            <a:r>
+              <a:rPr lang="en-US" dirty="0">
+                <a:solidFill>
+                  <a:srgbClr val="FFFFFF"/>
+                </a:solidFill>
+              </a:rPr>
+              <a:t>.</a:t>
             </a:r>
           </a:p>
         </p:txBody>
@@ -10303,21 +11036,70 @@
                             </p:childTnLst>
                           </p:cTn>
                         </p:par>
+                      </p:childTnLst>
+                    </p:cTn>
+                  </p:par>
+                  <p:par>
+                    <p:cTn id="17" fill="hold">
+                      <p:stCondLst>
+                        <p:cond delay="indefinite"/>
+                      </p:stCondLst>
+                      <p:childTnLst>
                         <p:par>
-                          <p:cTn id="17" fill="hold">
+                          <p:cTn id="18" fill="hold">
                             <p:stCondLst>
                               <p:cond delay="0"/>
                             </p:stCondLst>
                             <p:childTnLst>
                               <p:par>
-                                <p:cTn id="18" presetID="1" presetClass="entr" presetSubtype="0" fill="hold" grpId="0" nodeType="afterEffect">
+                                <p:cTn id="19" presetID="1" presetClass="entr" presetSubtype="0" fill="hold" grpId="0" nodeType="clickEffect">
                                   <p:stCondLst>
                                     <p:cond delay="0"/>
                                   </p:stCondLst>
                                   <p:childTnLst>
                                     <p:set>
                                       <p:cBhvr>
-                                        <p:cTn id="19" dur="1" fill="hold">
+                                        <p:cTn id="20" dur="1" fill="hold">
+                                          <p:stCondLst>
+                                            <p:cond delay="0"/>
+                                          </p:stCondLst>
+                                        </p:cTn>
+                                        <p:tgtEl>
+                                          <p:spTgt spid="12">
+                                            <p:txEl>
+                                              <p:pRg st="2" end="2"/>
+                                            </p:txEl>
+                                          </p:spTgt>
+                                        </p:tgtEl>
+                                        <p:attrNameLst>
+                                          <p:attrName>style.visibility</p:attrName>
+                                        </p:attrNameLst>
+                                      </p:cBhvr>
+                                      <p:to>
+                                        <p:strVal val="visible"/>
+                                      </p:to>
+                                    </p:set>
+                                  </p:childTnLst>
+                                </p:cTn>
+                              </p:par>
+                            </p:childTnLst>
+                          </p:cTn>
+                        </p:par>
+                        <p:par>
+                          <p:cTn id="21" fill="hold">
+                            <p:stCondLst>
+                              <p:cond delay="0"/>
+                            </p:stCondLst>
+                            <p:childTnLst>
+                              <p:par>
+                                <p:cTn id="22" presetID="1" presetClass="entr" presetSubtype="0" fill="hold" grpId="0" nodeType="afterEffect">
+                                  <p:stCondLst>
+                                    <p:cond delay="0"/>
+                                  </p:stCondLst>
+                                  <p:childTnLst>
+                                    <p:set>
+                                      <p:cBhvr>
+                                        <p:cTn id="23" dur="1" fill="hold">
                                           <p:stCondLst>
                                             <p:cond delay="0"/>
                                           </p:stCondLst>
@@ -10365,7 +11147,7 @@
     </p:tnLst>
     <p:bldLst>
       <p:bldP spid="2" grpId="0" animBg="1"/>
-      <p:bldP spid="12" grpId="0" build="p"/>
+      <p:bldP spid="12" grpId="0" uiExpand="1" build="p"/>
       <p:bldP spid="8" grpId="0" animBg="1"/>
     </p:bldLst>
   </p:timing>
@@ -11336,7 +12118,7 @@
           </p:nvPr>
         </p:nvPicPr>
         <p:blipFill>
-          <a:blip r:embed="rId2">
+          <a:blip r:embed="rId3">
             <a:extLst>
               <a:ext uri="{28A0092B-C50C-407E-A947-70E740481C1C}">
                 <a14:useLocalDpi xmlns:a14="http://schemas.microsoft.com/office/drawing/2010/main" val="0"/>
@@ -12043,13 +12825,13 @@
               </a:ext>
             </a:extLst>
           </a:blip>
-          <a:srcRect l="6775" r="1470" b="-6"/>
+          <a:srcRect l="1642" r="1470" b="-6"/>
           <a:stretch/>
         </p:blipFill>
         <p:spPr>
           <a:xfrm>
-            <a:off x="3575868" y="970705"/>
-            <a:ext cx="2432980" cy="2651760"/>
+            <a:off x="3439770" y="970705"/>
+            <a:ext cx="2569078" cy="2651760"/>
           </a:xfrm>
           <a:prstGeom prst="rect">
             <a:avLst/>
@@ -12083,7 +12865,7 @@
         </p:blipFill>
         <p:spPr>
           <a:xfrm>
-            <a:off x="970788" y="970704"/>
+            <a:off x="830682" y="970704"/>
             <a:ext cx="2605079" cy="2651760"/>
           </a:xfrm>
           <a:prstGeom prst="rect">
@@ -12113,13 +12895,13 @@
               </a:ext>
             </a:extLst>
           </a:blip>
-          <a:srcRect l="8312" r="-4" b="-4"/>
+          <a:srcRect l="2047" r="-4" b="-4"/>
           <a:stretch/>
         </p:blipFill>
         <p:spPr>
           <a:xfrm>
-            <a:off x="8779256" y="970705"/>
-            <a:ext cx="2441956" cy="2663308"/>
+            <a:off x="8612405" y="970705"/>
+            <a:ext cx="2608807" cy="2663308"/>
           </a:xfrm>
           <a:prstGeom prst="rect">
             <a:avLst/>
@@ -12148,13 +12930,13 @@
               </a:ext>
             </a:extLst>
           </a:blip>
-          <a:srcRect l="8110" r="-6" b="-6"/>
+          <a:srcRect l="1619" r="-6" b="-6"/>
           <a:stretch/>
         </p:blipFill>
         <p:spPr>
           <a:xfrm>
-            <a:off x="6175698" y="970705"/>
-            <a:ext cx="2436707" cy="2651760"/>
+            <a:off x="6003600" y="970705"/>
+            <a:ext cx="2608806" cy="2651760"/>
           </a:xfrm>
           <a:prstGeom prst="rect">
             <a:avLst/>
@@ -12227,10 +13009,10 @@
         </p:nvGrpSpPr>
         <p:grpSpPr>
           <a:xfrm>
-            <a:off x="2168551" y="1162573"/>
-            <a:ext cx="7854898" cy="2272998"/>
-            <a:chOff x="2168551" y="1162573"/>
-            <a:chExt cx="7854898" cy="2272998"/>
+            <a:off x="2035819" y="1162573"/>
+            <a:ext cx="7987630" cy="2272998"/>
+            <a:chOff x="2035819" y="1162573"/>
+            <a:chExt cx="7987630" cy="2272998"/>
           </a:xfrm>
         </p:grpSpPr>
         <p:sp>
@@ -12247,7 +13029,7 @@
           </p:nvSpPr>
           <p:spPr>
             <a:xfrm>
-              <a:off x="2168551" y="1162575"/>
+              <a:off x="2035819" y="1162575"/>
               <a:ext cx="279374" cy="2266425"/>
             </a:xfrm>
             <a:prstGeom prst="roundRect">
@@ -12501,10 +13283,10 @@
         </p:nvGrpSpPr>
         <p:grpSpPr>
           <a:xfrm>
-            <a:off x="1227089" y="1777524"/>
-            <a:ext cx="7854898" cy="1627979"/>
-            <a:chOff x="2168551" y="1162573"/>
-            <a:chExt cx="7854898" cy="2272998"/>
+            <a:off x="1116479" y="1777524"/>
+            <a:ext cx="7965508" cy="1627979"/>
+            <a:chOff x="2057941" y="1162573"/>
+            <a:chExt cx="7965508" cy="2272998"/>
           </a:xfrm>
         </p:grpSpPr>
         <p:sp>
@@ -12521,7 +13303,7 @@
           </p:nvSpPr>
           <p:spPr>
             <a:xfrm>
-              <a:off x="2168551" y="1162575"/>
+              <a:off x="2057941" y="1162574"/>
               <a:ext cx="279374" cy="2266425"/>
             </a:xfrm>
             <a:prstGeom prst="roundRect">
@@ -13542,20 +14324,20 @@
           <p:nvPr/>
         </p:nvPicPr>
         <p:blipFill rotWithShape="1">
-          <a:blip r:embed="rId2">
+          <a:blip r:embed="rId3">
             <a:extLst>
               <a:ext uri="{28A0092B-C50C-407E-A947-70E740481C1C}">
                 <a14:useLocalDpi xmlns:a14="http://schemas.microsoft.com/office/drawing/2010/main" val="0"/>
               </a:ext>
             </a:extLst>
           </a:blip>
-          <a:srcRect l="2843" r="5204" b="-6"/>
+          <a:srcRect l="2843" r="476" b="-6"/>
           <a:stretch/>
         </p:blipFill>
         <p:spPr>
           <a:xfrm>
             <a:off x="970789" y="970704"/>
-            <a:ext cx="2438229" cy="2651760"/>
+            <a:ext cx="2563587" cy="2651760"/>
           </a:xfrm>
           <a:prstGeom prst="rect">
             <a:avLst/>
@@ -13577,20 +14359,20 @@
           <p:nvPr/>
         </p:nvPicPr>
         <p:blipFill rotWithShape="1">
-          <a:blip r:embed="rId3">
+          <a:blip r:embed="rId4">
             <a:extLst>
               <a:ext uri="{28A0092B-C50C-407E-A947-70E740481C1C}">
                 <a14:useLocalDpi xmlns:a14="http://schemas.microsoft.com/office/drawing/2010/main" val="0"/>
               </a:ext>
             </a:extLst>
           </a:blip>
-          <a:srcRect r="8307" b="-4"/>
+          <a:srcRect r="2380" b="-4"/>
           <a:stretch/>
         </p:blipFill>
         <p:spPr>
           <a:xfrm>
-            <a:off x="8779256" y="970705"/>
-            <a:ext cx="2441956" cy="2663308"/>
+            <a:off x="8779255" y="970705"/>
+            <a:ext cx="2599829" cy="2663308"/>
           </a:xfrm>
           <a:prstGeom prst="rect">
             <a:avLst/>
@@ -13612,20 +14394,20 @@
           <p:nvPr/>
         </p:nvPicPr>
         <p:blipFill rotWithShape="1">
-          <a:blip r:embed="rId4">
+          <a:blip r:embed="rId5">
             <a:extLst>
               <a:ext uri="{28A0092B-C50C-407E-A947-70E740481C1C}">
                 <a14:useLocalDpi xmlns:a14="http://schemas.microsoft.com/office/drawing/2010/main" val="0"/>
               </a:ext>
             </a:extLst>
           </a:blip>
-          <a:srcRect l="7848" r="397" b="-6"/>
+          <a:srcRect l="1556" r="397" b="-6"/>
           <a:stretch/>
         </p:blipFill>
         <p:spPr>
           <a:xfrm>
-            <a:off x="3575868" y="970705"/>
-            <a:ext cx="2432980" cy="2651760"/>
+            <a:off x="3534376" y="970705"/>
+            <a:ext cx="2599830" cy="2651760"/>
           </a:xfrm>
           <a:prstGeom prst="rect">
             <a:avLst/>
@@ -13649,20 +14431,20 @@
           </p:nvPr>
         </p:nvPicPr>
         <p:blipFill rotWithShape="1">
-          <a:blip r:embed="rId5">
+          <a:blip r:embed="rId6">
             <a:extLst>
               <a:ext uri="{28A0092B-C50C-407E-A947-70E740481C1C}">
                 <a14:useLocalDpi xmlns:a14="http://schemas.microsoft.com/office/drawing/2010/main" val="0"/>
               </a:ext>
             </a:extLst>
           </a:blip>
-          <a:srcRect l="2650" r="5454" b="-6"/>
+          <a:srcRect l="2650" r="-838" b="-6"/>
           <a:stretch/>
         </p:blipFill>
         <p:spPr>
           <a:xfrm>
             <a:off x="6175698" y="970705"/>
-            <a:ext cx="2436707" cy="2651760"/>
+            <a:ext cx="2603557" cy="2651760"/>
           </a:xfrm>
           <a:prstGeom prst="rect">
             <a:avLst/>
@@ -13775,7 +14557,7 @@
         </p:nvSpPr>
         <p:spPr>
           <a:xfrm>
-            <a:off x="1519070" y="1160087"/>
+            <a:off x="1541192" y="1160087"/>
             <a:ext cx="279374" cy="2266425"/>
           </a:xfrm>
           <a:prstGeom prst="roundRect">
@@ -13827,7 +14609,7 @@
         </p:nvSpPr>
         <p:spPr>
           <a:xfrm>
-            <a:off x="4001326" y="1160086"/>
+            <a:off x="3949708" y="1160086"/>
             <a:ext cx="279374" cy="2266425"/>
           </a:xfrm>
           <a:prstGeom prst="roundRect">
@@ -13931,7 +14713,7 @@
         </p:nvSpPr>
         <p:spPr>
           <a:xfrm>
-            <a:off x="9402249" y="1160085"/>
+            <a:off x="9431745" y="1160085"/>
             <a:ext cx="279374" cy="2266425"/>
           </a:xfrm>
           <a:prstGeom prst="roundRect">
@@ -14080,7 +14862,23 @@
                   <a:schemeClr val="bg1"/>
                 </a:solidFill>
               </a:rPr>
-              <a:t> par facture, articles </a:t>
+              <a:t> par facture </a:t>
+            </a:r>
+            <a:r>
+              <a:rPr lang="en-US" dirty="0" err="1">
+                <a:solidFill>
+                  <a:schemeClr val="bg1"/>
+                </a:solidFill>
+              </a:rPr>
+              <a:t>mais</a:t>
+            </a:r>
+            <a:r>
+              <a:rPr lang="en-US" dirty="0">
+                <a:solidFill>
+                  <a:schemeClr val="bg1"/>
+                </a:solidFill>
+              </a:rPr>
+              <a:t> </a:t>
             </a:r>
             <a:r>
               <a:rPr lang="en-US" dirty="0" err="1">
@@ -14089,6 +14887,38 @@
                 </a:solidFill>
               </a:rPr>
               <a:t>peu</a:t>
+            </a:r>
+            <a:r>
+              <a:rPr lang="en-US" dirty="0">
+                <a:solidFill>
+                  <a:schemeClr val="bg1"/>
+                </a:solidFill>
+              </a:rPr>
+              <a:t> </a:t>
+            </a:r>
+            <a:r>
+              <a:rPr lang="en-US" dirty="0" err="1">
+                <a:solidFill>
+                  <a:schemeClr val="bg1"/>
+                </a:solidFill>
+              </a:rPr>
+              <a:t>cher</a:t>
+            </a:r>
+            <a:r>
+              <a:rPr lang="en-US" dirty="0">
+                <a:solidFill>
+                  <a:schemeClr val="bg1"/>
+                </a:solidFill>
+              </a:rPr>
+              <a:t>, articles </a:t>
+            </a:r>
+            <a:r>
+              <a:rPr lang="en-US" dirty="0" err="1">
+                <a:solidFill>
+                  <a:schemeClr val="bg1"/>
+                </a:solidFill>
+              </a:rPr>
+              <a:t>très</a:t>
             </a:r>
             <a:r>
               <a:rPr lang="en-US" dirty="0">
@@ -14795,13 +15625,13 @@
               </a:ext>
             </a:extLst>
           </a:blip>
-          <a:srcRect l="5859" r="2188" b="-6"/>
+          <a:srcRect l="-348" r="2188" b="-6"/>
           <a:stretch/>
         </p:blipFill>
         <p:spPr>
           <a:xfrm>
-            <a:off x="970789" y="970704"/>
-            <a:ext cx="2438229" cy="2651760"/>
+            <a:off x="806197" y="970704"/>
+            <a:ext cx="2602822" cy="2651760"/>
           </a:xfrm>
           <a:prstGeom prst="rect">
             <a:avLst/>
@@ -14867,13 +15697,13 @@
               </a:ext>
             </a:extLst>
           </a:blip>
-          <a:srcRect l="7678" r="567" b="-6"/>
+          <a:srcRect l="1660" r="567" b="-6"/>
           <a:stretch/>
         </p:blipFill>
         <p:spPr>
           <a:xfrm>
-            <a:off x="3575868" y="970705"/>
-            <a:ext cx="2432980" cy="2651760"/>
+            <a:off x="3416280" y="970705"/>
+            <a:ext cx="2592568" cy="2651760"/>
           </a:xfrm>
           <a:prstGeom prst="rect">
             <a:avLst/>
@@ -14902,13 +15732,13 @@
               </a:ext>
             </a:extLst>
           </a:blip>
-          <a:srcRect l="8110" r="-6" b="-6"/>
+          <a:srcRect l="2600" r="-6" b="-6"/>
           <a:stretch/>
         </p:blipFill>
         <p:spPr>
           <a:xfrm>
-            <a:off x="6175698" y="970705"/>
-            <a:ext cx="2436707" cy="2651760"/>
+            <a:off x="6029596" y="970705"/>
+            <a:ext cx="2582810" cy="2651760"/>
           </a:xfrm>
           <a:prstGeom prst="rect">
             <a:avLst/>
@@ -15485,9 +16315,9 @@
         <p:grpSpPr>
           <a:xfrm>
             <a:off x="2544427" y="1142856"/>
-            <a:ext cx="8162550" cy="2272998"/>
+            <a:ext cx="8199420" cy="2272998"/>
             <a:chOff x="1801082" y="1156002"/>
-            <a:chExt cx="8162550" cy="2272998"/>
+            <a:chExt cx="8199420" cy="2272998"/>
           </a:xfrm>
         </p:grpSpPr>
         <p:sp>
@@ -15660,7 +16490,7 @@
           </p:nvSpPr>
           <p:spPr>
             <a:xfrm>
-              <a:off x="9684258" y="1156002"/>
+              <a:off x="9721128" y="1156002"/>
               <a:ext cx="279374" cy="2266425"/>
             </a:xfrm>
             <a:prstGeom prst="roundRect">
@@ -18242,7 +19072,7 @@
 </file>
 
 <file path=ppt/slides/slide25.xml><?xml version="1.0" encoding="utf-8"?>
-<p:sld xmlns:a="http://schemas.openxmlformats.org/drawingml/2006/main" xmlns:r="http://schemas.openxmlformats.org/officeDocument/2006/relationships" xmlns:p="http://schemas.openxmlformats.org/presentationml/2006/main">
+<p:sld xmlns:a="http://schemas.openxmlformats.org/drawingml/2006/main" xmlns:r="http://schemas.openxmlformats.org/officeDocument/2006/relationships" xmlns:p="http://schemas.openxmlformats.org/presentationml/2006/main" show="0">
   <p:cSld>
     <p:spTree>
       <p:nvGrpSpPr>
@@ -18281,8 +19111,13 @@
           <a:p>
             <a:r>
               <a:rPr lang="fr-FR" dirty="0"/>
-              <a:t>Ada Boost Classifier</a:t>
-            </a:r>
+              <a:t>Le </a:t>
+            </a:r>
+            <a:r>
+              <a:rPr lang="fr-FR" dirty="0" err="1"/>
+              <a:t>Boosting</a:t>
+            </a:r>
+            <a:endParaRPr lang="fr-FR" dirty="0"/>
           </a:p>
         </p:txBody>
       </p:sp>
@@ -18699,7 +19534,7 @@
           <p:cNvPr id="2" name="Titre 1">
             <a:extLst>
               <a:ext uri="{FF2B5EF4-FFF2-40B4-BE49-F238E27FC236}">
-                <a16:creationId xmlns:a16="http://schemas.microsoft.com/office/drawing/2014/main" id="{588ACAD5-960D-4AC8-BECA-7196926678C2}"/>
+                <a16:creationId xmlns:a16="http://schemas.microsoft.com/office/drawing/2014/main" id="{0306870C-2DFD-4606-9076-0AE2EAEA5D47}"/>
               </a:ext>
             </a:extLst>
           </p:cNvPr>
@@ -18717,16 +19552,28 @@
           <a:p>
             <a:r>
               <a:rPr lang="fr-FR" dirty="0"/>
+              <a:t>Le principe du </a:t>
+            </a:r>
+            <a:r>
+              <a:rPr lang="fr-FR" dirty="0" err="1"/>
+              <a:t>boosting</a:t>
+            </a:r>
+            <a:br>
+              <a:rPr lang="fr-FR" dirty="0"/>
+            </a:br>
+            <a:r>
+              <a:rPr lang="fr-FR" sz="1800" dirty="0"/>
               <a:t>Gradient </a:t>
             </a:r>
             <a:r>
-              <a:rPr lang="fr-FR" dirty="0" err="1"/>
+              <a:rPr lang="fr-FR" sz="1800" dirty="0" err="1"/>
               <a:t>Boosting</a:t>
             </a:r>
             <a:r>
-              <a:rPr lang="fr-FR" dirty="0"/>
-              <a:t> Classifier</a:t>
-            </a:r>
+              <a:rPr lang="fr-FR" sz="1800" dirty="0"/>
+              <a:t> Classifier - ADABOOST</a:t>
+            </a:r>
+            <a:endParaRPr lang="fr-FR" dirty="0"/>
           </a:p>
         </p:txBody>
       </p:sp>
@@ -18735,7 +19582,7 @@
           <p:cNvPr id="3" name="Espace réservé du contenu 2">
             <a:extLst>
               <a:ext uri="{FF2B5EF4-FFF2-40B4-BE49-F238E27FC236}">
-                <a16:creationId xmlns:a16="http://schemas.microsoft.com/office/drawing/2014/main" id="{E78BD01D-E9BF-4A48-A14A-486185DB09F1}"/>
+                <a16:creationId xmlns:a16="http://schemas.microsoft.com/office/drawing/2014/main" id="{0AA39A3C-2264-4C20-B24E-53C8BFFD46D9}"/>
               </a:ext>
             </a:extLst>
           </p:cNvPr>
@@ -18749,101 +19596,65 @@
         <p:spPr/>
         <p:txBody>
           <a:bodyPr>
-            <a:normAutofit fontScale="62500" lnSpcReduction="20000"/>
+            <a:normAutofit fontScale="70000" lnSpcReduction="20000"/>
           </a:bodyPr>
           <a:lstStyle/>
           <a:p>
             <a:r>
               <a:rPr lang="fr-FR" dirty="0"/>
-              <a:t>C’est une technique de </a:t>
-            </a:r>
-            <a:r>
-              <a:rPr lang="fr-FR" dirty="0" err="1"/>
-              <a:t>boosting</a:t>
-            </a:r>
+              <a:t>L’idée de base ressemble à celle du bagging. </a:t>
+            </a:r>
+          </a:p>
+          <a:p>
             <a:r>
               <a:rPr lang="fr-FR" dirty="0"/>
-              <a:t>.</a:t>
+              <a:t>Plutôt que d’utiliser un seul modèle, on en utilise plusieurs qui sont agrégés ensuite pour obtenir un seul résultat.</a:t>
             </a:r>
           </a:p>
           <a:p>
             <a:r>
               <a:rPr lang="fr-FR" dirty="0"/>
-              <a:t>L’idée principale est là encore d’agréger plusieurs classifieurs ensembles mais en les créant itérativement.</a:t>
-            </a:r>
-          </a:p>
-          <a:p>
+              <a:t>Dans  la construction des modèles</a:t>
+            </a:r>
+            <a:r>
+              <a:rPr lang="fr-FR"/>
+              <a:t>, cet </a:t>
+            </a:r>
             <a:r>
               <a:rPr lang="fr-FR" dirty="0"/>
-              <a:t>Le super-classifieur final est une pondération de ces mini-classifieurs.</a:t>
+              <a:t>algorithme travaille de manière séquentielle. </a:t>
             </a:r>
           </a:p>
           <a:p>
             <a:r>
               <a:rPr lang="fr-FR" dirty="0"/>
-              <a:t>Une approche pour construire ce super-classifieur est de :</a:t>
-            </a:r>
-          </a:p>
-          <a:p>
-            <a:pPr marL="514350" indent="-514350">
-              <a:buFont typeface="+mj-lt"/>
-              <a:buAutoNum type="arabicPeriod"/>
-            </a:pPr>
+              <a:t>Il commence par construire un premier modèle qu’il va évaluer puis à partir de cette mesure, chaque individu va être pondéré en fonction de la performance de la prédiction. </a:t>
+            </a:r>
+          </a:p>
+          <a:p>
             <a:r>
               <a:rPr lang="fr-FR" dirty="0"/>
-              <a:t>Prendre une pondération quelconque (poids </a:t>
-            </a:r>
-            <a:r>
-              <a:rPr lang="fr-FR" dirty="0" err="1"/>
-              <a:t>wi</a:t>
-            </a:r>
+              <a:t>L’objectif est de donner un poids plus important aux individus pour lesquels la valeur a été mal prédite pour la construction du modèle suivant. </a:t>
+            </a:r>
+          </a:p>
+          <a:p>
             <a:r>
               <a:rPr lang="fr-FR" dirty="0"/>
-              <a:t>) de mini-classifieurs (paramètres ai) et former son super-classifieur.</a:t>
-            </a:r>
-          </a:p>
-          <a:p>
-            <a:pPr marL="514350" indent="-514350">
-              <a:buFont typeface="+mj-lt"/>
-              <a:buAutoNum type="arabicPeriod"/>
-            </a:pPr>
+              <a:t>Le fait de corriger les poids au fur et à mesure permet de mieux prédire les valeurs difficiles.</a:t>
+            </a:r>
+          </a:p>
+          <a:p>
             <a:r>
               <a:rPr lang="fr-FR" dirty="0"/>
-              <a:t>Calculer l’erreur induite par ce super-classifieur, et chercher le mini-classifieur qui s’approche le plus de cette erreur.</a:t>
-            </a:r>
-          </a:p>
-          <a:p>
-            <a:pPr marL="514350" indent="-514350">
-              <a:buFont typeface="+mj-lt"/>
-              <a:buAutoNum type="arabicPeriod"/>
-            </a:pPr>
+              <a:t>Ces algorithmes utilisent le </a:t>
+            </a:r>
+            <a:r>
+              <a:rPr lang="fr-FR" b="1" dirty="0"/>
+              <a:t>gradient de la fonction de perte</a:t>
+            </a:r>
             <a:r>
               <a:rPr lang="fr-FR" dirty="0"/>
-              <a:t>Retrancher le mini-classifieur au super-classifieur tout en optimisant son poids par rapport à une fonction de perte.</a:t>
-            </a:r>
-          </a:p>
-          <a:p>
-            <a:pPr marL="514350" indent="-514350">
-              <a:buFont typeface="+mj-lt"/>
-              <a:buAutoNum type="arabicPeriod"/>
-            </a:pPr>
-            <a:r>
-              <a:rPr lang="fr-FR" dirty="0"/>
-              <a:t>Répéter le procédé itérativement</a:t>
-            </a:r>
-          </a:p>
-          <a:p>
-            <a:r>
-              <a:rPr lang="fr-FR" dirty="0"/>
-              <a:t>Le classifieur du gradient </a:t>
-            </a:r>
-            <a:r>
-              <a:rPr lang="fr-FR" dirty="0" err="1"/>
-              <a:t>boosting</a:t>
-            </a:r>
-            <a:r>
-              <a:rPr lang="fr-FR" dirty="0"/>
-              <a:t> est donc au final paramétré par les poids de pondération des différents mini-classifieurs, ainsi que par les paramètres des fonctions utilisées. Il s’agit donc d’explorer un espace de fonctions simples par une descente de gradient sur l’erreur.</a:t>
+              <a:t> pour le calcul des poids des individus lors de la construction de chaque nouveau modèle</a:t>
             </a:r>
           </a:p>
         </p:txBody>
@@ -18853,7 +19664,7 @@
           <p:cNvPr id="4" name="Flèche droite 4">
             <a:extLst>
               <a:ext uri="{FF2B5EF4-FFF2-40B4-BE49-F238E27FC236}">
-                <a16:creationId xmlns:a16="http://schemas.microsoft.com/office/drawing/2014/main" id="{E6986C60-E745-405C-9898-5957F0C6C40E}"/>
+                <a16:creationId xmlns:a16="http://schemas.microsoft.com/office/drawing/2014/main" id="{40D137F7-D3FC-43A8-AA61-3F47FC2D84FD}"/>
               </a:ext>
             </a:extLst>
           </p:cNvPr>
@@ -18896,7 +19707,7 @@
     </p:spTree>
     <p:extLst>
       <p:ext uri="{BB962C8B-B14F-4D97-AF65-F5344CB8AC3E}">
-        <p14:creationId xmlns:p14="http://schemas.microsoft.com/office/powerpoint/2010/main" val="1186162769"/>
+        <p14:creationId xmlns:p14="http://schemas.microsoft.com/office/powerpoint/2010/main" val="3750761084"/>
       </p:ext>
     </p:extLst>
   </p:cSld>
@@ -19251,119 +20062,21 @@
                             </p:childTnLst>
                           </p:cTn>
                         </p:par>
-                      </p:childTnLst>
-                    </p:cTn>
-                  </p:par>
-                  <p:par>
-                    <p:cTn id="31" fill="hold">
-                      <p:stCondLst>
-                        <p:cond delay="indefinite"/>
-                      </p:stCondLst>
-                      <p:childTnLst>
                         <p:par>
-                          <p:cTn id="32" fill="hold">
+                          <p:cTn id="31" fill="hold">
                             <p:stCondLst>
                               <p:cond delay="0"/>
                             </p:stCondLst>
                             <p:childTnLst>
                               <p:par>
-                                <p:cTn id="33" presetID="1" presetClass="entr" presetSubtype="0" fill="hold" nodeType="clickEffect">
+                                <p:cTn id="32" presetID="1" presetClass="entr" presetSubtype="0" fill="hold" grpId="0" nodeType="afterEffect">
                                   <p:stCondLst>
                                     <p:cond delay="0"/>
                                   </p:stCondLst>
                                   <p:childTnLst>
                                     <p:set>
                                       <p:cBhvr>
-                                        <p:cTn id="34" dur="1" fill="hold">
-                                          <p:stCondLst>
-                                            <p:cond delay="0"/>
-                                          </p:stCondLst>
-                                        </p:cTn>
-                                        <p:tgtEl>
-                                          <p:spTgt spid="3">
-                                            <p:txEl>
-                                              <p:pRg st="7" end="7"/>
-                                            </p:txEl>
-                                          </p:spTgt>
-                                        </p:tgtEl>
-                                        <p:attrNameLst>
-                                          <p:attrName>style.visibility</p:attrName>
-                                        </p:attrNameLst>
-                                      </p:cBhvr>
-                                      <p:to>
-                                        <p:strVal val="visible"/>
-                                      </p:to>
-                                    </p:set>
-                                  </p:childTnLst>
-                                </p:cTn>
-                              </p:par>
-                            </p:childTnLst>
-                          </p:cTn>
-                        </p:par>
-                      </p:childTnLst>
-                    </p:cTn>
-                  </p:par>
-                  <p:par>
-                    <p:cTn id="35" fill="hold">
-                      <p:stCondLst>
-                        <p:cond delay="indefinite"/>
-                      </p:stCondLst>
-                      <p:childTnLst>
-                        <p:par>
-                          <p:cTn id="36" fill="hold">
-                            <p:stCondLst>
-                              <p:cond delay="0"/>
-                            </p:stCondLst>
-                            <p:childTnLst>
-                              <p:par>
-                                <p:cTn id="37" presetID="1" presetClass="entr" presetSubtype="0" fill="hold" nodeType="clickEffect">
-                                  <p:stCondLst>
-                                    <p:cond delay="0"/>
-                                  </p:stCondLst>
-                                  <p:childTnLst>
-                                    <p:set>
-                                      <p:cBhvr>
-                                        <p:cTn id="38" dur="1" fill="hold">
-                                          <p:stCondLst>
-                                            <p:cond delay="0"/>
-                                          </p:stCondLst>
-                                        </p:cTn>
-                                        <p:tgtEl>
-                                          <p:spTgt spid="3">
-                                            <p:txEl>
-                                              <p:pRg st="8" end="8"/>
-                                            </p:txEl>
-                                          </p:spTgt>
-                                        </p:tgtEl>
-                                        <p:attrNameLst>
-                                          <p:attrName>style.visibility</p:attrName>
-                                        </p:attrNameLst>
-                                      </p:cBhvr>
-                                      <p:to>
-                                        <p:strVal val="visible"/>
-                                      </p:to>
-                                    </p:set>
-                                  </p:childTnLst>
-                                </p:cTn>
-                              </p:par>
-                            </p:childTnLst>
-                          </p:cTn>
-                        </p:par>
-                        <p:par>
-                          <p:cTn id="39" fill="hold">
-                            <p:stCondLst>
-                              <p:cond delay="0"/>
-                            </p:stCondLst>
-                            <p:childTnLst>
-                              <p:par>
-                                <p:cTn id="40" presetID="1" presetClass="entr" presetSubtype="0" fill="hold" grpId="0" nodeType="afterEffect">
-                                  <p:stCondLst>
-                                    <p:cond delay="0"/>
-                                  </p:stCondLst>
-                                  <p:childTnLst>
-                                    <p:set>
-                                      <p:cBhvr>
-                                        <p:cTn id="41" dur="1" fill="hold">
+                                        <p:cTn id="33" dur="1" fill="hold">
                                           <p:stCondLst>
                                             <p:cond delay="0"/>
                                           </p:stCondLst>
@@ -21007,7 +21720,7 @@
                             </p:stCondLst>
                             <p:childTnLst>
                               <p:par>
-                                <p:cTn id="5" presetID="1" presetClass="entr" presetSubtype="0" fill="hold" grpId="0" nodeType="clickEffect">
+                                <p:cTn id="5" presetID="1" presetClass="entr" presetSubtype="0" fill="hold" nodeType="clickEffect">
                                   <p:stCondLst>
                                     <p:cond delay="0"/>
                                   </p:stCondLst>
@@ -21020,7 +21733,7 @@
                                           </p:stCondLst>
                                         </p:cTn>
                                         <p:tgtEl>
-                                          <p:spTgt spid="2"/>
+                                          <p:spTgt spid="17"/>
                                         </p:tgtEl>
                                         <p:attrNameLst>
                                           <p:attrName>style.visibility</p:attrName>
@@ -21065,7 +21778,11 @@
                                           </p:stCondLst>
                                         </p:cTn>
                                         <p:tgtEl>
-                                          <p:spTgt spid="17"/>
+                                          <p:spTgt spid="3">
+                                            <p:txEl>
+                                              <p:pRg st="0" end="0"/>
+                                            </p:txEl>
+                                          </p:spTgt>
                                         </p:tgtEl>
                                         <p:attrNameLst>
                                           <p:attrName>style.visibility</p:attrName>
@@ -21078,26 +21795,39 @@
                                   </p:childTnLst>
                                 </p:cTn>
                               </p:par>
-                            </p:childTnLst>
-                          </p:cTn>
-                        </p:par>
-                      </p:childTnLst>
-                    </p:cTn>
-                  </p:par>
-                  <p:par>
-                    <p:cTn id="11" fill="hold">
-                      <p:stCondLst>
-                        <p:cond delay="indefinite"/>
-                      </p:stCondLst>
-                      <p:childTnLst>
-                        <p:par>
-                          <p:cTn id="12" fill="hold">
-                            <p:stCondLst>
-                              <p:cond delay="0"/>
-                            </p:stCondLst>
-                            <p:childTnLst>
                               <p:par>
-                                <p:cTn id="13" presetID="1" presetClass="entr" presetSubtype="0" fill="hold" nodeType="clickEffect">
+                                <p:cTn id="11" presetID="1" presetClass="entr" presetSubtype="0" fill="hold" nodeType="withEffect">
+                                  <p:stCondLst>
+                                    <p:cond delay="0"/>
+                                  </p:stCondLst>
+                                  <p:childTnLst>
+                                    <p:set>
+                                      <p:cBhvr>
+                                        <p:cTn id="12" dur="1" fill="hold">
+                                          <p:stCondLst>
+                                            <p:cond delay="0"/>
+                                          </p:stCondLst>
+                                        </p:cTn>
+                                        <p:tgtEl>
+                                          <p:spTgt spid="3">
+                                            <p:txEl>
+                                              <p:pRg st="1" end="1"/>
+                                            </p:txEl>
+                                          </p:spTgt>
+                                        </p:tgtEl>
+                                        <p:attrNameLst>
+                                          <p:attrName>style.visibility</p:attrName>
+                                        </p:attrNameLst>
+                                      </p:cBhvr>
+                                      <p:to>
+                                        <p:strVal val="visible"/>
+                                      </p:to>
+                                    </p:set>
+                                  </p:childTnLst>
+                                </p:cTn>
+                              </p:par>
+                              <p:par>
+                                <p:cTn id="13" presetID="1" presetClass="entr" presetSubtype="0" fill="hold" nodeType="withEffect">
                                   <p:stCondLst>
                                     <p:cond delay="0"/>
                                   </p:stCondLst>
@@ -21112,7 +21842,7 @@
                                         <p:tgtEl>
                                           <p:spTgt spid="3">
                                             <p:txEl>
-                                              <p:pRg st="0" end="0"/>
+                                              <p:pRg st="2" end="2"/>
                                             </p:txEl>
                                           </p:spTgt>
                                         </p:tgtEl>
@@ -21143,7 +21873,7 @@
                                         <p:tgtEl>
                                           <p:spTgt spid="3">
                                             <p:txEl>
-                                              <p:pRg st="1" end="1"/>
+                                              <p:pRg st="3" end="3"/>
                                             </p:txEl>
                                           </p:spTgt>
                                         </p:tgtEl>
@@ -21174,7 +21904,7 @@
                                         <p:tgtEl>
                                           <p:spTgt spid="3">
                                             <p:txEl>
-                                              <p:pRg st="2" end="2"/>
+                                              <p:pRg st="4" end="4"/>
                                             </p:txEl>
                                           </p:spTgt>
                                         </p:tgtEl>
@@ -21205,7 +21935,7 @@
                                         <p:tgtEl>
                                           <p:spTgt spid="3">
                                             <p:txEl>
-                                              <p:pRg st="3" end="3"/>
+                                              <p:pRg st="5" end="5"/>
                                             </p:txEl>
                                           </p:spTgt>
                                         </p:tgtEl>
@@ -21236,7 +21966,7 @@
                                         <p:tgtEl>
                                           <p:spTgt spid="3">
                                             <p:txEl>
-                                              <p:pRg st="4" end="4"/>
+                                              <p:pRg st="8" end="8"/>
                                             </p:txEl>
                                           </p:spTgt>
                                         </p:tgtEl>
@@ -21267,7 +21997,7 @@
                                         <p:tgtEl>
                                           <p:spTgt spid="3">
                                             <p:txEl>
-                                              <p:pRg st="5" end="5"/>
+                                              <p:pRg st="9" end="9"/>
                                             </p:txEl>
                                           </p:spTgt>
                                         </p:tgtEl>
@@ -21298,7 +22028,7 @@
                                         <p:tgtEl>
                                           <p:spTgt spid="3">
                                             <p:txEl>
-                                              <p:pRg st="8" end="8"/>
+                                              <p:pRg st="10" end="10"/>
                                             </p:txEl>
                                           </p:spTgt>
                                         </p:tgtEl>
@@ -21329,7 +22059,7 @@
                                         <p:tgtEl>
                                           <p:spTgt spid="3">
                                             <p:txEl>
-                                              <p:pRg st="9" end="9"/>
+                                              <p:pRg st="11" end="11"/>
                                             </p:txEl>
                                           </p:spTgt>
                                         </p:tgtEl>
@@ -21360,7 +22090,7 @@
                                         <p:tgtEl>
                                           <p:spTgt spid="3">
                                             <p:txEl>
-                                              <p:pRg st="10" end="10"/>
+                                              <p:pRg st="12" end="12"/>
                                             </p:txEl>
                                           </p:spTgt>
                                         </p:tgtEl>
@@ -21391,68 +22121,6 @@
                                         <p:tgtEl>
                                           <p:spTgt spid="3">
                                             <p:txEl>
-                                              <p:pRg st="11" end="11"/>
-                                            </p:txEl>
-                                          </p:spTgt>
-                                        </p:tgtEl>
-                                        <p:attrNameLst>
-                                          <p:attrName>style.visibility</p:attrName>
-                                        </p:attrNameLst>
-                                      </p:cBhvr>
-                                      <p:to>
-                                        <p:strVal val="visible"/>
-                                      </p:to>
-                                    </p:set>
-                                  </p:childTnLst>
-                                </p:cTn>
-                              </p:par>
-                              <p:par>
-                                <p:cTn id="33" presetID="1" presetClass="entr" presetSubtype="0" fill="hold" nodeType="withEffect">
-                                  <p:stCondLst>
-                                    <p:cond delay="0"/>
-                                  </p:stCondLst>
-                                  <p:childTnLst>
-                                    <p:set>
-                                      <p:cBhvr>
-                                        <p:cTn id="34" dur="1" fill="hold">
-                                          <p:stCondLst>
-                                            <p:cond delay="0"/>
-                                          </p:stCondLst>
-                                        </p:cTn>
-                                        <p:tgtEl>
-                                          <p:spTgt spid="3">
-                                            <p:txEl>
-                                              <p:pRg st="12" end="12"/>
-                                            </p:txEl>
-                                          </p:spTgt>
-                                        </p:tgtEl>
-                                        <p:attrNameLst>
-                                          <p:attrName>style.visibility</p:attrName>
-                                        </p:attrNameLst>
-                                      </p:cBhvr>
-                                      <p:to>
-                                        <p:strVal val="visible"/>
-                                      </p:to>
-                                    </p:set>
-                                  </p:childTnLst>
-                                </p:cTn>
-                              </p:par>
-                              <p:par>
-                                <p:cTn id="35" presetID="1" presetClass="entr" presetSubtype="0" fill="hold" nodeType="withEffect">
-                                  <p:stCondLst>
-                                    <p:cond delay="0"/>
-                                  </p:stCondLst>
-                                  <p:childTnLst>
-                                    <p:set>
-                                      <p:cBhvr>
-                                        <p:cTn id="36" dur="1" fill="hold">
-                                          <p:stCondLst>
-                                            <p:cond delay="0"/>
-                                          </p:stCondLst>
-                                        </p:cTn>
-                                        <p:tgtEl>
-                                          <p:spTgt spid="3">
-                                            <p:txEl>
                                               <p:pRg st="13" end="13"/>
                                             </p:txEl>
                                           </p:spTgt>
@@ -21472,20 +22140,20 @@
                           </p:cTn>
                         </p:par>
                         <p:par>
-                          <p:cTn id="37" fill="hold">
+                          <p:cTn id="33" fill="hold">
                             <p:stCondLst>
                               <p:cond delay="0"/>
                             </p:stCondLst>
                             <p:childTnLst>
                               <p:par>
-                                <p:cTn id="38" presetID="1" presetClass="entr" presetSubtype="0" fill="hold" grpId="0" nodeType="afterEffect">
+                                <p:cTn id="34" presetID="1" presetClass="entr" presetSubtype="0" fill="hold" grpId="0" nodeType="afterEffect">
                                   <p:stCondLst>
                                     <p:cond delay="0"/>
                                   </p:stCondLst>
                                   <p:childTnLst>
                                     <p:set>
                                       <p:cBhvr>
-                                        <p:cTn id="39" dur="1" fill="hold">
+                                        <p:cTn id="35" dur="1" fill="hold">
                                           <p:stCondLst>
                                             <p:cond delay="0"/>
                                           </p:stCondLst>
@@ -21532,7 +22200,6 @@
       </p:par>
     </p:tnLst>
     <p:bldLst>
-      <p:bldP spid="2" grpId="0" animBg="1"/>
       <p:bldP spid="8" grpId="0" animBg="1"/>
     </p:bldLst>
   </p:timing>
@@ -24181,8 +24848,8 @@
         </p:nvSpPr>
         <p:spPr>
           <a:xfrm>
-            <a:off x="4277044" y="1487645"/>
-            <a:ext cx="811849" cy="745983"/>
+            <a:off x="4421900" y="1587234"/>
+            <a:ext cx="512239" cy="422636"/>
           </a:xfrm>
           <a:prstGeom prst="roundRect">
             <a:avLst/>
@@ -24905,7 +25572,7 @@
           </p:nvPr>
         </p:nvPicPr>
         <p:blipFill>
-          <a:blip r:embed="rId2">
+          <a:blip r:embed="rId3">
             <a:extLst>
               <a:ext uri="{28A0092B-C50C-407E-A947-70E740481C1C}">
                 <a14:useLocalDpi xmlns:a14="http://schemas.microsoft.com/office/drawing/2010/main" val="0"/>
@@ -24938,7 +25605,7 @@
           <p:nvPr/>
         </p:nvPicPr>
         <p:blipFill>
-          <a:blip r:embed="rId3">
+          <a:blip r:embed="rId4">
             <a:extLst>
               <a:ext uri="{28A0092B-C50C-407E-A947-70E740481C1C}">
                 <a14:useLocalDpi xmlns:a14="http://schemas.microsoft.com/office/drawing/2010/main" val="0"/>
@@ -25108,6 +25775,412 @@
           </a:p>
         </p:txBody>
       </p:sp>
+      <p:grpSp>
+        <p:nvGrpSpPr>
+          <p:cNvPr id="19" name="Groupe 18">
+            <a:extLst>
+              <a:ext uri="{FF2B5EF4-FFF2-40B4-BE49-F238E27FC236}">
+                <a16:creationId xmlns:a16="http://schemas.microsoft.com/office/drawing/2014/main" id="{E9C9779B-1FF8-4B5C-99D4-5C7545E3048E}"/>
+              </a:ext>
+            </a:extLst>
+          </p:cNvPr>
+          <p:cNvGrpSpPr/>
+          <p:nvPr/>
+        </p:nvGrpSpPr>
+        <p:grpSpPr>
+          <a:xfrm>
+            <a:off x="7460672" y="2396836"/>
+            <a:ext cx="3141717" cy="2185555"/>
+            <a:chOff x="7460672" y="2396836"/>
+            <a:chExt cx="3141717" cy="2185555"/>
+          </a:xfrm>
+        </p:grpSpPr>
+        <p:sp>
+          <p:nvSpPr>
+            <p:cNvPr id="3" name="Ellipse 2">
+              <a:extLst>
+                <a:ext uri="{FF2B5EF4-FFF2-40B4-BE49-F238E27FC236}">
+                  <a16:creationId xmlns:a16="http://schemas.microsoft.com/office/drawing/2014/main" id="{B00CE8AA-1053-43FE-A7A3-F458ABCB6369}"/>
+                </a:ext>
+              </a:extLst>
+            </p:cNvPr>
+            <p:cNvSpPr/>
+            <p:nvPr/>
+          </p:nvSpPr>
+          <p:spPr>
+            <a:xfrm>
+              <a:off x="7460672" y="4270663"/>
+              <a:ext cx="322119" cy="311728"/>
+            </a:xfrm>
+            <a:prstGeom prst="ellipse">
+              <a:avLst/>
+            </a:prstGeom>
+            <a:solidFill>
+              <a:schemeClr val="accent6">
+                <a:alpha val="50000"/>
+              </a:schemeClr>
+            </a:solidFill>
+            <a:ln>
+              <a:noFill/>
+            </a:ln>
+          </p:spPr>
+          <p:style>
+            <a:lnRef idx="0">
+              <a:scrgbClr r="0" g="0" b="0"/>
+            </a:lnRef>
+            <a:fillRef idx="0">
+              <a:scrgbClr r="0" g="0" b="0"/>
+            </a:fillRef>
+            <a:effectRef idx="0">
+              <a:scrgbClr r="0" g="0" b="0"/>
+            </a:effectRef>
+            <a:fontRef idx="minor">
+              <a:schemeClr val="lt1"/>
+            </a:fontRef>
+          </p:style>
+          <p:txBody>
+            <a:bodyPr rtlCol="0" anchor="ctr"/>
+            <a:lstStyle/>
+            <a:p>
+              <a:pPr algn="ctr"/>
+              <a:endParaRPr lang="fr-FR"/>
+            </a:p>
+          </p:txBody>
+        </p:sp>
+        <p:sp>
+          <p:nvSpPr>
+            <p:cNvPr id="9" name="Ellipse 8">
+              <a:extLst>
+                <a:ext uri="{FF2B5EF4-FFF2-40B4-BE49-F238E27FC236}">
+                  <a16:creationId xmlns:a16="http://schemas.microsoft.com/office/drawing/2014/main" id="{FDD6ED32-C093-4305-8CF4-9C392BCD4AC5}"/>
+                </a:ext>
+              </a:extLst>
+            </p:cNvPr>
+            <p:cNvSpPr/>
+            <p:nvPr/>
+          </p:nvSpPr>
+          <p:spPr>
+            <a:xfrm>
+              <a:off x="9327770" y="2396836"/>
+              <a:ext cx="322119" cy="311728"/>
+            </a:xfrm>
+            <a:prstGeom prst="ellipse">
+              <a:avLst/>
+            </a:prstGeom>
+            <a:solidFill>
+              <a:schemeClr val="accent6">
+                <a:alpha val="50000"/>
+              </a:schemeClr>
+            </a:solidFill>
+            <a:ln>
+              <a:noFill/>
+            </a:ln>
+          </p:spPr>
+          <p:style>
+            <a:lnRef idx="0">
+              <a:scrgbClr r="0" g="0" b="0"/>
+            </a:lnRef>
+            <a:fillRef idx="0">
+              <a:scrgbClr r="0" g="0" b="0"/>
+            </a:fillRef>
+            <a:effectRef idx="0">
+              <a:scrgbClr r="0" g="0" b="0"/>
+            </a:effectRef>
+            <a:fontRef idx="minor">
+              <a:schemeClr val="lt1"/>
+            </a:fontRef>
+          </p:style>
+          <p:txBody>
+            <a:bodyPr rtlCol="0" anchor="ctr"/>
+            <a:lstStyle/>
+            <a:p>
+              <a:pPr algn="ctr"/>
+              <a:endParaRPr lang="fr-FR"/>
+            </a:p>
+          </p:txBody>
+        </p:sp>
+        <p:sp>
+          <p:nvSpPr>
+            <p:cNvPr id="10" name="Ellipse 9">
+              <a:extLst>
+                <a:ext uri="{FF2B5EF4-FFF2-40B4-BE49-F238E27FC236}">
+                  <a16:creationId xmlns:a16="http://schemas.microsoft.com/office/drawing/2014/main" id="{0E11A952-7A35-40E3-A451-DC112972585D}"/>
+                </a:ext>
+              </a:extLst>
+            </p:cNvPr>
+            <p:cNvSpPr/>
+            <p:nvPr/>
+          </p:nvSpPr>
+          <p:spPr>
+            <a:xfrm>
+              <a:off x="10280270" y="3016827"/>
+              <a:ext cx="322119" cy="311728"/>
+            </a:xfrm>
+            <a:prstGeom prst="ellipse">
+              <a:avLst/>
+            </a:prstGeom>
+            <a:solidFill>
+              <a:schemeClr val="accent6">
+                <a:alpha val="50000"/>
+              </a:schemeClr>
+            </a:solidFill>
+            <a:ln>
+              <a:noFill/>
+            </a:ln>
+          </p:spPr>
+          <p:style>
+            <a:lnRef idx="0">
+              <a:scrgbClr r="0" g="0" b="0"/>
+            </a:lnRef>
+            <a:fillRef idx="0">
+              <a:scrgbClr r="0" g="0" b="0"/>
+            </a:fillRef>
+            <a:effectRef idx="0">
+              <a:scrgbClr r="0" g="0" b="0"/>
+            </a:effectRef>
+            <a:fontRef idx="minor">
+              <a:schemeClr val="lt1"/>
+            </a:fontRef>
+          </p:style>
+          <p:txBody>
+            <a:bodyPr rtlCol="0" anchor="ctr"/>
+            <a:lstStyle/>
+            <a:p>
+              <a:pPr algn="ctr"/>
+              <a:endParaRPr lang="fr-FR"/>
+            </a:p>
+          </p:txBody>
+        </p:sp>
+      </p:grpSp>
+      <p:grpSp>
+        <p:nvGrpSpPr>
+          <p:cNvPr id="4" name="Groupe 3">
+            <a:extLst>
+              <a:ext uri="{FF2B5EF4-FFF2-40B4-BE49-F238E27FC236}">
+                <a16:creationId xmlns:a16="http://schemas.microsoft.com/office/drawing/2014/main" id="{BB79020D-259D-4F67-89B0-F72223ADADF1}"/>
+              </a:ext>
+            </a:extLst>
+          </p:cNvPr>
+          <p:cNvGrpSpPr/>
+          <p:nvPr/>
+        </p:nvGrpSpPr>
+        <p:grpSpPr>
+          <a:xfrm>
+            <a:off x="3085246" y="2351231"/>
+            <a:ext cx="2856934" cy="2829102"/>
+            <a:chOff x="3085246" y="2351231"/>
+            <a:chExt cx="2856934" cy="2829102"/>
+          </a:xfrm>
+        </p:grpSpPr>
+        <p:sp>
+          <p:nvSpPr>
+            <p:cNvPr id="12" name="Ellipse 11">
+              <a:extLst>
+                <a:ext uri="{FF2B5EF4-FFF2-40B4-BE49-F238E27FC236}">
+                  <a16:creationId xmlns:a16="http://schemas.microsoft.com/office/drawing/2014/main" id="{ED264C16-EA07-4AFB-8998-82708B518F18}"/>
+                </a:ext>
+              </a:extLst>
+            </p:cNvPr>
+            <p:cNvSpPr/>
+            <p:nvPr/>
+          </p:nvSpPr>
+          <p:spPr>
+            <a:xfrm>
+              <a:off x="3085246" y="2631787"/>
+              <a:ext cx="322119" cy="311728"/>
+            </a:xfrm>
+            <a:prstGeom prst="ellipse">
+              <a:avLst/>
+            </a:prstGeom>
+            <a:solidFill>
+              <a:schemeClr val="accent6">
+                <a:alpha val="50000"/>
+              </a:schemeClr>
+            </a:solidFill>
+            <a:ln>
+              <a:noFill/>
+            </a:ln>
+          </p:spPr>
+          <p:style>
+            <a:lnRef idx="0">
+              <a:scrgbClr r="0" g="0" b="0"/>
+            </a:lnRef>
+            <a:fillRef idx="0">
+              <a:scrgbClr r="0" g="0" b="0"/>
+            </a:fillRef>
+            <a:effectRef idx="0">
+              <a:scrgbClr r="0" g="0" b="0"/>
+            </a:effectRef>
+            <a:fontRef idx="minor">
+              <a:schemeClr val="lt1"/>
+            </a:fontRef>
+          </p:style>
+          <p:txBody>
+            <a:bodyPr rtlCol="0" anchor="ctr"/>
+            <a:lstStyle/>
+            <a:p>
+              <a:pPr algn="ctr"/>
+              <a:endParaRPr lang="fr-FR"/>
+            </a:p>
+          </p:txBody>
+        </p:sp>
+        <p:sp>
+          <p:nvSpPr>
+            <p:cNvPr id="16" name="Ellipse 15">
+              <a:extLst>
+                <a:ext uri="{FF2B5EF4-FFF2-40B4-BE49-F238E27FC236}">
+                  <a16:creationId xmlns:a16="http://schemas.microsoft.com/office/drawing/2014/main" id="{3A867649-AE7F-4583-98D9-F105199F1471}"/>
+                </a:ext>
+              </a:extLst>
+            </p:cNvPr>
+            <p:cNvSpPr/>
+            <p:nvPr/>
+          </p:nvSpPr>
+          <p:spPr>
+            <a:xfrm>
+              <a:off x="5620061" y="4868605"/>
+              <a:ext cx="322119" cy="311728"/>
+            </a:xfrm>
+            <a:prstGeom prst="ellipse">
+              <a:avLst/>
+            </a:prstGeom>
+            <a:solidFill>
+              <a:schemeClr val="accent6">
+                <a:alpha val="50000"/>
+              </a:schemeClr>
+            </a:solidFill>
+            <a:ln>
+              <a:noFill/>
+            </a:ln>
+          </p:spPr>
+          <p:style>
+            <a:lnRef idx="0">
+              <a:scrgbClr r="0" g="0" b="0"/>
+            </a:lnRef>
+            <a:fillRef idx="0">
+              <a:scrgbClr r="0" g="0" b="0"/>
+            </a:fillRef>
+            <a:effectRef idx="0">
+              <a:scrgbClr r="0" g="0" b="0"/>
+            </a:effectRef>
+            <a:fontRef idx="minor">
+              <a:schemeClr val="lt1"/>
+            </a:fontRef>
+          </p:style>
+          <p:txBody>
+            <a:bodyPr rtlCol="0" anchor="ctr"/>
+            <a:lstStyle/>
+            <a:p>
+              <a:pPr algn="ctr"/>
+              <a:endParaRPr lang="fr-FR"/>
+            </a:p>
+          </p:txBody>
+        </p:sp>
+        <p:sp>
+          <p:nvSpPr>
+            <p:cNvPr id="17" name="Ellipse 16">
+              <a:extLst>
+                <a:ext uri="{FF2B5EF4-FFF2-40B4-BE49-F238E27FC236}">
+                  <a16:creationId xmlns:a16="http://schemas.microsoft.com/office/drawing/2014/main" id="{502A9D95-2D33-4FD8-BDC5-A52B8E0C415D}"/>
+                </a:ext>
+              </a:extLst>
+            </p:cNvPr>
+            <p:cNvSpPr/>
+            <p:nvPr/>
+          </p:nvSpPr>
+          <p:spPr>
+            <a:xfrm>
+              <a:off x="5620060" y="3932448"/>
+              <a:ext cx="322119" cy="311728"/>
+            </a:xfrm>
+            <a:prstGeom prst="ellipse">
+              <a:avLst/>
+            </a:prstGeom>
+            <a:solidFill>
+              <a:schemeClr val="accent6">
+                <a:alpha val="50000"/>
+              </a:schemeClr>
+            </a:solidFill>
+            <a:ln>
+              <a:noFill/>
+            </a:ln>
+          </p:spPr>
+          <p:style>
+            <a:lnRef idx="0">
+              <a:scrgbClr r="0" g="0" b="0"/>
+            </a:lnRef>
+            <a:fillRef idx="0">
+              <a:scrgbClr r="0" g="0" b="0"/>
+            </a:fillRef>
+            <a:effectRef idx="0">
+              <a:scrgbClr r="0" g="0" b="0"/>
+            </a:effectRef>
+            <a:fontRef idx="minor">
+              <a:schemeClr val="lt1"/>
+            </a:fontRef>
+          </p:style>
+          <p:txBody>
+            <a:bodyPr rtlCol="0" anchor="ctr"/>
+            <a:lstStyle/>
+            <a:p>
+              <a:pPr algn="ctr"/>
+              <a:endParaRPr lang="fr-FR"/>
+            </a:p>
+          </p:txBody>
+        </p:sp>
+        <p:sp>
+          <p:nvSpPr>
+            <p:cNvPr id="18" name="Ellipse 17">
+              <a:extLst>
+                <a:ext uri="{FF2B5EF4-FFF2-40B4-BE49-F238E27FC236}">
+                  <a16:creationId xmlns:a16="http://schemas.microsoft.com/office/drawing/2014/main" id="{3A24909E-83B2-465C-B024-D536559DD0DE}"/>
+                </a:ext>
+              </a:extLst>
+            </p:cNvPr>
+            <p:cNvSpPr/>
+            <p:nvPr/>
+          </p:nvSpPr>
+          <p:spPr>
+            <a:xfrm>
+              <a:off x="5608500" y="2351231"/>
+              <a:ext cx="322119" cy="311728"/>
+            </a:xfrm>
+            <a:prstGeom prst="ellipse">
+              <a:avLst/>
+            </a:prstGeom>
+            <a:solidFill>
+              <a:schemeClr val="accent6">
+                <a:alpha val="50000"/>
+              </a:schemeClr>
+            </a:solidFill>
+            <a:ln>
+              <a:noFill/>
+            </a:ln>
+          </p:spPr>
+          <p:style>
+            <a:lnRef idx="0">
+              <a:scrgbClr r="0" g="0" b="0"/>
+            </a:lnRef>
+            <a:fillRef idx="0">
+              <a:scrgbClr r="0" g="0" b="0"/>
+            </a:fillRef>
+            <a:effectRef idx="0">
+              <a:scrgbClr r="0" g="0" b="0"/>
+            </a:effectRef>
+            <a:fontRef idx="minor">
+              <a:schemeClr val="lt1"/>
+            </a:fontRef>
+          </p:style>
+          <p:txBody>
+            <a:bodyPr rtlCol="0" anchor="ctr"/>
+            <a:lstStyle/>
+            <a:p>
+              <a:pPr algn="ctr"/>
+              <a:endParaRPr lang="fr-FR"/>
+            </a:p>
+          </p:txBody>
+        </p:sp>
+      </p:grpSp>
     </p:spTree>
     <p:extLst>
       <p:ext uri="{BB962C8B-B14F-4D97-AF65-F5344CB8AC3E}">
@@ -25242,7 +26315,7 @@
                                           </p:stCondLst>
                                         </p:cTn>
                                         <p:tgtEl>
-                                          <p:spTgt spid="7"/>
+                                          <p:spTgt spid="4"/>
                                         </p:tgtEl>
                                         <p:attrNameLst>
                                           <p:attrName>style.visibility</p:attrName>
@@ -25274,7 +26347,7 @@
                             </p:stCondLst>
                             <p:childTnLst>
                               <p:par>
-                                <p:cTn id="17" presetID="1" presetClass="entr" presetSubtype="0" fill="hold" grpId="0" nodeType="clickEffect">
+                                <p:cTn id="17" presetID="1" presetClass="entr" presetSubtype="0" fill="hold" nodeType="clickEffect">
                                   <p:stCondLst>
                                     <p:cond delay="0"/>
                                   </p:stCondLst>
@@ -25282,6 +26355,51 @@
                                     <p:set>
                                       <p:cBhvr>
                                         <p:cTn id="18" dur="1" fill="hold">
+                                          <p:stCondLst>
+                                            <p:cond delay="0"/>
+                                          </p:stCondLst>
+                                        </p:cTn>
+                                        <p:tgtEl>
+                                          <p:spTgt spid="7"/>
+                                        </p:tgtEl>
+                                        <p:attrNameLst>
+                                          <p:attrName>style.visibility</p:attrName>
+                                        </p:attrNameLst>
+                                      </p:cBhvr>
+                                      <p:to>
+                                        <p:strVal val="visible"/>
+                                      </p:to>
+                                    </p:set>
+                                  </p:childTnLst>
+                                </p:cTn>
+                              </p:par>
+                            </p:childTnLst>
+                          </p:cTn>
+                        </p:par>
+                      </p:childTnLst>
+                    </p:cTn>
+                  </p:par>
+                  <p:par>
+                    <p:cTn id="19" fill="hold">
+                      <p:stCondLst>
+                        <p:cond delay="indefinite"/>
+                      </p:stCondLst>
+                      <p:childTnLst>
+                        <p:par>
+                          <p:cTn id="20" fill="hold">
+                            <p:stCondLst>
+                              <p:cond delay="0"/>
+                            </p:stCondLst>
+                            <p:childTnLst>
+                              <p:par>
+                                <p:cTn id="21" presetID="1" presetClass="entr" presetSubtype="0" fill="hold" grpId="0" nodeType="clickEffect">
+                                  <p:stCondLst>
+                                    <p:cond delay="0"/>
+                                  </p:stCondLst>
+                                  <p:childTnLst>
+                                    <p:set>
+                                      <p:cBhvr>
+                                        <p:cTn id="22" dur="1" fill="hold">
                                           <p:stCondLst>
                                             <p:cond delay="0"/>
                                           </p:stCondLst>
@@ -25303,21 +26421,66 @@
                             </p:childTnLst>
                           </p:cTn>
                         </p:par>
+                      </p:childTnLst>
+                    </p:cTn>
+                  </p:par>
+                  <p:par>
+                    <p:cTn id="23" fill="hold">
+                      <p:stCondLst>
+                        <p:cond delay="indefinite"/>
+                      </p:stCondLst>
+                      <p:childTnLst>
                         <p:par>
-                          <p:cTn id="19" fill="hold">
+                          <p:cTn id="24" fill="hold">
                             <p:stCondLst>
                               <p:cond delay="0"/>
                             </p:stCondLst>
                             <p:childTnLst>
                               <p:par>
-                                <p:cTn id="20" presetID="1" presetClass="entr" presetSubtype="0" fill="hold" grpId="0" nodeType="afterEffect">
+                                <p:cTn id="25" presetID="1" presetClass="entr" presetSubtype="0" fill="hold" nodeType="clickEffect">
                                   <p:stCondLst>
                                     <p:cond delay="0"/>
                                   </p:stCondLst>
                                   <p:childTnLst>
                                     <p:set>
                                       <p:cBhvr>
-                                        <p:cTn id="21" dur="1" fill="hold">
+                                        <p:cTn id="26" dur="1" fill="hold">
+                                          <p:stCondLst>
+                                            <p:cond delay="0"/>
+                                          </p:stCondLst>
+                                        </p:cTn>
+                                        <p:tgtEl>
+                                          <p:spTgt spid="19"/>
+                                        </p:tgtEl>
+                                        <p:attrNameLst>
+                                          <p:attrName>style.visibility</p:attrName>
+                                        </p:attrNameLst>
+                                      </p:cBhvr>
+                                      <p:to>
+                                        <p:strVal val="visible"/>
+                                      </p:to>
+                                    </p:set>
+                                  </p:childTnLst>
+                                </p:cTn>
+                              </p:par>
+                            </p:childTnLst>
+                          </p:cTn>
+                        </p:par>
+                        <p:par>
+                          <p:cTn id="27" fill="hold">
+                            <p:stCondLst>
+                              <p:cond delay="0"/>
+                            </p:stCondLst>
+                            <p:childTnLst>
+                              <p:par>
+                                <p:cTn id="28" presetID="1" presetClass="entr" presetSubtype="0" fill="hold" grpId="0" nodeType="afterEffect">
+                                  <p:stCondLst>
+                                    <p:cond delay="0"/>
+                                  </p:stCondLst>
+                                  <p:childTnLst>
+                                    <p:set>
+                                      <p:cBhvr>
+                                        <p:cTn id="29" dur="1" fill="hold">
                                           <p:stCondLst>
                                             <p:cond delay="0"/>
                                           </p:stCondLst>
@@ -25450,7 +26613,23 @@
             <a:pPr algn="just"/>
             <a:r>
               <a:rPr lang="fr-FR" dirty="0"/>
-              <a:t>Un autre algorithme que celui choisi était plus performant, mais il était beaucoup plus lent.</a:t>
+              <a:t>Un autre algorithme (Gradient </a:t>
+            </a:r>
+            <a:r>
+              <a:rPr lang="fr-FR" dirty="0" err="1"/>
+              <a:t>Boosting</a:t>
+            </a:r>
+            <a:r>
+              <a:rPr lang="fr-FR" dirty="0"/>
+              <a:t>) que celui choisi (</a:t>
+            </a:r>
+            <a:r>
+              <a:rPr lang="fr-FR" dirty="0" err="1"/>
+              <a:t>Random</a:t>
+            </a:r>
+            <a:r>
+              <a:rPr lang="fr-FR" dirty="0"/>
+              <a:t> Forrest) était plus performant, mais il était beaucoup plus lent.</a:t>
             </a:r>
           </a:p>
           <a:p>
@@ -26966,8 +28145,13 @@
           <a:p>
             <a:r>
               <a:rPr lang="fr-FR" dirty="0"/>
-              <a:t>Résultats des biais</a:t>
-            </a:r>
+              <a:t>Résultats des biais - </a:t>
+            </a:r>
+            <a:r>
+              <a:rPr lang="fr-FR" dirty="0" err="1"/>
+              <a:t>accuracy</a:t>
+            </a:r>
+            <a:endParaRPr lang="fr-FR" dirty="0"/>
           </a:p>
         </p:txBody>
       </p:sp>
@@ -26990,7 +28174,7 @@
         <p:spPr/>
         <p:txBody>
           <a:bodyPr>
-            <a:normAutofit fontScale="85000" lnSpcReduction="20000"/>
+            <a:normAutofit/>
           </a:bodyPr>
           <a:lstStyle/>
           <a:p>
@@ -27051,32 +28235,6 @@
           </a:p>
           <a:p>
             <a:endParaRPr lang="fr-FR" dirty="0"/>
-          </a:p>
-          <a:p>
-            <a:r>
-              <a:rPr lang="fr-FR" dirty="0"/>
-              <a:t>Résultats cohérents.</a:t>
-            </a:r>
-          </a:p>
-          <a:p>
-            <a:r>
-              <a:rPr lang="fr-FR" dirty="0"/>
-              <a:t>Le data </a:t>
-            </a:r>
-            <a:r>
-              <a:rPr lang="fr-FR" dirty="0" err="1"/>
-              <a:t>leakage</a:t>
-            </a:r>
-            <a:r>
-              <a:rPr lang="fr-FR" dirty="0"/>
-              <a:t> est une forme de triche, où l’on donne les « résultats avant l’examen ».</a:t>
-            </a:r>
-          </a:p>
-          <a:p>
-            <a:r>
-              <a:rPr lang="fr-FR" dirty="0"/>
-              <a:t>Le biais sur la somme dépensée empêche l’algorithme d’être performant sur certaines parties de ces sommes.</a:t>
-            </a:r>
           </a:p>
         </p:txBody>
       </p:sp>
@@ -27140,13 +28298,13 @@
           <p:nvPr/>
         </p:nvPicPr>
         <p:blipFill rotWithShape="1">
-          <a:blip r:embed="rId2"/>
+          <a:blip r:embed="rId3"/>
           <a:srcRect l="2372" t="64204" r="68431" b="4110"/>
           <a:stretch/>
         </p:blipFill>
         <p:spPr>
           <a:xfrm>
-            <a:off x="8294915" y="2372649"/>
+            <a:off x="6871361" y="4041068"/>
             <a:ext cx="3559710" cy="2112701"/>
           </a:xfrm>
           <a:prstGeom prst="rect">
@@ -27468,168 +28626,21 @@
                             </p:childTnLst>
                           </p:cTn>
                         </p:par>
-                      </p:childTnLst>
-                    </p:cTn>
-                  </p:par>
-                  <p:par>
-                    <p:cTn id="25" fill="hold">
-                      <p:stCondLst>
-                        <p:cond delay="indefinite"/>
-                      </p:stCondLst>
-                      <p:childTnLst>
                         <p:par>
-                          <p:cTn id="26" fill="hold">
+                          <p:cTn id="25" fill="hold">
                             <p:stCondLst>
                               <p:cond delay="0"/>
                             </p:stCondLst>
                             <p:childTnLst>
                               <p:par>
-                                <p:cTn id="27" presetID="1" presetClass="entr" presetSubtype="0" fill="hold" nodeType="clickEffect">
+                                <p:cTn id="26" presetID="1" presetClass="entr" presetSubtype="0" fill="hold" grpId="0" nodeType="afterEffect">
                                   <p:stCondLst>
                                     <p:cond delay="0"/>
                                   </p:stCondLst>
                                   <p:childTnLst>
                                     <p:set>
                                       <p:cBhvr>
-                                        <p:cTn id="28" dur="1" fill="hold">
-                                          <p:stCondLst>
-                                            <p:cond delay="0"/>
-                                          </p:stCondLst>
-                                        </p:cTn>
-                                        <p:tgtEl>
-                                          <p:spTgt spid="3">
-                                            <p:txEl>
-                                              <p:pRg st="7" end="7"/>
-                                            </p:txEl>
-                                          </p:spTgt>
-                                        </p:tgtEl>
-                                        <p:attrNameLst>
-                                          <p:attrName>style.visibility</p:attrName>
-                                        </p:attrNameLst>
-                                      </p:cBhvr>
-                                      <p:to>
-                                        <p:strVal val="visible"/>
-                                      </p:to>
-                                    </p:set>
-                                  </p:childTnLst>
-                                </p:cTn>
-                              </p:par>
-                            </p:childTnLst>
-                          </p:cTn>
-                        </p:par>
-                      </p:childTnLst>
-                    </p:cTn>
-                  </p:par>
-                  <p:par>
-                    <p:cTn id="29" fill="hold">
-                      <p:stCondLst>
-                        <p:cond delay="indefinite"/>
-                      </p:stCondLst>
-                      <p:childTnLst>
-                        <p:par>
-                          <p:cTn id="30" fill="hold">
-                            <p:stCondLst>
-                              <p:cond delay="0"/>
-                            </p:stCondLst>
-                            <p:childTnLst>
-                              <p:par>
-                                <p:cTn id="31" presetID="1" presetClass="entr" presetSubtype="0" fill="hold" nodeType="clickEffect">
-                                  <p:stCondLst>
-                                    <p:cond delay="0"/>
-                                  </p:stCondLst>
-                                  <p:childTnLst>
-                                    <p:set>
-                                      <p:cBhvr>
-                                        <p:cTn id="32" dur="1" fill="hold">
-                                          <p:stCondLst>
-                                            <p:cond delay="0"/>
-                                          </p:stCondLst>
-                                        </p:cTn>
-                                        <p:tgtEl>
-                                          <p:spTgt spid="3">
-                                            <p:txEl>
-                                              <p:pRg st="8" end="8"/>
-                                            </p:txEl>
-                                          </p:spTgt>
-                                        </p:tgtEl>
-                                        <p:attrNameLst>
-                                          <p:attrName>style.visibility</p:attrName>
-                                        </p:attrNameLst>
-                                      </p:cBhvr>
-                                      <p:to>
-                                        <p:strVal val="visible"/>
-                                      </p:to>
-                                    </p:set>
-                                  </p:childTnLst>
-                                </p:cTn>
-                              </p:par>
-                            </p:childTnLst>
-                          </p:cTn>
-                        </p:par>
-                      </p:childTnLst>
-                    </p:cTn>
-                  </p:par>
-                  <p:par>
-                    <p:cTn id="33" fill="hold">
-                      <p:stCondLst>
-                        <p:cond delay="indefinite"/>
-                      </p:stCondLst>
-                      <p:childTnLst>
-                        <p:par>
-                          <p:cTn id="34" fill="hold">
-                            <p:stCondLst>
-                              <p:cond delay="0"/>
-                            </p:stCondLst>
-                            <p:childTnLst>
-                              <p:par>
-                                <p:cTn id="35" presetID="1" presetClass="entr" presetSubtype="0" fill="hold" nodeType="clickEffect">
-                                  <p:stCondLst>
-                                    <p:cond delay="0"/>
-                                  </p:stCondLst>
-                                  <p:childTnLst>
-                                    <p:set>
-                                      <p:cBhvr>
-                                        <p:cTn id="36" dur="1" fill="hold">
-                                          <p:stCondLst>
-                                            <p:cond delay="0"/>
-                                          </p:stCondLst>
-                                        </p:cTn>
-                                        <p:tgtEl>
-                                          <p:spTgt spid="3">
-                                            <p:txEl>
-                                              <p:pRg st="9" end="9"/>
-                                            </p:txEl>
-                                          </p:spTgt>
-                                        </p:tgtEl>
-                                        <p:attrNameLst>
-                                          <p:attrName>style.visibility</p:attrName>
-                                        </p:attrNameLst>
-                                      </p:cBhvr>
-                                      <p:to>
-                                        <p:strVal val="visible"/>
-                                      </p:to>
-                                    </p:set>
-                                  </p:childTnLst>
-                                </p:cTn>
-                              </p:par>
-                            </p:childTnLst>
-                          </p:cTn>
-                        </p:par>
-                        <p:par>
-                          <p:cTn id="37" fill="hold">
-                            <p:stCondLst>
-                              <p:cond delay="0"/>
-                            </p:stCondLst>
-                            <p:childTnLst>
-                              <p:par>
-                                <p:cTn id="38" presetID="1" presetClass="entr" presetSubtype="0" fill="hold" grpId="0" nodeType="afterEffect">
-                                  <p:stCondLst>
-                                    <p:cond delay="0"/>
-                                  </p:stCondLst>
-                                  <p:childTnLst>
-                                    <p:set>
-                                      <p:cBhvr>
-                                        <p:cTn id="39" dur="1" fill="hold">
+                                        <p:cTn id="27" dur="1" fill="hold">
                                           <p:stCondLst>
                                             <p:cond delay="0"/>
                                           </p:stCondLst>
@@ -27727,7 +28738,7 @@
           <a:p>
             <a:r>
               <a:rPr lang="fr-FR" dirty="0"/>
-              <a:t>Résultats des biais</a:t>
+              <a:t>Résultats des biais – matrice de confusion</a:t>
             </a:r>
           </a:p>
         </p:txBody>
@@ -27749,7 +28760,7 @@
           </p:nvPr>
         </p:nvPicPr>
         <p:blipFill>
-          <a:blip r:embed="rId2">
+          <a:blip r:embed="rId3">
             <a:extLst>
               <a:ext uri="{28A0092B-C50C-407E-A947-70E740481C1C}">
                 <a14:useLocalDpi xmlns:a14="http://schemas.microsoft.com/office/drawing/2010/main" val="0"/>
@@ -27782,7 +28793,7 @@
           <p:nvPr/>
         </p:nvPicPr>
         <p:blipFill>
-          <a:blip r:embed="rId3">
+          <a:blip r:embed="rId4">
             <a:extLst>
               <a:ext uri="{28A0092B-C50C-407E-A947-70E740481C1C}">
                 <a14:useLocalDpi xmlns:a14="http://schemas.microsoft.com/office/drawing/2010/main" val="0"/>
@@ -27818,7 +28829,7 @@
           <p:nvPr/>
         </p:nvPicPr>
         <p:blipFill>
-          <a:blip r:embed="rId4">
+          <a:blip r:embed="rId5">
             <a:extLst>
               <a:ext uri="{28A0092B-C50C-407E-A947-70E740481C1C}">
                 <a14:useLocalDpi xmlns:a14="http://schemas.microsoft.com/office/drawing/2010/main" val="0"/>
@@ -28040,6 +29051,339 @@
           </a:p>
         </p:txBody>
       </p:sp>
+      <p:grpSp>
+        <p:nvGrpSpPr>
+          <p:cNvPr id="3" name="Groupe 2">
+            <a:extLst>
+              <a:ext uri="{FF2B5EF4-FFF2-40B4-BE49-F238E27FC236}">
+                <a16:creationId xmlns:a16="http://schemas.microsoft.com/office/drawing/2014/main" id="{4D1099A0-E151-46CA-BF83-A040604A1804}"/>
+              </a:ext>
+            </a:extLst>
+          </p:cNvPr>
+          <p:cNvGrpSpPr/>
+          <p:nvPr/>
+        </p:nvGrpSpPr>
+        <p:grpSpPr>
+          <a:xfrm>
+            <a:off x="2171700" y="2850572"/>
+            <a:ext cx="9536681" cy="1703275"/>
+            <a:chOff x="2171700" y="2850572"/>
+            <a:chExt cx="9536681" cy="1703275"/>
+          </a:xfrm>
+        </p:grpSpPr>
+        <p:sp>
+          <p:nvSpPr>
+            <p:cNvPr id="12" name="Ellipse 11">
+              <a:extLst>
+                <a:ext uri="{FF2B5EF4-FFF2-40B4-BE49-F238E27FC236}">
+                  <a16:creationId xmlns:a16="http://schemas.microsoft.com/office/drawing/2014/main" id="{E82599CB-F977-4527-BC8D-ADB4C28726FC}"/>
+                </a:ext>
+              </a:extLst>
+            </p:cNvPr>
+            <p:cNvSpPr/>
+            <p:nvPr/>
+          </p:nvSpPr>
+          <p:spPr>
+            <a:xfrm>
+              <a:off x="2649682" y="2850572"/>
+              <a:ext cx="322119" cy="311728"/>
+            </a:xfrm>
+            <a:prstGeom prst="ellipse">
+              <a:avLst/>
+            </a:prstGeom>
+            <a:solidFill>
+              <a:schemeClr val="accent6">
+                <a:alpha val="50000"/>
+              </a:schemeClr>
+            </a:solidFill>
+            <a:ln>
+              <a:noFill/>
+            </a:ln>
+          </p:spPr>
+          <p:style>
+            <a:lnRef idx="0">
+              <a:scrgbClr r="0" g="0" b="0"/>
+            </a:lnRef>
+            <a:fillRef idx="0">
+              <a:scrgbClr r="0" g="0" b="0"/>
+            </a:fillRef>
+            <a:effectRef idx="0">
+              <a:scrgbClr r="0" g="0" b="0"/>
+            </a:effectRef>
+            <a:fontRef idx="minor">
+              <a:schemeClr val="lt1"/>
+            </a:fontRef>
+          </p:style>
+          <p:txBody>
+            <a:bodyPr rtlCol="0" anchor="ctr"/>
+            <a:lstStyle/>
+            <a:p>
+              <a:pPr algn="ctr"/>
+              <a:endParaRPr lang="fr-FR"/>
+            </a:p>
+          </p:txBody>
+        </p:sp>
+        <p:sp>
+          <p:nvSpPr>
+            <p:cNvPr id="13" name="Ellipse 12">
+              <a:extLst>
+                <a:ext uri="{FF2B5EF4-FFF2-40B4-BE49-F238E27FC236}">
+                  <a16:creationId xmlns:a16="http://schemas.microsoft.com/office/drawing/2014/main" id="{465822C9-2B17-4505-BD26-04A0643BD90C}"/>
+                </a:ext>
+              </a:extLst>
+            </p:cNvPr>
+            <p:cNvSpPr/>
+            <p:nvPr/>
+          </p:nvSpPr>
+          <p:spPr>
+            <a:xfrm>
+              <a:off x="7903111" y="4242119"/>
+              <a:ext cx="322119" cy="311728"/>
+            </a:xfrm>
+            <a:prstGeom prst="ellipse">
+              <a:avLst/>
+            </a:prstGeom>
+            <a:solidFill>
+              <a:schemeClr val="accent6">
+                <a:alpha val="50000"/>
+              </a:schemeClr>
+            </a:solidFill>
+            <a:ln>
+              <a:noFill/>
+            </a:ln>
+          </p:spPr>
+          <p:style>
+            <a:lnRef idx="0">
+              <a:scrgbClr r="0" g="0" b="0"/>
+            </a:lnRef>
+            <a:fillRef idx="0">
+              <a:scrgbClr r="0" g="0" b="0"/>
+            </a:fillRef>
+            <a:effectRef idx="0">
+              <a:scrgbClr r="0" g="0" b="0"/>
+            </a:effectRef>
+            <a:fontRef idx="minor">
+              <a:schemeClr val="lt1"/>
+            </a:fontRef>
+          </p:style>
+          <p:txBody>
+            <a:bodyPr rtlCol="0" anchor="ctr"/>
+            <a:lstStyle/>
+            <a:p>
+              <a:pPr algn="ctr"/>
+              <a:endParaRPr lang="fr-FR"/>
+            </a:p>
+          </p:txBody>
+        </p:sp>
+        <p:sp>
+          <p:nvSpPr>
+            <p:cNvPr id="14" name="Ellipse 13">
+              <a:extLst>
+                <a:ext uri="{FF2B5EF4-FFF2-40B4-BE49-F238E27FC236}">
+                  <a16:creationId xmlns:a16="http://schemas.microsoft.com/office/drawing/2014/main" id="{9ECC472F-A45C-4675-9A6C-DCF501F7B578}"/>
+                </a:ext>
+              </a:extLst>
+            </p:cNvPr>
+            <p:cNvSpPr/>
+            <p:nvPr/>
+          </p:nvSpPr>
+          <p:spPr>
+            <a:xfrm>
+              <a:off x="11386262" y="3985472"/>
+              <a:ext cx="322119" cy="311728"/>
+            </a:xfrm>
+            <a:prstGeom prst="ellipse">
+              <a:avLst/>
+            </a:prstGeom>
+            <a:solidFill>
+              <a:schemeClr val="accent6">
+                <a:alpha val="50000"/>
+              </a:schemeClr>
+            </a:solidFill>
+            <a:ln>
+              <a:noFill/>
+            </a:ln>
+          </p:spPr>
+          <p:style>
+            <a:lnRef idx="0">
+              <a:scrgbClr r="0" g="0" b="0"/>
+            </a:lnRef>
+            <a:fillRef idx="0">
+              <a:scrgbClr r="0" g="0" b="0"/>
+            </a:fillRef>
+            <a:effectRef idx="0">
+              <a:scrgbClr r="0" g="0" b="0"/>
+            </a:effectRef>
+            <a:fontRef idx="minor">
+              <a:schemeClr val="lt1"/>
+            </a:fontRef>
+          </p:style>
+          <p:txBody>
+            <a:bodyPr rtlCol="0" anchor="ctr"/>
+            <a:lstStyle/>
+            <a:p>
+              <a:pPr algn="ctr"/>
+              <a:endParaRPr lang="fr-FR"/>
+            </a:p>
+          </p:txBody>
+        </p:sp>
+        <p:sp>
+          <p:nvSpPr>
+            <p:cNvPr id="16" name="Ellipse 15">
+              <a:extLst>
+                <a:ext uri="{FF2B5EF4-FFF2-40B4-BE49-F238E27FC236}">
+                  <a16:creationId xmlns:a16="http://schemas.microsoft.com/office/drawing/2014/main" id="{D3211EBD-5E41-4CA2-9247-2649AA1D2251}"/>
+                </a:ext>
+              </a:extLst>
+            </p:cNvPr>
+            <p:cNvSpPr/>
+            <p:nvPr/>
+          </p:nvSpPr>
+          <p:spPr>
+            <a:xfrm>
+              <a:off x="2171700" y="3308747"/>
+              <a:ext cx="322119" cy="311728"/>
+            </a:xfrm>
+            <a:prstGeom prst="ellipse">
+              <a:avLst/>
+            </a:prstGeom>
+            <a:solidFill>
+              <a:schemeClr val="accent6">
+                <a:alpha val="50000"/>
+              </a:schemeClr>
+            </a:solidFill>
+            <a:ln>
+              <a:noFill/>
+            </a:ln>
+          </p:spPr>
+          <p:style>
+            <a:lnRef idx="0">
+              <a:scrgbClr r="0" g="0" b="0"/>
+            </a:lnRef>
+            <a:fillRef idx="0">
+              <a:scrgbClr r="0" g="0" b="0"/>
+            </a:fillRef>
+            <a:effectRef idx="0">
+              <a:scrgbClr r="0" g="0" b="0"/>
+            </a:effectRef>
+            <a:fontRef idx="minor">
+              <a:schemeClr val="lt1"/>
+            </a:fontRef>
+          </p:style>
+          <p:txBody>
+            <a:bodyPr rtlCol="0" anchor="ctr"/>
+            <a:lstStyle/>
+            <a:p>
+              <a:pPr algn="ctr"/>
+              <a:endParaRPr lang="fr-FR"/>
+            </a:p>
+          </p:txBody>
+        </p:sp>
+        <p:sp>
+          <p:nvSpPr>
+            <p:cNvPr id="17" name="Ellipse 16">
+              <a:extLst>
+                <a:ext uri="{FF2B5EF4-FFF2-40B4-BE49-F238E27FC236}">
+                  <a16:creationId xmlns:a16="http://schemas.microsoft.com/office/drawing/2014/main" id="{8F703369-FB5F-43EE-82D1-30B48243E320}"/>
+                </a:ext>
+              </a:extLst>
+            </p:cNvPr>
+            <p:cNvSpPr/>
+            <p:nvPr/>
+          </p:nvSpPr>
+          <p:spPr>
+            <a:xfrm>
+              <a:off x="7896537" y="3985472"/>
+              <a:ext cx="322119" cy="311728"/>
+            </a:xfrm>
+            <a:prstGeom prst="ellipse">
+              <a:avLst/>
+            </a:prstGeom>
+            <a:solidFill>
+              <a:schemeClr val="accent6">
+                <a:alpha val="50000"/>
+              </a:schemeClr>
+            </a:solidFill>
+            <a:ln>
+              <a:noFill/>
+            </a:ln>
+          </p:spPr>
+          <p:style>
+            <a:lnRef idx="0">
+              <a:scrgbClr r="0" g="0" b="0"/>
+            </a:lnRef>
+            <a:fillRef idx="0">
+              <a:scrgbClr r="0" g="0" b="0"/>
+            </a:fillRef>
+            <a:effectRef idx="0">
+              <a:scrgbClr r="0" g="0" b="0"/>
+            </a:effectRef>
+            <a:fontRef idx="minor">
+              <a:schemeClr val="lt1"/>
+            </a:fontRef>
+          </p:style>
+          <p:txBody>
+            <a:bodyPr rtlCol="0" anchor="ctr"/>
+            <a:lstStyle/>
+            <a:p>
+              <a:pPr algn="ctr"/>
+              <a:endParaRPr lang="fr-FR"/>
+            </a:p>
+          </p:txBody>
+        </p:sp>
+        <p:sp>
+          <p:nvSpPr>
+            <p:cNvPr id="18" name="Ellipse 17">
+              <a:extLst>
+                <a:ext uri="{FF2B5EF4-FFF2-40B4-BE49-F238E27FC236}">
+                  <a16:creationId xmlns:a16="http://schemas.microsoft.com/office/drawing/2014/main" id="{0FC6301D-ADEB-4503-B4C3-61AADE5DB05C}"/>
+                </a:ext>
+              </a:extLst>
+            </p:cNvPr>
+            <p:cNvSpPr/>
+            <p:nvPr/>
+          </p:nvSpPr>
+          <p:spPr>
+            <a:xfrm>
+              <a:off x="11110443" y="3985472"/>
+              <a:ext cx="322119" cy="311728"/>
+            </a:xfrm>
+            <a:prstGeom prst="ellipse">
+              <a:avLst/>
+            </a:prstGeom>
+            <a:solidFill>
+              <a:schemeClr val="accent6">
+                <a:alpha val="50000"/>
+              </a:schemeClr>
+            </a:solidFill>
+            <a:ln>
+              <a:noFill/>
+            </a:ln>
+          </p:spPr>
+          <p:style>
+            <a:lnRef idx="0">
+              <a:scrgbClr r="0" g="0" b="0"/>
+            </a:lnRef>
+            <a:fillRef idx="0">
+              <a:scrgbClr r="0" g="0" b="0"/>
+            </a:fillRef>
+            <a:effectRef idx="0">
+              <a:scrgbClr r="0" g="0" b="0"/>
+            </a:effectRef>
+            <a:fontRef idx="minor">
+              <a:schemeClr val="lt1"/>
+            </a:fontRef>
+          </p:style>
+          <p:txBody>
+            <a:bodyPr rtlCol="0" anchor="ctr"/>
+            <a:lstStyle/>
+            <a:p>
+              <a:pPr algn="ctr"/>
+              <a:endParaRPr lang="fr-FR"/>
+            </a:p>
+          </p:txBody>
+        </p:sp>
+      </p:grpSp>
     </p:spTree>
     <p:extLst>
       <p:ext uri="{BB962C8B-B14F-4D97-AF65-F5344CB8AC3E}">
@@ -28253,21 +29597,66 @@
                             </p:childTnLst>
                           </p:cTn>
                         </p:par>
+                      </p:childTnLst>
+                    </p:cTn>
+                  </p:par>
+                  <p:par>
+                    <p:cTn id="19" fill="hold">
+                      <p:stCondLst>
+                        <p:cond delay="indefinite"/>
+                      </p:stCondLst>
+                      <p:childTnLst>
                         <p:par>
-                          <p:cTn id="19" fill="hold">
+                          <p:cTn id="20" fill="hold">
                             <p:stCondLst>
                               <p:cond delay="0"/>
                             </p:stCondLst>
                             <p:childTnLst>
                               <p:par>
-                                <p:cTn id="20" presetID="1" presetClass="entr" presetSubtype="0" fill="hold" grpId="0" nodeType="afterEffect">
+                                <p:cTn id="21" presetID="1" presetClass="entr" presetSubtype="0" fill="hold" nodeType="clickEffect">
                                   <p:stCondLst>
                                     <p:cond delay="0"/>
                                   </p:stCondLst>
                                   <p:childTnLst>
                                     <p:set>
                                       <p:cBhvr>
-                                        <p:cTn id="21" dur="1" fill="hold">
+                                        <p:cTn id="22" dur="1" fill="hold">
+                                          <p:stCondLst>
+                                            <p:cond delay="0"/>
+                                          </p:stCondLst>
+                                        </p:cTn>
+                                        <p:tgtEl>
+                                          <p:spTgt spid="3"/>
+                                        </p:tgtEl>
+                                        <p:attrNameLst>
+                                          <p:attrName>style.visibility</p:attrName>
+                                        </p:attrNameLst>
+                                      </p:cBhvr>
+                                      <p:to>
+                                        <p:strVal val="visible"/>
+                                      </p:to>
+                                    </p:set>
+                                  </p:childTnLst>
+                                </p:cTn>
+                              </p:par>
+                            </p:childTnLst>
+                          </p:cTn>
+                        </p:par>
+                        <p:par>
+                          <p:cTn id="23" fill="hold">
+                            <p:stCondLst>
+                              <p:cond delay="0"/>
+                            </p:stCondLst>
+                            <p:childTnLst>
+                              <p:par>
+                                <p:cTn id="24" presetID="1" presetClass="entr" presetSubtype="0" fill="hold" grpId="0" nodeType="afterEffect">
+                                  <p:stCondLst>
+                                    <p:cond delay="0"/>
+                                  </p:stCondLst>
+                                  <p:childTnLst>
+                                    <p:set>
+                                      <p:cBhvr>
+                                        <p:cTn id="25" dur="1" fill="hold">
                                           <p:stCondLst>
                                             <p:cond delay="0"/>
                                           </p:stCondLst>
@@ -28363,7 +29752,7 @@
           <a:p>
             <a:r>
               <a:rPr lang="fr-FR" dirty="0"/>
-              <a:t>Résultats des biais</a:t>
+              <a:t>Résultats des biais - conclusion</a:t>
             </a:r>
           </a:p>
         </p:txBody>
@@ -31142,7 +32531,7 @@
             <a:pPr lvl="1"/>
             <a:r>
               <a:rPr lang="fr-FR" dirty="0"/>
-              <a:t>Tests de quelques algorithmes de classification afin d’avoir une première opinion.</a:t>
+              <a:t>Tests de quelques algorithmes de classification supervisée afin d’avoir une première opinion.</a:t>
             </a:r>
           </a:p>
           <a:p>

--- a/Projet_5/p5.pptx
+++ b/Projet_5/p5.pptx
@@ -35,8 +35,8 @@
     <p:sldId id="343" r:id="rId26"/>
     <p:sldId id="365" r:id="rId27"/>
     <p:sldId id="308" r:id="rId28"/>
-    <p:sldId id="336" r:id="rId29"/>
-    <p:sldId id="353" r:id="rId30"/>
+    <p:sldId id="353" r:id="rId29"/>
+    <p:sldId id="336" r:id="rId30"/>
     <p:sldId id="328" r:id="rId31"/>
     <p:sldId id="322" r:id="rId32"/>
     <p:sldId id="310" r:id="rId33"/>
@@ -19614,15 +19614,7 @@
           <a:p>
             <a:r>
               <a:rPr lang="fr-FR" dirty="0"/>
-              <a:t>Dans  la construction des modèles</a:t>
-            </a:r>
-            <a:r>
-              <a:rPr lang="fr-FR"/>
-              <a:t>, cet </a:t>
-            </a:r>
-            <a:r>
-              <a:rPr lang="fr-FR" dirty="0"/>
-              <a:t>algorithme travaille de manière séquentielle. </a:t>
+              <a:t>Dans  la construction des modèles, cet algorithme travaille de manière séquentielle. </a:t>
             </a:r>
           </a:p>
           <a:p>
@@ -20637,507 +20629,6 @@
 </file>
 
 <file path=ppt/slides/slide28.xml><?xml version="1.0" encoding="utf-8"?>
-<p:sld xmlns:a="http://schemas.openxmlformats.org/drawingml/2006/main" xmlns:r="http://schemas.openxmlformats.org/officeDocument/2006/relationships" xmlns:p="http://schemas.openxmlformats.org/presentationml/2006/main">
-  <p:cSld>
-    <p:spTree>
-      <p:nvGrpSpPr>
-        <p:cNvPr id="1" name=""/>
-        <p:cNvGrpSpPr/>
-        <p:nvPr/>
-      </p:nvGrpSpPr>
-      <p:grpSpPr>
-        <a:xfrm>
-          <a:off x="0" y="0"/>
-          <a:ext cx="0" cy="0"/>
-          <a:chOff x="0" y="0"/>
-          <a:chExt cx="0" cy="0"/>
-        </a:xfrm>
-      </p:grpSpPr>
-      <p:sp>
-        <p:nvSpPr>
-          <p:cNvPr id="2" name="Titre 1">
-            <a:extLst>
-              <a:ext uri="{FF2B5EF4-FFF2-40B4-BE49-F238E27FC236}">
-                <a16:creationId xmlns:a16="http://schemas.microsoft.com/office/drawing/2014/main" id="{9566D7A5-4574-478A-BE66-0186A8806FFE}"/>
-              </a:ext>
-            </a:extLst>
-          </p:cNvPr>
-          <p:cNvSpPr>
-            <a:spLocks noGrp="1"/>
-          </p:cNvSpPr>
-          <p:nvPr>
-            <p:ph type="title"/>
-          </p:nvPr>
-        </p:nvSpPr>
-        <p:spPr/>
-        <p:txBody>
-          <a:bodyPr/>
-          <a:lstStyle/>
-          <a:p>
-            <a:r>
-              <a:rPr lang="fr-FR" dirty="0"/>
-              <a:t>VUE DE </a:t>
-            </a:r>
-            <a:r>
-              <a:rPr lang="fr-FR" dirty="0" err="1"/>
-              <a:t>l’aLGORITHME</a:t>
-            </a:r>
-            <a:endParaRPr lang="fr-FR" dirty="0"/>
-          </a:p>
-        </p:txBody>
-      </p:sp>
-      <p:sp>
-        <p:nvSpPr>
-          <p:cNvPr id="3" name="Espace réservé du contenu 2">
-            <a:extLst>
-              <a:ext uri="{FF2B5EF4-FFF2-40B4-BE49-F238E27FC236}">
-                <a16:creationId xmlns:a16="http://schemas.microsoft.com/office/drawing/2014/main" id="{C1A6A629-F503-4DB9-A151-EE704C2E6CB2}"/>
-              </a:ext>
-            </a:extLst>
-          </p:cNvPr>
-          <p:cNvSpPr>
-            <a:spLocks noGrp="1"/>
-          </p:cNvSpPr>
-          <p:nvPr>
-            <p:ph idx="1"/>
-          </p:nvPr>
-        </p:nvSpPr>
-        <p:spPr>
-          <a:xfrm>
-            <a:off x="2023539" y="1340768"/>
-            <a:ext cx="5005911" cy="5400600"/>
-          </a:xfrm>
-        </p:spPr>
-        <p:txBody>
-          <a:bodyPr/>
-          <a:lstStyle/>
-          <a:p>
-            <a:r>
-              <a:rPr lang="fr-FR" dirty="0"/>
-              <a:t>La fonction permet de faire passer tous les algorithmes de manière successive.</a:t>
-            </a:r>
-          </a:p>
-          <a:p>
-            <a:endParaRPr lang="fr-FR" dirty="0"/>
-          </a:p>
-          <a:p>
-            <a:r>
-              <a:rPr lang="fr-FR" dirty="0"/>
-              <a:t>De plus, on peut sauvegarder les « fit » grâce aux dumps de </a:t>
-            </a:r>
-            <a:r>
-              <a:rPr lang="fr-FR" dirty="0" err="1"/>
-              <a:t>joblib</a:t>
-            </a:r>
-            <a:r>
-              <a:rPr lang="fr-FR" dirty="0"/>
-              <a:t>.</a:t>
-            </a:r>
-          </a:p>
-        </p:txBody>
-      </p:sp>
-      <p:sp>
-        <p:nvSpPr>
-          <p:cNvPr id="5" name="Flèche droite 4">
-            <a:extLst>
-              <a:ext uri="{FF2B5EF4-FFF2-40B4-BE49-F238E27FC236}">
-                <a16:creationId xmlns:a16="http://schemas.microsoft.com/office/drawing/2014/main" id="{7739B819-9AFC-4C0F-A22A-81E3BAF2A986}"/>
-              </a:ext>
-            </a:extLst>
-          </p:cNvPr>
-          <p:cNvSpPr/>
-          <p:nvPr/>
-        </p:nvSpPr>
-        <p:spPr>
-          <a:xfrm>
-            <a:off x="11736625" y="6488757"/>
-            <a:ext cx="432048" cy="360040"/>
-          </a:xfrm>
-          <a:prstGeom prst="rightArrow">
-            <a:avLst/>
-          </a:prstGeom>
-          <a:ln/>
-        </p:spPr>
-        <p:style>
-          <a:lnRef idx="0">
-            <a:schemeClr val="dk1"/>
-          </a:lnRef>
-          <a:fillRef idx="3">
-            <a:schemeClr val="dk1"/>
-          </a:fillRef>
-          <a:effectRef idx="3">
-            <a:schemeClr val="dk1"/>
-          </a:effectRef>
-          <a:fontRef idx="minor">
-            <a:schemeClr val="lt1"/>
-          </a:fontRef>
-        </p:style>
-        <p:txBody>
-          <a:bodyPr rtlCol="0" anchor="ctr"/>
-          <a:lstStyle/>
-          <a:p>
-            <a:pPr algn="ctr"/>
-            <a:endParaRPr lang="fr-FR"/>
-          </a:p>
-        </p:txBody>
-      </p:sp>
-      <p:pic>
-        <p:nvPicPr>
-          <p:cNvPr id="7" name="Image 6">
-            <a:extLst>
-              <a:ext uri="{FF2B5EF4-FFF2-40B4-BE49-F238E27FC236}">
-                <a16:creationId xmlns:a16="http://schemas.microsoft.com/office/drawing/2014/main" id="{8291B76C-0B75-4D90-8B58-BF57647C75CD}"/>
-              </a:ext>
-            </a:extLst>
-          </p:cNvPr>
-          <p:cNvPicPr>
-            <a:picLocks noChangeAspect="1"/>
-          </p:cNvPicPr>
-          <p:nvPr/>
-        </p:nvPicPr>
-        <p:blipFill rotWithShape="1">
-          <a:blip r:embed="rId2"/>
-          <a:srcRect l="911" t="18681" r="65444" b="11453"/>
-          <a:stretch/>
-        </p:blipFill>
-        <p:spPr>
-          <a:xfrm>
-            <a:off x="7850667" y="1614234"/>
-            <a:ext cx="4101982" cy="4658380"/>
-          </a:xfrm>
-          <a:prstGeom prst="rect">
-            <a:avLst/>
-          </a:prstGeom>
-          <a:ln w="38100" cap="sq">
-            <a:solidFill>
-              <a:srgbClr val="000000"/>
-            </a:solidFill>
-            <a:prstDash val="solid"/>
-            <a:miter lim="800000"/>
-          </a:ln>
-          <a:effectLst>
-            <a:outerShdw blurRad="50800" dist="38100" dir="2700000" algn="tl" rotWithShape="0">
-              <a:srgbClr val="000000">
-                <a:alpha val="43000"/>
-              </a:srgbClr>
-            </a:outerShdw>
-          </a:effectLst>
-        </p:spPr>
-      </p:pic>
-      <p:pic>
-        <p:nvPicPr>
-          <p:cNvPr id="8" name="Image 7">
-            <a:extLst>
-              <a:ext uri="{FF2B5EF4-FFF2-40B4-BE49-F238E27FC236}">
-                <a16:creationId xmlns:a16="http://schemas.microsoft.com/office/drawing/2014/main" id="{675D846C-9DBC-4F69-9DD0-41AA79D4508F}"/>
-              </a:ext>
-            </a:extLst>
-          </p:cNvPr>
-          <p:cNvPicPr>
-            <a:picLocks noChangeAspect="1"/>
-          </p:cNvPicPr>
-          <p:nvPr/>
-        </p:nvPicPr>
-        <p:blipFill rotWithShape="1">
-          <a:blip r:embed="rId3"/>
-          <a:srcRect l="630" t="26000" r="65935" b="41829"/>
-          <a:stretch/>
-        </p:blipFill>
-        <p:spPr>
-          <a:xfrm>
-            <a:off x="7850667" y="2801697"/>
-            <a:ext cx="4076344" cy="2144994"/>
-          </a:xfrm>
-          <a:prstGeom prst="rect">
-            <a:avLst/>
-          </a:prstGeom>
-          <a:ln w="38100" cap="sq">
-            <a:solidFill>
-              <a:srgbClr val="000000"/>
-            </a:solidFill>
-            <a:prstDash val="solid"/>
-            <a:miter lim="800000"/>
-          </a:ln>
-          <a:effectLst>
-            <a:outerShdw blurRad="50800" dist="38100" dir="2700000" algn="tl" rotWithShape="0">
-              <a:srgbClr val="000000">
-                <a:alpha val="43000"/>
-              </a:srgbClr>
-            </a:outerShdw>
-          </a:effectLst>
-        </p:spPr>
-      </p:pic>
-    </p:spTree>
-    <p:extLst>
-      <p:ext uri="{BB962C8B-B14F-4D97-AF65-F5344CB8AC3E}">
-        <p14:creationId xmlns:p14="http://schemas.microsoft.com/office/powerpoint/2010/main" val="2948720513"/>
-      </p:ext>
-    </p:extLst>
-  </p:cSld>
-  <p:clrMapOvr>
-    <a:masterClrMapping/>
-  </p:clrMapOvr>
-  <p:timing>
-    <p:tnLst>
-      <p:par>
-        <p:cTn id="1" dur="indefinite" restart="never" nodeType="tmRoot">
-          <p:childTnLst>
-            <p:seq concurrent="1" nextAc="seek">
-              <p:cTn id="2" dur="indefinite" nodeType="mainSeq">
-                <p:childTnLst>
-                  <p:par>
-                    <p:cTn id="3" fill="hold">
-                      <p:stCondLst>
-                        <p:cond delay="indefinite"/>
-                      </p:stCondLst>
-                      <p:childTnLst>
-                        <p:par>
-                          <p:cTn id="4" fill="hold">
-                            <p:stCondLst>
-                              <p:cond delay="0"/>
-                            </p:stCondLst>
-                            <p:childTnLst>
-                              <p:par>
-                                <p:cTn id="5" presetID="1" presetClass="entr" presetSubtype="0" fill="hold" nodeType="clickEffect">
-                                  <p:stCondLst>
-                                    <p:cond delay="0"/>
-                                  </p:stCondLst>
-                                  <p:childTnLst>
-                                    <p:set>
-                                      <p:cBhvr>
-                                        <p:cTn id="6" dur="1" fill="hold">
-                                          <p:stCondLst>
-                                            <p:cond delay="0"/>
-                                          </p:stCondLst>
-                                        </p:cTn>
-                                        <p:tgtEl>
-                                          <p:spTgt spid="3">
-                                            <p:txEl>
-                                              <p:pRg st="0" end="0"/>
-                                            </p:txEl>
-                                          </p:spTgt>
-                                        </p:tgtEl>
-                                        <p:attrNameLst>
-                                          <p:attrName>style.visibility</p:attrName>
-                                        </p:attrNameLst>
-                                      </p:cBhvr>
-                                      <p:to>
-                                        <p:strVal val="visible"/>
-                                      </p:to>
-                                    </p:set>
-                                  </p:childTnLst>
-                                </p:cTn>
-                              </p:par>
-                            </p:childTnLst>
-                          </p:cTn>
-                        </p:par>
-                      </p:childTnLst>
-                    </p:cTn>
-                  </p:par>
-                  <p:par>
-                    <p:cTn id="7" fill="hold">
-                      <p:stCondLst>
-                        <p:cond delay="indefinite"/>
-                      </p:stCondLst>
-                      <p:childTnLst>
-                        <p:par>
-                          <p:cTn id="8" fill="hold">
-                            <p:stCondLst>
-                              <p:cond delay="0"/>
-                            </p:stCondLst>
-                            <p:childTnLst>
-                              <p:par>
-                                <p:cTn id="9" presetID="1" presetClass="entr" presetSubtype="0" fill="hold" nodeType="clickEffect">
-                                  <p:stCondLst>
-                                    <p:cond delay="0"/>
-                                  </p:stCondLst>
-                                  <p:childTnLst>
-                                    <p:set>
-                                      <p:cBhvr>
-                                        <p:cTn id="10" dur="1" fill="hold">
-                                          <p:stCondLst>
-                                            <p:cond delay="0"/>
-                                          </p:stCondLst>
-                                        </p:cTn>
-                                        <p:tgtEl>
-                                          <p:spTgt spid="3">
-                                            <p:txEl>
-                                              <p:pRg st="2" end="2"/>
-                                            </p:txEl>
-                                          </p:spTgt>
-                                        </p:tgtEl>
-                                        <p:attrNameLst>
-                                          <p:attrName>style.visibility</p:attrName>
-                                        </p:attrNameLst>
-                                      </p:cBhvr>
-                                      <p:to>
-                                        <p:strVal val="visible"/>
-                                      </p:to>
-                                    </p:set>
-                                  </p:childTnLst>
-                                </p:cTn>
-                              </p:par>
-                            </p:childTnLst>
-                          </p:cTn>
-                        </p:par>
-                      </p:childTnLst>
-                    </p:cTn>
-                  </p:par>
-                  <p:par>
-                    <p:cTn id="11" fill="hold">
-                      <p:stCondLst>
-                        <p:cond delay="indefinite"/>
-                      </p:stCondLst>
-                      <p:childTnLst>
-                        <p:par>
-                          <p:cTn id="12" fill="hold">
-                            <p:stCondLst>
-                              <p:cond delay="0"/>
-                            </p:stCondLst>
-                            <p:childTnLst>
-                              <p:par>
-                                <p:cTn id="13" presetID="1" presetClass="entr" presetSubtype="0" fill="hold" nodeType="clickEffect">
-                                  <p:stCondLst>
-                                    <p:cond delay="0"/>
-                                  </p:stCondLst>
-                                  <p:childTnLst>
-                                    <p:set>
-                                      <p:cBhvr>
-                                        <p:cTn id="14" dur="1" fill="hold">
-                                          <p:stCondLst>
-                                            <p:cond delay="0"/>
-                                          </p:stCondLst>
-                                        </p:cTn>
-                                        <p:tgtEl>
-                                          <p:spTgt spid="7"/>
-                                        </p:tgtEl>
-                                        <p:attrNameLst>
-                                          <p:attrName>style.visibility</p:attrName>
-                                        </p:attrNameLst>
-                                      </p:cBhvr>
-                                      <p:to>
-                                        <p:strVal val="visible"/>
-                                      </p:to>
-                                    </p:set>
-                                  </p:childTnLst>
-                                </p:cTn>
-                              </p:par>
-                            </p:childTnLst>
-                          </p:cTn>
-                        </p:par>
-                      </p:childTnLst>
-                    </p:cTn>
-                  </p:par>
-                  <p:par>
-                    <p:cTn id="15" fill="hold">
-                      <p:stCondLst>
-                        <p:cond delay="indefinite"/>
-                      </p:stCondLst>
-                      <p:childTnLst>
-                        <p:par>
-                          <p:cTn id="16" fill="hold">
-                            <p:stCondLst>
-                              <p:cond delay="0"/>
-                            </p:stCondLst>
-                            <p:childTnLst>
-                              <p:par>
-                                <p:cTn id="17" presetID="1" presetClass="entr" presetSubtype="0" fill="hold" nodeType="clickEffect">
-                                  <p:stCondLst>
-                                    <p:cond delay="0"/>
-                                  </p:stCondLst>
-                                  <p:childTnLst>
-                                    <p:set>
-                                      <p:cBhvr>
-                                        <p:cTn id="18" dur="1" fill="hold">
-                                          <p:stCondLst>
-                                            <p:cond delay="0"/>
-                                          </p:stCondLst>
-                                        </p:cTn>
-                                        <p:tgtEl>
-                                          <p:spTgt spid="8"/>
-                                        </p:tgtEl>
-                                        <p:attrNameLst>
-                                          <p:attrName>style.visibility</p:attrName>
-                                        </p:attrNameLst>
-                                      </p:cBhvr>
-                                      <p:to>
-                                        <p:strVal val="visible"/>
-                                      </p:to>
-                                    </p:set>
-                                  </p:childTnLst>
-                                </p:cTn>
-                              </p:par>
-                            </p:childTnLst>
-                          </p:cTn>
-                        </p:par>
-                        <p:par>
-                          <p:cTn id="19" fill="hold">
-                            <p:stCondLst>
-                              <p:cond delay="0"/>
-                            </p:stCondLst>
-                            <p:childTnLst>
-                              <p:par>
-                                <p:cTn id="20" presetID="1" presetClass="entr" presetSubtype="0" fill="hold" grpId="0" nodeType="afterEffect">
-                                  <p:stCondLst>
-                                    <p:cond delay="0"/>
-                                  </p:stCondLst>
-                                  <p:childTnLst>
-                                    <p:set>
-                                      <p:cBhvr>
-                                        <p:cTn id="21" dur="1" fill="hold">
-                                          <p:stCondLst>
-                                            <p:cond delay="0"/>
-                                          </p:stCondLst>
-                                        </p:cTn>
-                                        <p:tgtEl>
-                                          <p:spTgt spid="5"/>
-                                        </p:tgtEl>
-                                        <p:attrNameLst>
-                                          <p:attrName>style.visibility</p:attrName>
-                                        </p:attrNameLst>
-                                      </p:cBhvr>
-                                      <p:to>
-                                        <p:strVal val="visible"/>
-                                      </p:to>
-                                    </p:set>
-                                  </p:childTnLst>
-                                </p:cTn>
-                              </p:par>
-                            </p:childTnLst>
-                          </p:cTn>
-                        </p:par>
-                      </p:childTnLst>
-                    </p:cTn>
-                  </p:par>
-                </p:childTnLst>
-              </p:cTn>
-              <p:prevCondLst>
-                <p:cond evt="onPrev" delay="0">
-                  <p:tgtEl>
-                    <p:sldTgt/>
-                  </p:tgtEl>
-                </p:cond>
-              </p:prevCondLst>
-              <p:nextCondLst>
-                <p:cond evt="onNext" delay="0">
-                  <p:tgtEl>
-                    <p:sldTgt/>
-                  </p:tgtEl>
-                </p:cond>
-              </p:nextCondLst>
-            </p:seq>
-          </p:childTnLst>
-        </p:cTn>
-      </p:par>
-    </p:tnLst>
-    <p:bldLst>
-      <p:bldP spid="5" grpId="0" animBg="1"/>
-    </p:bldLst>
-  </p:timing>
-</p:sld>
-</file>
-
-<file path=ppt/slides/slide29.xml><?xml version="1.0" encoding="utf-8"?>
 <p:sld xmlns:a="http://schemas.openxmlformats.org/drawingml/2006/main" xmlns:r="http://schemas.openxmlformats.org/officeDocument/2006/relationships" xmlns:p="http://schemas.openxmlformats.org/presentationml/2006/main">
   <p:cSld>
     <p:bg>
@@ -22201,6 +21692,507 @@
     </p:tnLst>
     <p:bldLst>
       <p:bldP spid="8" grpId="0" animBg="1"/>
+    </p:bldLst>
+  </p:timing>
+</p:sld>
+</file>
+
+<file path=ppt/slides/slide29.xml><?xml version="1.0" encoding="utf-8"?>
+<p:sld xmlns:a="http://schemas.openxmlformats.org/drawingml/2006/main" xmlns:r="http://schemas.openxmlformats.org/officeDocument/2006/relationships" xmlns:p="http://schemas.openxmlformats.org/presentationml/2006/main">
+  <p:cSld>
+    <p:spTree>
+      <p:nvGrpSpPr>
+        <p:cNvPr id="1" name=""/>
+        <p:cNvGrpSpPr/>
+        <p:nvPr/>
+      </p:nvGrpSpPr>
+      <p:grpSpPr>
+        <a:xfrm>
+          <a:off x="0" y="0"/>
+          <a:ext cx="0" cy="0"/>
+          <a:chOff x="0" y="0"/>
+          <a:chExt cx="0" cy="0"/>
+        </a:xfrm>
+      </p:grpSpPr>
+      <p:sp>
+        <p:nvSpPr>
+          <p:cNvPr id="2" name="Titre 1">
+            <a:extLst>
+              <a:ext uri="{FF2B5EF4-FFF2-40B4-BE49-F238E27FC236}">
+                <a16:creationId xmlns:a16="http://schemas.microsoft.com/office/drawing/2014/main" id="{9566D7A5-4574-478A-BE66-0186A8806FFE}"/>
+              </a:ext>
+            </a:extLst>
+          </p:cNvPr>
+          <p:cNvSpPr>
+            <a:spLocks noGrp="1"/>
+          </p:cNvSpPr>
+          <p:nvPr>
+            <p:ph type="title"/>
+          </p:nvPr>
+        </p:nvSpPr>
+        <p:spPr/>
+        <p:txBody>
+          <a:bodyPr/>
+          <a:lstStyle/>
+          <a:p>
+            <a:r>
+              <a:rPr lang="fr-FR" dirty="0"/>
+              <a:t>VUE DE </a:t>
+            </a:r>
+            <a:r>
+              <a:rPr lang="fr-FR" dirty="0" err="1"/>
+              <a:t>l’aLGORITHME</a:t>
+            </a:r>
+            <a:endParaRPr lang="fr-FR" dirty="0"/>
+          </a:p>
+        </p:txBody>
+      </p:sp>
+      <p:sp>
+        <p:nvSpPr>
+          <p:cNvPr id="3" name="Espace réservé du contenu 2">
+            <a:extLst>
+              <a:ext uri="{FF2B5EF4-FFF2-40B4-BE49-F238E27FC236}">
+                <a16:creationId xmlns:a16="http://schemas.microsoft.com/office/drawing/2014/main" id="{C1A6A629-F503-4DB9-A151-EE704C2E6CB2}"/>
+              </a:ext>
+            </a:extLst>
+          </p:cNvPr>
+          <p:cNvSpPr>
+            <a:spLocks noGrp="1"/>
+          </p:cNvSpPr>
+          <p:nvPr>
+            <p:ph idx="1"/>
+          </p:nvPr>
+        </p:nvSpPr>
+        <p:spPr>
+          <a:xfrm>
+            <a:off x="2023539" y="1340768"/>
+            <a:ext cx="5005911" cy="5400600"/>
+          </a:xfrm>
+        </p:spPr>
+        <p:txBody>
+          <a:bodyPr/>
+          <a:lstStyle/>
+          <a:p>
+            <a:r>
+              <a:rPr lang="fr-FR" dirty="0"/>
+              <a:t>La fonction permet de faire passer tous les algorithmes de manière successive.</a:t>
+            </a:r>
+          </a:p>
+          <a:p>
+            <a:endParaRPr lang="fr-FR" dirty="0"/>
+          </a:p>
+          <a:p>
+            <a:r>
+              <a:rPr lang="fr-FR" dirty="0"/>
+              <a:t>De plus, on peut sauvegarder les « fit » grâce aux dumps de </a:t>
+            </a:r>
+            <a:r>
+              <a:rPr lang="fr-FR" dirty="0" err="1"/>
+              <a:t>joblib</a:t>
+            </a:r>
+            <a:r>
+              <a:rPr lang="fr-FR" dirty="0"/>
+              <a:t>.</a:t>
+            </a:r>
+          </a:p>
+        </p:txBody>
+      </p:sp>
+      <p:sp>
+        <p:nvSpPr>
+          <p:cNvPr id="5" name="Flèche droite 4">
+            <a:extLst>
+              <a:ext uri="{FF2B5EF4-FFF2-40B4-BE49-F238E27FC236}">
+                <a16:creationId xmlns:a16="http://schemas.microsoft.com/office/drawing/2014/main" id="{7739B819-9AFC-4C0F-A22A-81E3BAF2A986}"/>
+              </a:ext>
+            </a:extLst>
+          </p:cNvPr>
+          <p:cNvSpPr/>
+          <p:nvPr/>
+        </p:nvSpPr>
+        <p:spPr>
+          <a:xfrm>
+            <a:off x="11736625" y="6488757"/>
+            <a:ext cx="432048" cy="360040"/>
+          </a:xfrm>
+          <a:prstGeom prst="rightArrow">
+            <a:avLst/>
+          </a:prstGeom>
+          <a:ln/>
+        </p:spPr>
+        <p:style>
+          <a:lnRef idx="0">
+            <a:schemeClr val="dk1"/>
+          </a:lnRef>
+          <a:fillRef idx="3">
+            <a:schemeClr val="dk1"/>
+          </a:fillRef>
+          <a:effectRef idx="3">
+            <a:schemeClr val="dk1"/>
+          </a:effectRef>
+          <a:fontRef idx="minor">
+            <a:schemeClr val="lt1"/>
+          </a:fontRef>
+        </p:style>
+        <p:txBody>
+          <a:bodyPr rtlCol="0" anchor="ctr"/>
+          <a:lstStyle/>
+          <a:p>
+            <a:pPr algn="ctr"/>
+            <a:endParaRPr lang="fr-FR"/>
+          </a:p>
+        </p:txBody>
+      </p:sp>
+      <p:pic>
+        <p:nvPicPr>
+          <p:cNvPr id="7" name="Image 6">
+            <a:extLst>
+              <a:ext uri="{FF2B5EF4-FFF2-40B4-BE49-F238E27FC236}">
+                <a16:creationId xmlns:a16="http://schemas.microsoft.com/office/drawing/2014/main" id="{8291B76C-0B75-4D90-8B58-BF57647C75CD}"/>
+              </a:ext>
+            </a:extLst>
+          </p:cNvPr>
+          <p:cNvPicPr>
+            <a:picLocks noChangeAspect="1"/>
+          </p:cNvPicPr>
+          <p:nvPr/>
+        </p:nvPicPr>
+        <p:blipFill rotWithShape="1">
+          <a:blip r:embed="rId2"/>
+          <a:srcRect l="911" t="18681" r="65444" b="11453"/>
+          <a:stretch/>
+        </p:blipFill>
+        <p:spPr>
+          <a:xfrm>
+            <a:off x="7850667" y="1614234"/>
+            <a:ext cx="4101982" cy="4658380"/>
+          </a:xfrm>
+          <a:prstGeom prst="rect">
+            <a:avLst/>
+          </a:prstGeom>
+          <a:ln w="38100" cap="sq">
+            <a:solidFill>
+              <a:srgbClr val="000000"/>
+            </a:solidFill>
+            <a:prstDash val="solid"/>
+            <a:miter lim="800000"/>
+          </a:ln>
+          <a:effectLst>
+            <a:outerShdw blurRad="50800" dist="38100" dir="2700000" algn="tl" rotWithShape="0">
+              <a:srgbClr val="000000">
+                <a:alpha val="43000"/>
+              </a:srgbClr>
+            </a:outerShdw>
+          </a:effectLst>
+        </p:spPr>
+      </p:pic>
+      <p:pic>
+        <p:nvPicPr>
+          <p:cNvPr id="8" name="Image 7">
+            <a:extLst>
+              <a:ext uri="{FF2B5EF4-FFF2-40B4-BE49-F238E27FC236}">
+                <a16:creationId xmlns:a16="http://schemas.microsoft.com/office/drawing/2014/main" id="{675D846C-9DBC-4F69-9DD0-41AA79D4508F}"/>
+              </a:ext>
+            </a:extLst>
+          </p:cNvPr>
+          <p:cNvPicPr>
+            <a:picLocks noChangeAspect="1"/>
+          </p:cNvPicPr>
+          <p:nvPr/>
+        </p:nvPicPr>
+        <p:blipFill rotWithShape="1">
+          <a:blip r:embed="rId3"/>
+          <a:srcRect l="630" t="26000" r="65935" b="41829"/>
+          <a:stretch/>
+        </p:blipFill>
+        <p:spPr>
+          <a:xfrm>
+            <a:off x="7850667" y="2801697"/>
+            <a:ext cx="4076344" cy="2144994"/>
+          </a:xfrm>
+          <a:prstGeom prst="rect">
+            <a:avLst/>
+          </a:prstGeom>
+          <a:ln w="38100" cap="sq">
+            <a:solidFill>
+              <a:srgbClr val="000000"/>
+            </a:solidFill>
+            <a:prstDash val="solid"/>
+            <a:miter lim="800000"/>
+          </a:ln>
+          <a:effectLst>
+            <a:outerShdw blurRad="50800" dist="38100" dir="2700000" algn="tl" rotWithShape="0">
+              <a:srgbClr val="000000">
+                <a:alpha val="43000"/>
+              </a:srgbClr>
+            </a:outerShdw>
+          </a:effectLst>
+        </p:spPr>
+      </p:pic>
+    </p:spTree>
+    <p:extLst>
+      <p:ext uri="{BB962C8B-B14F-4D97-AF65-F5344CB8AC3E}">
+        <p14:creationId xmlns:p14="http://schemas.microsoft.com/office/powerpoint/2010/main" val="2948720513"/>
+      </p:ext>
+    </p:extLst>
+  </p:cSld>
+  <p:clrMapOvr>
+    <a:masterClrMapping/>
+  </p:clrMapOvr>
+  <p:timing>
+    <p:tnLst>
+      <p:par>
+        <p:cTn id="1" dur="indefinite" restart="never" nodeType="tmRoot">
+          <p:childTnLst>
+            <p:seq concurrent="1" nextAc="seek">
+              <p:cTn id="2" dur="indefinite" nodeType="mainSeq">
+                <p:childTnLst>
+                  <p:par>
+                    <p:cTn id="3" fill="hold">
+                      <p:stCondLst>
+                        <p:cond delay="indefinite"/>
+                      </p:stCondLst>
+                      <p:childTnLst>
+                        <p:par>
+                          <p:cTn id="4" fill="hold">
+                            <p:stCondLst>
+                              <p:cond delay="0"/>
+                            </p:stCondLst>
+                            <p:childTnLst>
+                              <p:par>
+                                <p:cTn id="5" presetID="1" presetClass="entr" presetSubtype="0" fill="hold" nodeType="clickEffect">
+                                  <p:stCondLst>
+                                    <p:cond delay="0"/>
+                                  </p:stCondLst>
+                                  <p:childTnLst>
+                                    <p:set>
+                                      <p:cBhvr>
+                                        <p:cTn id="6" dur="1" fill="hold">
+                                          <p:stCondLst>
+                                            <p:cond delay="0"/>
+                                          </p:stCondLst>
+                                        </p:cTn>
+                                        <p:tgtEl>
+                                          <p:spTgt spid="3">
+                                            <p:txEl>
+                                              <p:pRg st="0" end="0"/>
+                                            </p:txEl>
+                                          </p:spTgt>
+                                        </p:tgtEl>
+                                        <p:attrNameLst>
+                                          <p:attrName>style.visibility</p:attrName>
+                                        </p:attrNameLst>
+                                      </p:cBhvr>
+                                      <p:to>
+                                        <p:strVal val="visible"/>
+                                      </p:to>
+                                    </p:set>
+                                  </p:childTnLst>
+                                </p:cTn>
+                              </p:par>
+                            </p:childTnLst>
+                          </p:cTn>
+                        </p:par>
+                      </p:childTnLst>
+                    </p:cTn>
+                  </p:par>
+                  <p:par>
+                    <p:cTn id="7" fill="hold">
+                      <p:stCondLst>
+                        <p:cond delay="indefinite"/>
+                      </p:stCondLst>
+                      <p:childTnLst>
+                        <p:par>
+                          <p:cTn id="8" fill="hold">
+                            <p:stCondLst>
+                              <p:cond delay="0"/>
+                            </p:stCondLst>
+                            <p:childTnLst>
+                              <p:par>
+                                <p:cTn id="9" presetID="1" presetClass="entr" presetSubtype="0" fill="hold" nodeType="clickEffect">
+                                  <p:stCondLst>
+                                    <p:cond delay="0"/>
+                                  </p:stCondLst>
+                                  <p:childTnLst>
+                                    <p:set>
+                                      <p:cBhvr>
+                                        <p:cTn id="10" dur="1" fill="hold">
+                                          <p:stCondLst>
+                                            <p:cond delay="0"/>
+                                          </p:stCondLst>
+                                        </p:cTn>
+                                        <p:tgtEl>
+                                          <p:spTgt spid="3">
+                                            <p:txEl>
+                                              <p:pRg st="2" end="2"/>
+                                            </p:txEl>
+                                          </p:spTgt>
+                                        </p:tgtEl>
+                                        <p:attrNameLst>
+                                          <p:attrName>style.visibility</p:attrName>
+                                        </p:attrNameLst>
+                                      </p:cBhvr>
+                                      <p:to>
+                                        <p:strVal val="visible"/>
+                                      </p:to>
+                                    </p:set>
+                                  </p:childTnLst>
+                                </p:cTn>
+                              </p:par>
+                            </p:childTnLst>
+                          </p:cTn>
+                        </p:par>
+                      </p:childTnLst>
+                    </p:cTn>
+                  </p:par>
+                  <p:par>
+                    <p:cTn id="11" fill="hold">
+                      <p:stCondLst>
+                        <p:cond delay="indefinite"/>
+                      </p:stCondLst>
+                      <p:childTnLst>
+                        <p:par>
+                          <p:cTn id="12" fill="hold">
+                            <p:stCondLst>
+                              <p:cond delay="0"/>
+                            </p:stCondLst>
+                            <p:childTnLst>
+                              <p:par>
+                                <p:cTn id="13" presetID="1" presetClass="entr" presetSubtype="0" fill="hold" nodeType="clickEffect">
+                                  <p:stCondLst>
+                                    <p:cond delay="0"/>
+                                  </p:stCondLst>
+                                  <p:childTnLst>
+                                    <p:set>
+                                      <p:cBhvr>
+                                        <p:cTn id="14" dur="1" fill="hold">
+                                          <p:stCondLst>
+                                            <p:cond delay="0"/>
+                                          </p:stCondLst>
+                                        </p:cTn>
+                                        <p:tgtEl>
+                                          <p:spTgt spid="7"/>
+                                        </p:tgtEl>
+                                        <p:attrNameLst>
+                                          <p:attrName>style.visibility</p:attrName>
+                                        </p:attrNameLst>
+                                      </p:cBhvr>
+                                      <p:to>
+                                        <p:strVal val="visible"/>
+                                      </p:to>
+                                    </p:set>
+                                  </p:childTnLst>
+                                </p:cTn>
+                              </p:par>
+                            </p:childTnLst>
+                          </p:cTn>
+                        </p:par>
+                      </p:childTnLst>
+                    </p:cTn>
+                  </p:par>
+                  <p:par>
+                    <p:cTn id="15" fill="hold">
+                      <p:stCondLst>
+                        <p:cond delay="indefinite"/>
+                      </p:stCondLst>
+                      <p:childTnLst>
+                        <p:par>
+                          <p:cTn id="16" fill="hold">
+                            <p:stCondLst>
+                              <p:cond delay="0"/>
+                            </p:stCondLst>
+                            <p:childTnLst>
+                              <p:par>
+                                <p:cTn id="17" presetID="1" presetClass="entr" presetSubtype="0" fill="hold" nodeType="clickEffect">
+                                  <p:stCondLst>
+                                    <p:cond delay="0"/>
+                                  </p:stCondLst>
+                                  <p:childTnLst>
+                                    <p:set>
+                                      <p:cBhvr>
+                                        <p:cTn id="18" dur="1" fill="hold">
+                                          <p:stCondLst>
+                                            <p:cond delay="0"/>
+                                          </p:stCondLst>
+                                        </p:cTn>
+                                        <p:tgtEl>
+                                          <p:spTgt spid="8"/>
+                                        </p:tgtEl>
+                                        <p:attrNameLst>
+                                          <p:attrName>style.visibility</p:attrName>
+                                        </p:attrNameLst>
+                                      </p:cBhvr>
+                                      <p:to>
+                                        <p:strVal val="visible"/>
+                                      </p:to>
+                                    </p:set>
+                                  </p:childTnLst>
+                                </p:cTn>
+                              </p:par>
+                            </p:childTnLst>
+                          </p:cTn>
+                        </p:par>
+                        <p:par>
+                          <p:cTn id="19" fill="hold">
+                            <p:stCondLst>
+                              <p:cond delay="0"/>
+                            </p:stCondLst>
+                            <p:childTnLst>
+                              <p:par>
+                                <p:cTn id="20" presetID="1" presetClass="entr" presetSubtype="0" fill="hold" grpId="0" nodeType="afterEffect">
+                                  <p:stCondLst>
+                                    <p:cond delay="0"/>
+                                  </p:stCondLst>
+                                  <p:childTnLst>
+                                    <p:set>
+                                      <p:cBhvr>
+                                        <p:cTn id="21" dur="1" fill="hold">
+                                          <p:stCondLst>
+                                            <p:cond delay="0"/>
+                                          </p:stCondLst>
+                                        </p:cTn>
+                                        <p:tgtEl>
+                                          <p:spTgt spid="5"/>
+                                        </p:tgtEl>
+                                        <p:attrNameLst>
+                                          <p:attrName>style.visibility</p:attrName>
+                                        </p:attrNameLst>
+                                      </p:cBhvr>
+                                      <p:to>
+                                        <p:strVal val="visible"/>
+                                      </p:to>
+                                    </p:set>
+                                  </p:childTnLst>
+                                </p:cTn>
+                              </p:par>
+                            </p:childTnLst>
+                          </p:cTn>
+                        </p:par>
+                      </p:childTnLst>
+                    </p:cTn>
+                  </p:par>
+                </p:childTnLst>
+              </p:cTn>
+              <p:prevCondLst>
+                <p:cond evt="onPrev" delay="0">
+                  <p:tgtEl>
+                    <p:sldTgt/>
+                  </p:tgtEl>
+                </p:cond>
+              </p:prevCondLst>
+              <p:nextCondLst>
+                <p:cond evt="onNext" delay="0">
+                  <p:tgtEl>
+                    <p:sldTgt/>
+                  </p:tgtEl>
+                </p:cond>
+              </p:nextCondLst>
+            </p:seq>
+          </p:childTnLst>
+        </p:cTn>
+      </p:par>
+    </p:tnLst>
+    <p:bldLst>
+      <p:bldP spid="5" grpId="0" animBg="1"/>
     </p:bldLst>
   </p:timing>
 </p:sld>
